--- a/case.solution_2.pptx
+++ b/case.solution_2.pptx
@@ -13,18 +13,20 @@
     <p:sldId id="262" r:id="rId7"/>
     <p:sldId id="265" r:id="rId8"/>
     <p:sldId id="266" r:id="rId9"/>
-    <p:sldId id="267" r:id="rId10"/>
-    <p:sldId id="268" r:id="rId11"/>
-    <p:sldId id="269" r:id="rId12"/>
-    <p:sldId id="270" r:id="rId13"/>
-    <p:sldId id="271" r:id="rId14"/>
-    <p:sldId id="272" r:id="rId15"/>
-    <p:sldId id="264" r:id="rId16"/>
-    <p:sldId id="274" r:id="rId17"/>
-    <p:sldId id="273" r:id="rId18"/>
-    <p:sldId id="275" r:id="rId19"/>
-    <p:sldId id="276" r:id="rId20"/>
-    <p:sldId id="277" r:id="rId21"/>
+    <p:sldId id="278" r:id="rId10"/>
+    <p:sldId id="279" r:id="rId11"/>
+    <p:sldId id="267" r:id="rId12"/>
+    <p:sldId id="268" r:id="rId13"/>
+    <p:sldId id="269" r:id="rId14"/>
+    <p:sldId id="270" r:id="rId15"/>
+    <p:sldId id="271" r:id="rId16"/>
+    <p:sldId id="272" r:id="rId17"/>
+    <p:sldId id="264" r:id="rId18"/>
+    <p:sldId id="274" r:id="rId19"/>
+    <p:sldId id="273" r:id="rId20"/>
+    <p:sldId id="275" r:id="rId21"/>
+    <p:sldId id="276" r:id="rId22"/>
+    <p:sldId id="277" r:id="rId23"/>
   </p:sldIdLst>
   <p:sldSz cx="9144000" cy="6858000" type="screen4x3"/>
   <p:notesSz cx="6858000" cy="9144000"/>
@@ -3094,17 +3096,19 @@
       </p:grpSpPr>
       <p:pic>
         <p:nvPicPr>
-          <p:cNvPr id="5" name="Picture 4">
+          <p:cNvPr id="4" name="Content Placeholder 3">
             <a:extLst>
               <a:ext uri="{FF2B5EF4-FFF2-40B4-BE49-F238E27FC236}">
-                <a16:creationId xmlns:a16="http://schemas.microsoft.com/office/drawing/2014/main" id="{1EACF96F-B4CE-687F-664F-98D428CFEA8F}"/>
+                <a16:creationId xmlns:a16="http://schemas.microsoft.com/office/drawing/2014/main" id="{565D711B-9BC3-9AF9-D664-016018BD1669}"/>
               </a:ext>
             </a:extLst>
           </p:cNvPr>
           <p:cNvPicPr>
-            <a:picLocks noChangeAspect="1"/>
+            <a:picLocks noGrp="1" noChangeAspect="1"/>
           </p:cNvPicPr>
-          <p:nvPr/>
+          <p:nvPr>
+            <p:ph idx="1"/>
+          </p:nvPr>
         </p:nvPicPr>
         <p:blipFill>
           <a:blip r:embed="rId2">
@@ -3120,8 +3124,8 @@
         </p:blipFill>
         <p:spPr>
           <a:xfrm>
-            <a:off x="1720331" y="857250"/>
-            <a:ext cx="5143500" cy="5143500"/>
+            <a:off x="-1" y="1916792"/>
+            <a:ext cx="9013371" cy="4501991"/>
           </a:xfrm>
           <a:prstGeom prst="rect">
             <a:avLst/>
@@ -3131,7 +3135,7 @@
     </p:spTree>
     <p:extLst>
       <p:ext uri="{BB962C8B-B14F-4D97-AF65-F5344CB8AC3E}">
-        <p14:creationId xmlns:p14="http://schemas.microsoft.com/office/powerpoint/2010/main" val="1120144027"/>
+        <p14:creationId xmlns:p14="http://schemas.microsoft.com/office/powerpoint/2010/main" val="2558615021"/>
       </p:ext>
     </p:extLst>
   </p:cSld>
@@ -3160,10 +3164,45 @@
       </p:grpSpPr>
       <p:pic>
         <p:nvPicPr>
-          <p:cNvPr id="12" name="Picture 11">
+          <p:cNvPr id="5" name="Content Placeholder 4">
             <a:extLst>
               <a:ext uri="{FF2B5EF4-FFF2-40B4-BE49-F238E27FC236}">
-                <a16:creationId xmlns:a16="http://schemas.microsoft.com/office/drawing/2014/main" id="{B829EA5B-F883-9D99-D7A5-28CF96793BF9}"/>
+                <a16:creationId xmlns:a16="http://schemas.microsoft.com/office/drawing/2014/main" id="{0C0856CD-BC73-8348-0AB2-50CD05E02A8C}"/>
+              </a:ext>
+            </a:extLst>
+          </p:cNvPr>
+          <p:cNvPicPr>
+            <a:picLocks noGrp="1" noChangeAspect="1"/>
+          </p:cNvPicPr>
+          <p:nvPr>
+            <p:ph idx="1"/>
+          </p:nvPr>
+        </p:nvPicPr>
+        <p:blipFill>
+          <a:blip r:embed="rId2">
+            <a:extLst>
+              <a:ext uri="{28A0092B-C50C-407E-A947-70E740481C1C}">
+                <a14:useLocalDpi xmlns:a14="http://schemas.microsoft.com/office/drawing/2010/main" val="0"/>
+              </a:ext>
+            </a:extLst>
+          </a:blip>
+          <a:stretch>
+            <a:fillRect/>
+          </a:stretch>
+        </p:blipFill>
+        <p:spPr>
+          <a:xfrm>
+            <a:off x="544675" y="3403007"/>
+            <a:ext cx="6917193" cy="3454993"/>
+          </a:xfrm>
+        </p:spPr>
+      </p:pic>
+      <p:pic>
+        <p:nvPicPr>
+          <p:cNvPr id="7" name="Picture 6">
+            <a:extLst>
+              <a:ext uri="{FF2B5EF4-FFF2-40B4-BE49-F238E27FC236}">
+                <a16:creationId xmlns:a16="http://schemas.microsoft.com/office/drawing/2014/main" id="{95338554-E2EE-DC2F-2C37-6C0354780BD1}"/>
               </a:ext>
             </a:extLst>
           </p:cNvPr>
@@ -3173,110 +3212,21 @@
           <p:nvPr/>
         </p:nvPicPr>
         <p:blipFill>
-          <a:blip r:embed="rId2"/>
+          <a:blip r:embed="rId3">
+            <a:extLst>
+              <a:ext uri="{28A0092B-C50C-407E-A947-70E740481C1C}">
+                <a14:useLocalDpi xmlns:a14="http://schemas.microsoft.com/office/drawing/2010/main" val="0"/>
+              </a:ext>
+            </a:extLst>
+          </a:blip>
           <a:stretch>
             <a:fillRect/>
           </a:stretch>
         </p:blipFill>
         <p:spPr>
           <a:xfrm>
-            <a:off x="146958" y="3387736"/>
-            <a:ext cx="4331736" cy="2586893"/>
-          </a:xfrm>
-          <a:prstGeom prst="rect">
-            <a:avLst/>
-          </a:prstGeom>
-        </p:spPr>
-      </p:pic>
-      <p:pic>
-        <p:nvPicPr>
-          <p:cNvPr id="14" name="Picture 13">
-            <a:extLst>
-              <a:ext uri="{FF2B5EF4-FFF2-40B4-BE49-F238E27FC236}">
-                <a16:creationId xmlns:a16="http://schemas.microsoft.com/office/drawing/2014/main" id="{31B07FCE-C9F1-F42B-97A2-1F54468C7787}"/>
-              </a:ext>
-            </a:extLst>
-          </p:cNvPr>
-          <p:cNvPicPr>
-            <a:picLocks noChangeAspect="1"/>
-          </p:cNvPicPr>
-          <p:nvPr/>
-        </p:nvPicPr>
-        <p:blipFill>
-          <a:blip r:embed="rId3"/>
-          <a:stretch>
-            <a:fillRect/>
-          </a:stretch>
-        </p:blipFill>
-        <p:spPr>
-          <a:xfrm>
-            <a:off x="124777" y="871278"/>
-            <a:ext cx="4353917" cy="2516458"/>
-          </a:xfrm>
-          <a:prstGeom prst="rect">
-            <a:avLst/>
-          </a:prstGeom>
-        </p:spPr>
-      </p:pic>
-      <p:sp>
-        <p:nvSpPr>
-          <p:cNvPr id="10" name="Title 9">
-            <a:extLst>
-              <a:ext uri="{FF2B5EF4-FFF2-40B4-BE49-F238E27FC236}">
-                <a16:creationId xmlns:a16="http://schemas.microsoft.com/office/drawing/2014/main" id="{D364C040-B3D1-E9E7-FAA1-86ACA998B051}"/>
-              </a:ext>
-            </a:extLst>
-          </p:cNvPr>
-          <p:cNvSpPr>
-            <a:spLocks noGrp="1"/>
-          </p:cNvSpPr>
-          <p:nvPr>
-            <p:ph type="title"/>
-          </p:nvPr>
-        </p:nvSpPr>
-        <p:spPr>
-          <a:xfrm>
-            <a:off x="222769" y="916807"/>
-            <a:ext cx="3066272" cy="610208"/>
-          </a:xfrm>
-        </p:spPr>
-        <p:txBody>
-          <a:bodyPr>
-            <a:normAutofit fontScale="90000"/>
-          </a:bodyPr>
-          <a:lstStyle/>
-          <a:p>
-            <a:r>
-              <a:rPr lang="en-GB" dirty="0"/>
-              <a:t>Periodograms</a:t>
-            </a:r>
-          </a:p>
-        </p:txBody>
-      </p:sp>
-      <p:pic>
-        <p:nvPicPr>
-          <p:cNvPr id="16" name="Picture 15">
-            <a:extLst>
-              <a:ext uri="{FF2B5EF4-FFF2-40B4-BE49-F238E27FC236}">
-                <a16:creationId xmlns:a16="http://schemas.microsoft.com/office/drawing/2014/main" id="{FE4E5863-F02E-34A9-49A4-6BB0D6502929}"/>
-              </a:ext>
-            </a:extLst>
-          </p:cNvPr>
-          <p:cNvPicPr>
-            <a:picLocks noChangeAspect="1"/>
-          </p:cNvPicPr>
-          <p:nvPr/>
-        </p:nvPicPr>
-        <p:blipFill>
-          <a:blip r:embed="rId4"/>
-          <a:stretch>
-            <a:fillRect/>
-          </a:stretch>
-        </p:blipFill>
-        <p:spPr>
-          <a:xfrm>
-            <a:off x="4572000" y="1934223"/>
-            <a:ext cx="4497620" cy="2677360"/>
+            <a:off x="696586" y="49883"/>
+            <a:ext cx="6765282" cy="3379117"/>
           </a:xfrm>
           <a:prstGeom prst="rect">
             <a:avLst/>
@@ -3286,7 +3236,7 @@
     </p:spTree>
     <p:extLst>
       <p:ext uri="{BB962C8B-B14F-4D97-AF65-F5344CB8AC3E}">
-        <p14:creationId xmlns:p14="http://schemas.microsoft.com/office/powerpoint/2010/main" val="1842141816"/>
+        <p14:creationId xmlns:p14="http://schemas.microsoft.com/office/powerpoint/2010/main" val="3326628029"/>
       </p:ext>
     </p:extLst>
   </p:cSld>
@@ -3315,10 +3265,10 @@
       </p:grpSpPr>
       <p:pic>
         <p:nvPicPr>
-          <p:cNvPr id="7" name="Picture 6">
+          <p:cNvPr id="5" name="Picture 4">
             <a:extLst>
               <a:ext uri="{FF2B5EF4-FFF2-40B4-BE49-F238E27FC236}">
-                <a16:creationId xmlns:a16="http://schemas.microsoft.com/office/drawing/2014/main" id="{65A24BCF-CF70-2252-CADB-28BAE4A890A9}"/>
+                <a16:creationId xmlns:a16="http://schemas.microsoft.com/office/drawing/2014/main" id="{1EACF96F-B4CE-687F-664F-98D428CFEA8F}"/>
               </a:ext>
             </a:extLst>
           </p:cNvPr>
@@ -3341,115 +3291,8 @@
         </p:blipFill>
         <p:spPr>
           <a:xfrm>
-            <a:off x="90972" y="842414"/>
-            <a:ext cx="5458409" cy="2726362"/>
-          </a:xfrm>
-          <a:prstGeom prst="rect">
-            <a:avLst/>
-          </a:prstGeom>
-        </p:spPr>
-      </p:pic>
-      <p:sp>
-        <p:nvSpPr>
-          <p:cNvPr id="2" name="Title 1">
-            <a:extLst>
-              <a:ext uri="{FF2B5EF4-FFF2-40B4-BE49-F238E27FC236}">
-                <a16:creationId xmlns:a16="http://schemas.microsoft.com/office/drawing/2014/main" id="{D8692BBF-C889-7212-4565-AB503A9D1F7A}"/>
-              </a:ext>
-            </a:extLst>
-          </p:cNvPr>
-          <p:cNvSpPr>
-            <a:spLocks noGrp="1"/>
-          </p:cNvSpPr>
-          <p:nvPr>
-            <p:ph type="title"/>
-          </p:nvPr>
-        </p:nvSpPr>
-        <p:spPr>
-          <a:xfrm>
-            <a:off x="90973" y="973147"/>
-            <a:ext cx="3998168" cy="529039"/>
-          </a:xfrm>
-        </p:spPr>
-        <p:txBody>
-          <a:bodyPr>
-            <a:normAutofit fontScale="90000"/>
-          </a:bodyPr>
-          <a:lstStyle/>
-          <a:p>
-            <a:r>
-              <a:rPr lang="en-GB" sz="2700" dirty="0"/>
-              <a:t>Forecast SARIMAX(stop1_2)</a:t>
-            </a:r>
-          </a:p>
-        </p:txBody>
-      </p:sp>
-      <p:pic>
-        <p:nvPicPr>
-          <p:cNvPr id="5" name="Picture 4">
-            <a:extLst>
-              <a:ext uri="{FF2B5EF4-FFF2-40B4-BE49-F238E27FC236}">
-                <a16:creationId xmlns:a16="http://schemas.microsoft.com/office/drawing/2014/main" id="{C5A1CDA2-9092-015D-7795-48751D32C2DD}"/>
-              </a:ext>
-            </a:extLst>
-          </p:cNvPr>
-          <p:cNvPicPr>
-            <a:picLocks noChangeAspect="1"/>
-          </p:cNvPicPr>
-          <p:nvPr/>
-        </p:nvPicPr>
-        <p:blipFill>
-          <a:blip r:embed="rId3">
-            <a:extLst>
-              <a:ext uri="{28A0092B-C50C-407E-A947-70E740481C1C}">
-                <a14:useLocalDpi xmlns:a14="http://schemas.microsoft.com/office/drawing/2010/main" val="0"/>
-              </a:ext>
-            </a:extLst>
-          </a:blip>
-          <a:stretch>
-            <a:fillRect/>
-          </a:stretch>
-        </p:blipFill>
-        <p:spPr>
-          <a:xfrm>
-            <a:off x="0" y="3429000"/>
-            <a:ext cx="5442855" cy="2718593"/>
-          </a:xfrm>
-          <a:prstGeom prst="rect">
-            <a:avLst/>
-          </a:prstGeom>
-        </p:spPr>
-      </p:pic>
-      <p:pic>
-        <p:nvPicPr>
-          <p:cNvPr id="9" name="Picture 8">
-            <a:extLst>
-              <a:ext uri="{FF2B5EF4-FFF2-40B4-BE49-F238E27FC236}">
-                <a16:creationId xmlns:a16="http://schemas.microsoft.com/office/drawing/2014/main" id="{C1E073FC-2101-3554-0224-58144DDF644F}"/>
-              </a:ext>
-            </a:extLst>
-          </p:cNvPr>
-          <p:cNvPicPr>
-            <a:picLocks noChangeAspect="1"/>
-          </p:cNvPicPr>
-          <p:nvPr/>
-        </p:nvPicPr>
-        <p:blipFill>
-          <a:blip r:embed="rId4">
-            <a:extLst>
-              <a:ext uri="{28A0092B-C50C-407E-A947-70E740481C1C}">
-                <a14:useLocalDpi xmlns:a14="http://schemas.microsoft.com/office/drawing/2010/main" val="0"/>
-              </a:ext>
-            </a:extLst>
-          </a:blip>
-          <a:stretch>
-            <a:fillRect/>
-          </a:stretch>
-        </p:blipFill>
-        <p:spPr>
-          <a:xfrm>
-            <a:off x="5442855" y="2205595"/>
-            <a:ext cx="3779423" cy="2523491"/>
+            <a:off x="1421460" y="278460"/>
+            <a:ext cx="6301080" cy="6301080"/>
           </a:xfrm>
           <a:prstGeom prst="rect">
             <a:avLst/>
@@ -3459,7 +3302,7 @@
     </p:spTree>
     <p:extLst>
       <p:ext uri="{BB962C8B-B14F-4D97-AF65-F5344CB8AC3E}">
-        <p14:creationId xmlns:p14="http://schemas.microsoft.com/office/powerpoint/2010/main" val="4021750640"/>
+        <p14:creationId xmlns:p14="http://schemas.microsoft.com/office/powerpoint/2010/main" val="1120144027"/>
       </p:ext>
     </p:extLst>
   </p:cSld>
@@ -3488,10 +3331,10 @@
       </p:grpSpPr>
       <p:pic>
         <p:nvPicPr>
-          <p:cNvPr id="11" name="Picture 10">
+          <p:cNvPr id="12" name="Picture 11">
             <a:extLst>
               <a:ext uri="{FF2B5EF4-FFF2-40B4-BE49-F238E27FC236}">
-                <a16:creationId xmlns:a16="http://schemas.microsoft.com/office/drawing/2014/main" id="{CB8E1A67-2F13-DC30-7EE7-273F5C403C03}"/>
+                <a16:creationId xmlns:a16="http://schemas.microsoft.com/office/drawing/2014/main" id="{B829EA5B-F883-9D99-D7A5-28CF96793BF9}"/>
               </a:ext>
             </a:extLst>
           </p:cNvPr>
@@ -3501,68 +3344,27 @@
           <p:nvPr/>
         </p:nvPicPr>
         <p:blipFill>
-          <a:blip r:embed="rId2">
-            <a:extLst>
-              <a:ext uri="{28A0092B-C50C-407E-A947-70E740481C1C}">
-                <a14:useLocalDpi xmlns:a14="http://schemas.microsoft.com/office/drawing/2010/main" val="0"/>
-              </a:ext>
-            </a:extLst>
-          </a:blip>
+          <a:blip r:embed="rId2"/>
           <a:stretch>
             <a:fillRect/>
           </a:stretch>
         </p:blipFill>
         <p:spPr>
           <a:xfrm>
-            <a:off x="12471" y="916668"/>
-            <a:ext cx="5314397" cy="2654430"/>
+            <a:off x="146958" y="3387736"/>
+            <a:ext cx="4331736" cy="2586893"/>
           </a:xfrm>
           <a:prstGeom prst="rect">
             <a:avLst/>
           </a:prstGeom>
         </p:spPr>
       </p:pic>
-      <p:sp>
-        <p:nvSpPr>
-          <p:cNvPr id="2" name="Title 1">
-            <a:extLst>
-              <a:ext uri="{FF2B5EF4-FFF2-40B4-BE49-F238E27FC236}">
-                <a16:creationId xmlns:a16="http://schemas.microsoft.com/office/drawing/2014/main" id="{48B9A67E-1390-36D5-6F6B-24E7F34CDDBA}"/>
-              </a:ext>
-            </a:extLst>
-          </p:cNvPr>
-          <p:cNvSpPr>
-            <a:spLocks noGrp="1"/>
-          </p:cNvSpPr>
-          <p:nvPr>
-            <p:ph type="title"/>
-          </p:nvPr>
-        </p:nvSpPr>
-        <p:spPr>
-          <a:xfrm>
-            <a:off x="104969" y="1004208"/>
-            <a:ext cx="3366018" cy="657809"/>
-          </a:xfrm>
-        </p:spPr>
-        <p:txBody>
-          <a:bodyPr>
-            <a:noAutofit/>
-          </a:bodyPr>
-          <a:lstStyle/>
-          <a:p>
-            <a:r>
-              <a:rPr lang="en-GB" sz="2100" dirty="0"/>
-              <a:t>Forecast SARIMAX(stop2_3)</a:t>
-            </a:r>
-          </a:p>
-        </p:txBody>
-      </p:sp>
       <p:pic>
         <p:nvPicPr>
-          <p:cNvPr id="13" name="Picture 12">
+          <p:cNvPr id="14" name="Picture 13">
             <a:extLst>
               <a:ext uri="{FF2B5EF4-FFF2-40B4-BE49-F238E27FC236}">
-                <a16:creationId xmlns:a16="http://schemas.microsoft.com/office/drawing/2014/main" id="{6F2E7A71-FF61-5812-36C4-578F146AB264}"/>
+                <a16:creationId xmlns:a16="http://schemas.microsoft.com/office/drawing/2014/main" id="{31B07FCE-C9F1-F42B-97A2-1F54468C7787}"/>
               </a:ext>
             </a:extLst>
           </p:cNvPr>
@@ -3572,33 +3374,62 @@
           <p:nvPr/>
         </p:nvPicPr>
         <p:blipFill>
-          <a:blip r:embed="rId3">
-            <a:extLst>
-              <a:ext uri="{28A0092B-C50C-407E-A947-70E740481C1C}">
-                <a14:useLocalDpi xmlns:a14="http://schemas.microsoft.com/office/drawing/2010/main" val="0"/>
-              </a:ext>
-            </a:extLst>
-          </a:blip>
+          <a:blip r:embed="rId3"/>
           <a:stretch>
             <a:fillRect/>
           </a:stretch>
         </p:blipFill>
         <p:spPr>
           <a:xfrm>
-            <a:off x="5326868" y="2375807"/>
-            <a:ext cx="3740978" cy="2497823"/>
+            <a:off x="124777" y="871278"/>
+            <a:ext cx="4353917" cy="2516458"/>
           </a:xfrm>
           <a:prstGeom prst="rect">
             <a:avLst/>
           </a:prstGeom>
         </p:spPr>
       </p:pic>
+      <p:sp>
+        <p:nvSpPr>
+          <p:cNvPr id="10" name="Title 9">
+            <a:extLst>
+              <a:ext uri="{FF2B5EF4-FFF2-40B4-BE49-F238E27FC236}">
+                <a16:creationId xmlns:a16="http://schemas.microsoft.com/office/drawing/2014/main" id="{D364C040-B3D1-E9E7-FAA1-86ACA998B051}"/>
+              </a:ext>
+            </a:extLst>
+          </p:cNvPr>
+          <p:cNvSpPr>
+            <a:spLocks noGrp="1"/>
+          </p:cNvSpPr>
+          <p:nvPr>
+            <p:ph type="title"/>
+          </p:nvPr>
+        </p:nvSpPr>
+        <p:spPr>
+          <a:xfrm>
+            <a:off x="146958" y="248702"/>
+            <a:ext cx="3066272" cy="610208"/>
+          </a:xfrm>
+        </p:spPr>
+        <p:txBody>
+          <a:bodyPr>
+            <a:normAutofit fontScale="90000"/>
+          </a:bodyPr>
+          <a:lstStyle/>
+          <a:p>
+            <a:r>
+              <a:rPr lang="en-GB" dirty="0"/>
+              <a:t>Periodograms</a:t>
+            </a:r>
+          </a:p>
+        </p:txBody>
+      </p:sp>
       <p:pic>
         <p:nvPicPr>
-          <p:cNvPr id="15" name="Picture 14">
+          <p:cNvPr id="16" name="Picture 15">
             <a:extLst>
               <a:ext uri="{FF2B5EF4-FFF2-40B4-BE49-F238E27FC236}">
-                <a16:creationId xmlns:a16="http://schemas.microsoft.com/office/drawing/2014/main" id="{3A046CDB-345B-C78A-0E68-9D4012F23056}"/>
+                <a16:creationId xmlns:a16="http://schemas.microsoft.com/office/drawing/2014/main" id="{FE4E5863-F02E-34A9-49A4-6BB0D6502929}"/>
               </a:ext>
             </a:extLst>
           </p:cNvPr>
@@ -3608,21 +3439,15 @@
           <p:nvPr/>
         </p:nvPicPr>
         <p:blipFill>
-          <a:blip r:embed="rId4">
-            <a:extLst>
-              <a:ext uri="{28A0092B-C50C-407E-A947-70E740481C1C}">
-                <a14:useLocalDpi xmlns:a14="http://schemas.microsoft.com/office/drawing/2010/main" val="0"/>
-              </a:ext>
-            </a:extLst>
-          </a:blip>
+          <a:blip r:embed="rId4"/>
           <a:stretch>
             <a:fillRect/>
           </a:stretch>
         </p:blipFill>
         <p:spPr>
           <a:xfrm>
-            <a:off x="203476" y="3493338"/>
-            <a:ext cx="5123392" cy="2559027"/>
+            <a:off x="4478694" y="1959545"/>
+            <a:ext cx="4572000" cy="2721637"/>
           </a:xfrm>
           <a:prstGeom prst="rect">
             <a:avLst/>
@@ -3632,7 +3457,7 @@
     </p:spTree>
     <p:extLst>
       <p:ext uri="{BB962C8B-B14F-4D97-AF65-F5344CB8AC3E}">
-        <p14:creationId xmlns:p14="http://schemas.microsoft.com/office/powerpoint/2010/main" val="3517576900"/>
+        <p14:creationId xmlns:p14="http://schemas.microsoft.com/office/powerpoint/2010/main" val="1842141816"/>
       </p:ext>
     </p:extLst>
   </p:cSld>
@@ -3661,10 +3486,10 @@
       </p:grpSpPr>
       <p:pic>
         <p:nvPicPr>
-          <p:cNvPr id="5" name="Picture 4">
+          <p:cNvPr id="7" name="Picture 6">
             <a:extLst>
               <a:ext uri="{FF2B5EF4-FFF2-40B4-BE49-F238E27FC236}">
-                <a16:creationId xmlns:a16="http://schemas.microsoft.com/office/drawing/2014/main" id="{89D4D252-DBFE-C29D-2B2B-41BB5839D953}"/>
+                <a16:creationId xmlns:a16="http://schemas.microsoft.com/office/drawing/2014/main" id="{65A24BCF-CF70-2252-CADB-28BAE4A890A9}"/>
               </a:ext>
             </a:extLst>
           </p:cNvPr>
@@ -3687,20 +3512,55 @@
         </p:blipFill>
         <p:spPr>
           <a:xfrm>
-            <a:off x="76978" y="857250"/>
-            <a:ext cx="5164494" cy="2579557"/>
+            <a:off x="90972" y="842414"/>
+            <a:ext cx="5458409" cy="2726362"/>
           </a:xfrm>
           <a:prstGeom prst="rect">
             <a:avLst/>
           </a:prstGeom>
         </p:spPr>
       </p:pic>
+      <p:sp>
+        <p:nvSpPr>
+          <p:cNvPr id="2" name="Title 1">
+            <a:extLst>
+              <a:ext uri="{FF2B5EF4-FFF2-40B4-BE49-F238E27FC236}">
+                <a16:creationId xmlns:a16="http://schemas.microsoft.com/office/drawing/2014/main" id="{D8692BBF-C889-7212-4565-AB503A9D1F7A}"/>
+              </a:ext>
+            </a:extLst>
+          </p:cNvPr>
+          <p:cNvSpPr>
+            <a:spLocks noGrp="1"/>
+          </p:cNvSpPr>
+          <p:nvPr>
+            <p:ph type="title"/>
+          </p:nvPr>
+        </p:nvSpPr>
+        <p:spPr>
+          <a:xfrm>
+            <a:off x="0" y="114730"/>
+            <a:ext cx="3998168" cy="529039"/>
+          </a:xfrm>
+        </p:spPr>
+        <p:txBody>
+          <a:bodyPr>
+            <a:normAutofit fontScale="90000"/>
+          </a:bodyPr>
+          <a:lstStyle/>
+          <a:p>
+            <a:r>
+              <a:rPr lang="en-GB" sz="2700" dirty="0"/>
+              <a:t>Forecast SARIMAX(stop1_2)</a:t>
+            </a:r>
+          </a:p>
+        </p:txBody>
+      </p:sp>
       <p:pic>
         <p:nvPicPr>
-          <p:cNvPr id="9" name="Picture 8">
+          <p:cNvPr id="5" name="Picture 4">
             <a:extLst>
               <a:ext uri="{FF2B5EF4-FFF2-40B4-BE49-F238E27FC236}">
-                <a16:creationId xmlns:a16="http://schemas.microsoft.com/office/drawing/2014/main" id="{6B3616D3-99F4-3872-A522-778CA299F5FB}"/>
+                <a16:creationId xmlns:a16="http://schemas.microsoft.com/office/drawing/2014/main" id="{C5A1CDA2-9092-015D-7795-48751D32C2DD}"/>
               </a:ext>
             </a:extLst>
           </p:cNvPr>
@@ -3723,8 +3583,8 @@
         </p:blipFill>
         <p:spPr>
           <a:xfrm>
-            <a:off x="282768" y="3424795"/>
-            <a:ext cx="4958704" cy="2476769"/>
+            <a:off x="0" y="3429000"/>
+            <a:ext cx="5442855" cy="2718593"/>
           </a:xfrm>
           <a:prstGeom prst="rect">
             <a:avLst/>
@@ -3733,10 +3593,10 @@
       </p:pic>
       <p:pic>
         <p:nvPicPr>
-          <p:cNvPr id="11" name="Picture 10">
+          <p:cNvPr id="9" name="Picture 8">
             <a:extLst>
               <a:ext uri="{FF2B5EF4-FFF2-40B4-BE49-F238E27FC236}">
-                <a16:creationId xmlns:a16="http://schemas.microsoft.com/office/drawing/2014/main" id="{291AF256-455D-AED4-E746-678EC9DDC189}"/>
+                <a16:creationId xmlns:a16="http://schemas.microsoft.com/office/drawing/2014/main" id="{C1E073FC-2101-3554-0224-58144DDF644F}"/>
               </a:ext>
             </a:extLst>
           </p:cNvPr>
@@ -3759,53 +3619,18 @@
         </p:blipFill>
         <p:spPr>
           <a:xfrm>
-            <a:off x="5241472" y="1885950"/>
-            <a:ext cx="3804455" cy="2859176"/>
+            <a:off x="5442855" y="2205595"/>
+            <a:ext cx="3779423" cy="2523491"/>
           </a:xfrm>
           <a:prstGeom prst="rect">
             <a:avLst/>
           </a:prstGeom>
         </p:spPr>
       </p:pic>
-      <p:sp>
-        <p:nvSpPr>
-          <p:cNvPr id="14" name="Title 13">
-            <a:extLst>
-              <a:ext uri="{FF2B5EF4-FFF2-40B4-BE49-F238E27FC236}">
-                <a16:creationId xmlns:a16="http://schemas.microsoft.com/office/drawing/2014/main" id="{DB2A8A8B-89FE-6B10-FD26-AFB18696F214}"/>
-              </a:ext>
-            </a:extLst>
-          </p:cNvPr>
-          <p:cNvSpPr>
-            <a:spLocks noGrp="1"/>
-          </p:cNvSpPr>
-          <p:nvPr>
-            <p:ph type="title"/>
-          </p:nvPr>
-        </p:nvSpPr>
-        <p:spPr>
-          <a:xfrm>
-            <a:off x="76978" y="857250"/>
-            <a:ext cx="2702378" cy="635891"/>
-          </a:xfrm>
-        </p:spPr>
-        <p:txBody>
-          <a:bodyPr>
-            <a:normAutofit/>
-          </a:bodyPr>
-          <a:lstStyle/>
-          <a:p>
-            <a:r>
-              <a:rPr lang="en-GB" sz="1800" dirty="0"/>
-              <a:t>Forecast SARIMAX(stop3_4)</a:t>
-            </a:r>
-          </a:p>
-        </p:txBody>
-      </p:sp>
     </p:spTree>
     <p:extLst>
       <p:ext uri="{BB962C8B-B14F-4D97-AF65-F5344CB8AC3E}">
-        <p14:creationId xmlns:p14="http://schemas.microsoft.com/office/powerpoint/2010/main" val="3519447496"/>
+        <p14:creationId xmlns:p14="http://schemas.microsoft.com/office/powerpoint/2010/main" val="4021750640"/>
       </p:ext>
     </p:extLst>
   </p:cSld>
@@ -3832,40 +3657,12 @@
           <a:chExt cx="0" cy="0"/>
         </a:xfrm>
       </p:grpSpPr>
-      <p:sp>
-        <p:nvSpPr>
-          <p:cNvPr id="2" name="Title 1">
-            <a:extLst>
-              <a:ext uri="{FF2B5EF4-FFF2-40B4-BE49-F238E27FC236}">
-                <a16:creationId xmlns:a16="http://schemas.microsoft.com/office/drawing/2014/main" id="{AD650CD5-84F1-A2A1-6326-B703A5241100}"/>
-              </a:ext>
-            </a:extLst>
-          </p:cNvPr>
-          <p:cNvSpPr>
-            <a:spLocks noGrp="1"/>
-          </p:cNvSpPr>
-          <p:nvPr>
-            <p:ph type="title"/>
-          </p:nvPr>
-        </p:nvSpPr>
-        <p:spPr/>
-        <p:txBody>
-          <a:bodyPr/>
-          <a:lstStyle/>
-          <a:p>
-            <a:r>
-              <a:rPr lang="en-GB" dirty="0"/>
-              <a:t>VAR models</a:t>
-            </a:r>
-          </a:p>
-        </p:txBody>
-      </p:sp>
       <p:pic>
         <p:nvPicPr>
-          <p:cNvPr id="10" name="Picture 9">
+          <p:cNvPr id="11" name="Picture 10">
             <a:extLst>
               <a:ext uri="{FF2B5EF4-FFF2-40B4-BE49-F238E27FC236}">
-                <a16:creationId xmlns:a16="http://schemas.microsoft.com/office/drawing/2014/main" id="{5CC3212A-A1A9-C9D5-3AE7-0DF445A82D0F}"/>
+                <a16:creationId xmlns:a16="http://schemas.microsoft.com/office/drawing/2014/main" id="{CB8E1A67-2F13-DC30-7EE7-273F5C403C03}"/>
               </a:ext>
             </a:extLst>
           </p:cNvPr>
@@ -3875,15 +3672,128 @@
           <p:nvPr/>
         </p:nvPicPr>
         <p:blipFill>
-          <a:blip r:embed="rId2"/>
+          <a:blip r:embed="rId2">
+            <a:extLst>
+              <a:ext uri="{28A0092B-C50C-407E-A947-70E740481C1C}">
+                <a14:useLocalDpi xmlns:a14="http://schemas.microsoft.com/office/drawing/2010/main" val="0"/>
+              </a:ext>
+            </a:extLst>
+          </a:blip>
           <a:stretch>
             <a:fillRect/>
           </a:stretch>
         </p:blipFill>
         <p:spPr>
           <a:xfrm>
-            <a:off x="79108" y="1438454"/>
-            <a:ext cx="8985784" cy="4916750"/>
+            <a:off x="12471" y="916668"/>
+            <a:ext cx="5314397" cy="2654430"/>
+          </a:xfrm>
+          <a:prstGeom prst="rect">
+            <a:avLst/>
+          </a:prstGeom>
+        </p:spPr>
+      </p:pic>
+      <p:sp>
+        <p:nvSpPr>
+          <p:cNvPr id="2" name="Title 1">
+            <a:extLst>
+              <a:ext uri="{FF2B5EF4-FFF2-40B4-BE49-F238E27FC236}">
+                <a16:creationId xmlns:a16="http://schemas.microsoft.com/office/drawing/2014/main" id="{48B9A67E-1390-36D5-6F6B-24E7F34CDDBA}"/>
+              </a:ext>
+            </a:extLst>
+          </p:cNvPr>
+          <p:cNvSpPr>
+            <a:spLocks noGrp="1"/>
+          </p:cNvSpPr>
+          <p:nvPr>
+            <p:ph type="title"/>
+          </p:nvPr>
+        </p:nvSpPr>
+        <p:spPr>
+          <a:xfrm>
+            <a:off x="12471" y="147826"/>
+            <a:ext cx="3366018" cy="657809"/>
+          </a:xfrm>
+        </p:spPr>
+        <p:txBody>
+          <a:bodyPr>
+            <a:noAutofit/>
+          </a:bodyPr>
+          <a:lstStyle/>
+          <a:p>
+            <a:r>
+              <a:rPr lang="en-GB" sz="2100" dirty="0"/>
+              <a:t>Forecast SARIMAX(stop2_3)</a:t>
+            </a:r>
+          </a:p>
+        </p:txBody>
+      </p:sp>
+      <p:pic>
+        <p:nvPicPr>
+          <p:cNvPr id="13" name="Picture 12">
+            <a:extLst>
+              <a:ext uri="{FF2B5EF4-FFF2-40B4-BE49-F238E27FC236}">
+                <a16:creationId xmlns:a16="http://schemas.microsoft.com/office/drawing/2014/main" id="{6F2E7A71-FF61-5812-36C4-578F146AB264}"/>
+              </a:ext>
+            </a:extLst>
+          </p:cNvPr>
+          <p:cNvPicPr>
+            <a:picLocks noChangeAspect="1"/>
+          </p:cNvPicPr>
+          <p:nvPr/>
+        </p:nvPicPr>
+        <p:blipFill>
+          <a:blip r:embed="rId3">
+            <a:extLst>
+              <a:ext uri="{28A0092B-C50C-407E-A947-70E740481C1C}">
+                <a14:useLocalDpi xmlns:a14="http://schemas.microsoft.com/office/drawing/2010/main" val="0"/>
+              </a:ext>
+            </a:extLst>
+          </a:blip>
+          <a:stretch>
+            <a:fillRect/>
+          </a:stretch>
+        </p:blipFill>
+        <p:spPr>
+          <a:xfrm>
+            <a:off x="5326868" y="2375807"/>
+            <a:ext cx="3740978" cy="2497823"/>
+          </a:xfrm>
+          <a:prstGeom prst="rect">
+            <a:avLst/>
+          </a:prstGeom>
+        </p:spPr>
+      </p:pic>
+      <p:pic>
+        <p:nvPicPr>
+          <p:cNvPr id="15" name="Picture 14">
+            <a:extLst>
+              <a:ext uri="{FF2B5EF4-FFF2-40B4-BE49-F238E27FC236}">
+                <a16:creationId xmlns:a16="http://schemas.microsoft.com/office/drawing/2014/main" id="{3A046CDB-345B-C78A-0E68-9D4012F23056}"/>
+              </a:ext>
+            </a:extLst>
+          </p:cNvPr>
+          <p:cNvPicPr>
+            <a:picLocks noChangeAspect="1"/>
+          </p:cNvPicPr>
+          <p:nvPr/>
+        </p:nvPicPr>
+        <p:blipFill>
+          <a:blip r:embed="rId4">
+            <a:extLst>
+              <a:ext uri="{28A0092B-C50C-407E-A947-70E740481C1C}">
+                <a14:useLocalDpi xmlns:a14="http://schemas.microsoft.com/office/drawing/2010/main" val="0"/>
+              </a:ext>
+            </a:extLst>
+          </a:blip>
+          <a:stretch>
+            <a:fillRect/>
+          </a:stretch>
+        </p:blipFill>
+        <p:spPr>
+          <a:xfrm>
+            <a:off x="203476" y="3493338"/>
+            <a:ext cx="5123392" cy="2559027"/>
           </a:xfrm>
           <a:prstGeom prst="rect">
             <a:avLst/>
@@ -3893,7 +3803,7 @@
     </p:spTree>
     <p:extLst>
       <p:ext uri="{BB962C8B-B14F-4D97-AF65-F5344CB8AC3E}">
-        <p14:creationId xmlns:p14="http://schemas.microsoft.com/office/powerpoint/2010/main" val="1226166639"/>
+        <p14:creationId xmlns:p14="http://schemas.microsoft.com/office/powerpoint/2010/main" val="3517576900"/>
       </p:ext>
     </p:extLst>
   </p:cSld>
@@ -3922,10 +3832,10 @@
       </p:grpSpPr>
       <p:pic>
         <p:nvPicPr>
-          <p:cNvPr id="7" name="Picture 6">
+          <p:cNvPr id="5" name="Picture 4">
             <a:extLst>
               <a:ext uri="{FF2B5EF4-FFF2-40B4-BE49-F238E27FC236}">
-                <a16:creationId xmlns:a16="http://schemas.microsoft.com/office/drawing/2014/main" id="{1D149C91-0116-7D01-1ADC-778F6B326192}"/>
+                <a16:creationId xmlns:a16="http://schemas.microsoft.com/office/drawing/2014/main" id="{89D4D252-DBFE-C29D-2B2B-41BB5839D953}"/>
               </a:ext>
             </a:extLst>
           </p:cNvPr>
@@ -3935,25 +3845,138 @@
           <p:nvPr/>
         </p:nvPicPr>
         <p:blipFill>
-          <a:blip r:embed="rId2"/>
+          <a:blip r:embed="rId2">
+            <a:extLst>
+              <a:ext uri="{28A0092B-C50C-407E-A947-70E740481C1C}">
+                <a14:useLocalDpi xmlns:a14="http://schemas.microsoft.com/office/drawing/2010/main" val="0"/>
+              </a:ext>
+            </a:extLst>
+          </a:blip>
           <a:stretch>
             <a:fillRect/>
           </a:stretch>
         </p:blipFill>
         <p:spPr>
           <a:xfrm>
-            <a:off x="50797" y="1133620"/>
-            <a:ext cx="9042405" cy="4590759"/>
+            <a:off x="76978" y="857250"/>
+            <a:ext cx="5164494" cy="2579557"/>
           </a:xfrm>
           <a:prstGeom prst="rect">
             <a:avLst/>
           </a:prstGeom>
         </p:spPr>
       </p:pic>
+      <p:pic>
+        <p:nvPicPr>
+          <p:cNvPr id="9" name="Picture 8">
+            <a:extLst>
+              <a:ext uri="{FF2B5EF4-FFF2-40B4-BE49-F238E27FC236}">
+                <a16:creationId xmlns:a16="http://schemas.microsoft.com/office/drawing/2014/main" id="{6B3616D3-99F4-3872-A522-778CA299F5FB}"/>
+              </a:ext>
+            </a:extLst>
+          </p:cNvPr>
+          <p:cNvPicPr>
+            <a:picLocks noChangeAspect="1"/>
+          </p:cNvPicPr>
+          <p:nvPr/>
+        </p:nvPicPr>
+        <p:blipFill>
+          <a:blip r:embed="rId3">
+            <a:extLst>
+              <a:ext uri="{28A0092B-C50C-407E-A947-70E740481C1C}">
+                <a14:useLocalDpi xmlns:a14="http://schemas.microsoft.com/office/drawing/2010/main" val="0"/>
+              </a:ext>
+            </a:extLst>
+          </a:blip>
+          <a:stretch>
+            <a:fillRect/>
+          </a:stretch>
+        </p:blipFill>
+        <p:spPr>
+          <a:xfrm>
+            <a:off x="282768" y="3424795"/>
+            <a:ext cx="4958704" cy="2476769"/>
+          </a:xfrm>
+          <a:prstGeom prst="rect">
+            <a:avLst/>
+          </a:prstGeom>
+        </p:spPr>
+      </p:pic>
+      <p:pic>
+        <p:nvPicPr>
+          <p:cNvPr id="11" name="Picture 10">
+            <a:extLst>
+              <a:ext uri="{FF2B5EF4-FFF2-40B4-BE49-F238E27FC236}">
+                <a16:creationId xmlns:a16="http://schemas.microsoft.com/office/drawing/2014/main" id="{291AF256-455D-AED4-E746-678EC9DDC189}"/>
+              </a:ext>
+            </a:extLst>
+          </p:cNvPr>
+          <p:cNvPicPr>
+            <a:picLocks noChangeAspect="1"/>
+          </p:cNvPicPr>
+          <p:nvPr/>
+        </p:nvPicPr>
+        <p:blipFill>
+          <a:blip r:embed="rId4">
+            <a:extLst>
+              <a:ext uri="{28A0092B-C50C-407E-A947-70E740481C1C}">
+                <a14:useLocalDpi xmlns:a14="http://schemas.microsoft.com/office/drawing/2010/main" val="0"/>
+              </a:ext>
+            </a:extLst>
+          </a:blip>
+          <a:stretch>
+            <a:fillRect/>
+          </a:stretch>
+        </p:blipFill>
+        <p:spPr>
+          <a:xfrm>
+            <a:off x="5241472" y="1885950"/>
+            <a:ext cx="3804455" cy="2859176"/>
+          </a:xfrm>
+          <a:prstGeom prst="rect">
+            <a:avLst/>
+          </a:prstGeom>
+        </p:spPr>
+      </p:pic>
+      <p:sp>
+        <p:nvSpPr>
+          <p:cNvPr id="14" name="Title 13">
+            <a:extLst>
+              <a:ext uri="{FF2B5EF4-FFF2-40B4-BE49-F238E27FC236}">
+                <a16:creationId xmlns:a16="http://schemas.microsoft.com/office/drawing/2014/main" id="{DB2A8A8B-89FE-6B10-FD26-AFB18696F214}"/>
+              </a:ext>
+            </a:extLst>
+          </p:cNvPr>
+          <p:cNvSpPr>
+            <a:spLocks noGrp="1"/>
+          </p:cNvSpPr>
+          <p:nvPr>
+            <p:ph type="title"/>
+          </p:nvPr>
+        </p:nvSpPr>
+        <p:spPr>
+          <a:xfrm>
+            <a:off x="151621" y="177283"/>
+            <a:ext cx="3039447" cy="679968"/>
+          </a:xfrm>
+        </p:spPr>
+        <p:txBody>
+          <a:bodyPr>
+            <a:normAutofit/>
+          </a:bodyPr>
+          <a:lstStyle/>
+          <a:p>
+            <a:r>
+              <a:rPr lang="en-GB" sz="1800" dirty="0"/>
+              <a:t>Forecast SARIMAX(stop3_4)</a:t>
+            </a:r>
+          </a:p>
+        </p:txBody>
+      </p:sp>
     </p:spTree>
     <p:extLst>
       <p:ext uri="{BB962C8B-B14F-4D97-AF65-F5344CB8AC3E}">
-        <p14:creationId xmlns:p14="http://schemas.microsoft.com/office/powerpoint/2010/main" val="755135522"/>
+        <p14:creationId xmlns:p14="http://schemas.microsoft.com/office/powerpoint/2010/main" val="3519447496"/>
       </p:ext>
     </p:extLst>
   </p:cSld>
@@ -3980,12 +4003,40 @@
           <a:chExt cx="0" cy="0"/>
         </a:xfrm>
       </p:grpSpPr>
+      <p:sp>
+        <p:nvSpPr>
+          <p:cNvPr id="2" name="Title 1">
+            <a:extLst>
+              <a:ext uri="{FF2B5EF4-FFF2-40B4-BE49-F238E27FC236}">
+                <a16:creationId xmlns:a16="http://schemas.microsoft.com/office/drawing/2014/main" id="{AD650CD5-84F1-A2A1-6326-B703A5241100}"/>
+              </a:ext>
+            </a:extLst>
+          </p:cNvPr>
+          <p:cNvSpPr>
+            <a:spLocks noGrp="1"/>
+          </p:cNvSpPr>
+          <p:nvPr>
+            <p:ph type="title"/>
+          </p:nvPr>
+        </p:nvSpPr>
+        <p:spPr/>
+        <p:txBody>
+          <a:bodyPr/>
+          <a:lstStyle/>
+          <a:p>
+            <a:r>
+              <a:rPr lang="en-GB" dirty="0"/>
+              <a:t>VAR models</a:t>
+            </a:r>
+          </a:p>
+        </p:txBody>
+      </p:sp>
       <p:pic>
         <p:nvPicPr>
-          <p:cNvPr id="6" name="Picture 5">
+          <p:cNvPr id="10" name="Picture 9">
             <a:extLst>
               <a:ext uri="{FF2B5EF4-FFF2-40B4-BE49-F238E27FC236}">
-                <a16:creationId xmlns:a16="http://schemas.microsoft.com/office/drawing/2014/main" id="{97B9EAEC-0DB6-464A-78B0-12BB0F0BD6D8}"/>
+                <a16:creationId xmlns:a16="http://schemas.microsoft.com/office/drawing/2014/main" id="{5CC3212A-A1A9-C9D5-3AE7-0DF445A82D0F}"/>
               </a:ext>
             </a:extLst>
           </p:cNvPr>
@@ -4002,8 +4053,8 @@
         </p:blipFill>
         <p:spPr>
           <a:xfrm>
-            <a:off x="65315" y="1318749"/>
-            <a:ext cx="9078685" cy="4388959"/>
+            <a:off x="79108" y="1438454"/>
+            <a:ext cx="8985784" cy="4916750"/>
           </a:xfrm>
           <a:prstGeom prst="rect">
             <a:avLst/>
@@ -4013,7 +4064,7 @@
     </p:spTree>
     <p:extLst>
       <p:ext uri="{BB962C8B-B14F-4D97-AF65-F5344CB8AC3E}">
-        <p14:creationId xmlns:p14="http://schemas.microsoft.com/office/powerpoint/2010/main" val="2676514770"/>
+        <p14:creationId xmlns:p14="http://schemas.microsoft.com/office/powerpoint/2010/main" val="1226166639"/>
       </p:ext>
     </p:extLst>
   </p:cSld>
@@ -4042,10 +4093,10 @@
       </p:grpSpPr>
       <p:pic>
         <p:nvPicPr>
-          <p:cNvPr id="4" name="Picture 3">
+          <p:cNvPr id="7" name="Picture 6">
             <a:extLst>
               <a:ext uri="{FF2B5EF4-FFF2-40B4-BE49-F238E27FC236}">
-                <a16:creationId xmlns:a16="http://schemas.microsoft.com/office/drawing/2014/main" id="{D996DEEE-F45C-ED6A-5116-D39DE745B1D3}"/>
+                <a16:creationId xmlns:a16="http://schemas.microsoft.com/office/drawing/2014/main" id="{1D149C91-0116-7D01-1ADC-778F6B326192}"/>
               </a:ext>
             </a:extLst>
           </p:cNvPr>
@@ -4062,8 +4113,8 @@
         </p:blipFill>
         <p:spPr>
           <a:xfrm>
-            <a:off x="74572" y="932406"/>
-            <a:ext cx="8994856" cy="4692968"/>
+            <a:off x="50797" y="1133620"/>
+            <a:ext cx="9042405" cy="4590759"/>
           </a:xfrm>
           <a:prstGeom prst="rect">
             <a:avLst/>
@@ -4073,7 +4124,7 @@
     </p:spTree>
     <p:extLst>
       <p:ext uri="{BB962C8B-B14F-4D97-AF65-F5344CB8AC3E}">
-        <p14:creationId xmlns:p14="http://schemas.microsoft.com/office/powerpoint/2010/main" val="551320628"/>
+        <p14:creationId xmlns:p14="http://schemas.microsoft.com/office/powerpoint/2010/main" val="755135522"/>
       </p:ext>
     </p:extLst>
   </p:cSld>
@@ -4102,10 +4153,10 @@
       </p:grpSpPr>
       <p:pic>
         <p:nvPicPr>
-          <p:cNvPr id="4" name="Picture 3">
+          <p:cNvPr id="6" name="Picture 5">
             <a:extLst>
               <a:ext uri="{FF2B5EF4-FFF2-40B4-BE49-F238E27FC236}">
-                <a16:creationId xmlns:a16="http://schemas.microsoft.com/office/drawing/2014/main" id="{43C57275-D086-D6C6-110B-C03B05927609}"/>
+                <a16:creationId xmlns:a16="http://schemas.microsoft.com/office/drawing/2014/main" id="{97B9EAEC-0DB6-464A-78B0-12BB0F0BD6D8}"/>
               </a:ext>
             </a:extLst>
           </p:cNvPr>
@@ -4122,8 +4173,8 @@
         </p:blipFill>
         <p:spPr>
           <a:xfrm>
-            <a:off x="2171326" y="1015205"/>
-            <a:ext cx="4801347" cy="5007708"/>
+            <a:off x="65315" y="1318749"/>
+            <a:ext cx="9078685" cy="4388959"/>
           </a:xfrm>
           <a:prstGeom prst="rect">
             <a:avLst/>
@@ -4133,7 +4184,7 @@
     </p:spTree>
     <p:extLst>
       <p:ext uri="{BB962C8B-B14F-4D97-AF65-F5344CB8AC3E}">
-        <p14:creationId xmlns:p14="http://schemas.microsoft.com/office/powerpoint/2010/main" val="4152371897"/>
+        <p14:creationId xmlns:p14="http://schemas.microsoft.com/office/powerpoint/2010/main" val="2676514770"/>
       </p:ext>
     </p:extLst>
   </p:cSld>
@@ -4285,6 +4336,126 @@
 </file>
 
 <file path=ppt/slides/slide20.xml><?xml version="1.0" encoding="utf-8"?>
+<p:sld xmlns:a="http://schemas.openxmlformats.org/drawingml/2006/main" xmlns:r="http://schemas.openxmlformats.org/officeDocument/2006/relationships" xmlns:p="http://schemas.openxmlformats.org/presentationml/2006/main">
+  <p:cSld>
+    <p:spTree>
+      <p:nvGrpSpPr>
+        <p:cNvPr id="1" name=""/>
+        <p:cNvGrpSpPr/>
+        <p:nvPr/>
+      </p:nvGrpSpPr>
+      <p:grpSpPr>
+        <a:xfrm>
+          <a:off x="0" y="0"/>
+          <a:ext cx="0" cy="0"/>
+          <a:chOff x="0" y="0"/>
+          <a:chExt cx="0" cy="0"/>
+        </a:xfrm>
+      </p:grpSpPr>
+      <p:pic>
+        <p:nvPicPr>
+          <p:cNvPr id="4" name="Picture 3">
+            <a:extLst>
+              <a:ext uri="{FF2B5EF4-FFF2-40B4-BE49-F238E27FC236}">
+                <a16:creationId xmlns:a16="http://schemas.microsoft.com/office/drawing/2014/main" id="{D996DEEE-F45C-ED6A-5116-D39DE745B1D3}"/>
+              </a:ext>
+            </a:extLst>
+          </p:cNvPr>
+          <p:cNvPicPr>
+            <a:picLocks noChangeAspect="1"/>
+          </p:cNvPicPr>
+          <p:nvPr/>
+        </p:nvPicPr>
+        <p:blipFill>
+          <a:blip r:embed="rId2"/>
+          <a:stretch>
+            <a:fillRect/>
+          </a:stretch>
+        </p:blipFill>
+        <p:spPr>
+          <a:xfrm>
+            <a:off x="74572" y="932406"/>
+            <a:ext cx="8994856" cy="4692968"/>
+          </a:xfrm>
+          <a:prstGeom prst="rect">
+            <a:avLst/>
+          </a:prstGeom>
+        </p:spPr>
+      </p:pic>
+    </p:spTree>
+    <p:extLst>
+      <p:ext uri="{BB962C8B-B14F-4D97-AF65-F5344CB8AC3E}">
+        <p14:creationId xmlns:p14="http://schemas.microsoft.com/office/powerpoint/2010/main" val="551320628"/>
+      </p:ext>
+    </p:extLst>
+  </p:cSld>
+  <p:clrMapOvr>
+    <a:masterClrMapping/>
+  </p:clrMapOvr>
+</p:sld>
+</file>
+
+<file path=ppt/slides/slide21.xml><?xml version="1.0" encoding="utf-8"?>
+<p:sld xmlns:a="http://schemas.openxmlformats.org/drawingml/2006/main" xmlns:r="http://schemas.openxmlformats.org/officeDocument/2006/relationships" xmlns:p="http://schemas.openxmlformats.org/presentationml/2006/main">
+  <p:cSld>
+    <p:spTree>
+      <p:nvGrpSpPr>
+        <p:cNvPr id="1" name=""/>
+        <p:cNvGrpSpPr/>
+        <p:nvPr/>
+      </p:nvGrpSpPr>
+      <p:grpSpPr>
+        <a:xfrm>
+          <a:off x="0" y="0"/>
+          <a:ext cx="0" cy="0"/>
+          <a:chOff x="0" y="0"/>
+          <a:chExt cx="0" cy="0"/>
+        </a:xfrm>
+      </p:grpSpPr>
+      <p:pic>
+        <p:nvPicPr>
+          <p:cNvPr id="4" name="Picture 3">
+            <a:extLst>
+              <a:ext uri="{FF2B5EF4-FFF2-40B4-BE49-F238E27FC236}">
+                <a16:creationId xmlns:a16="http://schemas.microsoft.com/office/drawing/2014/main" id="{43C57275-D086-D6C6-110B-C03B05927609}"/>
+              </a:ext>
+            </a:extLst>
+          </p:cNvPr>
+          <p:cNvPicPr>
+            <a:picLocks noChangeAspect="1"/>
+          </p:cNvPicPr>
+          <p:nvPr/>
+        </p:nvPicPr>
+        <p:blipFill>
+          <a:blip r:embed="rId2"/>
+          <a:stretch>
+            <a:fillRect/>
+          </a:stretch>
+        </p:blipFill>
+        <p:spPr>
+          <a:xfrm>
+            <a:off x="2171326" y="1015205"/>
+            <a:ext cx="4801347" cy="5007708"/>
+          </a:xfrm>
+          <a:prstGeom prst="rect">
+            <a:avLst/>
+          </a:prstGeom>
+        </p:spPr>
+      </p:pic>
+    </p:spTree>
+    <p:extLst>
+      <p:ext uri="{BB962C8B-B14F-4D97-AF65-F5344CB8AC3E}">
+        <p14:creationId xmlns:p14="http://schemas.microsoft.com/office/powerpoint/2010/main" val="4152371897"/>
+      </p:ext>
+    </p:extLst>
+  </p:cSld>
+  <p:clrMapOvr>
+    <a:masterClrMapping/>
+  </p:clrMapOvr>
+</p:sld>
+</file>
+
+<file path=ppt/slides/slide22.xml><?xml version="1.0" encoding="utf-8"?>
 <p:sld xmlns:a="http://schemas.openxmlformats.org/drawingml/2006/main" xmlns:r="http://schemas.openxmlformats.org/officeDocument/2006/relationships" xmlns:p="http://schemas.openxmlformats.org/presentationml/2006/main">
   <p:cSld>
     <p:spTree>
@@ -4920,7 +5091,7 @@
         </p:nvSpPr>
         <p:spPr>
           <a:xfrm>
-            <a:off x="465363" y="99725"/>
+            <a:off x="359585" y="140102"/>
             <a:ext cx="7820221" cy="777353"/>
           </a:xfrm>
         </p:spPr>
@@ -4941,10 +5112,10 @@
       </p:sp>
       <p:pic>
         <p:nvPicPr>
-          <p:cNvPr id="13" name="Picture 12">
+          <p:cNvPr id="15" name="Picture 14">
             <a:extLst>
               <a:ext uri="{FF2B5EF4-FFF2-40B4-BE49-F238E27FC236}">
-                <a16:creationId xmlns:a16="http://schemas.microsoft.com/office/drawing/2014/main" id="{3D430C5C-79CE-C8D1-E849-B7CDC88A8B61}"/>
+                <a16:creationId xmlns:a16="http://schemas.microsoft.com/office/drawing/2014/main" id="{5865DFE9-7B68-4E91-8BD3-55D8649C670B}"/>
               </a:ext>
             </a:extLst>
           </p:cNvPr>
@@ -4961,8 +5132,8 @@
         </p:blipFill>
         <p:spPr>
           <a:xfrm>
-            <a:off x="124727" y="1054113"/>
-            <a:ext cx="3946847" cy="1973424"/>
+            <a:off x="108703" y="2148108"/>
+            <a:ext cx="3859446" cy="2010661"/>
           </a:xfrm>
           <a:prstGeom prst="rect">
             <a:avLst/>
@@ -4971,10 +5142,10 @@
       </p:pic>
       <p:pic>
         <p:nvPicPr>
-          <p:cNvPr id="15" name="Picture 14">
+          <p:cNvPr id="21" name="Picture 20">
             <a:extLst>
               <a:ext uri="{FF2B5EF4-FFF2-40B4-BE49-F238E27FC236}">
-                <a16:creationId xmlns:a16="http://schemas.microsoft.com/office/drawing/2014/main" id="{5865DFE9-7B68-4E91-8BD3-55D8649C670B}"/>
+                <a16:creationId xmlns:a16="http://schemas.microsoft.com/office/drawing/2014/main" id="{BAB76718-CFB4-E1EC-2078-3FE1444D2DED}"/>
               </a:ext>
             </a:extLst>
           </p:cNvPr>
@@ -4991,8 +5162,218 @@
         </p:blipFill>
         <p:spPr>
           <a:xfrm>
-            <a:off x="0" y="3027537"/>
-            <a:ext cx="3859446" cy="2010661"/>
+            <a:off x="404536" y="1340652"/>
+            <a:ext cx="2743583" cy="333422"/>
+          </a:xfrm>
+          <a:prstGeom prst="rect">
+            <a:avLst/>
+          </a:prstGeom>
+        </p:spPr>
+      </p:pic>
+      <p:pic>
+        <p:nvPicPr>
+          <p:cNvPr id="23" name="Picture 22">
+            <a:extLst>
+              <a:ext uri="{FF2B5EF4-FFF2-40B4-BE49-F238E27FC236}">
+                <a16:creationId xmlns:a16="http://schemas.microsoft.com/office/drawing/2014/main" id="{5EB3C867-1A17-F5E8-043B-31F7DE5B53DE}"/>
+              </a:ext>
+            </a:extLst>
+          </p:cNvPr>
+          <p:cNvPicPr>
+            <a:picLocks noChangeAspect="1"/>
+          </p:cNvPicPr>
+          <p:nvPr/>
+        </p:nvPicPr>
+        <p:blipFill>
+          <a:blip r:embed="rId4"/>
+          <a:stretch>
+            <a:fillRect/>
+          </a:stretch>
+        </p:blipFill>
+        <p:spPr>
+          <a:xfrm>
+            <a:off x="252115" y="1618536"/>
+            <a:ext cx="2896004" cy="409632"/>
+          </a:xfrm>
+          <a:prstGeom prst="rect">
+            <a:avLst/>
+          </a:prstGeom>
+        </p:spPr>
+      </p:pic>
+      <p:pic>
+        <p:nvPicPr>
+          <p:cNvPr id="27" name="Picture 26">
+            <a:extLst>
+              <a:ext uri="{FF2B5EF4-FFF2-40B4-BE49-F238E27FC236}">
+                <a16:creationId xmlns:a16="http://schemas.microsoft.com/office/drawing/2014/main" id="{0493FB5B-FD2E-3270-6873-9553FD18A367}"/>
+              </a:ext>
+            </a:extLst>
+          </p:cNvPr>
+          <p:cNvPicPr>
+            <a:picLocks noChangeAspect="1"/>
+          </p:cNvPicPr>
+          <p:nvPr/>
+        </p:nvPicPr>
+        <p:blipFill>
+          <a:blip r:embed="rId5"/>
+          <a:stretch>
+            <a:fillRect/>
+          </a:stretch>
+        </p:blipFill>
+        <p:spPr>
+          <a:xfrm>
+            <a:off x="5391843" y="1369642"/>
+            <a:ext cx="2333951" cy="238158"/>
+          </a:xfrm>
+          <a:prstGeom prst="rect">
+            <a:avLst/>
+          </a:prstGeom>
+        </p:spPr>
+      </p:pic>
+      <p:pic>
+        <p:nvPicPr>
+          <p:cNvPr id="29" name="Picture 28">
+            <a:extLst>
+              <a:ext uri="{FF2B5EF4-FFF2-40B4-BE49-F238E27FC236}">
+                <a16:creationId xmlns:a16="http://schemas.microsoft.com/office/drawing/2014/main" id="{A770F3E0-024D-3D3C-65B6-A1608623F6F5}"/>
+              </a:ext>
+            </a:extLst>
+          </p:cNvPr>
+          <p:cNvPicPr>
+            <a:picLocks noChangeAspect="1"/>
+          </p:cNvPicPr>
+          <p:nvPr/>
+        </p:nvPicPr>
+        <p:blipFill>
+          <a:blip r:embed="rId6"/>
+          <a:stretch>
+            <a:fillRect/>
+          </a:stretch>
+        </p:blipFill>
+        <p:spPr>
+          <a:xfrm>
+            <a:off x="5132209" y="1610764"/>
+            <a:ext cx="2942872" cy="409631"/>
+          </a:xfrm>
+          <a:prstGeom prst="rect">
+            <a:avLst/>
+          </a:prstGeom>
+        </p:spPr>
+      </p:pic>
+      <p:pic>
+        <p:nvPicPr>
+          <p:cNvPr id="31" name="Picture 30">
+            <a:extLst>
+              <a:ext uri="{FF2B5EF4-FFF2-40B4-BE49-F238E27FC236}">
+                <a16:creationId xmlns:a16="http://schemas.microsoft.com/office/drawing/2014/main" id="{8B1697FE-A12D-0D9F-7FBB-293C06B2F8B3}"/>
+              </a:ext>
+            </a:extLst>
+          </p:cNvPr>
+          <p:cNvPicPr>
+            <a:picLocks noChangeAspect="1"/>
+          </p:cNvPicPr>
+          <p:nvPr/>
+        </p:nvPicPr>
+        <p:blipFill>
+          <a:blip r:embed="rId7"/>
+          <a:stretch>
+            <a:fillRect/>
+          </a:stretch>
+        </p:blipFill>
+        <p:spPr>
+          <a:xfrm>
+            <a:off x="4987477" y="2200665"/>
+            <a:ext cx="3477110" cy="1857634"/>
+          </a:xfrm>
+          <a:prstGeom prst="rect">
+            <a:avLst/>
+          </a:prstGeom>
+        </p:spPr>
+      </p:pic>
+      <p:pic>
+        <p:nvPicPr>
+          <p:cNvPr id="35" name="Picture 34">
+            <a:extLst>
+              <a:ext uri="{FF2B5EF4-FFF2-40B4-BE49-F238E27FC236}">
+                <a16:creationId xmlns:a16="http://schemas.microsoft.com/office/drawing/2014/main" id="{C39E508E-2B5F-594C-38B3-5B91038DE33A}"/>
+              </a:ext>
+            </a:extLst>
+          </p:cNvPr>
+          <p:cNvPicPr>
+            <a:picLocks noChangeAspect="1"/>
+          </p:cNvPicPr>
+          <p:nvPr/>
+        </p:nvPicPr>
+        <p:blipFill>
+          <a:blip r:embed="rId8"/>
+          <a:stretch>
+            <a:fillRect/>
+          </a:stretch>
+        </p:blipFill>
+        <p:spPr>
+          <a:xfrm>
+            <a:off x="3102719" y="4276674"/>
+            <a:ext cx="2333951" cy="181000"/>
+          </a:xfrm>
+          <a:prstGeom prst="rect">
+            <a:avLst/>
+          </a:prstGeom>
+        </p:spPr>
+      </p:pic>
+      <p:pic>
+        <p:nvPicPr>
+          <p:cNvPr id="37" name="Picture 36">
+            <a:extLst>
+              <a:ext uri="{FF2B5EF4-FFF2-40B4-BE49-F238E27FC236}">
+                <a16:creationId xmlns:a16="http://schemas.microsoft.com/office/drawing/2014/main" id="{E65AA3EA-F37B-2CC9-EB56-0CC81152D73B}"/>
+              </a:ext>
+            </a:extLst>
+          </p:cNvPr>
+          <p:cNvPicPr>
+            <a:picLocks noChangeAspect="1"/>
+          </p:cNvPicPr>
+          <p:nvPr/>
+        </p:nvPicPr>
+        <p:blipFill>
+          <a:blip r:embed="rId9"/>
+          <a:stretch>
+            <a:fillRect/>
+          </a:stretch>
+        </p:blipFill>
+        <p:spPr>
+          <a:xfrm>
+            <a:off x="3148119" y="4460638"/>
+            <a:ext cx="2534004" cy="342948"/>
+          </a:xfrm>
+          <a:prstGeom prst="rect">
+            <a:avLst/>
+          </a:prstGeom>
+        </p:spPr>
+      </p:pic>
+      <p:pic>
+        <p:nvPicPr>
+          <p:cNvPr id="39" name="Picture 38">
+            <a:extLst>
+              <a:ext uri="{FF2B5EF4-FFF2-40B4-BE49-F238E27FC236}">
+                <a16:creationId xmlns:a16="http://schemas.microsoft.com/office/drawing/2014/main" id="{5D723BDC-316B-F3C6-7A45-DE53F89E9E26}"/>
+              </a:ext>
+            </a:extLst>
+          </p:cNvPr>
+          <p:cNvPicPr>
+            <a:picLocks noChangeAspect="1"/>
+          </p:cNvPicPr>
+          <p:nvPr/>
+        </p:nvPicPr>
+        <p:blipFill>
+          <a:blip r:embed="rId10"/>
+          <a:stretch>
+            <a:fillRect/>
+          </a:stretch>
+        </p:blipFill>
+        <p:spPr>
+          <a:xfrm>
+            <a:off x="2683898" y="4770069"/>
+            <a:ext cx="3429479" cy="1857634"/>
           </a:xfrm>
           <a:prstGeom prst="rect">
             <a:avLst/>
@@ -5059,19 +5440,17 @@
       </p:sp>
       <p:pic>
         <p:nvPicPr>
-          <p:cNvPr id="5" name="Content Placeholder 4">
+          <p:cNvPr id="6" name="Picture 5">
             <a:extLst>
               <a:ext uri="{FF2B5EF4-FFF2-40B4-BE49-F238E27FC236}">
-                <a16:creationId xmlns:a16="http://schemas.microsoft.com/office/drawing/2014/main" id="{6A461023-D61C-7B19-7C30-8763081A9238}"/>
+                <a16:creationId xmlns:a16="http://schemas.microsoft.com/office/drawing/2014/main" id="{EBEEFA23-37B2-1705-37EF-6F56B3E51425}"/>
               </a:ext>
             </a:extLst>
           </p:cNvPr>
           <p:cNvPicPr>
-            <a:picLocks noGrp="1" noChangeAspect="1"/>
+            <a:picLocks noChangeAspect="1"/>
           </p:cNvPicPr>
-          <p:nvPr>
-            <p:ph idx="1"/>
-          </p:nvPr>
+          <p:nvPr/>
         </p:nvPicPr>
         <p:blipFill>
           <a:blip r:embed="rId2"/>
@@ -5081,17 +5460,20 @@
         </p:blipFill>
         <p:spPr>
           <a:xfrm>
-            <a:off x="2237015" y="2271871"/>
-            <a:ext cx="6691215" cy="2556854"/>
-          </a:xfrm>
+            <a:off x="1831003" y="1618729"/>
+            <a:ext cx="2384140" cy="4751450"/>
+          </a:xfrm>
+          <a:prstGeom prst="rect">
+            <a:avLst/>
+          </a:prstGeom>
         </p:spPr>
       </p:pic>
       <p:pic>
         <p:nvPicPr>
-          <p:cNvPr id="6" name="Picture 5">
+          <p:cNvPr id="8" name="Picture 7">
             <a:extLst>
               <a:ext uri="{FF2B5EF4-FFF2-40B4-BE49-F238E27FC236}">
-                <a16:creationId xmlns:a16="http://schemas.microsoft.com/office/drawing/2014/main" id="{EBEEFA23-37B2-1705-37EF-6F56B3E51425}"/>
+                <a16:creationId xmlns:a16="http://schemas.microsoft.com/office/drawing/2014/main" id="{9AA514D6-3430-13B8-0A64-7ED92325320A}"/>
               </a:ext>
             </a:extLst>
           </p:cNvPr>
@@ -5108,8 +5490,8 @@
         </p:blipFill>
         <p:spPr>
           <a:xfrm>
-            <a:off x="293746" y="1891475"/>
-            <a:ext cx="1943269" cy="3872820"/>
+            <a:off x="4317780" y="2229433"/>
+            <a:ext cx="1552864" cy="2399134"/>
           </a:xfrm>
           <a:prstGeom prst="rect">
             <a:avLst/>
@@ -5176,81 +5558,9 @@
         </p:blipFill>
         <p:spPr>
           <a:xfrm>
-            <a:off x="73469" y="899661"/>
-            <a:ext cx="4634596" cy="2314883"/>
-          </a:xfrm>
-        </p:spPr>
-      </p:pic>
-      <p:pic>
-        <p:nvPicPr>
-          <p:cNvPr id="11" name="Picture 10">
-            <a:extLst>
-              <a:ext uri="{FF2B5EF4-FFF2-40B4-BE49-F238E27FC236}">
-                <a16:creationId xmlns:a16="http://schemas.microsoft.com/office/drawing/2014/main" id="{82AC32DF-F8B0-EEF7-8910-6F06697FEF8B}"/>
-              </a:ext>
-            </a:extLst>
-          </p:cNvPr>
-          <p:cNvPicPr>
-            <a:picLocks noChangeAspect="1"/>
-          </p:cNvPicPr>
-          <p:nvPr/>
-        </p:nvPicPr>
-        <p:blipFill>
-          <a:blip r:embed="rId3">
-            <a:extLst>
-              <a:ext uri="{28A0092B-C50C-407E-A947-70E740481C1C}">
-                <a14:useLocalDpi xmlns:a14="http://schemas.microsoft.com/office/drawing/2010/main" val="0"/>
-              </a:ext>
-            </a:extLst>
-          </a:blip>
-          <a:stretch>
-            <a:fillRect/>
-          </a:stretch>
-        </p:blipFill>
-        <p:spPr>
-          <a:xfrm>
-            <a:off x="4509404" y="911462"/>
-            <a:ext cx="4634596" cy="2314884"/>
-          </a:xfrm>
-          <a:prstGeom prst="rect">
-            <a:avLst/>
-          </a:prstGeom>
-        </p:spPr>
-      </p:pic>
-      <p:pic>
-        <p:nvPicPr>
-          <p:cNvPr id="13" name="Picture 12">
-            <a:extLst>
-              <a:ext uri="{FF2B5EF4-FFF2-40B4-BE49-F238E27FC236}">
-                <a16:creationId xmlns:a16="http://schemas.microsoft.com/office/drawing/2014/main" id="{6AF38FE9-9EF6-54A9-25EA-C521F84AFE71}"/>
-              </a:ext>
-            </a:extLst>
-          </p:cNvPr>
-          <p:cNvPicPr>
-            <a:picLocks noChangeAspect="1"/>
-          </p:cNvPicPr>
-          <p:nvPr/>
-        </p:nvPicPr>
-        <p:blipFill>
-          <a:blip r:embed="rId4">
-            <a:extLst>
-              <a:ext uri="{28A0092B-C50C-407E-A947-70E740481C1C}">
-                <a14:useLocalDpi xmlns:a14="http://schemas.microsoft.com/office/drawing/2010/main" val="0"/>
-              </a:ext>
-            </a:extLst>
-          </a:blip>
-          <a:stretch>
-            <a:fillRect/>
-          </a:stretch>
-        </p:blipFill>
-        <p:spPr>
-          <a:xfrm>
-            <a:off x="1441008" y="3238147"/>
-            <a:ext cx="5348959" cy="2671694"/>
-          </a:xfrm>
-          <a:prstGeom prst="rect">
-            <a:avLst/>
-          </a:prstGeom>
+            <a:off x="250748" y="1559023"/>
+            <a:ext cx="8687979" cy="4339462"/>
+          </a:xfrm>
         </p:spPr>
       </p:pic>
     </p:spTree>
@@ -5285,10 +5595,10 @@
       </p:grpSpPr>
       <p:pic>
         <p:nvPicPr>
-          <p:cNvPr id="5" name="Content Placeholder 4">
+          <p:cNvPr id="4" name="Content Placeholder 3">
             <a:extLst>
               <a:ext uri="{FF2B5EF4-FFF2-40B4-BE49-F238E27FC236}">
-                <a16:creationId xmlns:a16="http://schemas.microsoft.com/office/drawing/2014/main" id="{0C0856CD-BC73-8348-0AB2-50CD05E02A8C}"/>
+                <a16:creationId xmlns:a16="http://schemas.microsoft.com/office/drawing/2014/main" id="{670EC91A-1F11-E5B3-DAA5-E4F30344DBB0}"/>
               </a:ext>
             </a:extLst>
           </p:cNvPr>
@@ -5313,41 +5623,8 @@
         </p:blipFill>
         <p:spPr>
           <a:xfrm>
-            <a:off x="320740" y="2918758"/>
-            <a:ext cx="7886700" cy="3939242"/>
-          </a:xfrm>
-        </p:spPr>
-      </p:pic>
-      <p:pic>
-        <p:nvPicPr>
-          <p:cNvPr id="7" name="Picture 6">
-            <a:extLst>
-              <a:ext uri="{FF2B5EF4-FFF2-40B4-BE49-F238E27FC236}">
-                <a16:creationId xmlns:a16="http://schemas.microsoft.com/office/drawing/2014/main" id="{95338554-E2EE-DC2F-2C37-6C0354780BD1}"/>
-              </a:ext>
-            </a:extLst>
-          </p:cNvPr>
-          <p:cNvPicPr>
-            <a:picLocks noChangeAspect="1"/>
-          </p:cNvPicPr>
-          <p:nvPr/>
-        </p:nvPicPr>
-        <p:blipFill>
-          <a:blip r:embed="rId3">
-            <a:extLst>
-              <a:ext uri="{28A0092B-C50C-407E-A947-70E740481C1C}">
-                <a14:useLocalDpi xmlns:a14="http://schemas.microsoft.com/office/drawing/2010/main" val="0"/>
-              </a:ext>
-            </a:extLst>
-          </a:blip>
-          <a:stretch>
-            <a:fillRect/>
-          </a:stretch>
-        </p:blipFill>
-        <p:spPr>
-          <a:xfrm>
-            <a:off x="689877" y="-88548"/>
-            <a:ext cx="6615991" cy="3304549"/>
+            <a:off x="358062" y="1364793"/>
+            <a:ext cx="8785938" cy="4388392"/>
           </a:xfrm>
           <a:prstGeom prst="rect">
             <a:avLst/>
@@ -5357,7 +5634,7 @@
     </p:spTree>
     <p:extLst>
       <p:ext uri="{BB962C8B-B14F-4D97-AF65-F5344CB8AC3E}">
-        <p14:creationId xmlns:p14="http://schemas.microsoft.com/office/powerpoint/2010/main" val="3326628029"/>
+        <p14:creationId xmlns:p14="http://schemas.microsoft.com/office/powerpoint/2010/main" val="22740198"/>
       </p:ext>
     </p:extLst>
   </p:cSld>

--- a/case.solution_2.pptx
+++ b/case.solution_2.pptx
@@ -29,6 +29,8 @@
     <p:sldId id="275" r:id="rId24"/>
     <p:sldId id="276" r:id="rId25"/>
     <p:sldId id="277" r:id="rId26"/>
+    <p:sldId id="278" r:id="rId27"/>
+    <p:sldId id="279" r:id="rId28"/>
   </p:sldIdLst>
   <p:sldSz cx="9144000" cy="6858000"/>
   <p:notesSz cx="7772400" cy="10058400"/>
@@ -59,7 +61,7 @@
             <a:spLocks noGrp="1"/>
           </p:cNvSpPr>
           <p:nvPr>
-            <p:ph type="ftr" idx="2"/>
+            <p:ph type="ftr" idx="1"/>
           </p:nvPr>
         </p:nvSpPr>
         <p:spPr/>
@@ -79,14 +81,14 @@
             <a:spLocks noGrp="1"/>
           </p:cNvSpPr>
           <p:nvPr>
-            <p:ph type="sldNum" idx="3"/>
+            <p:ph type="sldNum" idx="2"/>
           </p:nvPr>
         </p:nvSpPr>
         <p:spPr/>
         <p:txBody>
           <a:bodyPr/>
           <a:p>
-            <a:fld id="{14123127-2435-48C6-A2E8-6DF28616E4DD}" type="slidenum">
+            <a:fld id="{50329F3D-6C0C-4213-A137-27D9F97F2539}" type="slidenum">
               <a:t>&lt;#&gt;</a:t>
             </a:fld>
           </a:p>
@@ -99,7 +101,7 @@
             <a:spLocks noGrp="1"/>
           </p:cNvSpPr>
           <p:nvPr>
-            <p:ph type="dt" idx="1"/>
+            <p:ph type="dt" idx="3"/>
           </p:nvPr>
         </p:nvSpPr>
         <p:spPr/>
@@ -147,8 +149,8 @@
         </p:nvSpPr>
         <p:spPr>
           <a:xfrm>
-            <a:off x="628560" y="365040"/>
-            <a:ext cx="7886520" cy="1325160"/>
+            <a:off x="457200" y="273600"/>
+            <a:ext cx="8229240" cy="1144800"/>
           </a:xfrm>
           <a:prstGeom prst="rect">
             <a:avLst/>
@@ -163,14 +165,14 @@
             <a:noAutofit/>
           </a:bodyPr>
           <a:p>
-            <a:pPr indent="0">
-              <a:buNone/>
-            </a:pPr>
-            <a:endParaRPr b="0" lang="en-US" sz="1800" spc="-1" strike="noStrike">
-              <a:solidFill>
-                <a:srgbClr val="000000"/>
-              </a:solidFill>
-              <a:latin typeface="Calibri"/>
+            <a:pPr indent="0" algn="ctr">
+              <a:buNone/>
+            </a:pPr>
+            <a:endParaRPr b="0" lang="en-US" sz="4400" spc="-1" strike="noStrike">
+              <a:solidFill>
+                <a:srgbClr val="000000"/>
+              </a:solidFill>
+              <a:latin typeface="Arial"/>
             </a:endParaRPr>
           </a:p>
         </p:txBody>
@@ -187,8 +189,8 @@
         </p:nvSpPr>
         <p:spPr>
           <a:xfrm>
-            <a:off x="628560" y="1825560"/>
-            <a:ext cx="7886520" cy="2075040"/>
+            <a:off x="457200" y="1604520"/>
+            <a:ext cx="8229240" cy="1896840"/>
           </a:xfrm>
           <a:prstGeom prst="rect">
             <a:avLst/>
@@ -204,19 +206,16 @@
           </a:bodyPr>
           <a:p>
             <a:pPr indent="0">
-              <a:lnSpc>
-                <a:spcPct val="90000"/>
-              </a:lnSpc>
               <a:spcBef>
                 <a:spcPts val="1417"/>
               </a:spcBef>
               <a:buNone/>
             </a:pPr>
-            <a:endParaRPr b="0" lang="en-US" sz="2800" spc="-1" strike="noStrike">
-              <a:solidFill>
-                <a:srgbClr val="000000"/>
-              </a:solidFill>
-              <a:latin typeface="Calibri"/>
+            <a:endParaRPr b="0" lang="en-US" sz="3200" spc="-1" strike="noStrike">
+              <a:solidFill>
+                <a:srgbClr val="000000"/>
+              </a:solidFill>
+              <a:latin typeface="Arial"/>
             </a:endParaRPr>
           </a:p>
         </p:txBody>
@@ -233,8 +232,8 @@
         </p:nvSpPr>
         <p:spPr>
           <a:xfrm>
-            <a:off x="628560" y="4098240"/>
-            <a:ext cx="7886520" cy="2075040"/>
+            <a:off x="457200" y="3682080"/>
+            <a:ext cx="8229240" cy="1896840"/>
           </a:xfrm>
           <a:prstGeom prst="rect">
             <a:avLst/>
@@ -250,19 +249,16 @@
           </a:bodyPr>
           <a:p>
             <a:pPr indent="0">
-              <a:lnSpc>
-                <a:spcPct val="90000"/>
-              </a:lnSpc>
               <a:spcBef>
                 <a:spcPts val="1417"/>
               </a:spcBef>
               <a:buNone/>
             </a:pPr>
-            <a:endParaRPr b="0" lang="en-US" sz="2800" spc="-1" strike="noStrike">
-              <a:solidFill>
-                <a:srgbClr val="000000"/>
-              </a:solidFill>
-              <a:latin typeface="Calibri"/>
+            <a:endParaRPr b="0" lang="en-US" sz="3200" spc="-1" strike="noStrike">
+              <a:solidFill>
+                <a:srgbClr val="000000"/>
+              </a:solidFill>
+              <a:latin typeface="Arial"/>
             </a:endParaRPr>
           </a:p>
         </p:txBody>
@@ -274,7 +270,7 @@
             <a:spLocks noGrp="1"/>
           </p:cNvSpPr>
           <p:nvPr>
-            <p:ph type="ftr" idx="2"/>
+            <p:ph type="ftr" idx="1"/>
           </p:nvPr>
         </p:nvSpPr>
         <p:spPr/>
@@ -294,14 +290,14 @@
             <a:spLocks noGrp="1"/>
           </p:cNvSpPr>
           <p:nvPr>
-            <p:ph type="sldNum" idx="3"/>
+            <p:ph type="sldNum" idx="2"/>
           </p:nvPr>
         </p:nvSpPr>
         <p:spPr/>
         <p:txBody>
           <a:bodyPr/>
           <a:p>
-            <a:fld id="{C86FB56A-54C8-4873-85FA-42AD69A5DA6B}" type="slidenum">
+            <a:fld id="{C2C5100E-C820-4B46-8448-22B899F0E477}" type="slidenum">
               <a:t>&lt;#&gt;</a:t>
             </a:fld>
           </a:p>
@@ -314,7 +310,7 @@
             <a:spLocks noGrp="1"/>
           </p:cNvSpPr>
           <p:nvPr>
-            <p:ph type="dt" idx="1"/>
+            <p:ph type="dt" idx="3"/>
           </p:nvPr>
         </p:nvSpPr>
         <p:spPr/>
@@ -362,8 +358,8 @@
         </p:nvSpPr>
         <p:spPr>
           <a:xfrm>
-            <a:off x="628560" y="365040"/>
-            <a:ext cx="7886520" cy="1325160"/>
+            <a:off x="457200" y="273600"/>
+            <a:ext cx="8229240" cy="1144800"/>
           </a:xfrm>
           <a:prstGeom prst="rect">
             <a:avLst/>
@@ -378,14 +374,14 @@
             <a:noAutofit/>
           </a:bodyPr>
           <a:p>
-            <a:pPr indent="0">
-              <a:buNone/>
-            </a:pPr>
-            <a:endParaRPr b="0" lang="en-US" sz="1800" spc="-1" strike="noStrike">
-              <a:solidFill>
-                <a:srgbClr val="000000"/>
-              </a:solidFill>
-              <a:latin typeface="Calibri"/>
+            <a:pPr indent="0" algn="ctr">
+              <a:buNone/>
+            </a:pPr>
+            <a:endParaRPr b="0" lang="en-US" sz="4400" spc="-1" strike="noStrike">
+              <a:solidFill>
+                <a:srgbClr val="000000"/>
+              </a:solidFill>
+              <a:latin typeface="Arial"/>
             </a:endParaRPr>
           </a:p>
         </p:txBody>
@@ -402,8 +398,8 @@
         </p:nvSpPr>
         <p:spPr>
           <a:xfrm>
-            <a:off x="628560" y="1825560"/>
-            <a:ext cx="3848400" cy="2075040"/>
+            <a:off x="457200" y="1604520"/>
+            <a:ext cx="4015800" cy="1896840"/>
           </a:xfrm>
           <a:prstGeom prst="rect">
             <a:avLst/>
@@ -419,19 +415,16 @@
           </a:bodyPr>
           <a:p>
             <a:pPr indent="0">
-              <a:lnSpc>
-                <a:spcPct val="90000"/>
-              </a:lnSpc>
               <a:spcBef>
                 <a:spcPts val="1417"/>
               </a:spcBef>
               <a:buNone/>
             </a:pPr>
-            <a:endParaRPr b="0" lang="en-US" sz="2800" spc="-1" strike="noStrike">
-              <a:solidFill>
-                <a:srgbClr val="000000"/>
-              </a:solidFill>
-              <a:latin typeface="Calibri"/>
+            <a:endParaRPr b="0" lang="en-US" sz="3200" spc="-1" strike="noStrike">
+              <a:solidFill>
+                <a:srgbClr val="000000"/>
+              </a:solidFill>
+              <a:latin typeface="Arial"/>
             </a:endParaRPr>
           </a:p>
         </p:txBody>
@@ -448,8 +441,8 @@
         </p:nvSpPr>
         <p:spPr>
           <a:xfrm>
-            <a:off x="4669920" y="1825560"/>
-            <a:ext cx="3848400" cy="2075040"/>
+            <a:off x="4674240" y="1604520"/>
+            <a:ext cx="4015800" cy="1896840"/>
           </a:xfrm>
           <a:prstGeom prst="rect">
             <a:avLst/>
@@ -465,19 +458,16 @@
           </a:bodyPr>
           <a:p>
             <a:pPr indent="0">
-              <a:lnSpc>
-                <a:spcPct val="90000"/>
-              </a:lnSpc>
               <a:spcBef>
                 <a:spcPts val="1417"/>
               </a:spcBef>
               <a:buNone/>
             </a:pPr>
-            <a:endParaRPr b="0" lang="en-US" sz="2800" spc="-1" strike="noStrike">
-              <a:solidFill>
-                <a:srgbClr val="000000"/>
-              </a:solidFill>
-              <a:latin typeface="Calibri"/>
+            <a:endParaRPr b="0" lang="en-US" sz="3200" spc="-1" strike="noStrike">
+              <a:solidFill>
+                <a:srgbClr val="000000"/>
+              </a:solidFill>
+              <a:latin typeface="Arial"/>
             </a:endParaRPr>
           </a:p>
         </p:txBody>
@@ -494,8 +484,8 @@
         </p:nvSpPr>
         <p:spPr>
           <a:xfrm>
-            <a:off x="628560" y="4098240"/>
-            <a:ext cx="3848400" cy="2075040"/>
+            <a:off x="457200" y="3682080"/>
+            <a:ext cx="4015800" cy="1896840"/>
           </a:xfrm>
           <a:prstGeom prst="rect">
             <a:avLst/>
@@ -511,19 +501,16 @@
           </a:bodyPr>
           <a:p>
             <a:pPr indent="0">
-              <a:lnSpc>
-                <a:spcPct val="90000"/>
-              </a:lnSpc>
               <a:spcBef>
                 <a:spcPts val="1417"/>
               </a:spcBef>
               <a:buNone/>
             </a:pPr>
-            <a:endParaRPr b="0" lang="en-US" sz="2800" spc="-1" strike="noStrike">
-              <a:solidFill>
-                <a:srgbClr val="000000"/>
-              </a:solidFill>
-              <a:latin typeface="Calibri"/>
+            <a:endParaRPr b="0" lang="en-US" sz="3200" spc="-1" strike="noStrike">
+              <a:solidFill>
+                <a:srgbClr val="000000"/>
+              </a:solidFill>
+              <a:latin typeface="Arial"/>
             </a:endParaRPr>
           </a:p>
         </p:txBody>
@@ -540,8 +527,8 @@
         </p:nvSpPr>
         <p:spPr>
           <a:xfrm>
-            <a:off x="4669920" y="4098240"/>
-            <a:ext cx="3848400" cy="2075040"/>
+            <a:off x="4674240" y="3682080"/>
+            <a:ext cx="4015800" cy="1896840"/>
           </a:xfrm>
           <a:prstGeom prst="rect">
             <a:avLst/>
@@ -557,19 +544,16 @@
           </a:bodyPr>
           <a:p>
             <a:pPr indent="0">
-              <a:lnSpc>
-                <a:spcPct val="90000"/>
-              </a:lnSpc>
               <a:spcBef>
                 <a:spcPts val="1417"/>
               </a:spcBef>
               <a:buNone/>
             </a:pPr>
-            <a:endParaRPr b="0" lang="en-US" sz="2800" spc="-1" strike="noStrike">
-              <a:solidFill>
-                <a:srgbClr val="000000"/>
-              </a:solidFill>
-              <a:latin typeface="Calibri"/>
+            <a:endParaRPr b="0" lang="en-US" sz="3200" spc="-1" strike="noStrike">
+              <a:solidFill>
+                <a:srgbClr val="000000"/>
+              </a:solidFill>
+              <a:latin typeface="Arial"/>
             </a:endParaRPr>
           </a:p>
         </p:txBody>
@@ -581,7 +565,7 @@
             <a:spLocks noGrp="1"/>
           </p:cNvSpPr>
           <p:nvPr>
-            <p:ph type="ftr" idx="2"/>
+            <p:ph type="ftr" idx="1"/>
           </p:nvPr>
         </p:nvSpPr>
         <p:spPr/>
@@ -601,14 +585,14 @@
             <a:spLocks noGrp="1"/>
           </p:cNvSpPr>
           <p:nvPr>
-            <p:ph type="sldNum" idx="3"/>
+            <p:ph type="sldNum" idx="2"/>
           </p:nvPr>
         </p:nvSpPr>
         <p:spPr/>
         <p:txBody>
           <a:bodyPr/>
           <a:p>
-            <a:fld id="{FDB0DE30-EEF1-46CC-AB89-A7E04CA407B2}" type="slidenum">
+            <a:fld id="{20F1EC61-5A28-416D-9B30-B89B01830066}" type="slidenum">
               <a:t>&lt;#&gt;</a:t>
             </a:fld>
           </a:p>
@@ -621,7 +605,7 @@
             <a:spLocks noGrp="1"/>
           </p:cNvSpPr>
           <p:nvPr>
-            <p:ph type="dt" idx="1"/>
+            <p:ph type="dt" idx="3"/>
           </p:nvPr>
         </p:nvSpPr>
         <p:spPr/>
@@ -669,8 +653,8 @@
         </p:nvSpPr>
         <p:spPr>
           <a:xfrm>
-            <a:off x="628560" y="365040"/>
-            <a:ext cx="7886520" cy="1325160"/>
+            <a:off x="457200" y="273600"/>
+            <a:ext cx="8229240" cy="1144800"/>
           </a:xfrm>
           <a:prstGeom prst="rect">
             <a:avLst/>
@@ -685,14 +669,14 @@
             <a:noAutofit/>
           </a:bodyPr>
           <a:p>
-            <a:pPr indent="0">
-              <a:buNone/>
-            </a:pPr>
-            <a:endParaRPr b="0" lang="en-US" sz="1800" spc="-1" strike="noStrike">
-              <a:solidFill>
-                <a:srgbClr val="000000"/>
-              </a:solidFill>
-              <a:latin typeface="Calibri"/>
+            <a:pPr indent="0" algn="ctr">
+              <a:buNone/>
+            </a:pPr>
+            <a:endParaRPr b="0" lang="en-US" sz="4400" spc="-1" strike="noStrike">
+              <a:solidFill>
+                <a:srgbClr val="000000"/>
+              </a:solidFill>
+              <a:latin typeface="Arial"/>
             </a:endParaRPr>
           </a:p>
         </p:txBody>
@@ -709,8 +693,8 @@
         </p:nvSpPr>
         <p:spPr>
           <a:xfrm>
-            <a:off x="628560" y="1825560"/>
-            <a:ext cx="2539080" cy="2075040"/>
+            <a:off x="457200" y="1604520"/>
+            <a:ext cx="2649600" cy="1896840"/>
           </a:xfrm>
           <a:prstGeom prst="rect">
             <a:avLst/>
@@ -726,19 +710,16 @@
           </a:bodyPr>
           <a:p>
             <a:pPr indent="0">
-              <a:lnSpc>
-                <a:spcPct val="90000"/>
-              </a:lnSpc>
               <a:spcBef>
                 <a:spcPts val="1417"/>
               </a:spcBef>
               <a:buNone/>
             </a:pPr>
-            <a:endParaRPr b="0" lang="en-US" sz="2800" spc="-1" strike="noStrike">
-              <a:solidFill>
-                <a:srgbClr val="000000"/>
-              </a:solidFill>
-              <a:latin typeface="Calibri"/>
+            <a:endParaRPr b="0" lang="en-US" sz="3200" spc="-1" strike="noStrike">
+              <a:solidFill>
+                <a:srgbClr val="000000"/>
+              </a:solidFill>
+              <a:latin typeface="Arial"/>
             </a:endParaRPr>
           </a:p>
         </p:txBody>
@@ -755,8 +736,8 @@
         </p:nvSpPr>
         <p:spPr>
           <a:xfrm>
-            <a:off x="3295080" y="1825560"/>
-            <a:ext cx="2539080" cy="2075040"/>
+            <a:off x="3239640" y="1604520"/>
+            <a:ext cx="2649600" cy="1896840"/>
           </a:xfrm>
           <a:prstGeom prst="rect">
             <a:avLst/>
@@ -772,19 +753,16 @@
           </a:bodyPr>
           <a:p>
             <a:pPr indent="0">
-              <a:lnSpc>
-                <a:spcPct val="90000"/>
-              </a:lnSpc>
               <a:spcBef>
                 <a:spcPts val="1417"/>
               </a:spcBef>
               <a:buNone/>
             </a:pPr>
-            <a:endParaRPr b="0" lang="en-US" sz="2800" spc="-1" strike="noStrike">
-              <a:solidFill>
-                <a:srgbClr val="000000"/>
-              </a:solidFill>
-              <a:latin typeface="Calibri"/>
+            <a:endParaRPr b="0" lang="en-US" sz="3200" spc="-1" strike="noStrike">
+              <a:solidFill>
+                <a:srgbClr val="000000"/>
+              </a:solidFill>
+              <a:latin typeface="Arial"/>
             </a:endParaRPr>
           </a:p>
         </p:txBody>
@@ -801,8 +779,8 @@
         </p:nvSpPr>
         <p:spPr>
           <a:xfrm>
-            <a:off x="5961240" y="1825560"/>
-            <a:ext cx="2539080" cy="2075040"/>
+            <a:off x="6022080" y="1604520"/>
+            <a:ext cx="2649600" cy="1896840"/>
           </a:xfrm>
           <a:prstGeom prst="rect">
             <a:avLst/>
@@ -818,19 +796,16 @@
           </a:bodyPr>
           <a:p>
             <a:pPr indent="0">
-              <a:lnSpc>
-                <a:spcPct val="90000"/>
-              </a:lnSpc>
               <a:spcBef>
                 <a:spcPts val="1417"/>
               </a:spcBef>
               <a:buNone/>
             </a:pPr>
-            <a:endParaRPr b="0" lang="en-US" sz="2800" spc="-1" strike="noStrike">
-              <a:solidFill>
-                <a:srgbClr val="000000"/>
-              </a:solidFill>
-              <a:latin typeface="Calibri"/>
+            <a:endParaRPr b="0" lang="en-US" sz="3200" spc="-1" strike="noStrike">
+              <a:solidFill>
+                <a:srgbClr val="000000"/>
+              </a:solidFill>
+              <a:latin typeface="Arial"/>
             </a:endParaRPr>
           </a:p>
         </p:txBody>
@@ -847,8 +822,8 @@
         </p:nvSpPr>
         <p:spPr>
           <a:xfrm>
-            <a:off x="628560" y="4098240"/>
-            <a:ext cx="2539080" cy="2075040"/>
+            <a:off x="457200" y="3682080"/>
+            <a:ext cx="2649600" cy="1896840"/>
           </a:xfrm>
           <a:prstGeom prst="rect">
             <a:avLst/>
@@ -864,19 +839,16 @@
           </a:bodyPr>
           <a:p>
             <a:pPr indent="0">
-              <a:lnSpc>
-                <a:spcPct val="90000"/>
-              </a:lnSpc>
               <a:spcBef>
                 <a:spcPts val="1417"/>
               </a:spcBef>
               <a:buNone/>
             </a:pPr>
-            <a:endParaRPr b="0" lang="en-US" sz="2800" spc="-1" strike="noStrike">
-              <a:solidFill>
-                <a:srgbClr val="000000"/>
-              </a:solidFill>
-              <a:latin typeface="Calibri"/>
+            <a:endParaRPr b="0" lang="en-US" sz="3200" spc="-1" strike="noStrike">
+              <a:solidFill>
+                <a:srgbClr val="000000"/>
+              </a:solidFill>
+              <a:latin typeface="Arial"/>
             </a:endParaRPr>
           </a:p>
         </p:txBody>
@@ -893,8 +865,8 @@
         </p:nvSpPr>
         <p:spPr>
           <a:xfrm>
-            <a:off x="3295080" y="4098240"/>
-            <a:ext cx="2539080" cy="2075040"/>
+            <a:off x="3239640" y="3682080"/>
+            <a:ext cx="2649600" cy="1896840"/>
           </a:xfrm>
           <a:prstGeom prst="rect">
             <a:avLst/>
@@ -910,19 +882,16 @@
           </a:bodyPr>
           <a:p>
             <a:pPr indent="0">
-              <a:lnSpc>
-                <a:spcPct val="90000"/>
-              </a:lnSpc>
               <a:spcBef>
                 <a:spcPts val="1417"/>
               </a:spcBef>
               <a:buNone/>
             </a:pPr>
-            <a:endParaRPr b="0" lang="en-US" sz="2800" spc="-1" strike="noStrike">
-              <a:solidFill>
-                <a:srgbClr val="000000"/>
-              </a:solidFill>
-              <a:latin typeface="Calibri"/>
+            <a:endParaRPr b="0" lang="en-US" sz="3200" spc="-1" strike="noStrike">
+              <a:solidFill>
+                <a:srgbClr val="000000"/>
+              </a:solidFill>
+              <a:latin typeface="Arial"/>
             </a:endParaRPr>
           </a:p>
         </p:txBody>
@@ -939,8 +908,8 @@
         </p:nvSpPr>
         <p:spPr>
           <a:xfrm>
-            <a:off x="5961240" y="4098240"/>
-            <a:ext cx="2539080" cy="2075040"/>
+            <a:off x="6022080" y="3682080"/>
+            <a:ext cx="2649600" cy="1896840"/>
           </a:xfrm>
           <a:prstGeom prst="rect">
             <a:avLst/>
@@ -956,19 +925,16 @@
           </a:bodyPr>
           <a:p>
             <a:pPr indent="0">
-              <a:lnSpc>
-                <a:spcPct val="90000"/>
-              </a:lnSpc>
               <a:spcBef>
                 <a:spcPts val="1417"/>
               </a:spcBef>
               <a:buNone/>
             </a:pPr>
-            <a:endParaRPr b="0" lang="en-US" sz="2800" spc="-1" strike="noStrike">
-              <a:solidFill>
-                <a:srgbClr val="000000"/>
-              </a:solidFill>
-              <a:latin typeface="Calibri"/>
+            <a:endParaRPr b="0" lang="en-US" sz="3200" spc="-1" strike="noStrike">
+              <a:solidFill>
+                <a:srgbClr val="000000"/>
+              </a:solidFill>
+              <a:latin typeface="Arial"/>
             </a:endParaRPr>
           </a:p>
         </p:txBody>
@@ -980,7 +946,7 @@
             <a:spLocks noGrp="1"/>
           </p:cNvSpPr>
           <p:nvPr>
-            <p:ph type="ftr" idx="2"/>
+            <p:ph type="ftr" idx="1"/>
           </p:nvPr>
         </p:nvSpPr>
         <p:spPr/>
@@ -1000,14 +966,14 @@
             <a:spLocks noGrp="1"/>
           </p:cNvSpPr>
           <p:nvPr>
-            <p:ph type="sldNum" idx="3"/>
+            <p:ph type="sldNum" idx="2"/>
           </p:nvPr>
         </p:nvSpPr>
         <p:spPr/>
         <p:txBody>
           <a:bodyPr/>
           <a:p>
-            <a:fld id="{2066503C-795C-445F-B74E-0BC9F43F5E85}" type="slidenum">
+            <a:fld id="{35CF9D33-5118-4A1D-BD55-EB455E413E51}" type="slidenum">
               <a:t>&lt;#&gt;</a:t>
             </a:fld>
           </a:p>
@@ -1020,7 +986,7 @@
             <a:spLocks noGrp="1"/>
           </p:cNvSpPr>
           <p:nvPr>
-            <p:ph type="dt" idx="1"/>
+            <p:ph type="dt" idx="3"/>
           </p:nvPr>
         </p:nvSpPr>
         <p:spPr/>
@@ -1063,7 +1029,7 @@
             <a:spLocks noGrp="1"/>
           </p:cNvSpPr>
           <p:nvPr>
-            <p:ph type="ftr" idx="5"/>
+            <p:ph type="ftr" idx="4"/>
           </p:nvPr>
         </p:nvSpPr>
         <p:spPr/>
@@ -1083,14 +1049,14 @@
             <a:spLocks noGrp="1"/>
           </p:cNvSpPr>
           <p:nvPr>
-            <p:ph type="sldNum" idx="6"/>
+            <p:ph type="sldNum" idx="5"/>
           </p:nvPr>
         </p:nvSpPr>
         <p:spPr/>
         <p:txBody>
           <a:bodyPr/>
           <a:p>
-            <a:fld id="{921C350D-5561-4E75-9CCE-EE6E35E1FBDE}" type="slidenum">
+            <a:fld id="{00D76360-D6B4-4773-AD20-D2782917F68C}" type="slidenum">
               <a:t>&lt;#&gt;</a:t>
             </a:fld>
           </a:p>
@@ -1103,7 +1069,7 @@
             <a:spLocks noGrp="1"/>
           </p:cNvSpPr>
           <p:nvPr>
-            <p:ph type="dt" idx="4"/>
+            <p:ph type="dt" idx="6"/>
           </p:nvPr>
         </p:nvSpPr>
         <p:spPr/>
@@ -1151,8 +1117,8 @@
         </p:nvSpPr>
         <p:spPr>
           <a:xfrm>
-            <a:off x="628560" y="365040"/>
-            <a:ext cx="7886520" cy="1325160"/>
+            <a:off x="457200" y="273600"/>
+            <a:ext cx="8229240" cy="1144800"/>
           </a:xfrm>
           <a:prstGeom prst="rect">
             <a:avLst/>
@@ -1167,14 +1133,14 @@
             <a:noAutofit/>
           </a:bodyPr>
           <a:p>
-            <a:pPr indent="0">
-              <a:buNone/>
-            </a:pPr>
-            <a:endParaRPr b="0" lang="en-US" sz="1800" spc="-1" strike="noStrike">
-              <a:solidFill>
-                <a:srgbClr val="000000"/>
-              </a:solidFill>
-              <a:latin typeface="Calibri"/>
+            <a:pPr indent="0" algn="ctr">
+              <a:buNone/>
+            </a:pPr>
+            <a:endParaRPr b="0" lang="en-US" sz="4400" spc="-1" strike="noStrike">
+              <a:solidFill>
+                <a:srgbClr val="000000"/>
+              </a:solidFill>
+              <a:latin typeface="Arial"/>
             </a:endParaRPr>
           </a:p>
         </p:txBody>
@@ -1191,8 +1157,8 @@
         </p:nvSpPr>
         <p:spPr>
           <a:xfrm>
-            <a:off x="628560" y="1825560"/>
-            <a:ext cx="7886520" cy="4350960"/>
+            <a:off x="457200" y="1604520"/>
+            <a:ext cx="8229240" cy="3977280"/>
           </a:xfrm>
           <a:prstGeom prst="rect">
             <a:avLst/>
@@ -1226,7 +1192,7 @@
             <a:spLocks noGrp="1"/>
           </p:cNvSpPr>
           <p:nvPr>
-            <p:ph type="ftr" idx="5"/>
+            <p:ph type="ftr" idx="4"/>
           </p:nvPr>
         </p:nvSpPr>
         <p:spPr/>
@@ -1246,14 +1212,14 @@
             <a:spLocks noGrp="1"/>
           </p:cNvSpPr>
           <p:nvPr>
-            <p:ph type="sldNum" idx="6"/>
+            <p:ph type="sldNum" idx="5"/>
           </p:nvPr>
         </p:nvSpPr>
         <p:spPr/>
         <p:txBody>
           <a:bodyPr/>
           <a:p>
-            <a:fld id="{E6BA4AFF-E2CB-4989-8923-A2683EDADC1C}" type="slidenum">
+            <a:fld id="{78226E59-B1CD-4747-9B10-FC396FAAA71E}" type="slidenum">
               <a:t>&lt;#&gt;</a:t>
             </a:fld>
           </a:p>
@@ -1266,7 +1232,7 @@
             <a:spLocks noGrp="1"/>
           </p:cNvSpPr>
           <p:nvPr>
-            <p:ph type="dt" idx="4"/>
+            <p:ph type="dt" idx="6"/>
           </p:nvPr>
         </p:nvSpPr>
         <p:spPr/>
@@ -1314,8 +1280,8 @@
         </p:nvSpPr>
         <p:spPr>
           <a:xfrm>
-            <a:off x="628560" y="365040"/>
-            <a:ext cx="7886520" cy="1325160"/>
+            <a:off x="457200" y="273600"/>
+            <a:ext cx="8229240" cy="1144800"/>
           </a:xfrm>
           <a:prstGeom prst="rect">
             <a:avLst/>
@@ -1330,14 +1296,14 @@
             <a:noAutofit/>
           </a:bodyPr>
           <a:p>
-            <a:pPr indent="0">
-              <a:buNone/>
-            </a:pPr>
-            <a:endParaRPr b="0" lang="en-US" sz="1800" spc="-1" strike="noStrike">
-              <a:solidFill>
-                <a:srgbClr val="000000"/>
-              </a:solidFill>
-              <a:latin typeface="Calibri"/>
+            <a:pPr indent="0" algn="ctr">
+              <a:buNone/>
+            </a:pPr>
+            <a:endParaRPr b="0" lang="en-US" sz="4400" spc="-1" strike="noStrike">
+              <a:solidFill>
+                <a:srgbClr val="000000"/>
+              </a:solidFill>
+              <a:latin typeface="Arial"/>
             </a:endParaRPr>
           </a:p>
         </p:txBody>
@@ -1354,8 +1320,8 @@
         </p:nvSpPr>
         <p:spPr>
           <a:xfrm>
-            <a:off x="628560" y="1825560"/>
-            <a:ext cx="7886520" cy="4350960"/>
+            <a:off x="457200" y="1604520"/>
+            <a:ext cx="8229240" cy="3977280"/>
           </a:xfrm>
           <a:prstGeom prst="rect">
             <a:avLst/>
@@ -1371,19 +1337,16 @@
           </a:bodyPr>
           <a:p>
             <a:pPr indent="0">
-              <a:lnSpc>
-                <a:spcPct val="90000"/>
-              </a:lnSpc>
               <a:spcBef>
                 <a:spcPts val="1417"/>
               </a:spcBef>
               <a:buNone/>
             </a:pPr>
-            <a:endParaRPr b="0" lang="en-US" sz="2800" spc="-1" strike="noStrike">
-              <a:solidFill>
-                <a:srgbClr val="000000"/>
-              </a:solidFill>
-              <a:latin typeface="Calibri"/>
+            <a:endParaRPr b="0" lang="en-US" sz="3200" spc="-1" strike="noStrike">
+              <a:solidFill>
+                <a:srgbClr val="000000"/>
+              </a:solidFill>
+              <a:latin typeface="Arial"/>
             </a:endParaRPr>
           </a:p>
         </p:txBody>
@@ -1395,7 +1358,7 @@
             <a:spLocks noGrp="1"/>
           </p:cNvSpPr>
           <p:nvPr>
-            <p:ph type="ftr" idx="5"/>
+            <p:ph type="ftr" idx="4"/>
           </p:nvPr>
         </p:nvSpPr>
         <p:spPr/>
@@ -1415,14 +1378,14 @@
             <a:spLocks noGrp="1"/>
           </p:cNvSpPr>
           <p:nvPr>
-            <p:ph type="sldNum" idx="6"/>
+            <p:ph type="sldNum" idx="5"/>
           </p:nvPr>
         </p:nvSpPr>
         <p:spPr/>
         <p:txBody>
           <a:bodyPr/>
           <a:p>
-            <a:fld id="{44722462-1A09-4A41-874C-54C18741C955}" type="slidenum">
+            <a:fld id="{AB668D21-EE9B-491C-9031-401826FF7C58}" type="slidenum">
               <a:t>&lt;#&gt;</a:t>
             </a:fld>
           </a:p>
@@ -1435,7 +1398,7 @@
             <a:spLocks noGrp="1"/>
           </p:cNvSpPr>
           <p:nvPr>
-            <p:ph type="dt" idx="4"/>
+            <p:ph type="dt" idx="6"/>
           </p:nvPr>
         </p:nvSpPr>
         <p:spPr/>
@@ -1483,8 +1446,8 @@
         </p:nvSpPr>
         <p:spPr>
           <a:xfrm>
-            <a:off x="628560" y="365040"/>
-            <a:ext cx="7886520" cy="1325160"/>
+            <a:off x="457200" y="273600"/>
+            <a:ext cx="8229240" cy="1144800"/>
           </a:xfrm>
           <a:prstGeom prst="rect">
             <a:avLst/>
@@ -1499,14 +1462,14 @@
             <a:noAutofit/>
           </a:bodyPr>
           <a:p>
-            <a:pPr indent="0">
-              <a:buNone/>
-            </a:pPr>
-            <a:endParaRPr b="0" lang="en-US" sz="1800" spc="-1" strike="noStrike">
-              <a:solidFill>
-                <a:srgbClr val="000000"/>
-              </a:solidFill>
-              <a:latin typeface="Calibri"/>
+            <a:pPr indent="0" algn="ctr">
+              <a:buNone/>
+            </a:pPr>
+            <a:endParaRPr b="0" lang="en-US" sz="4400" spc="-1" strike="noStrike">
+              <a:solidFill>
+                <a:srgbClr val="000000"/>
+              </a:solidFill>
+              <a:latin typeface="Arial"/>
             </a:endParaRPr>
           </a:p>
         </p:txBody>
@@ -1523,8 +1486,8 @@
         </p:nvSpPr>
         <p:spPr>
           <a:xfrm>
-            <a:off x="628560" y="1825560"/>
-            <a:ext cx="3848400" cy="4350960"/>
+            <a:off x="457200" y="1604520"/>
+            <a:ext cx="4015800" cy="3977280"/>
           </a:xfrm>
           <a:prstGeom prst="rect">
             <a:avLst/>
@@ -1540,19 +1503,16 @@
           </a:bodyPr>
           <a:p>
             <a:pPr indent="0">
-              <a:lnSpc>
-                <a:spcPct val="90000"/>
-              </a:lnSpc>
               <a:spcBef>
                 <a:spcPts val="1417"/>
               </a:spcBef>
               <a:buNone/>
             </a:pPr>
-            <a:endParaRPr b="0" lang="en-US" sz="2800" spc="-1" strike="noStrike">
-              <a:solidFill>
-                <a:srgbClr val="000000"/>
-              </a:solidFill>
-              <a:latin typeface="Calibri"/>
+            <a:endParaRPr b="0" lang="en-US" sz="3200" spc="-1" strike="noStrike">
+              <a:solidFill>
+                <a:srgbClr val="000000"/>
+              </a:solidFill>
+              <a:latin typeface="Arial"/>
             </a:endParaRPr>
           </a:p>
         </p:txBody>
@@ -1569,8 +1529,8 @@
         </p:nvSpPr>
         <p:spPr>
           <a:xfrm>
-            <a:off x="4669920" y="1825560"/>
-            <a:ext cx="3848400" cy="4350960"/>
+            <a:off x="4674240" y="1604520"/>
+            <a:ext cx="4015800" cy="3977280"/>
           </a:xfrm>
           <a:prstGeom prst="rect">
             <a:avLst/>
@@ -1586,19 +1546,16 @@
           </a:bodyPr>
           <a:p>
             <a:pPr indent="0">
-              <a:lnSpc>
-                <a:spcPct val="90000"/>
-              </a:lnSpc>
               <a:spcBef>
                 <a:spcPts val="1417"/>
               </a:spcBef>
               <a:buNone/>
             </a:pPr>
-            <a:endParaRPr b="0" lang="en-US" sz="2800" spc="-1" strike="noStrike">
-              <a:solidFill>
-                <a:srgbClr val="000000"/>
-              </a:solidFill>
-              <a:latin typeface="Calibri"/>
+            <a:endParaRPr b="0" lang="en-US" sz="3200" spc="-1" strike="noStrike">
+              <a:solidFill>
+                <a:srgbClr val="000000"/>
+              </a:solidFill>
+              <a:latin typeface="Arial"/>
             </a:endParaRPr>
           </a:p>
         </p:txBody>
@@ -1610,7 +1567,7 @@
             <a:spLocks noGrp="1"/>
           </p:cNvSpPr>
           <p:nvPr>
-            <p:ph type="ftr" idx="5"/>
+            <p:ph type="ftr" idx="4"/>
           </p:nvPr>
         </p:nvSpPr>
         <p:spPr/>
@@ -1630,14 +1587,14 @@
             <a:spLocks noGrp="1"/>
           </p:cNvSpPr>
           <p:nvPr>
-            <p:ph type="sldNum" idx="6"/>
+            <p:ph type="sldNum" idx="5"/>
           </p:nvPr>
         </p:nvSpPr>
         <p:spPr/>
         <p:txBody>
           <a:bodyPr/>
           <a:p>
-            <a:fld id="{D50AE62A-5A80-42CE-916A-FC6429CBC253}" type="slidenum">
+            <a:fld id="{925BAD76-7D25-4B90-AC04-57E7E2BF00AD}" type="slidenum">
               <a:t>&lt;#&gt;</a:t>
             </a:fld>
           </a:p>
@@ -1650,7 +1607,7 @@
             <a:spLocks noGrp="1"/>
           </p:cNvSpPr>
           <p:nvPr>
-            <p:ph type="dt" idx="4"/>
+            <p:ph type="dt" idx="6"/>
           </p:nvPr>
         </p:nvSpPr>
         <p:spPr/>
@@ -1698,8 +1655,8 @@
         </p:nvSpPr>
         <p:spPr>
           <a:xfrm>
-            <a:off x="628560" y="365040"/>
-            <a:ext cx="7886520" cy="1325160"/>
+            <a:off x="457200" y="273600"/>
+            <a:ext cx="8229240" cy="1144800"/>
           </a:xfrm>
           <a:prstGeom prst="rect">
             <a:avLst/>
@@ -1714,14 +1671,14 @@
             <a:noAutofit/>
           </a:bodyPr>
           <a:p>
-            <a:pPr indent="0">
-              <a:buNone/>
-            </a:pPr>
-            <a:endParaRPr b="0" lang="en-US" sz="1800" spc="-1" strike="noStrike">
-              <a:solidFill>
-                <a:srgbClr val="000000"/>
-              </a:solidFill>
-              <a:latin typeface="Calibri"/>
+            <a:pPr indent="0" algn="ctr">
+              <a:buNone/>
+            </a:pPr>
+            <a:endParaRPr b="0" lang="en-US" sz="4400" spc="-1" strike="noStrike">
+              <a:solidFill>
+                <a:srgbClr val="000000"/>
+              </a:solidFill>
+              <a:latin typeface="Arial"/>
             </a:endParaRPr>
           </a:p>
         </p:txBody>
@@ -1733,7 +1690,7 @@
             <a:spLocks noGrp="1"/>
           </p:cNvSpPr>
           <p:nvPr>
-            <p:ph type="ftr" idx="5"/>
+            <p:ph type="ftr" idx="4"/>
           </p:nvPr>
         </p:nvSpPr>
         <p:spPr/>
@@ -1753,14 +1710,14 @@
             <a:spLocks noGrp="1"/>
           </p:cNvSpPr>
           <p:nvPr>
-            <p:ph type="sldNum" idx="6"/>
+            <p:ph type="sldNum" idx="5"/>
           </p:nvPr>
         </p:nvSpPr>
         <p:spPr/>
         <p:txBody>
           <a:bodyPr/>
           <a:p>
-            <a:fld id="{F37C30F2-4832-4B69-AE4A-BE6C2767C786}" type="slidenum">
+            <a:fld id="{2A9C903E-003B-4FE3-9DE0-F47840C861C0}" type="slidenum">
               <a:t>&lt;#&gt;</a:t>
             </a:fld>
           </a:p>
@@ -1773,7 +1730,7 @@
             <a:spLocks noGrp="1"/>
           </p:cNvSpPr>
           <p:nvPr>
-            <p:ph type="dt" idx="4"/>
+            <p:ph type="dt" idx="6"/>
           </p:nvPr>
         </p:nvSpPr>
         <p:spPr/>
@@ -1821,8 +1778,8 @@
         </p:nvSpPr>
         <p:spPr>
           <a:xfrm>
-            <a:off x="628560" y="365040"/>
-            <a:ext cx="7886520" cy="6144120"/>
+            <a:off x="457200" y="273600"/>
+            <a:ext cx="8229240" cy="5307840"/>
           </a:xfrm>
           <a:prstGeom prst="rect">
             <a:avLst/>
@@ -1854,7 +1811,7 @@
             <a:spLocks noGrp="1"/>
           </p:cNvSpPr>
           <p:nvPr>
-            <p:ph type="ftr" idx="5"/>
+            <p:ph type="ftr" idx="4"/>
           </p:nvPr>
         </p:nvSpPr>
         <p:spPr/>
@@ -1874,14 +1831,14 @@
             <a:spLocks noGrp="1"/>
           </p:cNvSpPr>
           <p:nvPr>
-            <p:ph type="sldNum" idx="6"/>
+            <p:ph type="sldNum" idx="5"/>
           </p:nvPr>
         </p:nvSpPr>
         <p:spPr/>
         <p:txBody>
           <a:bodyPr/>
           <a:p>
-            <a:fld id="{F886E984-B53A-42AA-92B0-C2E173F66259}" type="slidenum">
+            <a:fld id="{2D2CCD7B-E0AD-4478-A634-0B6ED6CD4086}" type="slidenum">
               <a:t>&lt;#&gt;</a:t>
             </a:fld>
           </a:p>
@@ -1894,7 +1851,7 @@
             <a:spLocks noGrp="1"/>
           </p:cNvSpPr>
           <p:nvPr>
-            <p:ph type="dt" idx="4"/>
+            <p:ph type="dt" idx="6"/>
           </p:nvPr>
         </p:nvSpPr>
         <p:spPr/>
@@ -1942,8 +1899,8 @@
         </p:nvSpPr>
         <p:spPr>
           <a:xfrm>
-            <a:off x="628560" y="365040"/>
-            <a:ext cx="7886520" cy="1325160"/>
+            <a:off x="457200" y="273600"/>
+            <a:ext cx="8229240" cy="1144800"/>
           </a:xfrm>
           <a:prstGeom prst="rect">
             <a:avLst/>
@@ -1958,14 +1915,14 @@
             <a:noAutofit/>
           </a:bodyPr>
           <a:p>
-            <a:pPr indent="0">
-              <a:buNone/>
-            </a:pPr>
-            <a:endParaRPr b="0" lang="en-US" sz="1800" spc="-1" strike="noStrike">
-              <a:solidFill>
-                <a:srgbClr val="000000"/>
-              </a:solidFill>
-              <a:latin typeface="Calibri"/>
+            <a:pPr indent="0" algn="ctr">
+              <a:buNone/>
+            </a:pPr>
+            <a:endParaRPr b="0" lang="en-US" sz="4400" spc="-1" strike="noStrike">
+              <a:solidFill>
+                <a:srgbClr val="000000"/>
+              </a:solidFill>
+              <a:latin typeface="Arial"/>
             </a:endParaRPr>
           </a:p>
         </p:txBody>
@@ -1982,8 +1939,8 @@
         </p:nvSpPr>
         <p:spPr>
           <a:xfrm>
-            <a:off x="628560" y="1825560"/>
-            <a:ext cx="3848400" cy="2075040"/>
+            <a:off x="457200" y="1604520"/>
+            <a:ext cx="4015800" cy="1896840"/>
           </a:xfrm>
           <a:prstGeom prst="rect">
             <a:avLst/>
@@ -1999,19 +1956,16 @@
           </a:bodyPr>
           <a:p>
             <a:pPr indent="0">
-              <a:lnSpc>
-                <a:spcPct val="90000"/>
-              </a:lnSpc>
               <a:spcBef>
                 <a:spcPts val="1417"/>
               </a:spcBef>
               <a:buNone/>
             </a:pPr>
-            <a:endParaRPr b="0" lang="en-US" sz="2800" spc="-1" strike="noStrike">
-              <a:solidFill>
-                <a:srgbClr val="000000"/>
-              </a:solidFill>
-              <a:latin typeface="Calibri"/>
+            <a:endParaRPr b="0" lang="en-US" sz="3200" spc="-1" strike="noStrike">
+              <a:solidFill>
+                <a:srgbClr val="000000"/>
+              </a:solidFill>
+              <a:latin typeface="Arial"/>
             </a:endParaRPr>
           </a:p>
         </p:txBody>
@@ -2028,8 +1982,8 @@
         </p:nvSpPr>
         <p:spPr>
           <a:xfrm>
-            <a:off x="4669920" y="1825560"/>
-            <a:ext cx="3848400" cy="4350960"/>
+            <a:off x="4674240" y="1604520"/>
+            <a:ext cx="4015800" cy="3977280"/>
           </a:xfrm>
           <a:prstGeom prst="rect">
             <a:avLst/>
@@ -2045,19 +1999,16 @@
           </a:bodyPr>
           <a:p>
             <a:pPr indent="0">
-              <a:lnSpc>
-                <a:spcPct val="90000"/>
-              </a:lnSpc>
               <a:spcBef>
                 <a:spcPts val="1417"/>
               </a:spcBef>
               <a:buNone/>
             </a:pPr>
-            <a:endParaRPr b="0" lang="en-US" sz="2800" spc="-1" strike="noStrike">
-              <a:solidFill>
-                <a:srgbClr val="000000"/>
-              </a:solidFill>
-              <a:latin typeface="Calibri"/>
+            <a:endParaRPr b="0" lang="en-US" sz="3200" spc="-1" strike="noStrike">
+              <a:solidFill>
+                <a:srgbClr val="000000"/>
+              </a:solidFill>
+              <a:latin typeface="Arial"/>
             </a:endParaRPr>
           </a:p>
         </p:txBody>
@@ -2074,8 +2025,8 @@
         </p:nvSpPr>
         <p:spPr>
           <a:xfrm>
-            <a:off x="628560" y="4098240"/>
-            <a:ext cx="3848400" cy="2075040"/>
+            <a:off x="457200" y="3682080"/>
+            <a:ext cx="4015800" cy="1896840"/>
           </a:xfrm>
           <a:prstGeom prst="rect">
             <a:avLst/>
@@ -2091,19 +2042,16 @@
           </a:bodyPr>
           <a:p>
             <a:pPr indent="0">
-              <a:lnSpc>
-                <a:spcPct val="90000"/>
-              </a:lnSpc>
               <a:spcBef>
                 <a:spcPts val="1417"/>
               </a:spcBef>
               <a:buNone/>
             </a:pPr>
-            <a:endParaRPr b="0" lang="en-US" sz="2800" spc="-1" strike="noStrike">
-              <a:solidFill>
-                <a:srgbClr val="000000"/>
-              </a:solidFill>
-              <a:latin typeface="Calibri"/>
+            <a:endParaRPr b="0" lang="en-US" sz="3200" spc="-1" strike="noStrike">
+              <a:solidFill>
+                <a:srgbClr val="000000"/>
+              </a:solidFill>
+              <a:latin typeface="Arial"/>
             </a:endParaRPr>
           </a:p>
         </p:txBody>
@@ -2115,7 +2063,7 @@
             <a:spLocks noGrp="1"/>
           </p:cNvSpPr>
           <p:nvPr>
-            <p:ph type="ftr" idx="5"/>
+            <p:ph type="ftr" idx="4"/>
           </p:nvPr>
         </p:nvSpPr>
         <p:spPr/>
@@ -2135,14 +2083,14 @@
             <a:spLocks noGrp="1"/>
           </p:cNvSpPr>
           <p:nvPr>
-            <p:ph type="sldNum" idx="6"/>
+            <p:ph type="sldNum" idx="5"/>
           </p:nvPr>
         </p:nvSpPr>
         <p:spPr/>
         <p:txBody>
           <a:bodyPr/>
           <a:p>
-            <a:fld id="{671E16EB-CCE5-4FE9-ADDA-0E6BA1CC9BD0}" type="slidenum">
+            <a:fld id="{2889CC86-5EBB-426B-9A11-8F6CF6BF350C}" type="slidenum">
               <a:t>&lt;#&gt;</a:t>
             </a:fld>
           </a:p>
@@ -2155,7 +2103,7 @@
             <a:spLocks noGrp="1"/>
           </p:cNvSpPr>
           <p:nvPr>
-            <p:ph type="dt" idx="4"/>
+            <p:ph type="dt" idx="6"/>
           </p:nvPr>
         </p:nvSpPr>
         <p:spPr/>
@@ -2203,8 +2151,8 @@
         </p:nvSpPr>
         <p:spPr>
           <a:xfrm>
-            <a:off x="628560" y="365040"/>
-            <a:ext cx="7886520" cy="1325160"/>
+            <a:off x="457200" y="273600"/>
+            <a:ext cx="8229240" cy="1144800"/>
           </a:xfrm>
           <a:prstGeom prst="rect">
             <a:avLst/>
@@ -2219,14 +2167,14 @@
             <a:noAutofit/>
           </a:bodyPr>
           <a:p>
-            <a:pPr indent="0">
-              <a:buNone/>
-            </a:pPr>
-            <a:endParaRPr b="0" lang="en-US" sz="1800" spc="-1" strike="noStrike">
-              <a:solidFill>
-                <a:srgbClr val="000000"/>
-              </a:solidFill>
-              <a:latin typeface="Calibri"/>
+            <a:pPr indent="0" algn="ctr">
+              <a:buNone/>
+            </a:pPr>
+            <a:endParaRPr b="0" lang="en-US" sz="4400" spc="-1" strike="noStrike">
+              <a:solidFill>
+                <a:srgbClr val="000000"/>
+              </a:solidFill>
+              <a:latin typeface="Arial"/>
             </a:endParaRPr>
           </a:p>
         </p:txBody>
@@ -2243,8 +2191,8 @@
         </p:nvSpPr>
         <p:spPr>
           <a:xfrm>
-            <a:off x="628560" y="1825560"/>
-            <a:ext cx="7886520" cy="4350960"/>
+            <a:off x="457200" y="1604520"/>
+            <a:ext cx="8229240" cy="3977280"/>
           </a:xfrm>
           <a:prstGeom prst="rect">
             <a:avLst/>
@@ -2278,7 +2226,7 @@
             <a:spLocks noGrp="1"/>
           </p:cNvSpPr>
           <p:nvPr>
-            <p:ph type="ftr" idx="2"/>
+            <p:ph type="ftr" idx="1"/>
           </p:nvPr>
         </p:nvSpPr>
         <p:spPr/>
@@ -2298,14 +2246,14 @@
             <a:spLocks noGrp="1"/>
           </p:cNvSpPr>
           <p:nvPr>
-            <p:ph type="sldNum" idx="3"/>
+            <p:ph type="sldNum" idx="2"/>
           </p:nvPr>
         </p:nvSpPr>
         <p:spPr/>
         <p:txBody>
           <a:bodyPr/>
           <a:p>
-            <a:fld id="{D4659067-5C1D-4400-9C7B-3ED477D04DA1}" type="slidenum">
+            <a:fld id="{FDFA3FCC-158C-44FD-9A72-A3F0C8931D28}" type="slidenum">
               <a:t>&lt;#&gt;</a:t>
             </a:fld>
           </a:p>
@@ -2318,7 +2266,7 @@
             <a:spLocks noGrp="1"/>
           </p:cNvSpPr>
           <p:nvPr>
-            <p:ph type="dt" idx="1"/>
+            <p:ph type="dt" idx="3"/>
           </p:nvPr>
         </p:nvSpPr>
         <p:spPr/>
@@ -2366,8 +2314,8 @@
         </p:nvSpPr>
         <p:spPr>
           <a:xfrm>
-            <a:off x="628560" y="365040"/>
-            <a:ext cx="7886520" cy="1325160"/>
+            <a:off x="457200" y="273600"/>
+            <a:ext cx="8229240" cy="1144800"/>
           </a:xfrm>
           <a:prstGeom prst="rect">
             <a:avLst/>
@@ -2382,14 +2330,14 @@
             <a:noAutofit/>
           </a:bodyPr>
           <a:p>
-            <a:pPr indent="0">
-              <a:buNone/>
-            </a:pPr>
-            <a:endParaRPr b="0" lang="en-US" sz="1800" spc="-1" strike="noStrike">
-              <a:solidFill>
-                <a:srgbClr val="000000"/>
-              </a:solidFill>
-              <a:latin typeface="Calibri"/>
+            <a:pPr indent="0" algn="ctr">
+              <a:buNone/>
+            </a:pPr>
+            <a:endParaRPr b="0" lang="en-US" sz="4400" spc="-1" strike="noStrike">
+              <a:solidFill>
+                <a:srgbClr val="000000"/>
+              </a:solidFill>
+              <a:latin typeface="Arial"/>
             </a:endParaRPr>
           </a:p>
         </p:txBody>
@@ -2406,8 +2354,8 @@
         </p:nvSpPr>
         <p:spPr>
           <a:xfrm>
-            <a:off x="628560" y="1825560"/>
-            <a:ext cx="3848400" cy="4350960"/>
+            <a:off x="457200" y="1604520"/>
+            <a:ext cx="4015800" cy="3977280"/>
           </a:xfrm>
           <a:prstGeom prst="rect">
             <a:avLst/>
@@ -2423,19 +2371,16 @@
           </a:bodyPr>
           <a:p>
             <a:pPr indent="0">
-              <a:lnSpc>
-                <a:spcPct val="90000"/>
-              </a:lnSpc>
               <a:spcBef>
                 <a:spcPts val="1417"/>
               </a:spcBef>
               <a:buNone/>
             </a:pPr>
-            <a:endParaRPr b="0" lang="en-US" sz="2800" spc="-1" strike="noStrike">
-              <a:solidFill>
-                <a:srgbClr val="000000"/>
-              </a:solidFill>
-              <a:latin typeface="Calibri"/>
+            <a:endParaRPr b="0" lang="en-US" sz="3200" spc="-1" strike="noStrike">
+              <a:solidFill>
+                <a:srgbClr val="000000"/>
+              </a:solidFill>
+              <a:latin typeface="Arial"/>
             </a:endParaRPr>
           </a:p>
         </p:txBody>
@@ -2452,8 +2397,8 @@
         </p:nvSpPr>
         <p:spPr>
           <a:xfrm>
-            <a:off x="4669920" y="1825560"/>
-            <a:ext cx="3848400" cy="2075040"/>
+            <a:off x="4674240" y="1604520"/>
+            <a:ext cx="4015800" cy="1896840"/>
           </a:xfrm>
           <a:prstGeom prst="rect">
             <a:avLst/>
@@ -2469,19 +2414,16 @@
           </a:bodyPr>
           <a:p>
             <a:pPr indent="0">
-              <a:lnSpc>
-                <a:spcPct val="90000"/>
-              </a:lnSpc>
               <a:spcBef>
                 <a:spcPts val="1417"/>
               </a:spcBef>
               <a:buNone/>
             </a:pPr>
-            <a:endParaRPr b="0" lang="en-US" sz="2800" spc="-1" strike="noStrike">
-              <a:solidFill>
-                <a:srgbClr val="000000"/>
-              </a:solidFill>
-              <a:latin typeface="Calibri"/>
+            <a:endParaRPr b="0" lang="en-US" sz="3200" spc="-1" strike="noStrike">
+              <a:solidFill>
+                <a:srgbClr val="000000"/>
+              </a:solidFill>
+              <a:latin typeface="Arial"/>
             </a:endParaRPr>
           </a:p>
         </p:txBody>
@@ -2498,8 +2440,8 @@
         </p:nvSpPr>
         <p:spPr>
           <a:xfrm>
-            <a:off x="4669920" y="4098240"/>
-            <a:ext cx="3848400" cy="2075040"/>
+            <a:off x="4674240" y="3682080"/>
+            <a:ext cx="4015800" cy="1896840"/>
           </a:xfrm>
           <a:prstGeom prst="rect">
             <a:avLst/>
@@ -2515,19 +2457,16 @@
           </a:bodyPr>
           <a:p>
             <a:pPr indent="0">
-              <a:lnSpc>
-                <a:spcPct val="90000"/>
-              </a:lnSpc>
               <a:spcBef>
                 <a:spcPts val="1417"/>
               </a:spcBef>
               <a:buNone/>
             </a:pPr>
-            <a:endParaRPr b="0" lang="en-US" sz="2800" spc="-1" strike="noStrike">
-              <a:solidFill>
-                <a:srgbClr val="000000"/>
-              </a:solidFill>
-              <a:latin typeface="Calibri"/>
+            <a:endParaRPr b="0" lang="en-US" sz="3200" spc="-1" strike="noStrike">
+              <a:solidFill>
+                <a:srgbClr val="000000"/>
+              </a:solidFill>
+              <a:latin typeface="Arial"/>
             </a:endParaRPr>
           </a:p>
         </p:txBody>
@@ -2539,7 +2478,7 @@
             <a:spLocks noGrp="1"/>
           </p:cNvSpPr>
           <p:nvPr>
-            <p:ph type="ftr" idx="5"/>
+            <p:ph type="ftr" idx="4"/>
           </p:nvPr>
         </p:nvSpPr>
         <p:spPr/>
@@ -2559,14 +2498,14 @@
             <a:spLocks noGrp="1"/>
           </p:cNvSpPr>
           <p:nvPr>
-            <p:ph type="sldNum" idx="6"/>
+            <p:ph type="sldNum" idx="5"/>
           </p:nvPr>
         </p:nvSpPr>
         <p:spPr/>
         <p:txBody>
           <a:bodyPr/>
           <a:p>
-            <a:fld id="{59C53668-852D-49CE-9D71-78CADD53E175}" type="slidenum">
+            <a:fld id="{26FCC5F9-6669-4785-8E17-777006B25271}" type="slidenum">
               <a:t>&lt;#&gt;</a:t>
             </a:fld>
           </a:p>
@@ -2579,7 +2518,7 @@
             <a:spLocks noGrp="1"/>
           </p:cNvSpPr>
           <p:nvPr>
-            <p:ph type="dt" idx="4"/>
+            <p:ph type="dt" idx="6"/>
           </p:nvPr>
         </p:nvSpPr>
         <p:spPr/>
@@ -2627,8 +2566,8 @@
         </p:nvSpPr>
         <p:spPr>
           <a:xfrm>
-            <a:off x="628560" y="365040"/>
-            <a:ext cx="7886520" cy="1325160"/>
+            <a:off x="457200" y="273600"/>
+            <a:ext cx="8229240" cy="1144800"/>
           </a:xfrm>
           <a:prstGeom prst="rect">
             <a:avLst/>
@@ -2643,14 +2582,14 @@
             <a:noAutofit/>
           </a:bodyPr>
           <a:p>
-            <a:pPr indent="0">
-              <a:buNone/>
-            </a:pPr>
-            <a:endParaRPr b="0" lang="en-US" sz="1800" spc="-1" strike="noStrike">
-              <a:solidFill>
-                <a:srgbClr val="000000"/>
-              </a:solidFill>
-              <a:latin typeface="Calibri"/>
+            <a:pPr indent="0" algn="ctr">
+              <a:buNone/>
+            </a:pPr>
+            <a:endParaRPr b="0" lang="en-US" sz="4400" spc="-1" strike="noStrike">
+              <a:solidFill>
+                <a:srgbClr val="000000"/>
+              </a:solidFill>
+              <a:latin typeface="Arial"/>
             </a:endParaRPr>
           </a:p>
         </p:txBody>
@@ -2667,8 +2606,8 @@
         </p:nvSpPr>
         <p:spPr>
           <a:xfrm>
-            <a:off x="628560" y="1825560"/>
-            <a:ext cx="3848400" cy="2075040"/>
+            <a:off x="457200" y="1604520"/>
+            <a:ext cx="4015800" cy="1896840"/>
           </a:xfrm>
           <a:prstGeom prst="rect">
             <a:avLst/>
@@ -2684,19 +2623,16 @@
           </a:bodyPr>
           <a:p>
             <a:pPr indent="0">
-              <a:lnSpc>
-                <a:spcPct val="90000"/>
-              </a:lnSpc>
               <a:spcBef>
                 <a:spcPts val="1417"/>
               </a:spcBef>
               <a:buNone/>
             </a:pPr>
-            <a:endParaRPr b="0" lang="en-US" sz="2800" spc="-1" strike="noStrike">
-              <a:solidFill>
-                <a:srgbClr val="000000"/>
-              </a:solidFill>
-              <a:latin typeface="Calibri"/>
+            <a:endParaRPr b="0" lang="en-US" sz="3200" spc="-1" strike="noStrike">
+              <a:solidFill>
+                <a:srgbClr val="000000"/>
+              </a:solidFill>
+              <a:latin typeface="Arial"/>
             </a:endParaRPr>
           </a:p>
         </p:txBody>
@@ -2713,8 +2649,8 @@
         </p:nvSpPr>
         <p:spPr>
           <a:xfrm>
-            <a:off x="4669920" y="1825560"/>
-            <a:ext cx="3848400" cy="2075040"/>
+            <a:off x="4674240" y="1604520"/>
+            <a:ext cx="4015800" cy="1896840"/>
           </a:xfrm>
           <a:prstGeom prst="rect">
             <a:avLst/>
@@ -2730,19 +2666,16 @@
           </a:bodyPr>
           <a:p>
             <a:pPr indent="0">
-              <a:lnSpc>
-                <a:spcPct val="90000"/>
-              </a:lnSpc>
               <a:spcBef>
                 <a:spcPts val="1417"/>
               </a:spcBef>
               <a:buNone/>
             </a:pPr>
-            <a:endParaRPr b="0" lang="en-US" sz="2800" spc="-1" strike="noStrike">
-              <a:solidFill>
-                <a:srgbClr val="000000"/>
-              </a:solidFill>
-              <a:latin typeface="Calibri"/>
+            <a:endParaRPr b="0" lang="en-US" sz="3200" spc="-1" strike="noStrike">
+              <a:solidFill>
+                <a:srgbClr val="000000"/>
+              </a:solidFill>
+              <a:latin typeface="Arial"/>
             </a:endParaRPr>
           </a:p>
         </p:txBody>
@@ -2759,8 +2692,8 @@
         </p:nvSpPr>
         <p:spPr>
           <a:xfrm>
-            <a:off x="628560" y="4098240"/>
-            <a:ext cx="7886520" cy="2075040"/>
+            <a:off x="457200" y="3682080"/>
+            <a:ext cx="8229240" cy="1896840"/>
           </a:xfrm>
           <a:prstGeom prst="rect">
             <a:avLst/>
@@ -2776,19 +2709,16 @@
           </a:bodyPr>
           <a:p>
             <a:pPr indent="0">
-              <a:lnSpc>
-                <a:spcPct val="90000"/>
-              </a:lnSpc>
               <a:spcBef>
                 <a:spcPts val="1417"/>
               </a:spcBef>
               <a:buNone/>
             </a:pPr>
-            <a:endParaRPr b="0" lang="en-US" sz="2800" spc="-1" strike="noStrike">
-              <a:solidFill>
-                <a:srgbClr val="000000"/>
-              </a:solidFill>
-              <a:latin typeface="Calibri"/>
+            <a:endParaRPr b="0" lang="en-US" sz="3200" spc="-1" strike="noStrike">
+              <a:solidFill>
+                <a:srgbClr val="000000"/>
+              </a:solidFill>
+              <a:latin typeface="Arial"/>
             </a:endParaRPr>
           </a:p>
         </p:txBody>
@@ -2800,7 +2730,7 @@
             <a:spLocks noGrp="1"/>
           </p:cNvSpPr>
           <p:nvPr>
-            <p:ph type="ftr" idx="5"/>
+            <p:ph type="ftr" idx="4"/>
           </p:nvPr>
         </p:nvSpPr>
         <p:spPr/>
@@ -2820,14 +2750,14 @@
             <a:spLocks noGrp="1"/>
           </p:cNvSpPr>
           <p:nvPr>
-            <p:ph type="sldNum" idx="6"/>
+            <p:ph type="sldNum" idx="5"/>
           </p:nvPr>
         </p:nvSpPr>
         <p:spPr/>
         <p:txBody>
           <a:bodyPr/>
           <a:p>
-            <a:fld id="{CAFCEB44-C869-4D6A-ADD3-B3FAEAC0325D}" type="slidenum">
+            <a:fld id="{0CE19811-66D2-43C9-B659-1DFA225AB621}" type="slidenum">
               <a:t>&lt;#&gt;</a:t>
             </a:fld>
           </a:p>
@@ -2840,7 +2770,7 @@
             <a:spLocks noGrp="1"/>
           </p:cNvSpPr>
           <p:nvPr>
-            <p:ph type="dt" idx="4"/>
+            <p:ph type="dt" idx="6"/>
           </p:nvPr>
         </p:nvSpPr>
         <p:spPr/>
@@ -2888,8 +2818,8 @@
         </p:nvSpPr>
         <p:spPr>
           <a:xfrm>
-            <a:off x="628560" y="365040"/>
-            <a:ext cx="7886520" cy="1325160"/>
+            <a:off x="457200" y="273600"/>
+            <a:ext cx="8229240" cy="1144800"/>
           </a:xfrm>
           <a:prstGeom prst="rect">
             <a:avLst/>
@@ -2904,14 +2834,14 @@
             <a:noAutofit/>
           </a:bodyPr>
           <a:p>
-            <a:pPr indent="0">
-              <a:buNone/>
-            </a:pPr>
-            <a:endParaRPr b="0" lang="en-US" sz="1800" spc="-1" strike="noStrike">
-              <a:solidFill>
-                <a:srgbClr val="000000"/>
-              </a:solidFill>
-              <a:latin typeface="Calibri"/>
+            <a:pPr indent="0" algn="ctr">
+              <a:buNone/>
+            </a:pPr>
+            <a:endParaRPr b="0" lang="en-US" sz="4400" spc="-1" strike="noStrike">
+              <a:solidFill>
+                <a:srgbClr val="000000"/>
+              </a:solidFill>
+              <a:latin typeface="Arial"/>
             </a:endParaRPr>
           </a:p>
         </p:txBody>
@@ -2928,8 +2858,8 @@
         </p:nvSpPr>
         <p:spPr>
           <a:xfrm>
-            <a:off x="628560" y="1825560"/>
-            <a:ext cx="7886520" cy="2075040"/>
+            <a:off x="457200" y="1604520"/>
+            <a:ext cx="8229240" cy="1896840"/>
           </a:xfrm>
           <a:prstGeom prst="rect">
             <a:avLst/>
@@ -2945,19 +2875,16 @@
           </a:bodyPr>
           <a:p>
             <a:pPr indent="0">
-              <a:lnSpc>
-                <a:spcPct val="90000"/>
-              </a:lnSpc>
               <a:spcBef>
                 <a:spcPts val="1417"/>
               </a:spcBef>
               <a:buNone/>
             </a:pPr>
-            <a:endParaRPr b="0" lang="en-US" sz="2800" spc="-1" strike="noStrike">
-              <a:solidFill>
-                <a:srgbClr val="000000"/>
-              </a:solidFill>
-              <a:latin typeface="Calibri"/>
+            <a:endParaRPr b="0" lang="en-US" sz="3200" spc="-1" strike="noStrike">
+              <a:solidFill>
+                <a:srgbClr val="000000"/>
+              </a:solidFill>
+              <a:latin typeface="Arial"/>
             </a:endParaRPr>
           </a:p>
         </p:txBody>
@@ -2974,8 +2901,8 @@
         </p:nvSpPr>
         <p:spPr>
           <a:xfrm>
-            <a:off x="628560" y="4098240"/>
-            <a:ext cx="7886520" cy="2075040"/>
+            <a:off x="457200" y="3682080"/>
+            <a:ext cx="8229240" cy="1896840"/>
           </a:xfrm>
           <a:prstGeom prst="rect">
             <a:avLst/>
@@ -2991,19 +2918,16 @@
           </a:bodyPr>
           <a:p>
             <a:pPr indent="0">
-              <a:lnSpc>
-                <a:spcPct val="90000"/>
-              </a:lnSpc>
               <a:spcBef>
                 <a:spcPts val="1417"/>
               </a:spcBef>
               <a:buNone/>
             </a:pPr>
-            <a:endParaRPr b="0" lang="en-US" sz="2800" spc="-1" strike="noStrike">
-              <a:solidFill>
-                <a:srgbClr val="000000"/>
-              </a:solidFill>
-              <a:latin typeface="Calibri"/>
+            <a:endParaRPr b="0" lang="en-US" sz="3200" spc="-1" strike="noStrike">
+              <a:solidFill>
+                <a:srgbClr val="000000"/>
+              </a:solidFill>
+              <a:latin typeface="Arial"/>
             </a:endParaRPr>
           </a:p>
         </p:txBody>
@@ -3015,7 +2939,7 @@
             <a:spLocks noGrp="1"/>
           </p:cNvSpPr>
           <p:nvPr>
-            <p:ph type="ftr" idx="5"/>
+            <p:ph type="ftr" idx="4"/>
           </p:nvPr>
         </p:nvSpPr>
         <p:spPr/>
@@ -3035,14 +2959,14 @@
             <a:spLocks noGrp="1"/>
           </p:cNvSpPr>
           <p:nvPr>
-            <p:ph type="sldNum" idx="6"/>
+            <p:ph type="sldNum" idx="5"/>
           </p:nvPr>
         </p:nvSpPr>
         <p:spPr/>
         <p:txBody>
           <a:bodyPr/>
           <a:p>
-            <a:fld id="{6A532870-6278-4D0E-A4AA-1E37E838BD63}" type="slidenum">
+            <a:fld id="{5406EA20-27F8-4EB8-91A3-ABD6A5446438}" type="slidenum">
               <a:t>&lt;#&gt;</a:t>
             </a:fld>
           </a:p>
@@ -3055,7 +2979,7 @@
             <a:spLocks noGrp="1"/>
           </p:cNvSpPr>
           <p:nvPr>
-            <p:ph type="dt" idx="4"/>
+            <p:ph type="dt" idx="6"/>
           </p:nvPr>
         </p:nvSpPr>
         <p:spPr/>
@@ -3103,8 +3027,8 @@
         </p:nvSpPr>
         <p:spPr>
           <a:xfrm>
-            <a:off x="628560" y="365040"/>
-            <a:ext cx="7886520" cy="1325160"/>
+            <a:off x="457200" y="273600"/>
+            <a:ext cx="8229240" cy="1144800"/>
           </a:xfrm>
           <a:prstGeom prst="rect">
             <a:avLst/>
@@ -3119,14 +3043,14 @@
             <a:noAutofit/>
           </a:bodyPr>
           <a:p>
-            <a:pPr indent="0">
-              <a:buNone/>
-            </a:pPr>
-            <a:endParaRPr b="0" lang="en-US" sz="1800" spc="-1" strike="noStrike">
-              <a:solidFill>
-                <a:srgbClr val="000000"/>
-              </a:solidFill>
-              <a:latin typeface="Calibri"/>
+            <a:pPr indent="0" algn="ctr">
+              <a:buNone/>
+            </a:pPr>
+            <a:endParaRPr b="0" lang="en-US" sz="4400" spc="-1" strike="noStrike">
+              <a:solidFill>
+                <a:srgbClr val="000000"/>
+              </a:solidFill>
+              <a:latin typeface="Arial"/>
             </a:endParaRPr>
           </a:p>
         </p:txBody>
@@ -3143,8 +3067,8 @@
         </p:nvSpPr>
         <p:spPr>
           <a:xfrm>
-            <a:off x="628560" y="1825560"/>
-            <a:ext cx="3848400" cy="2075040"/>
+            <a:off x="457200" y="1604520"/>
+            <a:ext cx="4015800" cy="1896840"/>
           </a:xfrm>
           <a:prstGeom prst="rect">
             <a:avLst/>
@@ -3160,19 +3084,16 @@
           </a:bodyPr>
           <a:p>
             <a:pPr indent="0">
-              <a:lnSpc>
-                <a:spcPct val="90000"/>
-              </a:lnSpc>
               <a:spcBef>
                 <a:spcPts val="1417"/>
               </a:spcBef>
               <a:buNone/>
             </a:pPr>
-            <a:endParaRPr b="0" lang="en-US" sz="2800" spc="-1" strike="noStrike">
-              <a:solidFill>
-                <a:srgbClr val="000000"/>
-              </a:solidFill>
-              <a:latin typeface="Calibri"/>
+            <a:endParaRPr b="0" lang="en-US" sz="3200" spc="-1" strike="noStrike">
+              <a:solidFill>
+                <a:srgbClr val="000000"/>
+              </a:solidFill>
+              <a:latin typeface="Arial"/>
             </a:endParaRPr>
           </a:p>
         </p:txBody>
@@ -3189,8 +3110,8 @@
         </p:nvSpPr>
         <p:spPr>
           <a:xfrm>
-            <a:off x="4669920" y="1825560"/>
-            <a:ext cx="3848400" cy="2075040"/>
+            <a:off x="4674240" y="1604520"/>
+            <a:ext cx="4015800" cy="1896840"/>
           </a:xfrm>
           <a:prstGeom prst="rect">
             <a:avLst/>
@@ -3206,19 +3127,16 @@
           </a:bodyPr>
           <a:p>
             <a:pPr indent="0">
-              <a:lnSpc>
-                <a:spcPct val="90000"/>
-              </a:lnSpc>
               <a:spcBef>
                 <a:spcPts val="1417"/>
               </a:spcBef>
               <a:buNone/>
             </a:pPr>
-            <a:endParaRPr b="0" lang="en-US" sz="2800" spc="-1" strike="noStrike">
-              <a:solidFill>
-                <a:srgbClr val="000000"/>
-              </a:solidFill>
-              <a:latin typeface="Calibri"/>
+            <a:endParaRPr b="0" lang="en-US" sz="3200" spc="-1" strike="noStrike">
+              <a:solidFill>
+                <a:srgbClr val="000000"/>
+              </a:solidFill>
+              <a:latin typeface="Arial"/>
             </a:endParaRPr>
           </a:p>
         </p:txBody>
@@ -3235,8 +3153,8 @@
         </p:nvSpPr>
         <p:spPr>
           <a:xfrm>
-            <a:off x="628560" y="4098240"/>
-            <a:ext cx="3848400" cy="2075040"/>
+            <a:off x="457200" y="3682080"/>
+            <a:ext cx="4015800" cy="1896840"/>
           </a:xfrm>
           <a:prstGeom prst="rect">
             <a:avLst/>
@@ -3252,19 +3170,16 @@
           </a:bodyPr>
           <a:p>
             <a:pPr indent="0">
-              <a:lnSpc>
-                <a:spcPct val="90000"/>
-              </a:lnSpc>
               <a:spcBef>
                 <a:spcPts val="1417"/>
               </a:spcBef>
               <a:buNone/>
             </a:pPr>
-            <a:endParaRPr b="0" lang="en-US" sz="2800" spc="-1" strike="noStrike">
-              <a:solidFill>
-                <a:srgbClr val="000000"/>
-              </a:solidFill>
-              <a:latin typeface="Calibri"/>
+            <a:endParaRPr b="0" lang="en-US" sz="3200" spc="-1" strike="noStrike">
+              <a:solidFill>
+                <a:srgbClr val="000000"/>
+              </a:solidFill>
+              <a:latin typeface="Arial"/>
             </a:endParaRPr>
           </a:p>
         </p:txBody>
@@ -3281,8 +3196,8 @@
         </p:nvSpPr>
         <p:spPr>
           <a:xfrm>
-            <a:off x="4669920" y="4098240"/>
-            <a:ext cx="3848400" cy="2075040"/>
+            <a:off x="4674240" y="3682080"/>
+            <a:ext cx="4015800" cy="1896840"/>
           </a:xfrm>
           <a:prstGeom prst="rect">
             <a:avLst/>
@@ -3298,19 +3213,16 @@
           </a:bodyPr>
           <a:p>
             <a:pPr indent="0">
-              <a:lnSpc>
-                <a:spcPct val="90000"/>
-              </a:lnSpc>
               <a:spcBef>
                 <a:spcPts val="1417"/>
               </a:spcBef>
               <a:buNone/>
             </a:pPr>
-            <a:endParaRPr b="0" lang="en-US" sz="2800" spc="-1" strike="noStrike">
-              <a:solidFill>
-                <a:srgbClr val="000000"/>
-              </a:solidFill>
-              <a:latin typeface="Calibri"/>
+            <a:endParaRPr b="0" lang="en-US" sz="3200" spc="-1" strike="noStrike">
+              <a:solidFill>
+                <a:srgbClr val="000000"/>
+              </a:solidFill>
+              <a:latin typeface="Arial"/>
             </a:endParaRPr>
           </a:p>
         </p:txBody>
@@ -3322,7 +3234,7 @@
             <a:spLocks noGrp="1"/>
           </p:cNvSpPr>
           <p:nvPr>
-            <p:ph type="ftr" idx="5"/>
+            <p:ph type="ftr" idx="4"/>
           </p:nvPr>
         </p:nvSpPr>
         <p:spPr/>
@@ -3342,14 +3254,14 @@
             <a:spLocks noGrp="1"/>
           </p:cNvSpPr>
           <p:nvPr>
-            <p:ph type="sldNum" idx="6"/>
+            <p:ph type="sldNum" idx="5"/>
           </p:nvPr>
         </p:nvSpPr>
         <p:spPr/>
         <p:txBody>
           <a:bodyPr/>
           <a:p>
-            <a:fld id="{95C7FBFE-3F2A-479F-BAFB-E38DEBCEB67D}" type="slidenum">
+            <a:fld id="{4C8B3D44-4B76-4F3E-AE3D-3F8BADAFA9BD}" type="slidenum">
               <a:t>&lt;#&gt;</a:t>
             </a:fld>
           </a:p>
@@ -3362,7 +3274,7 @@
             <a:spLocks noGrp="1"/>
           </p:cNvSpPr>
           <p:nvPr>
-            <p:ph type="dt" idx="4"/>
+            <p:ph type="dt" idx="6"/>
           </p:nvPr>
         </p:nvSpPr>
         <p:spPr/>
@@ -3410,8 +3322,8 @@
         </p:nvSpPr>
         <p:spPr>
           <a:xfrm>
-            <a:off x="628560" y="365040"/>
-            <a:ext cx="7886520" cy="1325160"/>
+            <a:off x="457200" y="273600"/>
+            <a:ext cx="8229240" cy="1144800"/>
           </a:xfrm>
           <a:prstGeom prst="rect">
             <a:avLst/>
@@ -3426,14 +3338,14 @@
             <a:noAutofit/>
           </a:bodyPr>
           <a:p>
-            <a:pPr indent="0">
-              <a:buNone/>
-            </a:pPr>
-            <a:endParaRPr b="0" lang="en-US" sz="1800" spc="-1" strike="noStrike">
-              <a:solidFill>
-                <a:srgbClr val="000000"/>
-              </a:solidFill>
-              <a:latin typeface="Calibri"/>
+            <a:pPr indent="0" algn="ctr">
+              <a:buNone/>
+            </a:pPr>
+            <a:endParaRPr b="0" lang="en-US" sz="4400" spc="-1" strike="noStrike">
+              <a:solidFill>
+                <a:srgbClr val="000000"/>
+              </a:solidFill>
+              <a:latin typeface="Arial"/>
             </a:endParaRPr>
           </a:p>
         </p:txBody>
@@ -3450,8 +3362,8 @@
         </p:nvSpPr>
         <p:spPr>
           <a:xfrm>
-            <a:off x="628560" y="1825560"/>
-            <a:ext cx="2539080" cy="2075040"/>
+            <a:off x="457200" y="1604520"/>
+            <a:ext cx="2649600" cy="1896840"/>
           </a:xfrm>
           <a:prstGeom prst="rect">
             <a:avLst/>
@@ -3467,19 +3379,16 @@
           </a:bodyPr>
           <a:p>
             <a:pPr indent="0">
-              <a:lnSpc>
-                <a:spcPct val="90000"/>
-              </a:lnSpc>
               <a:spcBef>
                 <a:spcPts val="1417"/>
               </a:spcBef>
               <a:buNone/>
             </a:pPr>
-            <a:endParaRPr b="0" lang="en-US" sz="2800" spc="-1" strike="noStrike">
-              <a:solidFill>
-                <a:srgbClr val="000000"/>
-              </a:solidFill>
-              <a:latin typeface="Calibri"/>
+            <a:endParaRPr b="0" lang="en-US" sz="3200" spc="-1" strike="noStrike">
+              <a:solidFill>
+                <a:srgbClr val="000000"/>
+              </a:solidFill>
+              <a:latin typeface="Arial"/>
             </a:endParaRPr>
           </a:p>
         </p:txBody>
@@ -3496,8 +3405,8 @@
         </p:nvSpPr>
         <p:spPr>
           <a:xfrm>
-            <a:off x="3295080" y="1825560"/>
-            <a:ext cx="2539080" cy="2075040"/>
+            <a:off x="3239640" y="1604520"/>
+            <a:ext cx="2649600" cy="1896840"/>
           </a:xfrm>
           <a:prstGeom prst="rect">
             <a:avLst/>
@@ -3513,19 +3422,16 @@
           </a:bodyPr>
           <a:p>
             <a:pPr indent="0">
-              <a:lnSpc>
-                <a:spcPct val="90000"/>
-              </a:lnSpc>
               <a:spcBef>
                 <a:spcPts val="1417"/>
               </a:spcBef>
               <a:buNone/>
             </a:pPr>
-            <a:endParaRPr b="0" lang="en-US" sz="2800" spc="-1" strike="noStrike">
-              <a:solidFill>
-                <a:srgbClr val="000000"/>
-              </a:solidFill>
-              <a:latin typeface="Calibri"/>
+            <a:endParaRPr b="0" lang="en-US" sz="3200" spc="-1" strike="noStrike">
+              <a:solidFill>
+                <a:srgbClr val="000000"/>
+              </a:solidFill>
+              <a:latin typeface="Arial"/>
             </a:endParaRPr>
           </a:p>
         </p:txBody>
@@ -3542,8 +3448,8 @@
         </p:nvSpPr>
         <p:spPr>
           <a:xfrm>
-            <a:off x="5961240" y="1825560"/>
-            <a:ext cx="2539080" cy="2075040"/>
+            <a:off x="6022080" y="1604520"/>
+            <a:ext cx="2649600" cy="1896840"/>
           </a:xfrm>
           <a:prstGeom prst="rect">
             <a:avLst/>
@@ -3559,19 +3465,16 @@
           </a:bodyPr>
           <a:p>
             <a:pPr indent="0">
-              <a:lnSpc>
-                <a:spcPct val="90000"/>
-              </a:lnSpc>
               <a:spcBef>
                 <a:spcPts val="1417"/>
               </a:spcBef>
               <a:buNone/>
             </a:pPr>
-            <a:endParaRPr b="0" lang="en-US" sz="2800" spc="-1" strike="noStrike">
-              <a:solidFill>
-                <a:srgbClr val="000000"/>
-              </a:solidFill>
-              <a:latin typeface="Calibri"/>
+            <a:endParaRPr b="0" lang="en-US" sz="3200" spc="-1" strike="noStrike">
+              <a:solidFill>
+                <a:srgbClr val="000000"/>
+              </a:solidFill>
+              <a:latin typeface="Arial"/>
             </a:endParaRPr>
           </a:p>
         </p:txBody>
@@ -3588,8 +3491,8 @@
         </p:nvSpPr>
         <p:spPr>
           <a:xfrm>
-            <a:off x="628560" y="4098240"/>
-            <a:ext cx="2539080" cy="2075040"/>
+            <a:off x="457200" y="3682080"/>
+            <a:ext cx="2649600" cy="1896840"/>
           </a:xfrm>
           <a:prstGeom prst="rect">
             <a:avLst/>
@@ -3605,19 +3508,16 @@
           </a:bodyPr>
           <a:p>
             <a:pPr indent="0">
-              <a:lnSpc>
-                <a:spcPct val="90000"/>
-              </a:lnSpc>
               <a:spcBef>
                 <a:spcPts val="1417"/>
               </a:spcBef>
               <a:buNone/>
             </a:pPr>
-            <a:endParaRPr b="0" lang="en-US" sz="2800" spc="-1" strike="noStrike">
-              <a:solidFill>
-                <a:srgbClr val="000000"/>
-              </a:solidFill>
-              <a:latin typeface="Calibri"/>
+            <a:endParaRPr b="0" lang="en-US" sz="3200" spc="-1" strike="noStrike">
+              <a:solidFill>
+                <a:srgbClr val="000000"/>
+              </a:solidFill>
+              <a:latin typeface="Arial"/>
             </a:endParaRPr>
           </a:p>
         </p:txBody>
@@ -3634,8 +3534,8 @@
         </p:nvSpPr>
         <p:spPr>
           <a:xfrm>
-            <a:off x="3295080" y="4098240"/>
-            <a:ext cx="2539080" cy="2075040"/>
+            <a:off x="3239640" y="3682080"/>
+            <a:ext cx="2649600" cy="1896840"/>
           </a:xfrm>
           <a:prstGeom prst="rect">
             <a:avLst/>
@@ -3651,19 +3551,16 @@
           </a:bodyPr>
           <a:p>
             <a:pPr indent="0">
-              <a:lnSpc>
-                <a:spcPct val="90000"/>
-              </a:lnSpc>
               <a:spcBef>
                 <a:spcPts val="1417"/>
               </a:spcBef>
               <a:buNone/>
             </a:pPr>
-            <a:endParaRPr b="0" lang="en-US" sz="2800" spc="-1" strike="noStrike">
-              <a:solidFill>
-                <a:srgbClr val="000000"/>
-              </a:solidFill>
-              <a:latin typeface="Calibri"/>
+            <a:endParaRPr b="0" lang="en-US" sz="3200" spc="-1" strike="noStrike">
+              <a:solidFill>
+                <a:srgbClr val="000000"/>
+              </a:solidFill>
+              <a:latin typeface="Arial"/>
             </a:endParaRPr>
           </a:p>
         </p:txBody>
@@ -3680,8 +3577,8 @@
         </p:nvSpPr>
         <p:spPr>
           <a:xfrm>
-            <a:off x="5961240" y="4098240"/>
-            <a:ext cx="2539080" cy="2075040"/>
+            <a:off x="6022080" y="3682080"/>
+            <a:ext cx="2649600" cy="1896840"/>
           </a:xfrm>
           <a:prstGeom prst="rect">
             <a:avLst/>
@@ -3697,19 +3594,16 @@
           </a:bodyPr>
           <a:p>
             <a:pPr indent="0">
-              <a:lnSpc>
-                <a:spcPct val="90000"/>
-              </a:lnSpc>
               <a:spcBef>
                 <a:spcPts val="1417"/>
               </a:spcBef>
               <a:buNone/>
             </a:pPr>
-            <a:endParaRPr b="0" lang="en-US" sz="2800" spc="-1" strike="noStrike">
-              <a:solidFill>
-                <a:srgbClr val="000000"/>
-              </a:solidFill>
-              <a:latin typeface="Calibri"/>
+            <a:endParaRPr b="0" lang="en-US" sz="3200" spc="-1" strike="noStrike">
+              <a:solidFill>
+                <a:srgbClr val="000000"/>
+              </a:solidFill>
+              <a:latin typeface="Arial"/>
             </a:endParaRPr>
           </a:p>
         </p:txBody>
@@ -3721,7 +3615,7 @@
             <a:spLocks noGrp="1"/>
           </p:cNvSpPr>
           <p:nvPr>
-            <p:ph type="ftr" idx="5"/>
+            <p:ph type="ftr" idx="4"/>
           </p:nvPr>
         </p:nvSpPr>
         <p:spPr/>
@@ -3741,14 +3635,14 @@
             <a:spLocks noGrp="1"/>
           </p:cNvSpPr>
           <p:nvPr>
-            <p:ph type="sldNum" idx="6"/>
+            <p:ph type="sldNum" idx="5"/>
           </p:nvPr>
         </p:nvSpPr>
         <p:spPr/>
         <p:txBody>
           <a:bodyPr/>
           <a:p>
-            <a:fld id="{32D0D7AD-7319-4739-ADB9-D37DFB44C888}" type="slidenum">
+            <a:fld id="{4FECB0FB-8BF3-480F-9154-560A2BF6D454}" type="slidenum">
               <a:t>&lt;#&gt;</a:t>
             </a:fld>
           </a:p>
@@ -3761,7 +3655,7 @@
             <a:spLocks noGrp="1"/>
           </p:cNvSpPr>
           <p:nvPr>
-            <p:ph type="dt" idx="4"/>
+            <p:ph type="dt" idx="6"/>
           </p:nvPr>
         </p:nvSpPr>
         <p:spPr/>
@@ -3804,7 +3698,7 @@
             <a:spLocks noGrp="1"/>
           </p:cNvSpPr>
           <p:nvPr>
-            <p:ph type="ftr" idx="8"/>
+            <p:ph type="ftr" idx="7"/>
           </p:nvPr>
         </p:nvSpPr>
         <p:spPr/>
@@ -3824,14 +3718,14 @@
             <a:spLocks noGrp="1"/>
           </p:cNvSpPr>
           <p:nvPr>
-            <p:ph type="sldNum" idx="9"/>
+            <p:ph type="sldNum" idx="8"/>
           </p:nvPr>
         </p:nvSpPr>
         <p:spPr/>
         <p:txBody>
           <a:bodyPr/>
           <a:p>
-            <a:fld id="{6109F126-CFE9-4417-8DE8-7129DB0C478D}" type="slidenum">
+            <a:fld id="{8BB43545-426D-4332-80A3-7116B41F8DDF}" type="slidenum">
               <a:t>&lt;#&gt;</a:t>
             </a:fld>
           </a:p>
@@ -3844,7 +3738,7 @@
             <a:spLocks noGrp="1"/>
           </p:cNvSpPr>
           <p:nvPr>
-            <p:ph type="dt" idx="7"/>
+            <p:ph type="dt" idx="9"/>
           </p:nvPr>
         </p:nvSpPr>
         <p:spPr/>
@@ -3892,8 +3786,8 @@
         </p:nvSpPr>
         <p:spPr>
           <a:xfrm>
-            <a:off x="628560" y="365040"/>
-            <a:ext cx="7886520" cy="1325160"/>
+            <a:off x="457200" y="273600"/>
+            <a:ext cx="8229240" cy="1144800"/>
           </a:xfrm>
           <a:prstGeom prst="rect">
             <a:avLst/>
@@ -3908,14 +3802,14 @@
             <a:noAutofit/>
           </a:bodyPr>
           <a:p>
-            <a:pPr indent="0">
-              <a:buNone/>
-            </a:pPr>
-            <a:endParaRPr b="0" lang="en-US" sz="1800" spc="-1" strike="noStrike">
-              <a:solidFill>
-                <a:srgbClr val="000000"/>
-              </a:solidFill>
-              <a:latin typeface="Calibri"/>
+            <a:pPr indent="0" algn="ctr">
+              <a:buNone/>
+            </a:pPr>
+            <a:endParaRPr b="0" lang="en-US" sz="4400" spc="-1" strike="noStrike">
+              <a:solidFill>
+                <a:srgbClr val="000000"/>
+              </a:solidFill>
+              <a:latin typeface="Arial"/>
             </a:endParaRPr>
           </a:p>
         </p:txBody>
@@ -3932,8 +3826,8 @@
         </p:nvSpPr>
         <p:spPr>
           <a:xfrm>
-            <a:off x="628560" y="1825560"/>
-            <a:ext cx="7886520" cy="4350960"/>
+            <a:off x="457200" y="1604520"/>
+            <a:ext cx="8229240" cy="3977280"/>
           </a:xfrm>
           <a:prstGeom prst="rect">
             <a:avLst/>
@@ -3967,7 +3861,7 @@
             <a:spLocks noGrp="1"/>
           </p:cNvSpPr>
           <p:nvPr>
-            <p:ph type="ftr" idx="8"/>
+            <p:ph type="ftr" idx="7"/>
           </p:nvPr>
         </p:nvSpPr>
         <p:spPr/>
@@ -3987,14 +3881,14 @@
             <a:spLocks noGrp="1"/>
           </p:cNvSpPr>
           <p:nvPr>
-            <p:ph type="sldNum" idx="9"/>
+            <p:ph type="sldNum" idx="8"/>
           </p:nvPr>
         </p:nvSpPr>
         <p:spPr/>
         <p:txBody>
           <a:bodyPr/>
           <a:p>
-            <a:fld id="{F621DBF5-5BF8-4D9A-8472-28AC9D5E3ED1}" type="slidenum">
+            <a:fld id="{3194C8F5-E719-45F8-8A6D-BDFEEC28E47A}" type="slidenum">
               <a:t>&lt;#&gt;</a:t>
             </a:fld>
           </a:p>
@@ -4007,7 +3901,7 @@
             <a:spLocks noGrp="1"/>
           </p:cNvSpPr>
           <p:nvPr>
-            <p:ph type="dt" idx="7"/>
+            <p:ph type="dt" idx="9"/>
           </p:nvPr>
         </p:nvSpPr>
         <p:spPr/>
@@ -4055,8 +3949,8 @@
         </p:nvSpPr>
         <p:spPr>
           <a:xfrm>
-            <a:off x="628560" y="365040"/>
-            <a:ext cx="7886520" cy="1325160"/>
+            <a:off x="457200" y="273600"/>
+            <a:ext cx="8229240" cy="1144800"/>
           </a:xfrm>
           <a:prstGeom prst="rect">
             <a:avLst/>
@@ -4071,14 +3965,14 @@
             <a:noAutofit/>
           </a:bodyPr>
           <a:p>
-            <a:pPr indent="0">
-              <a:buNone/>
-            </a:pPr>
-            <a:endParaRPr b="0" lang="en-US" sz="1800" spc="-1" strike="noStrike">
-              <a:solidFill>
-                <a:srgbClr val="000000"/>
-              </a:solidFill>
-              <a:latin typeface="Calibri"/>
+            <a:pPr indent="0" algn="ctr">
+              <a:buNone/>
+            </a:pPr>
+            <a:endParaRPr b="0" lang="en-US" sz="4400" spc="-1" strike="noStrike">
+              <a:solidFill>
+                <a:srgbClr val="000000"/>
+              </a:solidFill>
+              <a:latin typeface="Arial"/>
             </a:endParaRPr>
           </a:p>
         </p:txBody>
@@ -4095,8 +3989,8 @@
         </p:nvSpPr>
         <p:spPr>
           <a:xfrm>
-            <a:off x="628560" y="1825560"/>
-            <a:ext cx="7886520" cy="4350960"/>
+            <a:off x="457200" y="1604520"/>
+            <a:ext cx="8229240" cy="3977280"/>
           </a:xfrm>
           <a:prstGeom prst="rect">
             <a:avLst/>
@@ -4112,19 +4006,16 @@
           </a:bodyPr>
           <a:p>
             <a:pPr indent="0">
-              <a:lnSpc>
-                <a:spcPct val="90000"/>
-              </a:lnSpc>
               <a:spcBef>
                 <a:spcPts val="1417"/>
               </a:spcBef>
               <a:buNone/>
             </a:pPr>
-            <a:endParaRPr b="0" lang="en-US" sz="2800" spc="-1" strike="noStrike">
-              <a:solidFill>
-                <a:srgbClr val="000000"/>
-              </a:solidFill>
-              <a:latin typeface="Calibri"/>
+            <a:endParaRPr b="0" lang="en-US" sz="3200" spc="-1" strike="noStrike">
+              <a:solidFill>
+                <a:srgbClr val="000000"/>
+              </a:solidFill>
+              <a:latin typeface="Arial"/>
             </a:endParaRPr>
           </a:p>
         </p:txBody>
@@ -4136,7 +4027,7 @@
             <a:spLocks noGrp="1"/>
           </p:cNvSpPr>
           <p:nvPr>
-            <p:ph type="ftr" idx="8"/>
+            <p:ph type="ftr" idx="7"/>
           </p:nvPr>
         </p:nvSpPr>
         <p:spPr/>
@@ -4156,14 +4047,14 @@
             <a:spLocks noGrp="1"/>
           </p:cNvSpPr>
           <p:nvPr>
-            <p:ph type="sldNum" idx="9"/>
+            <p:ph type="sldNum" idx="8"/>
           </p:nvPr>
         </p:nvSpPr>
         <p:spPr/>
         <p:txBody>
           <a:bodyPr/>
           <a:p>
-            <a:fld id="{EF7B79BF-1C04-4DF6-8555-11CB2F231585}" type="slidenum">
+            <a:fld id="{CC3CA75F-8DCA-4818-A22C-255BDA5C3182}" type="slidenum">
               <a:t>&lt;#&gt;</a:t>
             </a:fld>
           </a:p>
@@ -4176,7 +4067,7 @@
             <a:spLocks noGrp="1"/>
           </p:cNvSpPr>
           <p:nvPr>
-            <p:ph type="dt" idx="7"/>
+            <p:ph type="dt" idx="9"/>
           </p:nvPr>
         </p:nvSpPr>
         <p:spPr/>
@@ -4224,8 +4115,8 @@
         </p:nvSpPr>
         <p:spPr>
           <a:xfrm>
-            <a:off x="628560" y="365040"/>
-            <a:ext cx="7886520" cy="1325160"/>
+            <a:off x="457200" y="273600"/>
+            <a:ext cx="8229240" cy="1144800"/>
           </a:xfrm>
           <a:prstGeom prst="rect">
             <a:avLst/>
@@ -4240,14 +4131,14 @@
             <a:noAutofit/>
           </a:bodyPr>
           <a:p>
-            <a:pPr indent="0">
-              <a:buNone/>
-            </a:pPr>
-            <a:endParaRPr b="0" lang="en-US" sz="1800" spc="-1" strike="noStrike">
-              <a:solidFill>
-                <a:srgbClr val="000000"/>
-              </a:solidFill>
-              <a:latin typeface="Calibri"/>
+            <a:pPr indent="0" algn="ctr">
+              <a:buNone/>
+            </a:pPr>
+            <a:endParaRPr b="0" lang="en-US" sz="4400" spc="-1" strike="noStrike">
+              <a:solidFill>
+                <a:srgbClr val="000000"/>
+              </a:solidFill>
+              <a:latin typeface="Arial"/>
             </a:endParaRPr>
           </a:p>
         </p:txBody>
@@ -4264,8 +4155,8 @@
         </p:nvSpPr>
         <p:spPr>
           <a:xfrm>
-            <a:off x="628560" y="1825560"/>
-            <a:ext cx="3848400" cy="4350960"/>
+            <a:off x="457200" y="1604520"/>
+            <a:ext cx="4015800" cy="3977280"/>
           </a:xfrm>
           <a:prstGeom prst="rect">
             <a:avLst/>
@@ -4281,19 +4172,16 @@
           </a:bodyPr>
           <a:p>
             <a:pPr indent="0">
-              <a:lnSpc>
-                <a:spcPct val="90000"/>
-              </a:lnSpc>
               <a:spcBef>
                 <a:spcPts val="1417"/>
               </a:spcBef>
               <a:buNone/>
             </a:pPr>
-            <a:endParaRPr b="0" lang="en-US" sz="2800" spc="-1" strike="noStrike">
-              <a:solidFill>
-                <a:srgbClr val="000000"/>
-              </a:solidFill>
-              <a:latin typeface="Calibri"/>
+            <a:endParaRPr b="0" lang="en-US" sz="3200" spc="-1" strike="noStrike">
+              <a:solidFill>
+                <a:srgbClr val="000000"/>
+              </a:solidFill>
+              <a:latin typeface="Arial"/>
             </a:endParaRPr>
           </a:p>
         </p:txBody>
@@ -4310,8 +4198,8 @@
         </p:nvSpPr>
         <p:spPr>
           <a:xfrm>
-            <a:off x="4669920" y="1825560"/>
-            <a:ext cx="3848400" cy="4350960"/>
+            <a:off x="4674240" y="1604520"/>
+            <a:ext cx="4015800" cy="3977280"/>
           </a:xfrm>
           <a:prstGeom prst="rect">
             <a:avLst/>
@@ -4327,19 +4215,16 @@
           </a:bodyPr>
           <a:p>
             <a:pPr indent="0">
-              <a:lnSpc>
-                <a:spcPct val="90000"/>
-              </a:lnSpc>
               <a:spcBef>
                 <a:spcPts val="1417"/>
               </a:spcBef>
               <a:buNone/>
             </a:pPr>
-            <a:endParaRPr b="0" lang="en-US" sz="2800" spc="-1" strike="noStrike">
-              <a:solidFill>
-                <a:srgbClr val="000000"/>
-              </a:solidFill>
-              <a:latin typeface="Calibri"/>
+            <a:endParaRPr b="0" lang="en-US" sz="3200" spc="-1" strike="noStrike">
+              <a:solidFill>
+                <a:srgbClr val="000000"/>
+              </a:solidFill>
+              <a:latin typeface="Arial"/>
             </a:endParaRPr>
           </a:p>
         </p:txBody>
@@ -4351,7 +4236,7 @@
             <a:spLocks noGrp="1"/>
           </p:cNvSpPr>
           <p:nvPr>
-            <p:ph type="ftr" idx="8"/>
+            <p:ph type="ftr" idx="7"/>
           </p:nvPr>
         </p:nvSpPr>
         <p:spPr/>
@@ -4371,14 +4256,14 @@
             <a:spLocks noGrp="1"/>
           </p:cNvSpPr>
           <p:nvPr>
-            <p:ph type="sldNum" idx="9"/>
+            <p:ph type="sldNum" idx="8"/>
           </p:nvPr>
         </p:nvSpPr>
         <p:spPr/>
         <p:txBody>
           <a:bodyPr/>
           <a:p>
-            <a:fld id="{A11B6574-8FF5-4609-920C-B6CE4412B1D2}" type="slidenum">
+            <a:fld id="{27121B05-557B-4761-B441-3B57FDC1CD13}" type="slidenum">
               <a:t>&lt;#&gt;</a:t>
             </a:fld>
           </a:p>
@@ -4391,7 +4276,7 @@
             <a:spLocks noGrp="1"/>
           </p:cNvSpPr>
           <p:nvPr>
-            <p:ph type="dt" idx="7"/>
+            <p:ph type="dt" idx="9"/>
           </p:nvPr>
         </p:nvSpPr>
         <p:spPr/>
@@ -4439,8 +4324,8 @@
         </p:nvSpPr>
         <p:spPr>
           <a:xfrm>
-            <a:off x="628560" y="365040"/>
-            <a:ext cx="7886520" cy="1325160"/>
+            <a:off x="457200" y="273600"/>
+            <a:ext cx="8229240" cy="1144800"/>
           </a:xfrm>
           <a:prstGeom prst="rect">
             <a:avLst/>
@@ -4455,14 +4340,14 @@
             <a:noAutofit/>
           </a:bodyPr>
           <a:p>
-            <a:pPr indent="0">
-              <a:buNone/>
-            </a:pPr>
-            <a:endParaRPr b="0" lang="en-US" sz="1800" spc="-1" strike="noStrike">
-              <a:solidFill>
-                <a:srgbClr val="000000"/>
-              </a:solidFill>
-              <a:latin typeface="Calibri"/>
+            <a:pPr indent="0" algn="ctr">
+              <a:buNone/>
+            </a:pPr>
+            <a:endParaRPr b="0" lang="en-US" sz="4400" spc="-1" strike="noStrike">
+              <a:solidFill>
+                <a:srgbClr val="000000"/>
+              </a:solidFill>
+              <a:latin typeface="Arial"/>
             </a:endParaRPr>
           </a:p>
         </p:txBody>
@@ -4474,7 +4359,7 @@
             <a:spLocks noGrp="1"/>
           </p:cNvSpPr>
           <p:nvPr>
-            <p:ph type="ftr" idx="8"/>
+            <p:ph type="ftr" idx="7"/>
           </p:nvPr>
         </p:nvSpPr>
         <p:spPr/>
@@ -4494,14 +4379,14 @@
             <a:spLocks noGrp="1"/>
           </p:cNvSpPr>
           <p:nvPr>
-            <p:ph type="sldNum" idx="9"/>
+            <p:ph type="sldNum" idx="8"/>
           </p:nvPr>
         </p:nvSpPr>
         <p:spPr/>
         <p:txBody>
           <a:bodyPr/>
           <a:p>
-            <a:fld id="{486DB40F-C759-41CD-85BD-111C438C1B9C}" type="slidenum">
+            <a:fld id="{82C1DFB0-6F51-4190-B748-7243AFFE4F43}" type="slidenum">
               <a:t>&lt;#&gt;</a:t>
             </a:fld>
           </a:p>
@@ -4514,7 +4399,7 @@
             <a:spLocks noGrp="1"/>
           </p:cNvSpPr>
           <p:nvPr>
-            <p:ph type="dt" idx="7"/>
+            <p:ph type="dt" idx="9"/>
           </p:nvPr>
         </p:nvSpPr>
         <p:spPr/>
@@ -4562,8 +4447,8 @@
         </p:nvSpPr>
         <p:spPr>
           <a:xfrm>
-            <a:off x="628560" y="365040"/>
-            <a:ext cx="7886520" cy="1325160"/>
+            <a:off x="457200" y="273600"/>
+            <a:ext cx="8229240" cy="1144800"/>
           </a:xfrm>
           <a:prstGeom prst="rect">
             <a:avLst/>
@@ -4578,14 +4463,14 @@
             <a:noAutofit/>
           </a:bodyPr>
           <a:p>
-            <a:pPr indent="0">
-              <a:buNone/>
-            </a:pPr>
-            <a:endParaRPr b="0" lang="en-US" sz="1800" spc="-1" strike="noStrike">
-              <a:solidFill>
-                <a:srgbClr val="000000"/>
-              </a:solidFill>
-              <a:latin typeface="Calibri"/>
+            <a:pPr indent="0" algn="ctr">
+              <a:buNone/>
+            </a:pPr>
+            <a:endParaRPr b="0" lang="en-US" sz="4400" spc="-1" strike="noStrike">
+              <a:solidFill>
+                <a:srgbClr val="000000"/>
+              </a:solidFill>
+              <a:latin typeface="Arial"/>
             </a:endParaRPr>
           </a:p>
         </p:txBody>
@@ -4602,8 +4487,8 @@
         </p:nvSpPr>
         <p:spPr>
           <a:xfrm>
-            <a:off x="628560" y="1825560"/>
-            <a:ext cx="7886520" cy="4350960"/>
+            <a:off x="457200" y="1604520"/>
+            <a:ext cx="8229240" cy="3977280"/>
           </a:xfrm>
           <a:prstGeom prst="rect">
             <a:avLst/>
@@ -4619,19 +4504,16 @@
           </a:bodyPr>
           <a:p>
             <a:pPr indent="0">
-              <a:lnSpc>
-                <a:spcPct val="90000"/>
-              </a:lnSpc>
               <a:spcBef>
                 <a:spcPts val="1417"/>
               </a:spcBef>
               <a:buNone/>
             </a:pPr>
-            <a:endParaRPr b="0" lang="en-US" sz="2800" spc="-1" strike="noStrike">
-              <a:solidFill>
-                <a:srgbClr val="000000"/>
-              </a:solidFill>
-              <a:latin typeface="Calibri"/>
+            <a:endParaRPr b="0" lang="en-US" sz="3200" spc="-1" strike="noStrike">
+              <a:solidFill>
+                <a:srgbClr val="000000"/>
+              </a:solidFill>
+              <a:latin typeface="Arial"/>
             </a:endParaRPr>
           </a:p>
         </p:txBody>
@@ -4643,7 +4525,7 @@
             <a:spLocks noGrp="1"/>
           </p:cNvSpPr>
           <p:nvPr>
-            <p:ph type="ftr" idx="2"/>
+            <p:ph type="ftr" idx="1"/>
           </p:nvPr>
         </p:nvSpPr>
         <p:spPr/>
@@ -4663,14 +4545,14 @@
             <a:spLocks noGrp="1"/>
           </p:cNvSpPr>
           <p:nvPr>
-            <p:ph type="sldNum" idx="3"/>
+            <p:ph type="sldNum" idx="2"/>
           </p:nvPr>
         </p:nvSpPr>
         <p:spPr/>
         <p:txBody>
           <a:bodyPr/>
           <a:p>
-            <a:fld id="{396E5CC2-133D-412B-A9CD-23C2C3DC788D}" type="slidenum">
+            <a:fld id="{4888B927-D0E5-498C-A050-84DFF74A7BC5}" type="slidenum">
               <a:t>&lt;#&gt;</a:t>
             </a:fld>
           </a:p>
@@ -4683,7 +4565,7 @@
             <a:spLocks noGrp="1"/>
           </p:cNvSpPr>
           <p:nvPr>
-            <p:ph type="dt" idx="1"/>
+            <p:ph type="dt" idx="3"/>
           </p:nvPr>
         </p:nvSpPr>
         <p:spPr/>
@@ -4731,8 +4613,8 @@
         </p:nvSpPr>
         <p:spPr>
           <a:xfrm>
-            <a:off x="628560" y="365040"/>
-            <a:ext cx="7886520" cy="6144120"/>
+            <a:off x="457200" y="273600"/>
+            <a:ext cx="8229240" cy="5307840"/>
           </a:xfrm>
           <a:prstGeom prst="rect">
             <a:avLst/>
@@ -4764,7 +4646,7 @@
             <a:spLocks noGrp="1"/>
           </p:cNvSpPr>
           <p:nvPr>
-            <p:ph type="ftr" idx="8"/>
+            <p:ph type="ftr" idx="7"/>
           </p:nvPr>
         </p:nvSpPr>
         <p:spPr/>
@@ -4784,14 +4666,14 @@
             <a:spLocks noGrp="1"/>
           </p:cNvSpPr>
           <p:nvPr>
-            <p:ph type="sldNum" idx="9"/>
+            <p:ph type="sldNum" idx="8"/>
           </p:nvPr>
         </p:nvSpPr>
         <p:spPr/>
         <p:txBody>
           <a:bodyPr/>
           <a:p>
-            <a:fld id="{BD5FCF34-DE5A-4151-9B20-9D84EAA5E3F8}" type="slidenum">
+            <a:fld id="{8DCC2766-5EF4-4151-967D-C3FB7045DBD7}" type="slidenum">
               <a:t>&lt;#&gt;</a:t>
             </a:fld>
           </a:p>
@@ -4804,7 +4686,7 @@
             <a:spLocks noGrp="1"/>
           </p:cNvSpPr>
           <p:nvPr>
-            <p:ph type="dt" idx="7"/>
+            <p:ph type="dt" idx="9"/>
           </p:nvPr>
         </p:nvSpPr>
         <p:spPr/>
@@ -4852,8 +4734,8 @@
         </p:nvSpPr>
         <p:spPr>
           <a:xfrm>
-            <a:off x="628560" y="365040"/>
-            <a:ext cx="7886520" cy="1325160"/>
+            <a:off x="457200" y="273600"/>
+            <a:ext cx="8229240" cy="1144800"/>
           </a:xfrm>
           <a:prstGeom prst="rect">
             <a:avLst/>
@@ -4868,14 +4750,14 @@
             <a:noAutofit/>
           </a:bodyPr>
           <a:p>
-            <a:pPr indent="0">
-              <a:buNone/>
-            </a:pPr>
-            <a:endParaRPr b="0" lang="en-US" sz="1800" spc="-1" strike="noStrike">
-              <a:solidFill>
-                <a:srgbClr val="000000"/>
-              </a:solidFill>
-              <a:latin typeface="Calibri"/>
+            <a:pPr indent="0" algn="ctr">
+              <a:buNone/>
+            </a:pPr>
+            <a:endParaRPr b="0" lang="en-US" sz="4400" spc="-1" strike="noStrike">
+              <a:solidFill>
+                <a:srgbClr val="000000"/>
+              </a:solidFill>
+              <a:latin typeface="Arial"/>
             </a:endParaRPr>
           </a:p>
         </p:txBody>
@@ -4892,8 +4774,8 @@
         </p:nvSpPr>
         <p:spPr>
           <a:xfrm>
-            <a:off x="628560" y="1825560"/>
-            <a:ext cx="3848400" cy="2075040"/>
+            <a:off x="457200" y="1604520"/>
+            <a:ext cx="4015800" cy="1896840"/>
           </a:xfrm>
           <a:prstGeom prst="rect">
             <a:avLst/>
@@ -4909,19 +4791,16 @@
           </a:bodyPr>
           <a:p>
             <a:pPr indent="0">
-              <a:lnSpc>
-                <a:spcPct val="90000"/>
-              </a:lnSpc>
               <a:spcBef>
                 <a:spcPts val="1417"/>
               </a:spcBef>
               <a:buNone/>
             </a:pPr>
-            <a:endParaRPr b="0" lang="en-US" sz="2800" spc="-1" strike="noStrike">
-              <a:solidFill>
-                <a:srgbClr val="000000"/>
-              </a:solidFill>
-              <a:latin typeface="Calibri"/>
+            <a:endParaRPr b="0" lang="en-US" sz="3200" spc="-1" strike="noStrike">
+              <a:solidFill>
+                <a:srgbClr val="000000"/>
+              </a:solidFill>
+              <a:latin typeface="Arial"/>
             </a:endParaRPr>
           </a:p>
         </p:txBody>
@@ -4938,8 +4817,8 @@
         </p:nvSpPr>
         <p:spPr>
           <a:xfrm>
-            <a:off x="4669920" y="1825560"/>
-            <a:ext cx="3848400" cy="4350960"/>
+            <a:off x="4674240" y="1604520"/>
+            <a:ext cx="4015800" cy="3977280"/>
           </a:xfrm>
           <a:prstGeom prst="rect">
             <a:avLst/>
@@ -4955,19 +4834,16 @@
           </a:bodyPr>
           <a:p>
             <a:pPr indent="0">
-              <a:lnSpc>
-                <a:spcPct val="90000"/>
-              </a:lnSpc>
               <a:spcBef>
                 <a:spcPts val="1417"/>
               </a:spcBef>
               <a:buNone/>
             </a:pPr>
-            <a:endParaRPr b="0" lang="en-US" sz="2800" spc="-1" strike="noStrike">
-              <a:solidFill>
-                <a:srgbClr val="000000"/>
-              </a:solidFill>
-              <a:latin typeface="Calibri"/>
+            <a:endParaRPr b="0" lang="en-US" sz="3200" spc="-1" strike="noStrike">
+              <a:solidFill>
+                <a:srgbClr val="000000"/>
+              </a:solidFill>
+              <a:latin typeface="Arial"/>
             </a:endParaRPr>
           </a:p>
         </p:txBody>
@@ -4984,8 +4860,8 @@
         </p:nvSpPr>
         <p:spPr>
           <a:xfrm>
-            <a:off x="628560" y="4098240"/>
-            <a:ext cx="3848400" cy="2075040"/>
+            <a:off x="457200" y="3682080"/>
+            <a:ext cx="4015800" cy="1896840"/>
           </a:xfrm>
           <a:prstGeom prst="rect">
             <a:avLst/>
@@ -5001,19 +4877,16 @@
           </a:bodyPr>
           <a:p>
             <a:pPr indent="0">
-              <a:lnSpc>
-                <a:spcPct val="90000"/>
-              </a:lnSpc>
               <a:spcBef>
                 <a:spcPts val="1417"/>
               </a:spcBef>
               <a:buNone/>
             </a:pPr>
-            <a:endParaRPr b="0" lang="en-US" sz="2800" spc="-1" strike="noStrike">
-              <a:solidFill>
-                <a:srgbClr val="000000"/>
-              </a:solidFill>
-              <a:latin typeface="Calibri"/>
+            <a:endParaRPr b="0" lang="en-US" sz="3200" spc="-1" strike="noStrike">
+              <a:solidFill>
+                <a:srgbClr val="000000"/>
+              </a:solidFill>
+              <a:latin typeface="Arial"/>
             </a:endParaRPr>
           </a:p>
         </p:txBody>
@@ -5025,7 +4898,7 @@
             <a:spLocks noGrp="1"/>
           </p:cNvSpPr>
           <p:nvPr>
-            <p:ph type="ftr" idx="8"/>
+            <p:ph type="ftr" idx="7"/>
           </p:nvPr>
         </p:nvSpPr>
         <p:spPr/>
@@ -5045,14 +4918,14 @@
             <a:spLocks noGrp="1"/>
           </p:cNvSpPr>
           <p:nvPr>
-            <p:ph type="sldNum" idx="9"/>
+            <p:ph type="sldNum" idx="8"/>
           </p:nvPr>
         </p:nvSpPr>
         <p:spPr/>
         <p:txBody>
           <a:bodyPr/>
           <a:p>
-            <a:fld id="{37EFEDB7-7C04-4A94-A890-CD0946BF7279}" type="slidenum">
+            <a:fld id="{A87E719E-DEFD-4EFC-8F86-EC4277E7C53E}" type="slidenum">
               <a:t>&lt;#&gt;</a:t>
             </a:fld>
           </a:p>
@@ -5065,7 +4938,7 @@
             <a:spLocks noGrp="1"/>
           </p:cNvSpPr>
           <p:nvPr>
-            <p:ph type="dt" idx="7"/>
+            <p:ph type="dt" idx="9"/>
           </p:nvPr>
         </p:nvSpPr>
         <p:spPr/>
@@ -5113,8 +4986,8 @@
         </p:nvSpPr>
         <p:spPr>
           <a:xfrm>
-            <a:off x="628560" y="365040"/>
-            <a:ext cx="7886520" cy="1325160"/>
+            <a:off x="457200" y="273600"/>
+            <a:ext cx="8229240" cy="1144800"/>
           </a:xfrm>
           <a:prstGeom prst="rect">
             <a:avLst/>
@@ -5129,14 +5002,14 @@
             <a:noAutofit/>
           </a:bodyPr>
           <a:p>
-            <a:pPr indent="0">
-              <a:buNone/>
-            </a:pPr>
-            <a:endParaRPr b="0" lang="en-US" sz="1800" spc="-1" strike="noStrike">
-              <a:solidFill>
-                <a:srgbClr val="000000"/>
-              </a:solidFill>
-              <a:latin typeface="Calibri"/>
+            <a:pPr indent="0" algn="ctr">
+              <a:buNone/>
+            </a:pPr>
+            <a:endParaRPr b="0" lang="en-US" sz="4400" spc="-1" strike="noStrike">
+              <a:solidFill>
+                <a:srgbClr val="000000"/>
+              </a:solidFill>
+              <a:latin typeface="Arial"/>
             </a:endParaRPr>
           </a:p>
         </p:txBody>
@@ -5153,8 +5026,8 @@
         </p:nvSpPr>
         <p:spPr>
           <a:xfrm>
-            <a:off x="628560" y="1825560"/>
-            <a:ext cx="3848400" cy="4350960"/>
+            <a:off x="457200" y="1604520"/>
+            <a:ext cx="4015800" cy="3977280"/>
           </a:xfrm>
           <a:prstGeom prst="rect">
             <a:avLst/>
@@ -5170,19 +5043,16 @@
           </a:bodyPr>
           <a:p>
             <a:pPr indent="0">
-              <a:lnSpc>
-                <a:spcPct val="90000"/>
-              </a:lnSpc>
               <a:spcBef>
                 <a:spcPts val="1417"/>
               </a:spcBef>
               <a:buNone/>
             </a:pPr>
-            <a:endParaRPr b="0" lang="en-US" sz="2800" spc="-1" strike="noStrike">
-              <a:solidFill>
-                <a:srgbClr val="000000"/>
-              </a:solidFill>
-              <a:latin typeface="Calibri"/>
+            <a:endParaRPr b="0" lang="en-US" sz="3200" spc="-1" strike="noStrike">
+              <a:solidFill>
+                <a:srgbClr val="000000"/>
+              </a:solidFill>
+              <a:latin typeface="Arial"/>
             </a:endParaRPr>
           </a:p>
         </p:txBody>
@@ -5199,8 +5069,8 @@
         </p:nvSpPr>
         <p:spPr>
           <a:xfrm>
-            <a:off x="4669920" y="1825560"/>
-            <a:ext cx="3848400" cy="2075040"/>
+            <a:off x="4674240" y="1604520"/>
+            <a:ext cx="4015800" cy="1896840"/>
           </a:xfrm>
           <a:prstGeom prst="rect">
             <a:avLst/>
@@ -5216,19 +5086,16 @@
           </a:bodyPr>
           <a:p>
             <a:pPr indent="0">
-              <a:lnSpc>
-                <a:spcPct val="90000"/>
-              </a:lnSpc>
               <a:spcBef>
                 <a:spcPts val="1417"/>
               </a:spcBef>
               <a:buNone/>
             </a:pPr>
-            <a:endParaRPr b="0" lang="en-US" sz="2800" spc="-1" strike="noStrike">
-              <a:solidFill>
-                <a:srgbClr val="000000"/>
-              </a:solidFill>
-              <a:latin typeface="Calibri"/>
+            <a:endParaRPr b="0" lang="en-US" sz="3200" spc="-1" strike="noStrike">
+              <a:solidFill>
+                <a:srgbClr val="000000"/>
+              </a:solidFill>
+              <a:latin typeface="Arial"/>
             </a:endParaRPr>
           </a:p>
         </p:txBody>
@@ -5245,8 +5112,8 @@
         </p:nvSpPr>
         <p:spPr>
           <a:xfrm>
-            <a:off x="4669920" y="4098240"/>
-            <a:ext cx="3848400" cy="2075040"/>
+            <a:off x="4674240" y="3682080"/>
+            <a:ext cx="4015800" cy="1896840"/>
           </a:xfrm>
           <a:prstGeom prst="rect">
             <a:avLst/>
@@ -5262,19 +5129,16 @@
           </a:bodyPr>
           <a:p>
             <a:pPr indent="0">
-              <a:lnSpc>
-                <a:spcPct val="90000"/>
-              </a:lnSpc>
               <a:spcBef>
                 <a:spcPts val="1417"/>
               </a:spcBef>
               <a:buNone/>
             </a:pPr>
-            <a:endParaRPr b="0" lang="en-US" sz="2800" spc="-1" strike="noStrike">
-              <a:solidFill>
-                <a:srgbClr val="000000"/>
-              </a:solidFill>
-              <a:latin typeface="Calibri"/>
+            <a:endParaRPr b="0" lang="en-US" sz="3200" spc="-1" strike="noStrike">
+              <a:solidFill>
+                <a:srgbClr val="000000"/>
+              </a:solidFill>
+              <a:latin typeface="Arial"/>
             </a:endParaRPr>
           </a:p>
         </p:txBody>
@@ -5286,7 +5150,7 @@
             <a:spLocks noGrp="1"/>
           </p:cNvSpPr>
           <p:nvPr>
-            <p:ph type="ftr" idx="8"/>
+            <p:ph type="ftr" idx="7"/>
           </p:nvPr>
         </p:nvSpPr>
         <p:spPr/>
@@ -5306,14 +5170,14 @@
             <a:spLocks noGrp="1"/>
           </p:cNvSpPr>
           <p:nvPr>
-            <p:ph type="sldNum" idx="9"/>
+            <p:ph type="sldNum" idx="8"/>
           </p:nvPr>
         </p:nvSpPr>
         <p:spPr/>
         <p:txBody>
           <a:bodyPr/>
           <a:p>
-            <a:fld id="{26723790-4385-4C82-A7A9-1B1FCB8F14DD}" type="slidenum">
+            <a:fld id="{B33F90F6-D738-4E8D-AAC9-BF4B61E12F05}" type="slidenum">
               <a:t>&lt;#&gt;</a:t>
             </a:fld>
           </a:p>
@@ -5326,7 +5190,7 @@
             <a:spLocks noGrp="1"/>
           </p:cNvSpPr>
           <p:nvPr>
-            <p:ph type="dt" idx="7"/>
+            <p:ph type="dt" idx="9"/>
           </p:nvPr>
         </p:nvSpPr>
         <p:spPr/>
@@ -5374,8 +5238,8 @@
         </p:nvSpPr>
         <p:spPr>
           <a:xfrm>
-            <a:off x="628560" y="365040"/>
-            <a:ext cx="7886520" cy="1325160"/>
+            <a:off x="457200" y="273600"/>
+            <a:ext cx="8229240" cy="1144800"/>
           </a:xfrm>
           <a:prstGeom prst="rect">
             <a:avLst/>
@@ -5390,14 +5254,14 @@
             <a:noAutofit/>
           </a:bodyPr>
           <a:p>
-            <a:pPr indent="0">
-              <a:buNone/>
-            </a:pPr>
-            <a:endParaRPr b="0" lang="en-US" sz="1800" spc="-1" strike="noStrike">
-              <a:solidFill>
-                <a:srgbClr val="000000"/>
-              </a:solidFill>
-              <a:latin typeface="Calibri"/>
+            <a:pPr indent="0" algn="ctr">
+              <a:buNone/>
+            </a:pPr>
+            <a:endParaRPr b="0" lang="en-US" sz="4400" spc="-1" strike="noStrike">
+              <a:solidFill>
+                <a:srgbClr val="000000"/>
+              </a:solidFill>
+              <a:latin typeface="Arial"/>
             </a:endParaRPr>
           </a:p>
         </p:txBody>
@@ -5414,8 +5278,8 @@
         </p:nvSpPr>
         <p:spPr>
           <a:xfrm>
-            <a:off x="628560" y="1825560"/>
-            <a:ext cx="3848400" cy="2075040"/>
+            <a:off x="457200" y="1604520"/>
+            <a:ext cx="4015800" cy="1896840"/>
           </a:xfrm>
           <a:prstGeom prst="rect">
             <a:avLst/>
@@ -5431,19 +5295,16 @@
           </a:bodyPr>
           <a:p>
             <a:pPr indent="0">
-              <a:lnSpc>
-                <a:spcPct val="90000"/>
-              </a:lnSpc>
               <a:spcBef>
                 <a:spcPts val="1417"/>
               </a:spcBef>
               <a:buNone/>
             </a:pPr>
-            <a:endParaRPr b="0" lang="en-US" sz="2800" spc="-1" strike="noStrike">
-              <a:solidFill>
-                <a:srgbClr val="000000"/>
-              </a:solidFill>
-              <a:latin typeface="Calibri"/>
+            <a:endParaRPr b="0" lang="en-US" sz="3200" spc="-1" strike="noStrike">
+              <a:solidFill>
+                <a:srgbClr val="000000"/>
+              </a:solidFill>
+              <a:latin typeface="Arial"/>
             </a:endParaRPr>
           </a:p>
         </p:txBody>
@@ -5460,8 +5321,8 @@
         </p:nvSpPr>
         <p:spPr>
           <a:xfrm>
-            <a:off x="4669920" y="1825560"/>
-            <a:ext cx="3848400" cy="2075040"/>
+            <a:off x="4674240" y="1604520"/>
+            <a:ext cx="4015800" cy="1896840"/>
           </a:xfrm>
           <a:prstGeom prst="rect">
             <a:avLst/>
@@ -5477,19 +5338,16 @@
           </a:bodyPr>
           <a:p>
             <a:pPr indent="0">
-              <a:lnSpc>
-                <a:spcPct val="90000"/>
-              </a:lnSpc>
               <a:spcBef>
                 <a:spcPts val="1417"/>
               </a:spcBef>
               <a:buNone/>
             </a:pPr>
-            <a:endParaRPr b="0" lang="en-US" sz="2800" spc="-1" strike="noStrike">
-              <a:solidFill>
-                <a:srgbClr val="000000"/>
-              </a:solidFill>
-              <a:latin typeface="Calibri"/>
+            <a:endParaRPr b="0" lang="en-US" sz="3200" spc="-1" strike="noStrike">
+              <a:solidFill>
+                <a:srgbClr val="000000"/>
+              </a:solidFill>
+              <a:latin typeface="Arial"/>
             </a:endParaRPr>
           </a:p>
         </p:txBody>
@@ -5506,8 +5364,8 @@
         </p:nvSpPr>
         <p:spPr>
           <a:xfrm>
-            <a:off x="628560" y="4098240"/>
-            <a:ext cx="7886520" cy="2075040"/>
+            <a:off x="457200" y="3682080"/>
+            <a:ext cx="8229240" cy="1896840"/>
           </a:xfrm>
           <a:prstGeom prst="rect">
             <a:avLst/>
@@ -5523,19 +5381,16 @@
           </a:bodyPr>
           <a:p>
             <a:pPr indent="0">
-              <a:lnSpc>
-                <a:spcPct val="90000"/>
-              </a:lnSpc>
               <a:spcBef>
                 <a:spcPts val="1417"/>
               </a:spcBef>
               <a:buNone/>
             </a:pPr>
-            <a:endParaRPr b="0" lang="en-US" sz="2800" spc="-1" strike="noStrike">
-              <a:solidFill>
-                <a:srgbClr val="000000"/>
-              </a:solidFill>
-              <a:latin typeface="Calibri"/>
+            <a:endParaRPr b="0" lang="en-US" sz="3200" spc="-1" strike="noStrike">
+              <a:solidFill>
+                <a:srgbClr val="000000"/>
+              </a:solidFill>
+              <a:latin typeface="Arial"/>
             </a:endParaRPr>
           </a:p>
         </p:txBody>
@@ -5547,7 +5402,7 @@
             <a:spLocks noGrp="1"/>
           </p:cNvSpPr>
           <p:nvPr>
-            <p:ph type="ftr" idx="8"/>
+            <p:ph type="ftr" idx="7"/>
           </p:nvPr>
         </p:nvSpPr>
         <p:spPr/>
@@ -5567,14 +5422,14 @@
             <a:spLocks noGrp="1"/>
           </p:cNvSpPr>
           <p:nvPr>
-            <p:ph type="sldNum" idx="9"/>
+            <p:ph type="sldNum" idx="8"/>
           </p:nvPr>
         </p:nvSpPr>
         <p:spPr/>
         <p:txBody>
           <a:bodyPr/>
           <a:p>
-            <a:fld id="{D3F92F78-9BEB-4F31-8191-1C6295472F3A}" type="slidenum">
+            <a:fld id="{8865BE4F-20ED-4BB9-8395-068F31E7178D}" type="slidenum">
               <a:t>&lt;#&gt;</a:t>
             </a:fld>
           </a:p>
@@ -5587,7 +5442,7 @@
             <a:spLocks noGrp="1"/>
           </p:cNvSpPr>
           <p:nvPr>
-            <p:ph type="dt" idx="7"/>
+            <p:ph type="dt" idx="9"/>
           </p:nvPr>
         </p:nvSpPr>
         <p:spPr/>
@@ -5635,8 +5490,8 @@
         </p:nvSpPr>
         <p:spPr>
           <a:xfrm>
-            <a:off x="628560" y="365040"/>
-            <a:ext cx="7886520" cy="1325160"/>
+            <a:off x="457200" y="273600"/>
+            <a:ext cx="8229240" cy="1144800"/>
           </a:xfrm>
           <a:prstGeom prst="rect">
             <a:avLst/>
@@ -5651,14 +5506,14 @@
             <a:noAutofit/>
           </a:bodyPr>
           <a:p>
-            <a:pPr indent="0">
-              <a:buNone/>
-            </a:pPr>
-            <a:endParaRPr b="0" lang="en-US" sz="1800" spc="-1" strike="noStrike">
-              <a:solidFill>
-                <a:srgbClr val="000000"/>
-              </a:solidFill>
-              <a:latin typeface="Calibri"/>
+            <a:pPr indent="0" algn="ctr">
+              <a:buNone/>
+            </a:pPr>
+            <a:endParaRPr b="0" lang="en-US" sz="4400" spc="-1" strike="noStrike">
+              <a:solidFill>
+                <a:srgbClr val="000000"/>
+              </a:solidFill>
+              <a:latin typeface="Arial"/>
             </a:endParaRPr>
           </a:p>
         </p:txBody>
@@ -5675,8 +5530,8 @@
         </p:nvSpPr>
         <p:spPr>
           <a:xfrm>
-            <a:off x="628560" y="1825560"/>
-            <a:ext cx="7886520" cy="2075040"/>
+            <a:off x="457200" y="1604520"/>
+            <a:ext cx="8229240" cy="1896840"/>
           </a:xfrm>
           <a:prstGeom prst="rect">
             <a:avLst/>
@@ -5692,19 +5547,16 @@
           </a:bodyPr>
           <a:p>
             <a:pPr indent="0">
-              <a:lnSpc>
-                <a:spcPct val="90000"/>
-              </a:lnSpc>
               <a:spcBef>
                 <a:spcPts val="1417"/>
               </a:spcBef>
               <a:buNone/>
             </a:pPr>
-            <a:endParaRPr b="0" lang="en-US" sz="2800" spc="-1" strike="noStrike">
-              <a:solidFill>
-                <a:srgbClr val="000000"/>
-              </a:solidFill>
-              <a:latin typeface="Calibri"/>
+            <a:endParaRPr b="0" lang="en-US" sz="3200" spc="-1" strike="noStrike">
+              <a:solidFill>
+                <a:srgbClr val="000000"/>
+              </a:solidFill>
+              <a:latin typeface="Arial"/>
             </a:endParaRPr>
           </a:p>
         </p:txBody>
@@ -5721,8 +5573,8 @@
         </p:nvSpPr>
         <p:spPr>
           <a:xfrm>
-            <a:off x="628560" y="4098240"/>
-            <a:ext cx="7886520" cy="2075040"/>
+            <a:off x="457200" y="3682080"/>
+            <a:ext cx="8229240" cy="1896840"/>
           </a:xfrm>
           <a:prstGeom prst="rect">
             <a:avLst/>
@@ -5738,19 +5590,16 @@
           </a:bodyPr>
           <a:p>
             <a:pPr indent="0">
-              <a:lnSpc>
-                <a:spcPct val="90000"/>
-              </a:lnSpc>
               <a:spcBef>
                 <a:spcPts val="1417"/>
               </a:spcBef>
               <a:buNone/>
             </a:pPr>
-            <a:endParaRPr b="0" lang="en-US" sz="2800" spc="-1" strike="noStrike">
-              <a:solidFill>
-                <a:srgbClr val="000000"/>
-              </a:solidFill>
-              <a:latin typeface="Calibri"/>
+            <a:endParaRPr b="0" lang="en-US" sz="3200" spc="-1" strike="noStrike">
+              <a:solidFill>
+                <a:srgbClr val="000000"/>
+              </a:solidFill>
+              <a:latin typeface="Arial"/>
             </a:endParaRPr>
           </a:p>
         </p:txBody>
@@ -5762,7 +5611,7 @@
             <a:spLocks noGrp="1"/>
           </p:cNvSpPr>
           <p:nvPr>
-            <p:ph type="ftr" idx="8"/>
+            <p:ph type="ftr" idx="7"/>
           </p:nvPr>
         </p:nvSpPr>
         <p:spPr/>
@@ -5782,14 +5631,14 @@
             <a:spLocks noGrp="1"/>
           </p:cNvSpPr>
           <p:nvPr>
-            <p:ph type="sldNum" idx="9"/>
+            <p:ph type="sldNum" idx="8"/>
           </p:nvPr>
         </p:nvSpPr>
         <p:spPr/>
         <p:txBody>
           <a:bodyPr/>
           <a:p>
-            <a:fld id="{8B197790-60D9-4E9A-91A9-F5514EF9DE7E}" type="slidenum">
+            <a:fld id="{111FFC35-1CE2-4941-B6C6-EF5900BF6859}" type="slidenum">
               <a:t>&lt;#&gt;</a:t>
             </a:fld>
           </a:p>
@@ -5802,7 +5651,7 @@
             <a:spLocks noGrp="1"/>
           </p:cNvSpPr>
           <p:nvPr>
-            <p:ph type="dt" idx="7"/>
+            <p:ph type="dt" idx="9"/>
           </p:nvPr>
         </p:nvSpPr>
         <p:spPr/>
@@ -5850,8 +5699,8 @@
         </p:nvSpPr>
         <p:spPr>
           <a:xfrm>
-            <a:off x="628560" y="365040"/>
-            <a:ext cx="7886520" cy="1325160"/>
+            <a:off x="457200" y="273600"/>
+            <a:ext cx="8229240" cy="1144800"/>
           </a:xfrm>
           <a:prstGeom prst="rect">
             <a:avLst/>
@@ -5866,14 +5715,14 @@
             <a:noAutofit/>
           </a:bodyPr>
           <a:p>
-            <a:pPr indent="0">
-              <a:buNone/>
-            </a:pPr>
-            <a:endParaRPr b="0" lang="en-US" sz="1800" spc="-1" strike="noStrike">
-              <a:solidFill>
-                <a:srgbClr val="000000"/>
-              </a:solidFill>
-              <a:latin typeface="Calibri"/>
+            <a:pPr indent="0" algn="ctr">
+              <a:buNone/>
+            </a:pPr>
+            <a:endParaRPr b="0" lang="en-US" sz="4400" spc="-1" strike="noStrike">
+              <a:solidFill>
+                <a:srgbClr val="000000"/>
+              </a:solidFill>
+              <a:latin typeface="Arial"/>
             </a:endParaRPr>
           </a:p>
         </p:txBody>
@@ -5890,8 +5739,8 @@
         </p:nvSpPr>
         <p:spPr>
           <a:xfrm>
-            <a:off x="628560" y="1825560"/>
-            <a:ext cx="3848400" cy="2075040"/>
+            <a:off x="457200" y="1604520"/>
+            <a:ext cx="4015800" cy="1896840"/>
           </a:xfrm>
           <a:prstGeom prst="rect">
             <a:avLst/>
@@ -5907,19 +5756,16 @@
           </a:bodyPr>
           <a:p>
             <a:pPr indent="0">
-              <a:lnSpc>
-                <a:spcPct val="90000"/>
-              </a:lnSpc>
               <a:spcBef>
                 <a:spcPts val="1417"/>
               </a:spcBef>
               <a:buNone/>
             </a:pPr>
-            <a:endParaRPr b="0" lang="en-US" sz="2800" spc="-1" strike="noStrike">
-              <a:solidFill>
-                <a:srgbClr val="000000"/>
-              </a:solidFill>
-              <a:latin typeface="Calibri"/>
+            <a:endParaRPr b="0" lang="en-US" sz="3200" spc="-1" strike="noStrike">
+              <a:solidFill>
+                <a:srgbClr val="000000"/>
+              </a:solidFill>
+              <a:latin typeface="Arial"/>
             </a:endParaRPr>
           </a:p>
         </p:txBody>
@@ -5936,8 +5782,8 @@
         </p:nvSpPr>
         <p:spPr>
           <a:xfrm>
-            <a:off x="4669920" y="1825560"/>
-            <a:ext cx="3848400" cy="2075040"/>
+            <a:off x="4674240" y="1604520"/>
+            <a:ext cx="4015800" cy="1896840"/>
           </a:xfrm>
           <a:prstGeom prst="rect">
             <a:avLst/>
@@ -5953,19 +5799,16 @@
           </a:bodyPr>
           <a:p>
             <a:pPr indent="0">
-              <a:lnSpc>
-                <a:spcPct val="90000"/>
-              </a:lnSpc>
               <a:spcBef>
                 <a:spcPts val="1417"/>
               </a:spcBef>
               <a:buNone/>
             </a:pPr>
-            <a:endParaRPr b="0" lang="en-US" sz="2800" spc="-1" strike="noStrike">
-              <a:solidFill>
-                <a:srgbClr val="000000"/>
-              </a:solidFill>
-              <a:latin typeface="Calibri"/>
+            <a:endParaRPr b="0" lang="en-US" sz="3200" spc="-1" strike="noStrike">
+              <a:solidFill>
+                <a:srgbClr val="000000"/>
+              </a:solidFill>
+              <a:latin typeface="Arial"/>
             </a:endParaRPr>
           </a:p>
         </p:txBody>
@@ -5982,8 +5825,8 @@
         </p:nvSpPr>
         <p:spPr>
           <a:xfrm>
-            <a:off x="628560" y="4098240"/>
-            <a:ext cx="3848400" cy="2075040"/>
+            <a:off x="457200" y="3682080"/>
+            <a:ext cx="4015800" cy="1896840"/>
           </a:xfrm>
           <a:prstGeom prst="rect">
             <a:avLst/>
@@ -5999,19 +5842,16 @@
           </a:bodyPr>
           <a:p>
             <a:pPr indent="0">
-              <a:lnSpc>
-                <a:spcPct val="90000"/>
-              </a:lnSpc>
               <a:spcBef>
                 <a:spcPts val="1417"/>
               </a:spcBef>
               <a:buNone/>
             </a:pPr>
-            <a:endParaRPr b="0" lang="en-US" sz="2800" spc="-1" strike="noStrike">
-              <a:solidFill>
-                <a:srgbClr val="000000"/>
-              </a:solidFill>
-              <a:latin typeface="Calibri"/>
+            <a:endParaRPr b="0" lang="en-US" sz="3200" spc="-1" strike="noStrike">
+              <a:solidFill>
+                <a:srgbClr val="000000"/>
+              </a:solidFill>
+              <a:latin typeface="Arial"/>
             </a:endParaRPr>
           </a:p>
         </p:txBody>
@@ -6028,8 +5868,8 @@
         </p:nvSpPr>
         <p:spPr>
           <a:xfrm>
-            <a:off x="4669920" y="4098240"/>
-            <a:ext cx="3848400" cy="2075040"/>
+            <a:off x="4674240" y="3682080"/>
+            <a:ext cx="4015800" cy="1896840"/>
           </a:xfrm>
           <a:prstGeom prst="rect">
             <a:avLst/>
@@ -6045,19 +5885,16 @@
           </a:bodyPr>
           <a:p>
             <a:pPr indent="0">
-              <a:lnSpc>
-                <a:spcPct val="90000"/>
-              </a:lnSpc>
               <a:spcBef>
                 <a:spcPts val="1417"/>
               </a:spcBef>
               <a:buNone/>
             </a:pPr>
-            <a:endParaRPr b="0" lang="en-US" sz="2800" spc="-1" strike="noStrike">
-              <a:solidFill>
-                <a:srgbClr val="000000"/>
-              </a:solidFill>
-              <a:latin typeface="Calibri"/>
+            <a:endParaRPr b="0" lang="en-US" sz="3200" spc="-1" strike="noStrike">
+              <a:solidFill>
+                <a:srgbClr val="000000"/>
+              </a:solidFill>
+              <a:latin typeface="Arial"/>
             </a:endParaRPr>
           </a:p>
         </p:txBody>
@@ -6069,7 +5906,7 @@
             <a:spLocks noGrp="1"/>
           </p:cNvSpPr>
           <p:nvPr>
-            <p:ph type="ftr" idx="8"/>
+            <p:ph type="ftr" idx="7"/>
           </p:nvPr>
         </p:nvSpPr>
         <p:spPr/>
@@ -6089,14 +5926,14 @@
             <a:spLocks noGrp="1"/>
           </p:cNvSpPr>
           <p:nvPr>
-            <p:ph type="sldNum" idx="9"/>
+            <p:ph type="sldNum" idx="8"/>
           </p:nvPr>
         </p:nvSpPr>
         <p:spPr/>
         <p:txBody>
           <a:bodyPr/>
           <a:p>
-            <a:fld id="{E1FD8DB2-946E-41B1-9C59-670E0BB49FA9}" type="slidenum">
+            <a:fld id="{2E4140E2-FB2F-49E2-B2D0-0E5660F673FD}" type="slidenum">
               <a:t>&lt;#&gt;</a:t>
             </a:fld>
           </a:p>
@@ -6109,7 +5946,7 @@
             <a:spLocks noGrp="1"/>
           </p:cNvSpPr>
           <p:nvPr>
-            <p:ph type="dt" idx="7"/>
+            <p:ph type="dt" idx="9"/>
           </p:nvPr>
         </p:nvSpPr>
         <p:spPr/>
@@ -6157,8 +5994,8 @@
         </p:nvSpPr>
         <p:spPr>
           <a:xfrm>
-            <a:off x="628560" y="365040"/>
-            <a:ext cx="7886520" cy="1325160"/>
+            <a:off x="457200" y="273600"/>
+            <a:ext cx="8229240" cy="1144800"/>
           </a:xfrm>
           <a:prstGeom prst="rect">
             <a:avLst/>
@@ -6173,14 +6010,14 @@
             <a:noAutofit/>
           </a:bodyPr>
           <a:p>
-            <a:pPr indent="0">
-              <a:buNone/>
-            </a:pPr>
-            <a:endParaRPr b="0" lang="en-US" sz="1800" spc="-1" strike="noStrike">
-              <a:solidFill>
-                <a:srgbClr val="000000"/>
-              </a:solidFill>
-              <a:latin typeface="Calibri"/>
+            <a:pPr indent="0" algn="ctr">
+              <a:buNone/>
+            </a:pPr>
+            <a:endParaRPr b="0" lang="en-US" sz="4400" spc="-1" strike="noStrike">
+              <a:solidFill>
+                <a:srgbClr val="000000"/>
+              </a:solidFill>
+              <a:latin typeface="Arial"/>
             </a:endParaRPr>
           </a:p>
         </p:txBody>
@@ -6197,8 +6034,8 @@
         </p:nvSpPr>
         <p:spPr>
           <a:xfrm>
-            <a:off x="628560" y="1825560"/>
-            <a:ext cx="2539080" cy="2075040"/>
+            <a:off x="457200" y="1604520"/>
+            <a:ext cx="2649600" cy="1896840"/>
           </a:xfrm>
           <a:prstGeom prst="rect">
             <a:avLst/>
@@ -6214,19 +6051,16 @@
           </a:bodyPr>
           <a:p>
             <a:pPr indent="0">
-              <a:lnSpc>
-                <a:spcPct val="90000"/>
-              </a:lnSpc>
               <a:spcBef>
                 <a:spcPts val="1417"/>
               </a:spcBef>
               <a:buNone/>
             </a:pPr>
-            <a:endParaRPr b="0" lang="en-US" sz="2800" spc="-1" strike="noStrike">
-              <a:solidFill>
-                <a:srgbClr val="000000"/>
-              </a:solidFill>
-              <a:latin typeface="Calibri"/>
+            <a:endParaRPr b="0" lang="en-US" sz="3200" spc="-1" strike="noStrike">
+              <a:solidFill>
+                <a:srgbClr val="000000"/>
+              </a:solidFill>
+              <a:latin typeface="Arial"/>
             </a:endParaRPr>
           </a:p>
         </p:txBody>
@@ -6243,8 +6077,8 @@
         </p:nvSpPr>
         <p:spPr>
           <a:xfrm>
-            <a:off x="3295080" y="1825560"/>
-            <a:ext cx="2539080" cy="2075040"/>
+            <a:off x="3239640" y="1604520"/>
+            <a:ext cx="2649600" cy="1896840"/>
           </a:xfrm>
           <a:prstGeom prst="rect">
             <a:avLst/>
@@ -6260,19 +6094,16 @@
           </a:bodyPr>
           <a:p>
             <a:pPr indent="0">
-              <a:lnSpc>
-                <a:spcPct val="90000"/>
-              </a:lnSpc>
               <a:spcBef>
                 <a:spcPts val="1417"/>
               </a:spcBef>
               <a:buNone/>
             </a:pPr>
-            <a:endParaRPr b="0" lang="en-US" sz="2800" spc="-1" strike="noStrike">
-              <a:solidFill>
-                <a:srgbClr val="000000"/>
-              </a:solidFill>
-              <a:latin typeface="Calibri"/>
+            <a:endParaRPr b="0" lang="en-US" sz="3200" spc="-1" strike="noStrike">
+              <a:solidFill>
+                <a:srgbClr val="000000"/>
+              </a:solidFill>
+              <a:latin typeface="Arial"/>
             </a:endParaRPr>
           </a:p>
         </p:txBody>
@@ -6289,8 +6120,8 @@
         </p:nvSpPr>
         <p:spPr>
           <a:xfrm>
-            <a:off x="5961240" y="1825560"/>
-            <a:ext cx="2539080" cy="2075040"/>
+            <a:off x="6022080" y="1604520"/>
+            <a:ext cx="2649600" cy="1896840"/>
           </a:xfrm>
           <a:prstGeom prst="rect">
             <a:avLst/>
@@ -6306,19 +6137,16 @@
           </a:bodyPr>
           <a:p>
             <a:pPr indent="0">
-              <a:lnSpc>
-                <a:spcPct val="90000"/>
-              </a:lnSpc>
               <a:spcBef>
                 <a:spcPts val="1417"/>
               </a:spcBef>
               <a:buNone/>
             </a:pPr>
-            <a:endParaRPr b="0" lang="en-US" sz="2800" spc="-1" strike="noStrike">
-              <a:solidFill>
-                <a:srgbClr val="000000"/>
-              </a:solidFill>
-              <a:latin typeface="Calibri"/>
+            <a:endParaRPr b="0" lang="en-US" sz="3200" spc="-1" strike="noStrike">
+              <a:solidFill>
+                <a:srgbClr val="000000"/>
+              </a:solidFill>
+              <a:latin typeface="Arial"/>
             </a:endParaRPr>
           </a:p>
         </p:txBody>
@@ -6335,8 +6163,8 @@
         </p:nvSpPr>
         <p:spPr>
           <a:xfrm>
-            <a:off x="628560" y="4098240"/>
-            <a:ext cx="2539080" cy="2075040"/>
+            <a:off x="457200" y="3682080"/>
+            <a:ext cx="2649600" cy="1896840"/>
           </a:xfrm>
           <a:prstGeom prst="rect">
             <a:avLst/>
@@ -6352,19 +6180,16 @@
           </a:bodyPr>
           <a:p>
             <a:pPr indent="0">
-              <a:lnSpc>
-                <a:spcPct val="90000"/>
-              </a:lnSpc>
               <a:spcBef>
                 <a:spcPts val="1417"/>
               </a:spcBef>
               <a:buNone/>
             </a:pPr>
-            <a:endParaRPr b="0" lang="en-US" sz="2800" spc="-1" strike="noStrike">
-              <a:solidFill>
-                <a:srgbClr val="000000"/>
-              </a:solidFill>
-              <a:latin typeface="Calibri"/>
+            <a:endParaRPr b="0" lang="en-US" sz="3200" spc="-1" strike="noStrike">
+              <a:solidFill>
+                <a:srgbClr val="000000"/>
+              </a:solidFill>
+              <a:latin typeface="Arial"/>
             </a:endParaRPr>
           </a:p>
         </p:txBody>
@@ -6381,8 +6206,8 @@
         </p:nvSpPr>
         <p:spPr>
           <a:xfrm>
-            <a:off x="3295080" y="4098240"/>
-            <a:ext cx="2539080" cy="2075040"/>
+            <a:off x="3239640" y="3682080"/>
+            <a:ext cx="2649600" cy="1896840"/>
           </a:xfrm>
           <a:prstGeom prst="rect">
             <a:avLst/>
@@ -6398,19 +6223,16 @@
           </a:bodyPr>
           <a:p>
             <a:pPr indent="0">
-              <a:lnSpc>
-                <a:spcPct val="90000"/>
-              </a:lnSpc>
               <a:spcBef>
                 <a:spcPts val="1417"/>
               </a:spcBef>
               <a:buNone/>
             </a:pPr>
-            <a:endParaRPr b="0" lang="en-US" sz="2800" spc="-1" strike="noStrike">
-              <a:solidFill>
-                <a:srgbClr val="000000"/>
-              </a:solidFill>
-              <a:latin typeface="Calibri"/>
+            <a:endParaRPr b="0" lang="en-US" sz="3200" spc="-1" strike="noStrike">
+              <a:solidFill>
+                <a:srgbClr val="000000"/>
+              </a:solidFill>
+              <a:latin typeface="Arial"/>
             </a:endParaRPr>
           </a:p>
         </p:txBody>
@@ -6427,8 +6249,8 @@
         </p:nvSpPr>
         <p:spPr>
           <a:xfrm>
-            <a:off x="5961240" y="4098240"/>
-            <a:ext cx="2539080" cy="2075040"/>
+            <a:off x="6022080" y="3682080"/>
+            <a:ext cx="2649600" cy="1896840"/>
           </a:xfrm>
           <a:prstGeom prst="rect">
             <a:avLst/>
@@ -6444,19 +6266,16 @@
           </a:bodyPr>
           <a:p>
             <a:pPr indent="0">
-              <a:lnSpc>
-                <a:spcPct val="90000"/>
-              </a:lnSpc>
               <a:spcBef>
                 <a:spcPts val="1417"/>
               </a:spcBef>
               <a:buNone/>
             </a:pPr>
-            <a:endParaRPr b="0" lang="en-US" sz="2800" spc="-1" strike="noStrike">
-              <a:solidFill>
-                <a:srgbClr val="000000"/>
-              </a:solidFill>
-              <a:latin typeface="Calibri"/>
+            <a:endParaRPr b="0" lang="en-US" sz="3200" spc="-1" strike="noStrike">
+              <a:solidFill>
+                <a:srgbClr val="000000"/>
+              </a:solidFill>
+              <a:latin typeface="Arial"/>
             </a:endParaRPr>
           </a:p>
         </p:txBody>
@@ -6468,7 +6287,7 @@
             <a:spLocks noGrp="1"/>
           </p:cNvSpPr>
           <p:nvPr>
-            <p:ph type="ftr" idx="8"/>
+            <p:ph type="ftr" idx="7"/>
           </p:nvPr>
         </p:nvSpPr>
         <p:spPr/>
@@ -6488,14 +6307,14 @@
             <a:spLocks noGrp="1"/>
           </p:cNvSpPr>
           <p:nvPr>
-            <p:ph type="sldNum" idx="9"/>
+            <p:ph type="sldNum" idx="8"/>
           </p:nvPr>
         </p:nvSpPr>
         <p:spPr/>
         <p:txBody>
           <a:bodyPr/>
           <a:p>
-            <a:fld id="{56514E43-58A7-49E9-B33B-A4EE9794B637}" type="slidenum">
+            <a:fld id="{C41F892C-1570-40CC-BA24-6E134BB3D9D4}" type="slidenum">
               <a:t>&lt;#&gt;</a:t>
             </a:fld>
           </a:p>
@@ -6508,7 +6327,7 @@
             <a:spLocks noGrp="1"/>
           </p:cNvSpPr>
           <p:nvPr>
-            <p:ph type="dt" idx="7"/>
+            <p:ph type="dt" idx="9"/>
           </p:nvPr>
         </p:nvSpPr>
         <p:spPr/>
@@ -6556,8 +6375,8 @@
         </p:nvSpPr>
         <p:spPr>
           <a:xfrm>
-            <a:off x="628560" y="365040"/>
-            <a:ext cx="7886520" cy="1325160"/>
+            <a:off x="457200" y="273600"/>
+            <a:ext cx="8229240" cy="1144800"/>
           </a:xfrm>
           <a:prstGeom prst="rect">
             <a:avLst/>
@@ -6572,14 +6391,14 @@
             <a:noAutofit/>
           </a:bodyPr>
           <a:p>
-            <a:pPr indent="0">
-              <a:buNone/>
-            </a:pPr>
-            <a:endParaRPr b="0" lang="en-US" sz="1800" spc="-1" strike="noStrike">
-              <a:solidFill>
-                <a:srgbClr val="000000"/>
-              </a:solidFill>
-              <a:latin typeface="Calibri"/>
+            <a:pPr indent="0" algn="ctr">
+              <a:buNone/>
+            </a:pPr>
+            <a:endParaRPr b="0" lang="en-US" sz="4400" spc="-1" strike="noStrike">
+              <a:solidFill>
+                <a:srgbClr val="000000"/>
+              </a:solidFill>
+              <a:latin typeface="Arial"/>
             </a:endParaRPr>
           </a:p>
         </p:txBody>
@@ -6596,8 +6415,8 @@
         </p:nvSpPr>
         <p:spPr>
           <a:xfrm>
-            <a:off x="628560" y="1825560"/>
-            <a:ext cx="3848400" cy="4350960"/>
+            <a:off x="457200" y="1604520"/>
+            <a:ext cx="4015800" cy="3977280"/>
           </a:xfrm>
           <a:prstGeom prst="rect">
             <a:avLst/>
@@ -6613,19 +6432,16 @@
           </a:bodyPr>
           <a:p>
             <a:pPr indent="0">
-              <a:lnSpc>
-                <a:spcPct val="90000"/>
-              </a:lnSpc>
               <a:spcBef>
                 <a:spcPts val="1417"/>
               </a:spcBef>
               <a:buNone/>
             </a:pPr>
-            <a:endParaRPr b="0" lang="en-US" sz="2800" spc="-1" strike="noStrike">
-              <a:solidFill>
-                <a:srgbClr val="000000"/>
-              </a:solidFill>
-              <a:latin typeface="Calibri"/>
+            <a:endParaRPr b="0" lang="en-US" sz="3200" spc="-1" strike="noStrike">
+              <a:solidFill>
+                <a:srgbClr val="000000"/>
+              </a:solidFill>
+              <a:latin typeface="Arial"/>
             </a:endParaRPr>
           </a:p>
         </p:txBody>
@@ -6642,8 +6458,8 @@
         </p:nvSpPr>
         <p:spPr>
           <a:xfrm>
-            <a:off x="4669920" y="1825560"/>
-            <a:ext cx="3848400" cy="4350960"/>
+            <a:off x="4674240" y="1604520"/>
+            <a:ext cx="4015800" cy="3977280"/>
           </a:xfrm>
           <a:prstGeom prst="rect">
             <a:avLst/>
@@ -6659,19 +6475,16 @@
           </a:bodyPr>
           <a:p>
             <a:pPr indent="0">
-              <a:lnSpc>
-                <a:spcPct val="90000"/>
-              </a:lnSpc>
               <a:spcBef>
                 <a:spcPts val="1417"/>
               </a:spcBef>
               <a:buNone/>
             </a:pPr>
-            <a:endParaRPr b="0" lang="en-US" sz="2800" spc="-1" strike="noStrike">
-              <a:solidFill>
-                <a:srgbClr val="000000"/>
-              </a:solidFill>
-              <a:latin typeface="Calibri"/>
+            <a:endParaRPr b="0" lang="en-US" sz="3200" spc="-1" strike="noStrike">
+              <a:solidFill>
+                <a:srgbClr val="000000"/>
+              </a:solidFill>
+              <a:latin typeface="Arial"/>
             </a:endParaRPr>
           </a:p>
         </p:txBody>
@@ -6683,7 +6496,7 @@
             <a:spLocks noGrp="1"/>
           </p:cNvSpPr>
           <p:nvPr>
-            <p:ph type="ftr" idx="2"/>
+            <p:ph type="ftr" idx="1"/>
           </p:nvPr>
         </p:nvSpPr>
         <p:spPr/>
@@ -6703,14 +6516,14 @@
             <a:spLocks noGrp="1"/>
           </p:cNvSpPr>
           <p:nvPr>
-            <p:ph type="sldNum" idx="3"/>
+            <p:ph type="sldNum" idx="2"/>
           </p:nvPr>
         </p:nvSpPr>
         <p:spPr/>
         <p:txBody>
           <a:bodyPr/>
           <a:p>
-            <a:fld id="{6CA40E17-61B8-488E-950D-25FBEAC9DED2}" type="slidenum">
+            <a:fld id="{21E57564-3BA9-43F5-96B8-8FB5A7F47381}" type="slidenum">
               <a:t>&lt;#&gt;</a:t>
             </a:fld>
           </a:p>
@@ -6723,7 +6536,7 @@
             <a:spLocks noGrp="1"/>
           </p:cNvSpPr>
           <p:nvPr>
-            <p:ph type="dt" idx="1"/>
+            <p:ph type="dt" idx="3"/>
           </p:nvPr>
         </p:nvSpPr>
         <p:spPr/>
@@ -6771,8 +6584,8 @@
         </p:nvSpPr>
         <p:spPr>
           <a:xfrm>
-            <a:off x="628560" y="365040"/>
-            <a:ext cx="7886520" cy="1325160"/>
+            <a:off x="457200" y="273600"/>
+            <a:ext cx="8229240" cy="1144800"/>
           </a:xfrm>
           <a:prstGeom prst="rect">
             <a:avLst/>
@@ -6787,14 +6600,14 @@
             <a:noAutofit/>
           </a:bodyPr>
           <a:p>
-            <a:pPr indent="0">
-              <a:buNone/>
-            </a:pPr>
-            <a:endParaRPr b="0" lang="en-US" sz="1800" spc="-1" strike="noStrike">
-              <a:solidFill>
-                <a:srgbClr val="000000"/>
-              </a:solidFill>
-              <a:latin typeface="Calibri"/>
+            <a:pPr indent="0" algn="ctr">
+              <a:buNone/>
+            </a:pPr>
+            <a:endParaRPr b="0" lang="en-US" sz="4400" spc="-1" strike="noStrike">
+              <a:solidFill>
+                <a:srgbClr val="000000"/>
+              </a:solidFill>
+              <a:latin typeface="Arial"/>
             </a:endParaRPr>
           </a:p>
         </p:txBody>
@@ -6806,7 +6619,7 @@
             <a:spLocks noGrp="1"/>
           </p:cNvSpPr>
           <p:nvPr>
-            <p:ph type="ftr" idx="2"/>
+            <p:ph type="ftr" idx="1"/>
           </p:nvPr>
         </p:nvSpPr>
         <p:spPr/>
@@ -6826,14 +6639,14 @@
             <a:spLocks noGrp="1"/>
           </p:cNvSpPr>
           <p:nvPr>
-            <p:ph type="sldNum" idx="3"/>
+            <p:ph type="sldNum" idx="2"/>
           </p:nvPr>
         </p:nvSpPr>
         <p:spPr/>
         <p:txBody>
           <a:bodyPr/>
           <a:p>
-            <a:fld id="{C94A5C0D-BA0D-4471-912B-A893F6710E55}" type="slidenum">
+            <a:fld id="{B36319B0-95E1-4F94-847F-E0B5762CD4C5}" type="slidenum">
               <a:t>&lt;#&gt;</a:t>
             </a:fld>
           </a:p>
@@ -6846,7 +6659,7 @@
             <a:spLocks noGrp="1"/>
           </p:cNvSpPr>
           <p:nvPr>
-            <p:ph type="dt" idx="1"/>
+            <p:ph type="dt" idx="3"/>
           </p:nvPr>
         </p:nvSpPr>
         <p:spPr/>
@@ -6894,8 +6707,8 @@
         </p:nvSpPr>
         <p:spPr>
           <a:xfrm>
-            <a:off x="628560" y="365040"/>
-            <a:ext cx="7886520" cy="6144120"/>
+            <a:off x="457200" y="273600"/>
+            <a:ext cx="8229240" cy="5307840"/>
           </a:xfrm>
           <a:prstGeom prst="rect">
             <a:avLst/>
@@ -6927,7 +6740,7 @@
             <a:spLocks noGrp="1"/>
           </p:cNvSpPr>
           <p:nvPr>
-            <p:ph type="ftr" idx="2"/>
+            <p:ph type="ftr" idx="1"/>
           </p:nvPr>
         </p:nvSpPr>
         <p:spPr/>
@@ -6947,14 +6760,14 @@
             <a:spLocks noGrp="1"/>
           </p:cNvSpPr>
           <p:nvPr>
-            <p:ph type="sldNum" idx="3"/>
+            <p:ph type="sldNum" idx="2"/>
           </p:nvPr>
         </p:nvSpPr>
         <p:spPr/>
         <p:txBody>
           <a:bodyPr/>
           <a:p>
-            <a:fld id="{D45D1968-AEC8-4497-BAAC-79A0A9E15B33}" type="slidenum">
+            <a:fld id="{F32FAADE-33FA-4445-93C4-D47F81F7ABD7}" type="slidenum">
               <a:t>&lt;#&gt;</a:t>
             </a:fld>
           </a:p>
@@ -6967,7 +6780,7 @@
             <a:spLocks noGrp="1"/>
           </p:cNvSpPr>
           <p:nvPr>
-            <p:ph type="dt" idx="1"/>
+            <p:ph type="dt" idx="3"/>
           </p:nvPr>
         </p:nvSpPr>
         <p:spPr/>
@@ -7015,8 +6828,8 @@
         </p:nvSpPr>
         <p:spPr>
           <a:xfrm>
-            <a:off x="628560" y="365040"/>
-            <a:ext cx="7886520" cy="1325160"/>
+            <a:off x="457200" y="273600"/>
+            <a:ext cx="8229240" cy="1144800"/>
           </a:xfrm>
           <a:prstGeom prst="rect">
             <a:avLst/>
@@ -7031,14 +6844,14 @@
             <a:noAutofit/>
           </a:bodyPr>
           <a:p>
-            <a:pPr indent="0">
-              <a:buNone/>
-            </a:pPr>
-            <a:endParaRPr b="0" lang="en-US" sz="1800" spc="-1" strike="noStrike">
-              <a:solidFill>
-                <a:srgbClr val="000000"/>
-              </a:solidFill>
-              <a:latin typeface="Calibri"/>
+            <a:pPr indent="0" algn="ctr">
+              <a:buNone/>
+            </a:pPr>
+            <a:endParaRPr b="0" lang="en-US" sz="4400" spc="-1" strike="noStrike">
+              <a:solidFill>
+                <a:srgbClr val="000000"/>
+              </a:solidFill>
+              <a:latin typeface="Arial"/>
             </a:endParaRPr>
           </a:p>
         </p:txBody>
@@ -7055,8 +6868,8 @@
         </p:nvSpPr>
         <p:spPr>
           <a:xfrm>
-            <a:off x="628560" y="1825560"/>
-            <a:ext cx="3848400" cy="2075040"/>
+            <a:off x="457200" y="1604520"/>
+            <a:ext cx="4015800" cy="1896840"/>
           </a:xfrm>
           <a:prstGeom prst="rect">
             <a:avLst/>
@@ -7072,19 +6885,16 @@
           </a:bodyPr>
           <a:p>
             <a:pPr indent="0">
-              <a:lnSpc>
-                <a:spcPct val="90000"/>
-              </a:lnSpc>
               <a:spcBef>
                 <a:spcPts val="1417"/>
               </a:spcBef>
               <a:buNone/>
             </a:pPr>
-            <a:endParaRPr b="0" lang="en-US" sz="2800" spc="-1" strike="noStrike">
-              <a:solidFill>
-                <a:srgbClr val="000000"/>
-              </a:solidFill>
-              <a:latin typeface="Calibri"/>
+            <a:endParaRPr b="0" lang="en-US" sz="3200" spc="-1" strike="noStrike">
+              <a:solidFill>
+                <a:srgbClr val="000000"/>
+              </a:solidFill>
+              <a:latin typeface="Arial"/>
             </a:endParaRPr>
           </a:p>
         </p:txBody>
@@ -7101,8 +6911,8 @@
         </p:nvSpPr>
         <p:spPr>
           <a:xfrm>
-            <a:off x="4669920" y="1825560"/>
-            <a:ext cx="3848400" cy="4350960"/>
+            <a:off x="4674240" y="1604520"/>
+            <a:ext cx="4015800" cy="3977280"/>
           </a:xfrm>
           <a:prstGeom prst="rect">
             <a:avLst/>
@@ -7118,19 +6928,16 @@
           </a:bodyPr>
           <a:p>
             <a:pPr indent="0">
-              <a:lnSpc>
-                <a:spcPct val="90000"/>
-              </a:lnSpc>
               <a:spcBef>
                 <a:spcPts val="1417"/>
               </a:spcBef>
               <a:buNone/>
             </a:pPr>
-            <a:endParaRPr b="0" lang="en-US" sz="2800" spc="-1" strike="noStrike">
-              <a:solidFill>
-                <a:srgbClr val="000000"/>
-              </a:solidFill>
-              <a:latin typeface="Calibri"/>
+            <a:endParaRPr b="0" lang="en-US" sz="3200" spc="-1" strike="noStrike">
+              <a:solidFill>
+                <a:srgbClr val="000000"/>
+              </a:solidFill>
+              <a:latin typeface="Arial"/>
             </a:endParaRPr>
           </a:p>
         </p:txBody>
@@ -7147,8 +6954,8 @@
         </p:nvSpPr>
         <p:spPr>
           <a:xfrm>
-            <a:off x="628560" y="4098240"/>
-            <a:ext cx="3848400" cy="2075040"/>
+            <a:off x="457200" y="3682080"/>
+            <a:ext cx="4015800" cy="1896840"/>
           </a:xfrm>
           <a:prstGeom prst="rect">
             <a:avLst/>
@@ -7164,19 +6971,16 @@
           </a:bodyPr>
           <a:p>
             <a:pPr indent="0">
-              <a:lnSpc>
-                <a:spcPct val="90000"/>
-              </a:lnSpc>
               <a:spcBef>
                 <a:spcPts val="1417"/>
               </a:spcBef>
               <a:buNone/>
             </a:pPr>
-            <a:endParaRPr b="0" lang="en-US" sz="2800" spc="-1" strike="noStrike">
-              <a:solidFill>
-                <a:srgbClr val="000000"/>
-              </a:solidFill>
-              <a:latin typeface="Calibri"/>
+            <a:endParaRPr b="0" lang="en-US" sz="3200" spc="-1" strike="noStrike">
+              <a:solidFill>
+                <a:srgbClr val="000000"/>
+              </a:solidFill>
+              <a:latin typeface="Arial"/>
             </a:endParaRPr>
           </a:p>
         </p:txBody>
@@ -7188,7 +6992,7 @@
             <a:spLocks noGrp="1"/>
           </p:cNvSpPr>
           <p:nvPr>
-            <p:ph type="ftr" idx="2"/>
+            <p:ph type="ftr" idx="1"/>
           </p:nvPr>
         </p:nvSpPr>
         <p:spPr/>
@@ -7208,14 +7012,14 @@
             <a:spLocks noGrp="1"/>
           </p:cNvSpPr>
           <p:nvPr>
-            <p:ph type="sldNum" idx="3"/>
+            <p:ph type="sldNum" idx="2"/>
           </p:nvPr>
         </p:nvSpPr>
         <p:spPr/>
         <p:txBody>
           <a:bodyPr/>
           <a:p>
-            <a:fld id="{4EEFCC63-A97A-43CB-97D9-725FD347E81A}" type="slidenum">
+            <a:fld id="{595DBB3D-3695-4C72-A037-4377F62D6890}" type="slidenum">
               <a:t>&lt;#&gt;</a:t>
             </a:fld>
           </a:p>
@@ -7228,7 +7032,7 @@
             <a:spLocks noGrp="1"/>
           </p:cNvSpPr>
           <p:nvPr>
-            <p:ph type="dt" idx="1"/>
+            <p:ph type="dt" idx="3"/>
           </p:nvPr>
         </p:nvSpPr>
         <p:spPr/>
@@ -7276,8 +7080,8 @@
         </p:nvSpPr>
         <p:spPr>
           <a:xfrm>
-            <a:off x="628560" y="365040"/>
-            <a:ext cx="7886520" cy="1325160"/>
+            <a:off x="457200" y="273600"/>
+            <a:ext cx="8229240" cy="1144800"/>
           </a:xfrm>
           <a:prstGeom prst="rect">
             <a:avLst/>
@@ -7292,14 +7096,14 @@
             <a:noAutofit/>
           </a:bodyPr>
           <a:p>
-            <a:pPr indent="0">
-              <a:buNone/>
-            </a:pPr>
-            <a:endParaRPr b="0" lang="en-US" sz="1800" spc="-1" strike="noStrike">
-              <a:solidFill>
-                <a:srgbClr val="000000"/>
-              </a:solidFill>
-              <a:latin typeface="Calibri"/>
+            <a:pPr indent="0" algn="ctr">
+              <a:buNone/>
+            </a:pPr>
+            <a:endParaRPr b="0" lang="en-US" sz="4400" spc="-1" strike="noStrike">
+              <a:solidFill>
+                <a:srgbClr val="000000"/>
+              </a:solidFill>
+              <a:latin typeface="Arial"/>
             </a:endParaRPr>
           </a:p>
         </p:txBody>
@@ -7316,8 +7120,8 @@
         </p:nvSpPr>
         <p:spPr>
           <a:xfrm>
-            <a:off x="628560" y="1825560"/>
-            <a:ext cx="3848400" cy="4350960"/>
+            <a:off x="457200" y="1604520"/>
+            <a:ext cx="4015800" cy="3977280"/>
           </a:xfrm>
           <a:prstGeom prst="rect">
             <a:avLst/>
@@ -7333,19 +7137,16 @@
           </a:bodyPr>
           <a:p>
             <a:pPr indent="0">
-              <a:lnSpc>
-                <a:spcPct val="90000"/>
-              </a:lnSpc>
               <a:spcBef>
                 <a:spcPts val="1417"/>
               </a:spcBef>
               <a:buNone/>
             </a:pPr>
-            <a:endParaRPr b="0" lang="en-US" sz="2800" spc="-1" strike="noStrike">
-              <a:solidFill>
-                <a:srgbClr val="000000"/>
-              </a:solidFill>
-              <a:latin typeface="Calibri"/>
+            <a:endParaRPr b="0" lang="en-US" sz="3200" spc="-1" strike="noStrike">
+              <a:solidFill>
+                <a:srgbClr val="000000"/>
+              </a:solidFill>
+              <a:latin typeface="Arial"/>
             </a:endParaRPr>
           </a:p>
         </p:txBody>
@@ -7362,8 +7163,8 @@
         </p:nvSpPr>
         <p:spPr>
           <a:xfrm>
-            <a:off x="4669920" y="1825560"/>
-            <a:ext cx="3848400" cy="2075040"/>
+            <a:off x="4674240" y="1604520"/>
+            <a:ext cx="4015800" cy="1896840"/>
           </a:xfrm>
           <a:prstGeom prst="rect">
             <a:avLst/>
@@ -7379,19 +7180,16 @@
           </a:bodyPr>
           <a:p>
             <a:pPr indent="0">
-              <a:lnSpc>
-                <a:spcPct val="90000"/>
-              </a:lnSpc>
               <a:spcBef>
                 <a:spcPts val="1417"/>
               </a:spcBef>
               <a:buNone/>
             </a:pPr>
-            <a:endParaRPr b="0" lang="en-US" sz="2800" spc="-1" strike="noStrike">
-              <a:solidFill>
-                <a:srgbClr val="000000"/>
-              </a:solidFill>
-              <a:latin typeface="Calibri"/>
+            <a:endParaRPr b="0" lang="en-US" sz="3200" spc="-1" strike="noStrike">
+              <a:solidFill>
+                <a:srgbClr val="000000"/>
+              </a:solidFill>
+              <a:latin typeface="Arial"/>
             </a:endParaRPr>
           </a:p>
         </p:txBody>
@@ -7408,8 +7206,8 @@
         </p:nvSpPr>
         <p:spPr>
           <a:xfrm>
-            <a:off x="4669920" y="4098240"/>
-            <a:ext cx="3848400" cy="2075040"/>
+            <a:off x="4674240" y="3682080"/>
+            <a:ext cx="4015800" cy="1896840"/>
           </a:xfrm>
           <a:prstGeom prst="rect">
             <a:avLst/>
@@ -7425,19 +7223,16 @@
           </a:bodyPr>
           <a:p>
             <a:pPr indent="0">
-              <a:lnSpc>
-                <a:spcPct val="90000"/>
-              </a:lnSpc>
               <a:spcBef>
                 <a:spcPts val="1417"/>
               </a:spcBef>
               <a:buNone/>
             </a:pPr>
-            <a:endParaRPr b="0" lang="en-US" sz="2800" spc="-1" strike="noStrike">
-              <a:solidFill>
-                <a:srgbClr val="000000"/>
-              </a:solidFill>
-              <a:latin typeface="Calibri"/>
+            <a:endParaRPr b="0" lang="en-US" sz="3200" spc="-1" strike="noStrike">
+              <a:solidFill>
+                <a:srgbClr val="000000"/>
+              </a:solidFill>
+              <a:latin typeface="Arial"/>
             </a:endParaRPr>
           </a:p>
         </p:txBody>
@@ -7449,7 +7244,7 @@
             <a:spLocks noGrp="1"/>
           </p:cNvSpPr>
           <p:nvPr>
-            <p:ph type="ftr" idx="2"/>
+            <p:ph type="ftr" idx="1"/>
           </p:nvPr>
         </p:nvSpPr>
         <p:spPr/>
@@ -7469,14 +7264,14 @@
             <a:spLocks noGrp="1"/>
           </p:cNvSpPr>
           <p:nvPr>
-            <p:ph type="sldNum" idx="3"/>
+            <p:ph type="sldNum" idx="2"/>
           </p:nvPr>
         </p:nvSpPr>
         <p:spPr/>
         <p:txBody>
           <a:bodyPr/>
           <a:p>
-            <a:fld id="{992EB5A9-F285-4059-B116-ED0B68A5BDFC}" type="slidenum">
+            <a:fld id="{AD1EF56B-5B30-41E7-ABDB-A628F48A3F84}" type="slidenum">
               <a:t>&lt;#&gt;</a:t>
             </a:fld>
           </a:p>
@@ -7489,7 +7284,7 @@
             <a:spLocks noGrp="1"/>
           </p:cNvSpPr>
           <p:nvPr>
-            <p:ph type="dt" idx="1"/>
+            <p:ph type="dt" idx="3"/>
           </p:nvPr>
         </p:nvSpPr>
         <p:spPr/>
@@ -7537,8 +7332,8 @@
         </p:nvSpPr>
         <p:spPr>
           <a:xfrm>
-            <a:off x="628560" y="365040"/>
-            <a:ext cx="7886520" cy="1325160"/>
+            <a:off x="457200" y="273600"/>
+            <a:ext cx="8229240" cy="1144800"/>
           </a:xfrm>
           <a:prstGeom prst="rect">
             <a:avLst/>
@@ -7553,14 +7348,14 @@
             <a:noAutofit/>
           </a:bodyPr>
           <a:p>
-            <a:pPr indent="0">
-              <a:buNone/>
-            </a:pPr>
-            <a:endParaRPr b="0" lang="en-US" sz="1800" spc="-1" strike="noStrike">
-              <a:solidFill>
-                <a:srgbClr val="000000"/>
-              </a:solidFill>
-              <a:latin typeface="Calibri"/>
+            <a:pPr indent="0" algn="ctr">
+              <a:buNone/>
+            </a:pPr>
+            <a:endParaRPr b="0" lang="en-US" sz="4400" spc="-1" strike="noStrike">
+              <a:solidFill>
+                <a:srgbClr val="000000"/>
+              </a:solidFill>
+              <a:latin typeface="Arial"/>
             </a:endParaRPr>
           </a:p>
         </p:txBody>
@@ -7577,8 +7372,8 @@
         </p:nvSpPr>
         <p:spPr>
           <a:xfrm>
-            <a:off x="628560" y="1825560"/>
-            <a:ext cx="3848400" cy="2075040"/>
+            <a:off x="457200" y="1604520"/>
+            <a:ext cx="4015800" cy="1896840"/>
           </a:xfrm>
           <a:prstGeom prst="rect">
             <a:avLst/>
@@ -7594,19 +7389,16 @@
           </a:bodyPr>
           <a:p>
             <a:pPr indent="0">
-              <a:lnSpc>
-                <a:spcPct val="90000"/>
-              </a:lnSpc>
               <a:spcBef>
                 <a:spcPts val="1417"/>
               </a:spcBef>
               <a:buNone/>
             </a:pPr>
-            <a:endParaRPr b="0" lang="en-US" sz="2800" spc="-1" strike="noStrike">
-              <a:solidFill>
-                <a:srgbClr val="000000"/>
-              </a:solidFill>
-              <a:latin typeface="Calibri"/>
+            <a:endParaRPr b="0" lang="en-US" sz="3200" spc="-1" strike="noStrike">
+              <a:solidFill>
+                <a:srgbClr val="000000"/>
+              </a:solidFill>
+              <a:latin typeface="Arial"/>
             </a:endParaRPr>
           </a:p>
         </p:txBody>
@@ -7623,8 +7415,8 @@
         </p:nvSpPr>
         <p:spPr>
           <a:xfrm>
-            <a:off x="4669920" y="1825560"/>
-            <a:ext cx="3848400" cy="2075040"/>
+            <a:off x="4674240" y="1604520"/>
+            <a:ext cx="4015800" cy="1896840"/>
           </a:xfrm>
           <a:prstGeom prst="rect">
             <a:avLst/>
@@ -7640,19 +7432,16 @@
           </a:bodyPr>
           <a:p>
             <a:pPr indent="0">
-              <a:lnSpc>
-                <a:spcPct val="90000"/>
-              </a:lnSpc>
               <a:spcBef>
                 <a:spcPts val="1417"/>
               </a:spcBef>
               <a:buNone/>
             </a:pPr>
-            <a:endParaRPr b="0" lang="en-US" sz="2800" spc="-1" strike="noStrike">
-              <a:solidFill>
-                <a:srgbClr val="000000"/>
-              </a:solidFill>
-              <a:latin typeface="Calibri"/>
+            <a:endParaRPr b="0" lang="en-US" sz="3200" spc="-1" strike="noStrike">
+              <a:solidFill>
+                <a:srgbClr val="000000"/>
+              </a:solidFill>
+              <a:latin typeface="Arial"/>
             </a:endParaRPr>
           </a:p>
         </p:txBody>
@@ -7669,8 +7458,8 @@
         </p:nvSpPr>
         <p:spPr>
           <a:xfrm>
-            <a:off x="628560" y="4098240"/>
-            <a:ext cx="7886520" cy="2075040"/>
+            <a:off x="457200" y="3682080"/>
+            <a:ext cx="8229240" cy="1896840"/>
           </a:xfrm>
           <a:prstGeom prst="rect">
             <a:avLst/>
@@ -7686,19 +7475,16 @@
           </a:bodyPr>
           <a:p>
             <a:pPr indent="0">
-              <a:lnSpc>
-                <a:spcPct val="90000"/>
-              </a:lnSpc>
               <a:spcBef>
                 <a:spcPts val="1417"/>
               </a:spcBef>
               <a:buNone/>
             </a:pPr>
-            <a:endParaRPr b="0" lang="en-US" sz="2800" spc="-1" strike="noStrike">
-              <a:solidFill>
-                <a:srgbClr val="000000"/>
-              </a:solidFill>
-              <a:latin typeface="Calibri"/>
+            <a:endParaRPr b="0" lang="en-US" sz="3200" spc="-1" strike="noStrike">
+              <a:solidFill>
+                <a:srgbClr val="000000"/>
+              </a:solidFill>
+              <a:latin typeface="Arial"/>
             </a:endParaRPr>
           </a:p>
         </p:txBody>
@@ -7710,7 +7496,7 @@
             <a:spLocks noGrp="1"/>
           </p:cNvSpPr>
           <p:nvPr>
-            <p:ph type="ftr" idx="2"/>
+            <p:ph type="ftr" idx="1"/>
           </p:nvPr>
         </p:nvSpPr>
         <p:spPr/>
@@ -7730,14 +7516,14 @@
             <a:spLocks noGrp="1"/>
           </p:cNvSpPr>
           <p:nvPr>
-            <p:ph type="sldNum" idx="3"/>
+            <p:ph type="sldNum" idx="2"/>
           </p:nvPr>
         </p:nvSpPr>
         <p:spPr/>
         <p:txBody>
           <a:bodyPr/>
           <a:p>
-            <a:fld id="{81673039-D56D-4DE8-BC95-BC08BF28B234}" type="slidenum">
+            <a:fld id="{163AB4F7-DF5C-4558-8D66-CBCAC44D5D80}" type="slidenum">
               <a:t>&lt;#&gt;</a:t>
             </a:fld>
           </a:p>
@@ -7750,7 +7536,7 @@
             <a:spLocks noGrp="1"/>
           </p:cNvSpPr>
           <p:nvPr>
-            <p:ph type="dt" idx="1"/>
+            <p:ph type="dt" idx="3"/>
           </p:nvPr>
         </p:nvSpPr>
         <p:spPr/>
@@ -7805,42 +7591,39 @@
         </p:nvSpPr>
         <p:spPr>
           <a:xfrm>
-            <a:off x="685800" y="1122480"/>
-            <a:ext cx="7772040" cy="2387160"/>
-          </a:xfrm>
-          <a:prstGeom prst="rect">
-            <a:avLst/>
-          </a:prstGeom>
-          <a:noFill/>
-          <a:ln w="0">
-            <a:noFill/>
-          </a:ln>
-        </p:spPr>
-        <p:txBody>
-          <a:bodyPr anchor="b">
+            <a:off x="628560" y="365040"/>
+            <a:ext cx="7886160" cy="1324800"/>
+          </a:xfrm>
+          <a:prstGeom prst="rect">
+            <a:avLst/>
+          </a:prstGeom>
+          <a:noFill/>
+          <a:ln w="0">
+            <a:noFill/>
+          </a:ln>
+        </p:spPr>
+        <p:txBody>
+          <a:bodyPr lIns="0" rIns="0" tIns="0" bIns="0" anchor="ctr">
             <a:noAutofit/>
           </a:bodyPr>
           <a:p>
-            <a:pPr indent="0" algn="ctr">
-              <a:lnSpc>
-                <a:spcPct val="90000"/>
-              </a:lnSpc>
+            <a:pPr indent="0">
               <a:buNone/>
             </a:pPr>
             <a:r>
-              <a:rPr b="0" lang="en-US" sz="6000" spc="-1" strike="noStrike">
+              <a:rPr b="0" lang="en-US" sz="1800" spc="-1" strike="noStrike">
                 <a:solidFill>
                   <a:srgbClr val="000000"/>
                 </a:solidFill>
-                <a:latin typeface="Calibri Light"/>
+                <a:latin typeface="Arial"/>
               </a:rPr>
-              <a:t>Click to edit Master title style</a:t>
+              <a:t>Format des Titeltextes durch Klicken bearbeiten</a:t>
             </a:r>
-            <a:endParaRPr b="0" lang="en-US" sz="6000" spc="-1" strike="noStrike">
-              <a:solidFill>
-                <a:srgbClr val="000000"/>
-              </a:solidFill>
-              <a:latin typeface="Calibri"/>
+            <a:endParaRPr b="0" lang="en-US" sz="1800" spc="-1" strike="noStrike">
+              <a:solidFill>
+                <a:srgbClr val="000000"/>
+              </a:solidFill>
+              <a:latin typeface="Arial"/>
             </a:endParaRPr>
           </a:p>
         </p:txBody>
@@ -7852,95 +7635,35 @@
             <a:spLocks noGrp="1"/>
           </p:cNvSpPr>
           <p:nvPr>
-            <p:ph type="dt" idx="1"/>
-          </p:nvPr>
-        </p:nvSpPr>
-        <p:spPr>
-          <a:xfrm>
-            <a:off x="628560" y="6356520"/>
-            <a:ext cx="2057040" cy="364680"/>
-          </a:xfrm>
-          <a:prstGeom prst="rect">
-            <a:avLst/>
-          </a:prstGeom>
-          <a:noFill/>
-          <a:ln w="0">
-            <a:noFill/>
-          </a:ln>
-        </p:spPr>
-        <p:txBody>
-          <a:bodyPr anchor="ctr">
+            <p:ph type="ftr" idx="1"/>
+          </p:nvPr>
+        </p:nvSpPr>
+        <p:spPr>
+          <a:xfrm>
+            <a:off x="3029040" y="6356520"/>
+            <a:ext cx="3085560" cy="364320"/>
+          </a:xfrm>
+          <a:prstGeom prst="rect">
+            <a:avLst/>
+          </a:prstGeom>
+          <a:noFill/>
+          <a:ln w="0">
+            <a:noFill/>
+          </a:ln>
+        </p:spPr>
+        <p:txBody>
+          <a:bodyPr lIns="90000" rIns="90000" tIns="45000" bIns="45000" anchor="ctr">
             <a:noAutofit/>
           </a:bodyPr>
           <a:lstStyle>
-            <a:lvl1pPr indent="0">
+            <a:lvl1pPr indent="0" algn="ctr">
               <a:lnSpc>
                 <a:spcPct val="100000"/>
               </a:lnSpc>
               <a:buNone/>
-              <a:defRPr b="0" lang="en-GB" sz="1200" spc="-1" strike="noStrike">
-                <a:solidFill>
-                  <a:srgbClr val="8b8b8b"/>
-                </a:solidFill>
-                <a:latin typeface="Calibri"/>
-              </a:defRPr>
-            </a:lvl1pPr>
-          </a:lstStyle>
-          <a:p>
-            <a:pPr indent="0">
-              <a:lnSpc>
-                <a:spcPct val="100000"/>
-              </a:lnSpc>
-              <a:buNone/>
-            </a:pPr>
-            <a:r>
-              <a:rPr b="0" lang="en-GB" sz="1200" spc="-1" strike="noStrike">
-                <a:solidFill>
-                  <a:srgbClr val="8b8b8b"/>
-                </a:solidFill>
-                <a:latin typeface="Calibri"/>
-              </a:rPr>
-              <a:t>&lt;Datum/Uhrzeit&gt;</a:t>
-            </a:r>
-            <a:endParaRPr b="0" lang="en-US" sz="1200" spc="-1" strike="noStrike">
-              <a:solidFill>
-                <a:srgbClr val="000000"/>
-              </a:solidFill>
-              <a:latin typeface="Times New Roman"/>
-            </a:endParaRPr>
-          </a:p>
-        </p:txBody>
-      </p:sp>
-      <p:sp>
-        <p:nvSpPr>
-          <p:cNvPr id="2" name="PlaceHolder 3"/>
-          <p:cNvSpPr>
-            <a:spLocks noGrp="1"/>
-          </p:cNvSpPr>
-          <p:nvPr>
-            <p:ph type="ftr" idx="2"/>
-          </p:nvPr>
-        </p:nvSpPr>
-        <p:spPr>
-          <a:xfrm>
-            <a:off x="3029040" y="6356520"/>
-            <a:ext cx="3085920" cy="364680"/>
-          </a:xfrm>
-          <a:prstGeom prst="rect">
-            <a:avLst/>
-          </a:prstGeom>
-          <a:noFill/>
-          <a:ln w="0">
-            <a:noFill/>
-          </a:ln>
-        </p:spPr>
-        <p:txBody>
-          <a:bodyPr anchor="ctr">
-            <a:noAutofit/>
-          </a:bodyPr>
-          <a:lstStyle>
-            <a:lvl1pPr indent="0" algn="ctr">
-              <a:buNone/>
+              <a:tabLst>
+                <a:tab algn="l" pos="0"/>
+              </a:tabLst>
               <a:defRPr b="0" lang="en-US" sz="1400" spc="-1" strike="noStrike">
                 <a:solidFill>
                   <a:srgbClr val="000000"/>
@@ -7951,7 +7674,13 @@
           </a:lstStyle>
           <a:p>
             <a:pPr indent="0" algn="ctr">
-              <a:buNone/>
+              <a:lnSpc>
+                <a:spcPct val="100000"/>
+              </a:lnSpc>
+              <a:buNone/>
+              <a:tabLst>
+                <a:tab algn="l" pos="0"/>
+              </a:tabLst>
             </a:pPr>
             <a:r>
               <a:rPr b="0" lang="en-US" sz="1400" spc="-1" strike="noStrike">
@@ -7973,29 +7702,29 @@
       </p:sp>
       <p:sp>
         <p:nvSpPr>
-          <p:cNvPr id="3" name="PlaceHolder 4"/>
-          <p:cNvSpPr>
-            <a:spLocks noGrp="1"/>
-          </p:cNvSpPr>
-          <p:nvPr>
-            <p:ph type="sldNum" idx="3"/>
+          <p:cNvPr id="2" name="PlaceHolder 3"/>
+          <p:cNvSpPr>
+            <a:spLocks noGrp="1"/>
+          </p:cNvSpPr>
+          <p:nvPr>
+            <p:ph type="sldNum" idx="2"/>
           </p:nvPr>
         </p:nvSpPr>
         <p:spPr>
           <a:xfrm>
             <a:off x="6458040" y="6356520"/>
-            <a:ext cx="2057040" cy="364680"/>
-          </a:xfrm>
-          <a:prstGeom prst="rect">
-            <a:avLst/>
-          </a:prstGeom>
-          <a:noFill/>
-          <a:ln w="0">
-            <a:noFill/>
-          </a:ln>
-        </p:spPr>
-        <p:txBody>
-          <a:bodyPr anchor="ctr">
+            <a:ext cx="2056680" cy="364320"/>
+          </a:xfrm>
+          <a:prstGeom prst="rect">
+            <a:avLst/>
+          </a:prstGeom>
+          <a:noFill/>
+          <a:ln w="0">
+            <a:noFill/>
+          </a:ln>
+        </p:spPr>
+        <p:txBody>
+          <a:bodyPr lIns="90000" rIns="90000" tIns="45000" bIns="45000" anchor="ctr">
             <a:noAutofit/>
           </a:bodyPr>
           <a:lstStyle>
@@ -8004,6 +7733,9 @@
                 <a:spcPct val="100000"/>
               </a:lnSpc>
               <a:buNone/>
+              <a:tabLst>
+                <a:tab algn="l" pos="0"/>
+              </a:tabLst>
               <a:defRPr b="0" lang="en-GB" sz="1200" spc="-1" strike="noStrike">
                 <a:solidFill>
                   <a:srgbClr val="8b8b8b"/>
@@ -8018,8 +7750,11 @@
                 <a:spcPct val="100000"/>
               </a:lnSpc>
               <a:buNone/>
-            </a:pPr>
-            <a:fld id="{807DB751-6B8F-4650-926A-ABAAAB55AB29}" type="slidenum">
+              <a:tabLst>
+                <a:tab algn="l" pos="0"/>
+              </a:tabLst>
+            </a:pPr>
+            <a:fld id="{F45C6296-7FB3-4D5C-9A67-C4BA2112A0EA}" type="slidenum">
               <a:rPr b="0" lang="en-GB" sz="1200" spc="-1" strike="noStrike">
                 <a:solidFill>
                   <a:srgbClr val="8b8b8b"/>
@@ -8039,6 +7774,66 @@
       </p:sp>
       <p:sp>
         <p:nvSpPr>
+          <p:cNvPr id="3" name="PlaceHolder 4"/>
+          <p:cNvSpPr>
+            <a:spLocks noGrp="1"/>
+          </p:cNvSpPr>
+          <p:nvPr>
+            <p:ph type="dt" idx="3"/>
+          </p:nvPr>
+        </p:nvSpPr>
+        <p:spPr>
+          <a:xfrm>
+            <a:off x="628560" y="6356520"/>
+            <a:ext cx="2056680" cy="364320"/>
+          </a:xfrm>
+          <a:prstGeom prst="rect">
+            <a:avLst/>
+          </a:prstGeom>
+          <a:noFill/>
+          <a:ln w="0">
+            <a:noFill/>
+          </a:ln>
+        </p:spPr>
+        <p:txBody>
+          <a:bodyPr lIns="90000" rIns="90000" tIns="45000" bIns="45000" anchor="ctr">
+            <a:noAutofit/>
+          </a:bodyPr>
+          <a:lstStyle>
+            <a:lvl1pPr indent="0">
+              <a:buNone/>
+              <a:defRPr b="0" lang="en-US" sz="1400" spc="-1" strike="noStrike">
+                <a:solidFill>
+                  <a:srgbClr val="000000"/>
+                </a:solidFill>
+                <a:latin typeface="Times New Roman"/>
+              </a:defRPr>
+            </a:lvl1pPr>
+          </a:lstStyle>
+          <a:p>
+            <a:pPr indent="0">
+              <a:buNone/>
+            </a:pPr>
+            <a:r>
+              <a:rPr b="0" lang="en-US" sz="1400" spc="-1" strike="noStrike">
+                <a:solidFill>
+                  <a:srgbClr val="000000"/>
+                </a:solidFill>
+                <a:latin typeface="Times New Roman"/>
+              </a:rPr>
+              <a:t>&lt;Datum/Uhrzeit&gt;</a:t>
+            </a:r>
+            <a:endParaRPr b="0" lang="en-US" sz="1400" spc="-1" strike="noStrike">
+              <a:solidFill>
+                <a:srgbClr val="000000"/>
+              </a:solidFill>
+              <a:latin typeface="Times New Roman"/>
+            </a:endParaRPr>
+          </a:p>
+        </p:txBody>
+      </p:sp>
+      <p:sp>
+        <p:nvSpPr>
           <p:cNvPr id="4" name="PlaceHolder 5"/>
           <p:cNvSpPr>
             <a:spLocks noGrp="1"/>
@@ -8066,9 +7861,6 @@
           </a:bodyPr>
           <a:p>
             <a:pPr marL="432000" indent="-324000">
-              <a:lnSpc>
-                <a:spcPct val="90000"/>
-              </a:lnSpc>
               <a:spcBef>
                 <a:spcPts val="1417"/>
               </a:spcBef>
@@ -8078,30 +7870,83 @@
               <a:buSzPct val="45000"/>
               <a:buFont typeface="Wingdings" charset="2"/>
               <a:buChar char=""/>
+            </a:pPr>
+            <a:r>
+              <a:rPr b="0" lang="en-US" sz="3200" spc="-1" strike="noStrike">
+                <a:solidFill>
+                  <a:srgbClr val="000000"/>
+                </a:solidFill>
+                <a:latin typeface="Arial"/>
+              </a:rPr>
+              <a:t>Format des Gliederungstextes durch Klicken bearbeiten</a:t>
+            </a:r>
+            <a:endParaRPr b="0" lang="en-US" sz="3200" spc="-1" strike="noStrike">
+              <a:solidFill>
+                <a:srgbClr val="000000"/>
+              </a:solidFill>
+              <a:latin typeface="Arial"/>
+            </a:endParaRPr>
+          </a:p>
+          <a:p>
+            <a:pPr lvl="1" marL="864000" indent="-324000">
+              <a:spcBef>
+                <a:spcPts val="1134"/>
+              </a:spcBef>
+              <a:buClr>
+                <a:srgbClr val="000000"/>
+              </a:buClr>
+              <a:buSzPct val="75000"/>
+              <a:buFont typeface="Symbol" charset="2"/>
+              <a:buChar char=""/>
             </a:pPr>
             <a:r>
               <a:rPr b="0" lang="en-US" sz="2800" spc="-1" strike="noStrike">
                 <a:solidFill>
                   <a:srgbClr val="000000"/>
                 </a:solidFill>
-                <a:latin typeface="Calibri"/>
+                <a:latin typeface="Arial"/>
               </a:rPr>
-              <a:t>Format des Gliederungstextes durch Klicken bearbeiten</a:t>
+              <a:t>Zweite Gliederungsebene</a:t>
             </a:r>
             <a:endParaRPr b="0" lang="en-US" sz="2800" spc="-1" strike="noStrike">
               <a:solidFill>
                 <a:srgbClr val="000000"/>
               </a:solidFill>
-              <a:latin typeface="Calibri"/>
-            </a:endParaRPr>
-          </a:p>
-          <a:p>
-            <a:pPr lvl="1" marL="864000" indent="-324000">
-              <a:lnSpc>
-                <a:spcPct val="90000"/>
-              </a:lnSpc>
+              <a:latin typeface="Arial"/>
+            </a:endParaRPr>
+          </a:p>
+          <a:p>
+            <a:pPr lvl="2" marL="1296000" indent="-288000">
               <a:spcBef>
-                <a:spcPts val="1134"/>
+                <a:spcPts val="850"/>
+              </a:spcBef>
+              <a:buClr>
+                <a:srgbClr val="000000"/>
+              </a:buClr>
+              <a:buSzPct val="45000"/>
+              <a:buFont typeface="Wingdings" charset="2"/>
+              <a:buChar char=""/>
+            </a:pPr>
+            <a:r>
+              <a:rPr b="0" lang="en-US" sz="2400" spc="-1" strike="noStrike">
+                <a:solidFill>
+                  <a:srgbClr val="000000"/>
+                </a:solidFill>
+                <a:latin typeface="Arial"/>
+              </a:rPr>
+              <a:t>Dritte Gliederungsebene</a:t>
+            </a:r>
+            <a:endParaRPr b="0" lang="en-US" sz="2400" spc="-1" strike="noStrike">
+              <a:solidFill>
+                <a:srgbClr val="000000"/>
+              </a:solidFill>
+              <a:latin typeface="Arial"/>
+            </a:endParaRPr>
+          </a:p>
+          <a:p>
+            <a:pPr lvl="3" marL="1728000" indent="-216000">
+              <a:spcBef>
+                <a:spcPts val="567"/>
               </a:spcBef>
               <a:buClr>
                 <a:srgbClr val="000000"/>
@@ -8115,84 +7960,19 @@
                 <a:solidFill>
                   <a:srgbClr val="000000"/>
                 </a:solidFill>
-                <a:latin typeface="Calibri"/>
-              </a:rPr>
-              <a:t>Zweite Gliederungsebene</a:t>
-            </a:r>
-            <a:endParaRPr b="0" lang="en-US" sz="2000" spc="-1" strike="noStrike">
-              <a:solidFill>
-                <a:srgbClr val="000000"/>
-              </a:solidFill>
-              <a:latin typeface="Calibri"/>
-            </a:endParaRPr>
-          </a:p>
-          <a:p>
-            <a:pPr lvl="2" marL="1296000" indent="-288000">
-              <a:lnSpc>
-                <a:spcPct val="90000"/>
-              </a:lnSpc>
-              <a:spcBef>
-                <a:spcPts val="850"/>
-              </a:spcBef>
-              <a:buClr>
-                <a:srgbClr val="000000"/>
-              </a:buClr>
-              <a:buSzPct val="45000"/>
-              <a:buFont typeface="Wingdings" charset="2"/>
-              <a:buChar char=""/>
-            </a:pPr>
-            <a:r>
-              <a:rPr b="0" lang="en-US" sz="1800" spc="-1" strike="noStrike">
-                <a:solidFill>
-                  <a:srgbClr val="000000"/>
-                </a:solidFill>
-                <a:latin typeface="Calibri"/>
-              </a:rPr>
-              <a:t>Dritte Gliederungsebene</a:t>
-            </a:r>
-            <a:endParaRPr b="0" lang="en-US" sz="1800" spc="-1" strike="noStrike">
-              <a:solidFill>
-                <a:srgbClr val="000000"/>
-              </a:solidFill>
-              <a:latin typeface="Calibri"/>
-            </a:endParaRPr>
-          </a:p>
-          <a:p>
-            <a:pPr lvl="3" marL="1728000" indent="-216000">
-              <a:lnSpc>
-                <a:spcPct val="90000"/>
-              </a:lnSpc>
-              <a:spcBef>
-                <a:spcPts val="567"/>
-              </a:spcBef>
-              <a:buClr>
-                <a:srgbClr val="000000"/>
-              </a:buClr>
-              <a:buSzPct val="75000"/>
-              <a:buFont typeface="Symbol" charset="2"/>
-              <a:buChar char=""/>
-            </a:pPr>
-            <a:r>
-              <a:rPr b="0" lang="en-US" sz="1800" spc="-1" strike="noStrike">
-                <a:solidFill>
-                  <a:srgbClr val="000000"/>
-                </a:solidFill>
-                <a:latin typeface="Calibri"/>
+                <a:latin typeface="Arial"/>
               </a:rPr>
               <a:t>Vierte Gliederungsebene</a:t>
             </a:r>
-            <a:endParaRPr b="0" lang="en-US" sz="1800" spc="-1" strike="noStrike">
-              <a:solidFill>
-                <a:srgbClr val="000000"/>
-              </a:solidFill>
-              <a:latin typeface="Calibri"/>
+            <a:endParaRPr b="0" lang="en-US" sz="2000" spc="-1" strike="noStrike">
+              <a:solidFill>
+                <a:srgbClr val="000000"/>
+              </a:solidFill>
+              <a:latin typeface="Arial"/>
             </a:endParaRPr>
           </a:p>
           <a:p>
             <a:pPr lvl="4" marL="2160000" indent="-216000">
-              <a:lnSpc>
-                <a:spcPct val="90000"/>
-              </a:lnSpc>
               <a:spcBef>
                 <a:spcPts val="283"/>
               </a:spcBef>
@@ -8208,7 +7988,7 @@
                 <a:solidFill>
                   <a:srgbClr val="000000"/>
                 </a:solidFill>
-                <a:latin typeface="Calibri"/>
+                <a:latin typeface="Arial"/>
               </a:rPr>
               <a:t>Fünfte Gliederungsebene</a:t>
             </a:r>
@@ -8216,14 +7996,11 @@
               <a:solidFill>
                 <a:srgbClr val="000000"/>
               </a:solidFill>
-              <a:latin typeface="Calibri"/>
+              <a:latin typeface="Arial"/>
             </a:endParaRPr>
           </a:p>
           <a:p>
             <a:pPr lvl="5" marL="2592000" indent="-216000">
-              <a:lnSpc>
-                <a:spcPct val="90000"/>
-              </a:lnSpc>
               <a:spcBef>
                 <a:spcPts val="283"/>
               </a:spcBef>
@@ -8239,7 +8016,7 @@
                 <a:solidFill>
                   <a:srgbClr val="000000"/>
                 </a:solidFill>
-                <a:latin typeface="Calibri"/>
+                <a:latin typeface="Arial"/>
               </a:rPr>
               <a:t>Sechste Gliederungsebene</a:t>
             </a:r>
@@ -8247,14 +8024,11 @@
               <a:solidFill>
                 <a:srgbClr val="000000"/>
               </a:solidFill>
-              <a:latin typeface="Calibri"/>
+              <a:latin typeface="Arial"/>
             </a:endParaRPr>
           </a:p>
           <a:p>
             <a:pPr lvl="6" marL="3024000" indent="-216000">
-              <a:lnSpc>
-                <a:spcPct val="90000"/>
-              </a:lnSpc>
               <a:spcBef>
                 <a:spcPts val="283"/>
               </a:spcBef>
@@ -8270,7 +8044,7 @@
                 <a:solidFill>
                   <a:srgbClr val="000000"/>
                 </a:solidFill>
-                <a:latin typeface="Calibri"/>
+                <a:latin typeface="Arial"/>
               </a:rPr>
               <a:t>Siebte Gliederungsebene</a:t>
             </a:r>
@@ -8278,7 +8052,7 @@
               <a:solidFill>
                 <a:srgbClr val="000000"/>
               </a:solidFill>
-              <a:latin typeface="Calibri"/>
+              <a:latin typeface="Arial"/>
             </a:endParaRPr>
           </a:p>
         </p:txBody>
@@ -8334,326 +8108,35 @@
             <a:spLocks noGrp="1"/>
           </p:cNvSpPr>
           <p:nvPr>
-            <p:ph type="title"/>
-          </p:nvPr>
-        </p:nvSpPr>
-        <p:spPr>
-          <a:xfrm>
-            <a:off x="628560" y="365040"/>
-            <a:ext cx="7886520" cy="1325160"/>
-          </a:xfrm>
-          <a:prstGeom prst="rect">
-            <a:avLst/>
-          </a:prstGeom>
-          <a:noFill/>
-          <a:ln w="0">
-            <a:noFill/>
-          </a:ln>
-        </p:spPr>
-        <p:txBody>
-          <a:bodyPr anchor="ctr">
+            <p:ph type="ftr" idx="4"/>
+          </p:nvPr>
+        </p:nvSpPr>
+        <p:spPr>
+          <a:xfrm>
+            <a:off x="3029040" y="6356520"/>
+            <a:ext cx="3085560" cy="364320"/>
+          </a:xfrm>
+          <a:prstGeom prst="rect">
+            <a:avLst/>
+          </a:prstGeom>
+          <a:noFill/>
+          <a:ln w="0">
+            <a:noFill/>
+          </a:ln>
+        </p:spPr>
+        <p:txBody>
+          <a:bodyPr lIns="90000" rIns="90000" tIns="45000" bIns="45000" anchor="ctr">
             <a:noAutofit/>
           </a:bodyPr>
-          <a:p>
-            <a:pPr indent="0">
-              <a:lnSpc>
-                <a:spcPct val="90000"/>
-              </a:lnSpc>
-              <a:buNone/>
-            </a:pPr>
-            <a:r>
-              <a:rPr b="0" lang="en-US" sz="4400" spc="-1" strike="noStrike">
-                <a:solidFill>
-                  <a:srgbClr val="000000"/>
-                </a:solidFill>
-                <a:latin typeface="Calibri Light"/>
-              </a:rPr>
-              <a:t>Click to edit Master title style</a:t>
-            </a:r>
-            <a:endParaRPr b="0" lang="en-US" sz="4400" spc="-1" strike="noStrike">
-              <a:solidFill>
-                <a:srgbClr val="000000"/>
-              </a:solidFill>
-              <a:latin typeface="Calibri"/>
-            </a:endParaRPr>
-          </a:p>
-        </p:txBody>
-      </p:sp>
-      <p:sp>
-        <p:nvSpPr>
-          <p:cNvPr id="42" name="PlaceHolder 2"/>
-          <p:cNvSpPr>
-            <a:spLocks noGrp="1"/>
-          </p:cNvSpPr>
-          <p:nvPr>
-            <p:ph type="body"/>
-          </p:nvPr>
-        </p:nvSpPr>
-        <p:spPr>
-          <a:xfrm>
-            <a:off x="628560" y="1825560"/>
-            <a:ext cx="7886520" cy="4350960"/>
-          </a:xfrm>
-          <a:prstGeom prst="rect">
-            <a:avLst/>
-          </a:prstGeom>
-          <a:noFill/>
-          <a:ln w="0">
-            <a:noFill/>
-          </a:ln>
-        </p:spPr>
-        <p:txBody>
-          <a:bodyPr anchor="t">
-            <a:noAutofit/>
-          </a:bodyPr>
-          <a:p>
-            <a:pPr marL="228600" indent="-228600">
-              <a:lnSpc>
-                <a:spcPct val="90000"/>
-              </a:lnSpc>
-              <a:spcBef>
-                <a:spcPts val="1001"/>
-              </a:spcBef>
-              <a:buClr>
-                <a:srgbClr val="000000"/>
-              </a:buClr>
-              <a:buFont typeface="Arial"/>
-              <a:buChar char="•"/>
-            </a:pPr>
-            <a:r>
-              <a:rPr b="0" lang="en-US" sz="2800" spc="-1" strike="noStrike">
-                <a:solidFill>
-                  <a:srgbClr val="000000"/>
-                </a:solidFill>
-                <a:latin typeface="Calibri"/>
-              </a:rPr>
-              <a:t>Click to edit Master text styles</a:t>
-            </a:r>
-            <a:endParaRPr b="0" lang="en-US" sz="2800" spc="-1" strike="noStrike">
-              <a:solidFill>
-                <a:srgbClr val="000000"/>
-              </a:solidFill>
-              <a:latin typeface="Calibri"/>
-            </a:endParaRPr>
-          </a:p>
-          <a:p>
-            <a:pPr lvl="1" marL="685800" indent="-228600">
-              <a:lnSpc>
-                <a:spcPct val="90000"/>
-              </a:lnSpc>
-              <a:spcBef>
-                <a:spcPts val="499"/>
-              </a:spcBef>
-              <a:buClr>
-                <a:srgbClr val="000000"/>
-              </a:buClr>
-              <a:buFont typeface="Arial"/>
-              <a:buChar char="•"/>
-            </a:pPr>
-            <a:r>
-              <a:rPr b="0" lang="en-US" sz="2400" spc="-1" strike="noStrike">
-                <a:solidFill>
-                  <a:srgbClr val="000000"/>
-                </a:solidFill>
-                <a:latin typeface="Calibri"/>
-              </a:rPr>
-              <a:t>Second level</a:t>
-            </a:r>
-            <a:endParaRPr b="0" lang="en-US" sz="2400" spc="-1" strike="noStrike">
-              <a:solidFill>
-                <a:srgbClr val="000000"/>
-              </a:solidFill>
-              <a:latin typeface="Calibri"/>
-            </a:endParaRPr>
-          </a:p>
-          <a:p>
-            <a:pPr lvl="2" marL="1143000" indent="-228600">
-              <a:lnSpc>
-                <a:spcPct val="90000"/>
-              </a:lnSpc>
-              <a:spcBef>
-                <a:spcPts val="499"/>
-              </a:spcBef>
-              <a:buClr>
-                <a:srgbClr val="000000"/>
-              </a:buClr>
-              <a:buFont typeface="Arial"/>
-              <a:buChar char="•"/>
-            </a:pPr>
-            <a:r>
-              <a:rPr b="0" lang="en-US" sz="2000" spc="-1" strike="noStrike">
-                <a:solidFill>
-                  <a:srgbClr val="000000"/>
-                </a:solidFill>
-                <a:latin typeface="Calibri"/>
-              </a:rPr>
-              <a:t>Third level</a:t>
-            </a:r>
-            <a:endParaRPr b="0" lang="en-US" sz="2000" spc="-1" strike="noStrike">
-              <a:solidFill>
-                <a:srgbClr val="000000"/>
-              </a:solidFill>
-              <a:latin typeface="Calibri"/>
-            </a:endParaRPr>
-          </a:p>
-          <a:p>
-            <a:pPr lvl="3" marL="1600200" indent="-228600">
-              <a:lnSpc>
-                <a:spcPct val="90000"/>
-              </a:lnSpc>
-              <a:spcBef>
-                <a:spcPts val="499"/>
-              </a:spcBef>
-              <a:buClr>
-                <a:srgbClr val="000000"/>
-              </a:buClr>
-              <a:buFont typeface="Arial"/>
-              <a:buChar char="•"/>
-            </a:pPr>
-            <a:r>
-              <a:rPr b="0" lang="en-US" sz="1800" spc="-1" strike="noStrike">
-                <a:solidFill>
-                  <a:srgbClr val="000000"/>
-                </a:solidFill>
-                <a:latin typeface="Calibri"/>
-              </a:rPr>
-              <a:t>Fourth level</a:t>
-            </a:r>
-            <a:endParaRPr b="0" lang="en-US" sz="1800" spc="-1" strike="noStrike">
-              <a:solidFill>
-                <a:srgbClr val="000000"/>
-              </a:solidFill>
-              <a:latin typeface="Calibri"/>
-            </a:endParaRPr>
-          </a:p>
-          <a:p>
-            <a:pPr lvl="4" marL="2057400" indent="-228600">
-              <a:lnSpc>
-                <a:spcPct val="90000"/>
-              </a:lnSpc>
-              <a:spcBef>
-                <a:spcPts val="499"/>
-              </a:spcBef>
-              <a:buClr>
-                <a:srgbClr val="000000"/>
-              </a:buClr>
-              <a:buFont typeface="Arial"/>
-              <a:buChar char="•"/>
-            </a:pPr>
-            <a:r>
-              <a:rPr b="0" lang="en-US" sz="1800" spc="-1" strike="noStrike">
-                <a:solidFill>
-                  <a:srgbClr val="000000"/>
-                </a:solidFill>
-                <a:latin typeface="Calibri"/>
-              </a:rPr>
-              <a:t>Fifth level</a:t>
-            </a:r>
-            <a:endParaRPr b="0" lang="en-US" sz="1800" spc="-1" strike="noStrike">
-              <a:solidFill>
-                <a:srgbClr val="000000"/>
-              </a:solidFill>
-              <a:latin typeface="Calibri"/>
-            </a:endParaRPr>
-          </a:p>
-        </p:txBody>
-      </p:sp>
-      <p:sp>
-        <p:nvSpPr>
-          <p:cNvPr id="43" name="PlaceHolder 3"/>
-          <p:cNvSpPr>
-            <a:spLocks noGrp="1"/>
-          </p:cNvSpPr>
-          <p:nvPr>
-            <p:ph type="dt" idx="4"/>
-          </p:nvPr>
-        </p:nvSpPr>
-        <p:spPr>
-          <a:xfrm>
-            <a:off x="628560" y="6356520"/>
-            <a:ext cx="2057040" cy="364680"/>
-          </a:xfrm>
-          <a:prstGeom prst="rect">
-            <a:avLst/>
-          </a:prstGeom>
-          <a:noFill/>
-          <a:ln w="0">
-            <a:noFill/>
-          </a:ln>
-        </p:spPr>
-        <p:txBody>
-          <a:bodyPr anchor="ctr">
-            <a:noAutofit/>
-          </a:bodyPr>
           <a:lstStyle>
-            <a:lvl1pPr indent="0">
+            <a:lvl1pPr indent="0" algn="ctr">
               <a:lnSpc>
                 <a:spcPct val="100000"/>
               </a:lnSpc>
               <a:buNone/>
-              <a:defRPr b="0" lang="en-GB" sz="1200" spc="-1" strike="noStrike">
-                <a:solidFill>
-                  <a:srgbClr val="8b8b8b"/>
-                </a:solidFill>
-                <a:latin typeface="Calibri"/>
-              </a:defRPr>
-            </a:lvl1pPr>
-          </a:lstStyle>
-          <a:p>
-            <a:pPr indent="0">
-              <a:lnSpc>
-                <a:spcPct val="100000"/>
-              </a:lnSpc>
-              <a:buNone/>
-            </a:pPr>
-            <a:r>
-              <a:rPr b="0" lang="en-GB" sz="1200" spc="-1" strike="noStrike">
-                <a:solidFill>
-                  <a:srgbClr val="8b8b8b"/>
-                </a:solidFill>
-                <a:latin typeface="Calibri"/>
-              </a:rPr>
-              <a:t>&lt;Datum/Uhrzeit&gt;</a:t>
-            </a:r>
-            <a:endParaRPr b="0" lang="en-US" sz="1200" spc="-1" strike="noStrike">
-              <a:solidFill>
-                <a:srgbClr val="000000"/>
-              </a:solidFill>
-              <a:latin typeface="Times New Roman"/>
-            </a:endParaRPr>
-          </a:p>
-        </p:txBody>
-      </p:sp>
-      <p:sp>
-        <p:nvSpPr>
-          <p:cNvPr id="44" name="PlaceHolder 4"/>
-          <p:cNvSpPr>
-            <a:spLocks noGrp="1"/>
-          </p:cNvSpPr>
-          <p:nvPr>
-            <p:ph type="ftr" idx="5"/>
-          </p:nvPr>
-        </p:nvSpPr>
-        <p:spPr>
-          <a:xfrm>
-            <a:off x="3029040" y="6356520"/>
-            <a:ext cx="3085920" cy="364680"/>
-          </a:xfrm>
-          <a:prstGeom prst="rect">
-            <a:avLst/>
-          </a:prstGeom>
-          <a:noFill/>
-          <a:ln w="0">
-            <a:noFill/>
-          </a:ln>
-        </p:spPr>
-        <p:txBody>
-          <a:bodyPr anchor="ctr">
-            <a:noAutofit/>
-          </a:bodyPr>
-          <a:lstStyle>
-            <a:lvl1pPr indent="0" algn="ctr">
-              <a:buNone/>
+              <a:tabLst>
+                <a:tab algn="l" pos="0"/>
+              </a:tabLst>
               <a:defRPr b="0" lang="en-US" sz="1400" spc="-1" strike="noStrike">
                 <a:solidFill>
                   <a:srgbClr val="000000"/>
@@ -8664,7 +8147,13 @@
           </a:lstStyle>
           <a:p>
             <a:pPr indent="0" algn="ctr">
-              <a:buNone/>
+              <a:lnSpc>
+                <a:spcPct val="100000"/>
+              </a:lnSpc>
+              <a:buNone/>
+              <a:tabLst>
+                <a:tab algn="l" pos="0"/>
+              </a:tabLst>
             </a:pPr>
             <a:r>
               <a:rPr b="0" lang="en-US" sz="1400" spc="-1" strike="noStrike">
@@ -8686,29 +8175,29 @@
       </p:sp>
       <p:sp>
         <p:nvSpPr>
-          <p:cNvPr id="45" name="PlaceHolder 5"/>
-          <p:cNvSpPr>
-            <a:spLocks noGrp="1"/>
-          </p:cNvSpPr>
-          <p:nvPr>
-            <p:ph type="sldNum" idx="6"/>
+          <p:cNvPr id="42" name="PlaceHolder 2"/>
+          <p:cNvSpPr>
+            <a:spLocks noGrp="1"/>
+          </p:cNvSpPr>
+          <p:nvPr>
+            <p:ph type="sldNum" idx="5"/>
           </p:nvPr>
         </p:nvSpPr>
         <p:spPr>
           <a:xfrm>
             <a:off x="6458040" y="6356520"/>
-            <a:ext cx="2057040" cy="364680"/>
-          </a:xfrm>
-          <a:prstGeom prst="rect">
-            <a:avLst/>
-          </a:prstGeom>
-          <a:noFill/>
-          <a:ln w="0">
-            <a:noFill/>
-          </a:ln>
-        </p:spPr>
-        <p:txBody>
-          <a:bodyPr anchor="ctr">
+            <a:ext cx="2056680" cy="364320"/>
+          </a:xfrm>
+          <a:prstGeom prst="rect">
+            <a:avLst/>
+          </a:prstGeom>
+          <a:noFill/>
+          <a:ln w="0">
+            <a:noFill/>
+          </a:ln>
+        </p:spPr>
+        <p:txBody>
+          <a:bodyPr lIns="90000" rIns="90000" tIns="45000" bIns="45000" anchor="ctr">
             <a:noAutofit/>
           </a:bodyPr>
           <a:lstStyle>
@@ -8717,6 +8206,9 @@
                 <a:spcPct val="100000"/>
               </a:lnSpc>
               <a:buNone/>
+              <a:tabLst>
+                <a:tab algn="l" pos="0"/>
+              </a:tabLst>
               <a:defRPr b="0" lang="en-GB" sz="1200" spc="-1" strike="noStrike">
                 <a:solidFill>
                   <a:srgbClr val="8b8b8b"/>
@@ -8731,8 +8223,11 @@
                 <a:spcPct val="100000"/>
               </a:lnSpc>
               <a:buNone/>
-            </a:pPr>
-            <a:fld id="{2D6D62EA-0A15-447B-9C61-12C1C769B150}" type="slidenum">
+              <a:tabLst>
+                <a:tab algn="l" pos="0"/>
+              </a:tabLst>
+            </a:pPr>
+            <a:fld id="{86CFC890-BEEC-4541-AEA6-3A5B874E8826}" type="slidenum">
               <a:rPr b="0" lang="en-GB" sz="1200" spc="-1" strike="noStrike">
                 <a:solidFill>
                   <a:srgbClr val="8b8b8b"/>
@@ -8746,6 +8241,340 @@
                 <a:srgbClr val="000000"/>
               </a:solidFill>
               <a:latin typeface="Times New Roman"/>
+            </a:endParaRPr>
+          </a:p>
+        </p:txBody>
+      </p:sp>
+      <p:sp>
+        <p:nvSpPr>
+          <p:cNvPr id="43" name="PlaceHolder 3"/>
+          <p:cNvSpPr>
+            <a:spLocks noGrp="1"/>
+          </p:cNvSpPr>
+          <p:nvPr>
+            <p:ph type="dt" idx="6"/>
+          </p:nvPr>
+        </p:nvSpPr>
+        <p:spPr>
+          <a:xfrm>
+            <a:off x="628560" y="6356520"/>
+            <a:ext cx="2056680" cy="364320"/>
+          </a:xfrm>
+          <a:prstGeom prst="rect">
+            <a:avLst/>
+          </a:prstGeom>
+          <a:noFill/>
+          <a:ln w="0">
+            <a:noFill/>
+          </a:ln>
+        </p:spPr>
+        <p:txBody>
+          <a:bodyPr lIns="90000" rIns="90000" tIns="45000" bIns="45000" anchor="ctr">
+            <a:noAutofit/>
+          </a:bodyPr>
+          <a:lstStyle>
+            <a:lvl1pPr indent="0">
+              <a:buNone/>
+              <a:defRPr b="0" lang="en-US" sz="1400" spc="-1" strike="noStrike">
+                <a:solidFill>
+                  <a:srgbClr val="000000"/>
+                </a:solidFill>
+                <a:latin typeface="Times New Roman"/>
+              </a:defRPr>
+            </a:lvl1pPr>
+          </a:lstStyle>
+          <a:p>
+            <a:pPr indent="0">
+              <a:buNone/>
+            </a:pPr>
+            <a:r>
+              <a:rPr b="0" lang="en-US" sz="1400" spc="-1" strike="noStrike">
+                <a:solidFill>
+                  <a:srgbClr val="000000"/>
+                </a:solidFill>
+                <a:latin typeface="Times New Roman"/>
+              </a:rPr>
+              <a:t>&lt;Datum/Uhrzeit&gt;</a:t>
+            </a:r>
+            <a:endParaRPr b="0" lang="en-US" sz="1400" spc="-1" strike="noStrike">
+              <a:solidFill>
+                <a:srgbClr val="000000"/>
+              </a:solidFill>
+              <a:latin typeface="Times New Roman"/>
+            </a:endParaRPr>
+          </a:p>
+        </p:txBody>
+      </p:sp>
+      <p:sp>
+        <p:nvSpPr>
+          <p:cNvPr id="44" name="PlaceHolder 4"/>
+          <p:cNvSpPr>
+            <a:spLocks noGrp="1"/>
+          </p:cNvSpPr>
+          <p:nvPr>
+            <p:ph type="title"/>
+          </p:nvPr>
+        </p:nvSpPr>
+        <p:spPr>
+          <a:xfrm>
+            <a:off x="457200" y="273600"/>
+            <a:ext cx="8229240" cy="1144800"/>
+          </a:xfrm>
+          <a:prstGeom prst="rect">
+            <a:avLst/>
+          </a:prstGeom>
+          <a:noFill/>
+          <a:ln w="0">
+            <a:noFill/>
+          </a:ln>
+        </p:spPr>
+        <p:txBody>
+          <a:bodyPr lIns="0" rIns="0" tIns="0" bIns="0" anchor="ctr">
+            <a:noAutofit/>
+          </a:bodyPr>
+          <a:p>
+            <a:pPr indent="0" algn="ctr">
+              <a:buNone/>
+            </a:pPr>
+            <a:r>
+              <a:rPr b="0" lang="en-US" sz="4400" spc="-1" strike="noStrike">
+                <a:solidFill>
+                  <a:srgbClr val="000000"/>
+                </a:solidFill>
+                <a:latin typeface="Arial"/>
+              </a:rPr>
+              <a:t>Format des Titeltextes durch Klicken bearbeiten</a:t>
+            </a:r>
+            <a:endParaRPr b="0" lang="en-US" sz="4400" spc="-1" strike="noStrike">
+              <a:solidFill>
+                <a:srgbClr val="000000"/>
+              </a:solidFill>
+              <a:latin typeface="Arial"/>
+            </a:endParaRPr>
+          </a:p>
+        </p:txBody>
+      </p:sp>
+      <p:sp>
+        <p:nvSpPr>
+          <p:cNvPr id="45" name="PlaceHolder 5"/>
+          <p:cNvSpPr>
+            <a:spLocks noGrp="1"/>
+          </p:cNvSpPr>
+          <p:nvPr>
+            <p:ph type="body"/>
+          </p:nvPr>
+        </p:nvSpPr>
+        <p:spPr>
+          <a:xfrm>
+            <a:off x="457200" y="1604520"/>
+            <a:ext cx="8229240" cy="3977280"/>
+          </a:xfrm>
+          <a:prstGeom prst="rect">
+            <a:avLst/>
+          </a:prstGeom>
+          <a:noFill/>
+          <a:ln w="0">
+            <a:noFill/>
+          </a:ln>
+        </p:spPr>
+        <p:txBody>
+          <a:bodyPr lIns="0" rIns="0" tIns="0" bIns="0" anchor="t">
+            <a:normAutofit/>
+          </a:bodyPr>
+          <a:p>
+            <a:pPr marL="432000" indent="-324000">
+              <a:spcBef>
+                <a:spcPts val="1417"/>
+              </a:spcBef>
+              <a:buClr>
+                <a:srgbClr val="000000"/>
+              </a:buClr>
+              <a:buSzPct val="45000"/>
+              <a:buFont typeface="Wingdings" charset="2"/>
+              <a:buChar char=""/>
+            </a:pPr>
+            <a:r>
+              <a:rPr b="0" lang="en-US" sz="3200" spc="-1" strike="noStrike">
+                <a:solidFill>
+                  <a:srgbClr val="000000"/>
+                </a:solidFill>
+                <a:latin typeface="Arial"/>
+              </a:rPr>
+              <a:t>Format des Gliederungstextes durch Klicken bearbeiten</a:t>
+            </a:r>
+            <a:endParaRPr b="0" lang="en-US" sz="3200" spc="-1" strike="noStrike">
+              <a:solidFill>
+                <a:srgbClr val="000000"/>
+              </a:solidFill>
+              <a:latin typeface="Arial"/>
+            </a:endParaRPr>
+          </a:p>
+          <a:p>
+            <a:pPr lvl="1" marL="864000" indent="-324000">
+              <a:spcBef>
+                <a:spcPts val="1134"/>
+              </a:spcBef>
+              <a:buClr>
+                <a:srgbClr val="000000"/>
+              </a:buClr>
+              <a:buSzPct val="75000"/>
+              <a:buFont typeface="Symbol" charset="2"/>
+              <a:buChar char=""/>
+            </a:pPr>
+            <a:r>
+              <a:rPr b="0" lang="en-US" sz="2800" spc="-1" strike="noStrike">
+                <a:solidFill>
+                  <a:srgbClr val="000000"/>
+                </a:solidFill>
+                <a:latin typeface="Arial"/>
+              </a:rPr>
+              <a:t>Zweite Gliederungsebene</a:t>
+            </a:r>
+            <a:endParaRPr b="0" lang="en-US" sz="2800" spc="-1" strike="noStrike">
+              <a:solidFill>
+                <a:srgbClr val="000000"/>
+              </a:solidFill>
+              <a:latin typeface="Arial"/>
+            </a:endParaRPr>
+          </a:p>
+          <a:p>
+            <a:pPr lvl="2" marL="1296000" indent="-288000">
+              <a:spcBef>
+                <a:spcPts val="850"/>
+              </a:spcBef>
+              <a:buClr>
+                <a:srgbClr val="000000"/>
+              </a:buClr>
+              <a:buSzPct val="45000"/>
+              <a:buFont typeface="Wingdings" charset="2"/>
+              <a:buChar char=""/>
+            </a:pPr>
+            <a:r>
+              <a:rPr b="0" lang="en-US" sz="2400" spc="-1" strike="noStrike">
+                <a:solidFill>
+                  <a:srgbClr val="000000"/>
+                </a:solidFill>
+                <a:latin typeface="Arial"/>
+              </a:rPr>
+              <a:t>Dritte Gliederungsebene</a:t>
+            </a:r>
+            <a:endParaRPr b="0" lang="en-US" sz="2400" spc="-1" strike="noStrike">
+              <a:solidFill>
+                <a:srgbClr val="000000"/>
+              </a:solidFill>
+              <a:latin typeface="Arial"/>
+            </a:endParaRPr>
+          </a:p>
+          <a:p>
+            <a:pPr lvl="3" marL="1728000" indent="-216000">
+              <a:spcBef>
+                <a:spcPts val="567"/>
+              </a:spcBef>
+              <a:buClr>
+                <a:srgbClr val="000000"/>
+              </a:buClr>
+              <a:buSzPct val="75000"/>
+              <a:buFont typeface="Symbol" charset="2"/>
+              <a:buChar char=""/>
+            </a:pPr>
+            <a:r>
+              <a:rPr b="0" lang="en-US" sz="2000" spc="-1" strike="noStrike">
+                <a:solidFill>
+                  <a:srgbClr val="000000"/>
+                </a:solidFill>
+                <a:latin typeface="Arial"/>
+              </a:rPr>
+              <a:t>Vierte Gliederungsebene</a:t>
+            </a:r>
+            <a:endParaRPr b="0" lang="en-US" sz="2000" spc="-1" strike="noStrike">
+              <a:solidFill>
+                <a:srgbClr val="000000"/>
+              </a:solidFill>
+              <a:latin typeface="Arial"/>
+            </a:endParaRPr>
+          </a:p>
+          <a:p>
+            <a:pPr lvl="4" marL="2160000" indent="-216000">
+              <a:spcBef>
+                <a:spcPts val="283"/>
+              </a:spcBef>
+              <a:buClr>
+                <a:srgbClr val="000000"/>
+              </a:buClr>
+              <a:buSzPct val="45000"/>
+              <a:buFont typeface="Wingdings" charset="2"/>
+              <a:buChar char=""/>
+            </a:pPr>
+            <a:r>
+              <a:rPr b="0" lang="en-US" sz="2000" spc="-1" strike="noStrike">
+                <a:solidFill>
+                  <a:srgbClr val="000000"/>
+                </a:solidFill>
+                <a:latin typeface="Arial"/>
+              </a:rPr>
+              <a:t>Fünfte Gliederungsebene</a:t>
+            </a:r>
+            <a:endParaRPr b="0" lang="en-US" sz="2000" spc="-1" strike="noStrike">
+              <a:solidFill>
+                <a:srgbClr val="000000"/>
+              </a:solidFill>
+              <a:latin typeface="Arial"/>
+            </a:endParaRPr>
+          </a:p>
+          <a:p>
+            <a:pPr lvl="5" marL="2592000" indent="-216000">
+              <a:spcBef>
+                <a:spcPts val="283"/>
+              </a:spcBef>
+              <a:buClr>
+                <a:srgbClr val="000000"/>
+              </a:buClr>
+              <a:buSzPct val="45000"/>
+              <a:buFont typeface="Wingdings" charset="2"/>
+              <a:buChar char=""/>
+            </a:pPr>
+            <a:r>
+              <a:rPr b="0" lang="en-US" sz="2000" spc="-1" strike="noStrike">
+                <a:solidFill>
+                  <a:srgbClr val="000000"/>
+                </a:solidFill>
+                <a:latin typeface="Arial"/>
+              </a:rPr>
+              <a:t>Sechste Gliederungsebene</a:t>
+            </a:r>
+            <a:endParaRPr b="0" lang="en-US" sz="2000" spc="-1" strike="noStrike">
+              <a:solidFill>
+                <a:srgbClr val="000000"/>
+              </a:solidFill>
+              <a:latin typeface="Arial"/>
+            </a:endParaRPr>
+          </a:p>
+          <a:p>
+            <a:pPr lvl="6" marL="3024000" indent="-216000">
+              <a:spcBef>
+                <a:spcPts val="283"/>
+              </a:spcBef>
+              <a:buClr>
+                <a:srgbClr val="000000"/>
+              </a:buClr>
+              <a:buSzPct val="45000"/>
+              <a:buFont typeface="Wingdings" charset="2"/>
+              <a:buChar char=""/>
+            </a:pPr>
+            <a:r>
+              <a:rPr b="0" lang="en-US" sz="2000" spc="-1" strike="noStrike">
+                <a:solidFill>
+                  <a:srgbClr val="000000"/>
+                </a:solidFill>
+                <a:latin typeface="Arial"/>
+              </a:rPr>
+              <a:t>Siebte Gliederungsebene</a:t>
+            </a:r>
+            <a:endParaRPr b="0" lang="en-US" sz="2000" spc="-1" strike="noStrike">
+              <a:solidFill>
+                <a:srgbClr val="000000"/>
+              </a:solidFill>
+              <a:latin typeface="Arial"/>
             </a:endParaRPr>
           </a:p>
         </p:txBody>
@@ -8807,41 +8636,38 @@
         <p:spPr>
           <a:xfrm>
             <a:off x="628560" y="365040"/>
-            <a:ext cx="7886520" cy="1325160"/>
-          </a:xfrm>
-          <a:prstGeom prst="rect">
-            <a:avLst/>
-          </a:prstGeom>
-          <a:noFill/>
-          <a:ln w="0">
-            <a:noFill/>
-          </a:ln>
-        </p:spPr>
-        <p:txBody>
-          <a:bodyPr anchor="ctr">
+            <a:ext cx="7886160" cy="1324800"/>
+          </a:xfrm>
+          <a:prstGeom prst="rect">
+            <a:avLst/>
+          </a:prstGeom>
+          <a:noFill/>
+          <a:ln w="0">
+            <a:noFill/>
+          </a:ln>
+        </p:spPr>
+        <p:txBody>
+          <a:bodyPr lIns="0" rIns="0" tIns="0" bIns="0" anchor="ctr">
             <a:noAutofit/>
           </a:bodyPr>
           <a:p>
             <a:pPr indent="0">
-              <a:lnSpc>
-                <a:spcPct val="90000"/>
-              </a:lnSpc>
               <a:buNone/>
             </a:pPr>
             <a:r>
-              <a:rPr b="0" lang="en-US" sz="4400" spc="-1" strike="noStrike">
+              <a:rPr b="0" lang="en-US" sz="1800" spc="-1" strike="noStrike">
                 <a:solidFill>
                   <a:srgbClr val="000000"/>
                 </a:solidFill>
-                <a:latin typeface="Calibri Light"/>
+                <a:latin typeface="Arial"/>
               </a:rPr>
-              <a:t>Click to edit Master title style</a:t>
+              <a:t>Format des Titeltextes durch Klicken bearbeiten</a:t>
             </a:r>
-            <a:endParaRPr b="0" lang="en-US" sz="4400" spc="-1" strike="noStrike">
-              <a:solidFill>
-                <a:srgbClr val="000000"/>
-              </a:solidFill>
-              <a:latin typeface="Calibri"/>
+            <a:endParaRPr b="0" lang="en-US" sz="1800" spc="-1" strike="noStrike">
+              <a:solidFill>
+                <a:srgbClr val="000000"/>
+              </a:solidFill>
+              <a:latin typeface="Arial"/>
             </a:endParaRPr>
           </a:p>
         </p:txBody>
@@ -8853,95 +8679,35 @@
             <a:spLocks noGrp="1"/>
           </p:cNvSpPr>
           <p:nvPr>
-            <p:ph type="dt" idx="7"/>
-          </p:nvPr>
-        </p:nvSpPr>
-        <p:spPr>
-          <a:xfrm>
-            <a:off x="628560" y="6356520"/>
-            <a:ext cx="2057040" cy="364680"/>
-          </a:xfrm>
-          <a:prstGeom prst="rect">
-            <a:avLst/>
-          </a:prstGeom>
-          <a:noFill/>
-          <a:ln w="0">
-            <a:noFill/>
-          </a:ln>
-        </p:spPr>
-        <p:txBody>
-          <a:bodyPr anchor="ctr">
+            <p:ph type="ftr" idx="7"/>
+          </p:nvPr>
+        </p:nvSpPr>
+        <p:spPr>
+          <a:xfrm>
+            <a:off x="3029040" y="6356520"/>
+            <a:ext cx="3085560" cy="364320"/>
+          </a:xfrm>
+          <a:prstGeom prst="rect">
+            <a:avLst/>
+          </a:prstGeom>
+          <a:noFill/>
+          <a:ln w="0">
+            <a:noFill/>
+          </a:ln>
+        </p:spPr>
+        <p:txBody>
+          <a:bodyPr lIns="90000" rIns="90000" tIns="45000" bIns="45000" anchor="ctr">
             <a:noAutofit/>
           </a:bodyPr>
           <a:lstStyle>
-            <a:lvl1pPr indent="0">
+            <a:lvl1pPr indent="0" algn="ctr">
               <a:lnSpc>
                 <a:spcPct val="100000"/>
               </a:lnSpc>
               <a:buNone/>
-              <a:defRPr b="0" lang="en-GB" sz="1200" spc="-1" strike="noStrike">
-                <a:solidFill>
-                  <a:srgbClr val="8b8b8b"/>
-                </a:solidFill>
-                <a:latin typeface="Calibri"/>
-              </a:defRPr>
-            </a:lvl1pPr>
-          </a:lstStyle>
-          <a:p>
-            <a:pPr indent="0">
-              <a:lnSpc>
-                <a:spcPct val="100000"/>
-              </a:lnSpc>
-              <a:buNone/>
-            </a:pPr>
-            <a:r>
-              <a:rPr b="0" lang="en-GB" sz="1200" spc="-1" strike="noStrike">
-                <a:solidFill>
-                  <a:srgbClr val="8b8b8b"/>
-                </a:solidFill>
-                <a:latin typeface="Calibri"/>
-              </a:rPr>
-              <a:t>&lt;Datum/Uhrzeit&gt;</a:t>
-            </a:r>
-            <a:endParaRPr b="0" lang="en-US" sz="1200" spc="-1" strike="noStrike">
-              <a:solidFill>
-                <a:srgbClr val="000000"/>
-              </a:solidFill>
-              <a:latin typeface="Times New Roman"/>
-            </a:endParaRPr>
-          </a:p>
-        </p:txBody>
-      </p:sp>
-      <p:sp>
-        <p:nvSpPr>
-          <p:cNvPr id="84" name="PlaceHolder 3"/>
-          <p:cNvSpPr>
-            <a:spLocks noGrp="1"/>
-          </p:cNvSpPr>
-          <p:nvPr>
-            <p:ph type="ftr" idx="8"/>
-          </p:nvPr>
-        </p:nvSpPr>
-        <p:spPr>
-          <a:xfrm>
-            <a:off x="3029040" y="6356520"/>
-            <a:ext cx="3085920" cy="364680"/>
-          </a:xfrm>
-          <a:prstGeom prst="rect">
-            <a:avLst/>
-          </a:prstGeom>
-          <a:noFill/>
-          <a:ln w="0">
-            <a:noFill/>
-          </a:ln>
-        </p:spPr>
-        <p:txBody>
-          <a:bodyPr anchor="ctr">
-            <a:noAutofit/>
-          </a:bodyPr>
-          <a:lstStyle>
-            <a:lvl1pPr indent="0" algn="ctr">
-              <a:buNone/>
+              <a:tabLst>
+                <a:tab algn="l" pos="0"/>
+              </a:tabLst>
               <a:defRPr b="0" lang="en-US" sz="1400" spc="-1" strike="noStrike">
                 <a:solidFill>
                   <a:srgbClr val="000000"/>
@@ -8952,7 +8718,13 @@
           </a:lstStyle>
           <a:p>
             <a:pPr indent="0" algn="ctr">
-              <a:buNone/>
+              <a:lnSpc>
+                <a:spcPct val="100000"/>
+              </a:lnSpc>
+              <a:buNone/>
+              <a:tabLst>
+                <a:tab algn="l" pos="0"/>
+              </a:tabLst>
             </a:pPr>
             <a:r>
               <a:rPr b="0" lang="en-US" sz="1400" spc="-1" strike="noStrike">
@@ -8974,29 +8746,29 @@
       </p:sp>
       <p:sp>
         <p:nvSpPr>
-          <p:cNvPr id="85" name="PlaceHolder 4"/>
-          <p:cNvSpPr>
-            <a:spLocks noGrp="1"/>
-          </p:cNvSpPr>
-          <p:nvPr>
-            <p:ph type="sldNum" idx="9"/>
+          <p:cNvPr id="84" name="PlaceHolder 3"/>
+          <p:cNvSpPr>
+            <a:spLocks noGrp="1"/>
+          </p:cNvSpPr>
+          <p:nvPr>
+            <p:ph type="sldNum" idx="8"/>
           </p:nvPr>
         </p:nvSpPr>
         <p:spPr>
           <a:xfrm>
             <a:off x="6458040" y="6356520"/>
-            <a:ext cx="2057040" cy="364680"/>
-          </a:xfrm>
-          <a:prstGeom prst="rect">
-            <a:avLst/>
-          </a:prstGeom>
-          <a:noFill/>
-          <a:ln w="0">
-            <a:noFill/>
-          </a:ln>
-        </p:spPr>
-        <p:txBody>
-          <a:bodyPr anchor="ctr">
+            <a:ext cx="2056680" cy="364320"/>
+          </a:xfrm>
+          <a:prstGeom prst="rect">
+            <a:avLst/>
+          </a:prstGeom>
+          <a:noFill/>
+          <a:ln w="0">
+            <a:noFill/>
+          </a:ln>
+        </p:spPr>
+        <p:txBody>
+          <a:bodyPr lIns="90000" rIns="90000" tIns="45000" bIns="45000" anchor="ctr">
             <a:noAutofit/>
           </a:bodyPr>
           <a:lstStyle>
@@ -9005,6 +8777,9 @@
                 <a:spcPct val="100000"/>
               </a:lnSpc>
               <a:buNone/>
+              <a:tabLst>
+                <a:tab algn="l" pos="0"/>
+              </a:tabLst>
               <a:defRPr b="0" lang="en-GB" sz="1200" spc="-1" strike="noStrike">
                 <a:solidFill>
                   <a:srgbClr val="8b8b8b"/>
@@ -9019,8 +8794,11 @@
                 <a:spcPct val="100000"/>
               </a:lnSpc>
               <a:buNone/>
-            </a:pPr>
-            <a:fld id="{EF4E5F42-5590-4F0B-B7D4-EA6404881169}" type="slidenum">
+              <a:tabLst>
+                <a:tab algn="l" pos="0"/>
+              </a:tabLst>
+            </a:pPr>
+            <a:fld id="{E898D9FB-A8FC-4A2D-BA84-74ACFD20FEEB}" type="slidenum">
               <a:rPr b="0" lang="en-GB" sz="1200" spc="-1" strike="noStrike">
                 <a:solidFill>
                   <a:srgbClr val="8b8b8b"/>
@@ -9040,6 +8818,66 @@
       </p:sp>
       <p:sp>
         <p:nvSpPr>
+          <p:cNvPr id="85" name="PlaceHolder 4"/>
+          <p:cNvSpPr>
+            <a:spLocks noGrp="1"/>
+          </p:cNvSpPr>
+          <p:nvPr>
+            <p:ph type="dt" idx="9"/>
+          </p:nvPr>
+        </p:nvSpPr>
+        <p:spPr>
+          <a:xfrm>
+            <a:off x="628560" y="6356520"/>
+            <a:ext cx="2056680" cy="364320"/>
+          </a:xfrm>
+          <a:prstGeom prst="rect">
+            <a:avLst/>
+          </a:prstGeom>
+          <a:noFill/>
+          <a:ln w="0">
+            <a:noFill/>
+          </a:ln>
+        </p:spPr>
+        <p:txBody>
+          <a:bodyPr lIns="90000" rIns="90000" tIns="45000" bIns="45000" anchor="ctr">
+            <a:noAutofit/>
+          </a:bodyPr>
+          <a:lstStyle>
+            <a:lvl1pPr indent="0">
+              <a:buNone/>
+              <a:defRPr b="0" lang="en-US" sz="1400" spc="-1" strike="noStrike">
+                <a:solidFill>
+                  <a:srgbClr val="000000"/>
+                </a:solidFill>
+                <a:latin typeface="Times New Roman"/>
+              </a:defRPr>
+            </a:lvl1pPr>
+          </a:lstStyle>
+          <a:p>
+            <a:pPr indent="0">
+              <a:buNone/>
+            </a:pPr>
+            <a:r>
+              <a:rPr b="0" lang="en-US" sz="1400" spc="-1" strike="noStrike">
+                <a:solidFill>
+                  <a:srgbClr val="000000"/>
+                </a:solidFill>
+                <a:latin typeface="Times New Roman"/>
+              </a:rPr>
+              <a:t>&lt;Datum/Uhrzeit&gt;</a:t>
+            </a:r>
+            <a:endParaRPr b="0" lang="en-US" sz="1400" spc="-1" strike="noStrike">
+              <a:solidFill>
+                <a:srgbClr val="000000"/>
+              </a:solidFill>
+              <a:latin typeface="Times New Roman"/>
+            </a:endParaRPr>
+          </a:p>
+        </p:txBody>
+      </p:sp>
+      <p:sp>
+        <p:nvSpPr>
           <p:cNvPr id="86" name="PlaceHolder 5"/>
           <p:cNvSpPr>
             <a:spLocks noGrp="1"/>
@@ -9067,9 +8905,6 @@
           </a:bodyPr>
           <a:p>
             <a:pPr marL="432000" indent="-324000">
-              <a:lnSpc>
-                <a:spcPct val="90000"/>
-              </a:lnSpc>
               <a:spcBef>
                 <a:spcPts val="1417"/>
               </a:spcBef>
@@ -9079,30 +8914,83 @@
               <a:buSzPct val="45000"/>
               <a:buFont typeface="Wingdings" charset="2"/>
               <a:buChar char=""/>
+            </a:pPr>
+            <a:r>
+              <a:rPr b="0" lang="en-US" sz="3200" spc="-1" strike="noStrike">
+                <a:solidFill>
+                  <a:srgbClr val="000000"/>
+                </a:solidFill>
+                <a:latin typeface="Arial"/>
+              </a:rPr>
+              <a:t>Format des Gliederungstextes durch Klicken bearbeiten</a:t>
+            </a:r>
+            <a:endParaRPr b="0" lang="en-US" sz="3200" spc="-1" strike="noStrike">
+              <a:solidFill>
+                <a:srgbClr val="000000"/>
+              </a:solidFill>
+              <a:latin typeface="Arial"/>
+            </a:endParaRPr>
+          </a:p>
+          <a:p>
+            <a:pPr lvl="1" marL="864000" indent="-324000">
+              <a:spcBef>
+                <a:spcPts val="1134"/>
+              </a:spcBef>
+              <a:buClr>
+                <a:srgbClr val="000000"/>
+              </a:buClr>
+              <a:buSzPct val="75000"/>
+              <a:buFont typeface="Symbol" charset="2"/>
+              <a:buChar char=""/>
             </a:pPr>
             <a:r>
               <a:rPr b="0" lang="en-US" sz="2800" spc="-1" strike="noStrike">
                 <a:solidFill>
                   <a:srgbClr val="000000"/>
                 </a:solidFill>
-                <a:latin typeface="Calibri"/>
+                <a:latin typeface="Arial"/>
               </a:rPr>
-              <a:t>Format des Gliederungstextes durch Klicken bearbeiten</a:t>
+              <a:t>Zweite Gliederungsebene</a:t>
             </a:r>
             <a:endParaRPr b="0" lang="en-US" sz="2800" spc="-1" strike="noStrike">
               <a:solidFill>
                 <a:srgbClr val="000000"/>
               </a:solidFill>
-              <a:latin typeface="Calibri"/>
-            </a:endParaRPr>
-          </a:p>
-          <a:p>
-            <a:pPr lvl="1" marL="864000" indent="-324000">
-              <a:lnSpc>
-                <a:spcPct val="90000"/>
-              </a:lnSpc>
+              <a:latin typeface="Arial"/>
+            </a:endParaRPr>
+          </a:p>
+          <a:p>
+            <a:pPr lvl="2" marL="1296000" indent="-288000">
               <a:spcBef>
-                <a:spcPts val="1134"/>
+                <a:spcPts val="850"/>
+              </a:spcBef>
+              <a:buClr>
+                <a:srgbClr val="000000"/>
+              </a:buClr>
+              <a:buSzPct val="45000"/>
+              <a:buFont typeface="Wingdings" charset="2"/>
+              <a:buChar char=""/>
+            </a:pPr>
+            <a:r>
+              <a:rPr b="0" lang="en-US" sz="2400" spc="-1" strike="noStrike">
+                <a:solidFill>
+                  <a:srgbClr val="000000"/>
+                </a:solidFill>
+                <a:latin typeface="Arial"/>
+              </a:rPr>
+              <a:t>Dritte Gliederungsebene</a:t>
+            </a:r>
+            <a:endParaRPr b="0" lang="en-US" sz="2400" spc="-1" strike="noStrike">
+              <a:solidFill>
+                <a:srgbClr val="000000"/>
+              </a:solidFill>
+              <a:latin typeface="Arial"/>
+            </a:endParaRPr>
+          </a:p>
+          <a:p>
+            <a:pPr lvl="3" marL="1728000" indent="-216000">
+              <a:spcBef>
+                <a:spcPts val="567"/>
               </a:spcBef>
               <a:buClr>
                 <a:srgbClr val="000000"/>
@@ -9116,84 +9004,19 @@
                 <a:solidFill>
                   <a:srgbClr val="000000"/>
                 </a:solidFill>
-                <a:latin typeface="Calibri"/>
-              </a:rPr>
-              <a:t>Zweite Gliederungsebene</a:t>
-            </a:r>
-            <a:endParaRPr b="0" lang="en-US" sz="2000" spc="-1" strike="noStrike">
-              <a:solidFill>
-                <a:srgbClr val="000000"/>
-              </a:solidFill>
-              <a:latin typeface="Calibri"/>
-            </a:endParaRPr>
-          </a:p>
-          <a:p>
-            <a:pPr lvl="2" marL="1296000" indent="-288000">
-              <a:lnSpc>
-                <a:spcPct val="90000"/>
-              </a:lnSpc>
-              <a:spcBef>
-                <a:spcPts val="850"/>
-              </a:spcBef>
-              <a:buClr>
-                <a:srgbClr val="000000"/>
-              </a:buClr>
-              <a:buSzPct val="45000"/>
-              <a:buFont typeface="Wingdings" charset="2"/>
-              <a:buChar char=""/>
-            </a:pPr>
-            <a:r>
-              <a:rPr b="0" lang="en-US" sz="1800" spc="-1" strike="noStrike">
-                <a:solidFill>
-                  <a:srgbClr val="000000"/>
-                </a:solidFill>
-                <a:latin typeface="Calibri"/>
-              </a:rPr>
-              <a:t>Dritte Gliederungsebene</a:t>
-            </a:r>
-            <a:endParaRPr b="0" lang="en-US" sz="1800" spc="-1" strike="noStrike">
-              <a:solidFill>
-                <a:srgbClr val="000000"/>
-              </a:solidFill>
-              <a:latin typeface="Calibri"/>
-            </a:endParaRPr>
-          </a:p>
-          <a:p>
-            <a:pPr lvl="3" marL="1728000" indent="-216000">
-              <a:lnSpc>
-                <a:spcPct val="90000"/>
-              </a:lnSpc>
-              <a:spcBef>
-                <a:spcPts val="567"/>
-              </a:spcBef>
-              <a:buClr>
-                <a:srgbClr val="000000"/>
-              </a:buClr>
-              <a:buSzPct val="75000"/>
-              <a:buFont typeface="Symbol" charset="2"/>
-              <a:buChar char=""/>
-            </a:pPr>
-            <a:r>
-              <a:rPr b="0" lang="en-US" sz="1800" spc="-1" strike="noStrike">
-                <a:solidFill>
-                  <a:srgbClr val="000000"/>
-                </a:solidFill>
-                <a:latin typeface="Calibri"/>
+                <a:latin typeface="Arial"/>
               </a:rPr>
               <a:t>Vierte Gliederungsebene</a:t>
             </a:r>
-            <a:endParaRPr b="0" lang="en-US" sz="1800" spc="-1" strike="noStrike">
-              <a:solidFill>
-                <a:srgbClr val="000000"/>
-              </a:solidFill>
-              <a:latin typeface="Calibri"/>
+            <a:endParaRPr b="0" lang="en-US" sz="2000" spc="-1" strike="noStrike">
+              <a:solidFill>
+                <a:srgbClr val="000000"/>
+              </a:solidFill>
+              <a:latin typeface="Arial"/>
             </a:endParaRPr>
           </a:p>
           <a:p>
             <a:pPr lvl="4" marL="2160000" indent="-216000">
-              <a:lnSpc>
-                <a:spcPct val="90000"/>
-              </a:lnSpc>
               <a:spcBef>
                 <a:spcPts val="283"/>
               </a:spcBef>
@@ -9209,7 +9032,7 @@
                 <a:solidFill>
                   <a:srgbClr val="000000"/>
                 </a:solidFill>
-                <a:latin typeface="Calibri"/>
+                <a:latin typeface="Arial"/>
               </a:rPr>
               <a:t>Fünfte Gliederungsebene</a:t>
             </a:r>
@@ -9217,14 +9040,11 @@
               <a:solidFill>
                 <a:srgbClr val="000000"/>
               </a:solidFill>
-              <a:latin typeface="Calibri"/>
+              <a:latin typeface="Arial"/>
             </a:endParaRPr>
           </a:p>
           <a:p>
             <a:pPr lvl="5" marL="2592000" indent="-216000">
-              <a:lnSpc>
-                <a:spcPct val="90000"/>
-              </a:lnSpc>
               <a:spcBef>
                 <a:spcPts val="283"/>
               </a:spcBef>
@@ -9240,7 +9060,7 @@
                 <a:solidFill>
                   <a:srgbClr val="000000"/>
                 </a:solidFill>
-                <a:latin typeface="Calibri"/>
+                <a:latin typeface="Arial"/>
               </a:rPr>
               <a:t>Sechste Gliederungsebene</a:t>
             </a:r>
@@ -9248,14 +9068,11 @@
               <a:solidFill>
                 <a:srgbClr val="000000"/>
               </a:solidFill>
-              <a:latin typeface="Calibri"/>
+              <a:latin typeface="Arial"/>
             </a:endParaRPr>
           </a:p>
           <a:p>
             <a:pPr lvl="6" marL="3024000" indent="-216000">
-              <a:lnSpc>
-                <a:spcPct val="90000"/>
-              </a:lnSpc>
               <a:spcBef>
                 <a:spcPts val="283"/>
               </a:spcBef>
@@ -9271,7 +9088,7 @@
                 <a:solidFill>
                   <a:srgbClr val="000000"/>
                 </a:solidFill>
-                <a:latin typeface="Calibri"/>
+                <a:latin typeface="Arial"/>
               </a:rPr>
               <a:t>Siebte Gliederungsebene</a:t>
             </a:r>
@@ -9279,7 +9096,7 @@
               <a:solidFill>
                 <a:srgbClr val="000000"/>
               </a:solidFill>
-              <a:latin typeface="Calibri"/>
+              <a:latin typeface="Arial"/>
             </a:endParaRPr>
           </a:p>
         </p:txBody>
@@ -9333,20 +9150,20 @@
         </p:nvSpPr>
         <p:spPr>
           <a:xfrm>
-            <a:off x="620640" y="2148840"/>
-            <a:ext cx="7772040" cy="2387160"/>
-          </a:xfrm>
-          <a:prstGeom prst="rect">
-            <a:avLst/>
-          </a:prstGeom>
-          <a:noFill/>
-          <a:ln w="0">
-            <a:noFill/>
-          </a:ln>
-        </p:spPr>
-        <p:txBody>
-          <a:bodyPr anchor="b">
-            <a:normAutofit fontScale="69000"/>
+            <a:off x="646920" y="695160"/>
+            <a:ext cx="7771680" cy="2423880"/>
+          </a:xfrm>
+          <a:prstGeom prst="rect">
+            <a:avLst/>
+          </a:prstGeom>
+          <a:noFill/>
+          <a:ln w="0">
+            <a:noFill/>
+          </a:ln>
+        </p:spPr>
+        <p:txBody>
+          <a:bodyPr lIns="0" rIns="0" tIns="0" bIns="0" anchor="b">
+            <a:normAutofit fontScale="85000"/>
           </a:bodyPr>
           <a:p>
             <a:pPr indent="0" algn="ctr">
@@ -9354,6 +9171,9 @@
                 <a:spcPct val="90000"/>
               </a:lnSpc>
               <a:buNone/>
+              <a:tabLst>
+                <a:tab algn="l" pos="0"/>
+              </a:tabLst>
             </a:pPr>
             <a:r>
               <a:rPr b="0" lang="bg-BG" sz="6000" spc="-1" strike="noStrike">
@@ -9362,25 +9182,13 @@
                 </a:solidFill>
                 <a:latin typeface="Calibri Light"/>
               </a:rPr>
-              <a:t>Проблем 2 – Прогнозиране времето на пристигане на автобус</a:t>
-            </a:r>
-            <a:br>
-              <a:rPr sz="6000"/>
-            </a:br>
-            <a:r>
-              <a:rPr b="0" lang="bg-BG" sz="6000" spc="-1" strike="noStrike">
-                <a:solidFill>
-                  <a:srgbClr val="000000"/>
-                </a:solidFill>
-                <a:latin typeface="Calibri Light"/>
-              </a:rPr>
-              <a:t>Лятно училище 2023</a:t>
+              <a:t>Прогнозиране времето на пристигане на автобус</a:t>
             </a:r>
             <a:endParaRPr b="0" lang="en-US" sz="6000" spc="-1" strike="noStrike">
               <a:solidFill>
                 <a:srgbClr val="000000"/>
               </a:solidFill>
-              <a:latin typeface="Calibri"/>
+              <a:latin typeface="Arial"/>
             </a:endParaRPr>
           </a:p>
         </p:txBody>
@@ -9397,19 +9205,19 @@
         </p:nvSpPr>
         <p:spPr>
           <a:xfrm>
-            <a:off x="1077840" y="4917600"/>
-            <a:ext cx="6857640" cy="1655280"/>
-          </a:xfrm>
-          <a:prstGeom prst="rect">
-            <a:avLst/>
-          </a:prstGeom>
-          <a:noFill/>
-          <a:ln w="0">
-            <a:noFill/>
-          </a:ln>
-        </p:spPr>
-        <p:txBody>
-          <a:bodyPr anchor="t">
+            <a:off x="1113840" y="3742200"/>
+            <a:ext cx="6857280" cy="535320"/>
+          </a:xfrm>
+          <a:prstGeom prst="rect">
+            <a:avLst/>
+          </a:prstGeom>
+          <a:noFill/>
+          <a:ln w="0">
+            <a:noFill/>
+          </a:ln>
+        </p:spPr>
+        <p:txBody>
+          <a:bodyPr lIns="0" rIns="0" tIns="0" bIns="0" anchor="t">
             <a:noAutofit/>
           </a:bodyPr>
           <a:p>
@@ -9435,6 +9243,93 @@
               <a:t>Екип 2: Димитър, Михаела, Лалка, Даниел</a:t>
             </a:r>
             <a:endParaRPr b="0" lang="en-US" sz="2400" spc="-1" strike="noStrike">
+              <a:solidFill>
+                <a:srgbClr val="000000"/>
+              </a:solidFill>
+              <a:latin typeface="Arial"/>
+            </a:endParaRPr>
+          </a:p>
+          <a:p>
+            <a:pPr indent="0" algn="ctr">
+              <a:lnSpc>
+                <a:spcPct val="90000"/>
+              </a:lnSpc>
+              <a:spcBef>
+                <a:spcPts val="1001"/>
+              </a:spcBef>
+              <a:buNone/>
+              <a:tabLst>
+                <a:tab algn="l" pos="0"/>
+              </a:tabLst>
+            </a:pPr>
+            <a:r>
+              <a:rPr b="0" lang="bg-BG" sz="1500" spc="-1" strike="noStrike">
+                <a:solidFill>
+                  <a:srgbClr val="000000"/>
+                </a:solidFill>
+                <a:latin typeface="Calibri"/>
+              </a:rPr>
+              <a:t>Моделиране и Комплексни Системи</a:t>
+            </a:r>
+            <a:endParaRPr b="0" lang="en-US" sz="1500" spc="-1" strike="noStrike">
+              <a:solidFill>
+                <a:srgbClr val="000000"/>
+              </a:solidFill>
+              <a:latin typeface="Arial"/>
+            </a:endParaRPr>
+          </a:p>
+          <a:p>
+            <a:pPr indent="0" algn="ctr">
+              <a:lnSpc>
+                <a:spcPct val="90000"/>
+              </a:lnSpc>
+              <a:spcBef>
+                <a:spcPts val="1001"/>
+              </a:spcBef>
+              <a:buNone/>
+              <a:tabLst>
+                <a:tab algn="l" pos="0"/>
+              </a:tabLst>
+            </a:pPr>
+            <a:r>
+              <a:rPr b="0" lang="bg-BG" sz="1500" spc="-1" strike="noStrike">
+                <a:solidFill>
+                  <a:srgbClr val="000000"/>
+                </a:solidFill>
+                <a:latin typeface="Calibri"/>
+              </a:rPr>
+              <a:t>Лятно Училище 14 – 23 Юли 2023</a:t>
+            </a:r>
+            <a:endParaRPr b="0" lang="en-US" sz="1500" spc="-1" strike="noStrike">
+              <a:solidFill>
+                <a:srgbClr val="000000"/>
+              </a:solidFill>
+              <a:latin typeface="Arial"/>
+            </a:endParaRPr>
+          </a:p>
+          <a:p>
+            <a:pPr indent="0" algn="ctr">
+              <a:lnSpc>
+                <a:spcPct val="90000"/>
+              </a:lnSpc>
+              <a:spcBef>
+                <a:spcPts val="1001"/>
+              </a:spcBef>
+              <a:buNone/>
+              <a:tabLst>
+                <a:tab algn="l" pos="0"/>
+              </a:tabLst>
+            </a:pPr>
+            <a:r>
+              <a:rPr b="0" lang="bg-BG" sz="1500" spc="-1" strike="noStrike">
+                <a:solidFill>
+                  <a:srgbClr val="000000"/>
+                </a:solidFill>
+                <a:latin typeface="Calibri"/>
+              </a:rPr>
+              <a:t>Семково, Рила Планина</a:t>
+            </a:r>
+            <a:endParaRPr b="0" lang="en-US" sz="1500" spc="-1" strike="noStrike">
               <a:solidFill>
                 <a:srgbClr val="000000"/>
               </a:solidFill>
@@ -9475,7 +9370,7 @@
       </p:grpSpPr>
       <p:pic>
         <p:nvPicPr>
-          <p:cNvPr id="139" name="Content Placeholder 3" descr=""/>
+          <p:cNvPr id="142" name="Content Placeholder 3" descr=""/>
           <p:cNvPicPr/>
           <p:nvPr/>
         </p:nvPicPr>
@@ -9486,7 +9381,7 @@
         <p:spPr>
           <a:xfrm>
             <a:off x="1282320" y="72000"/>
-            <a:ext cx="6579000" cy="3508200"/>
+            <a:ext cx="6578640" cy="3507840"/>
           </a:xfrm>
           <a:prstGeom prst="rect">
             <a:avLst/>
@@ -9498,7 +9393,7 @@
       </p:pic>
       <p:pic>
         <p:nvPicPr>
-          <p:cNvPr id="140" name="Picture 4" descr=""/>
+          <p:cNvPr id="143" name="Picture 4" descr=""/>
           <p:cNvPicPr/>
           <p:nvPr/>
         </p:nvPicPr>
@@ -9509,7 +9404,7 @@
         <p:spPr>
           <a:xfrm>
             <a:off x="1282320" y="3277440"/>
-            <a:ext cx="6579000" cy="3508200"/>
+            <a:ext cx="6578640" cy="3507840"/>
           </a:xfrm>
           <a:prstGeom prst="rect">
             <a:avLst/>
@@ -9551,7 +9446,7 @@
       </p:grpSpPr>
       <p:pic>
         <p:nvPicPr>
-          <p:cNvPr id="141" name="Picture 12" descr=""/>
+          <p:cNvPr id="144" name="Picture 12" descr=""/>
           <p:cNvPicPr/>
           <p:nvPr/>
         </p:nvPicPr>
@@ -9562,7 +9457,7 @@
         <p:spPr>
           <a:xfrm>
             <a:off x="2668680" y="2127240"/>
-            <a:ext cx="6474960" cy="1899360"/>
+            <a:ext cx="6474600" cy="1899000"/>
           </a:xfrm>
           <a:prstGeom prst="rect">
             <a:avLst/>
@@ -9574,7 +9469,7 @@
       </p:pic>
       <p:sp>
         <p:nvSpPr>
-          <p:cNvPr id="142" name="PlaceHolder 1"/>
+          <p:cNvPr id="145" name="PlaceHolder 1"/>
           <p:cNvSpPr>
             <a:spLocks noGrp="1"/>
           </p:cNvSpPr>
@@ -9585,18 +9480,18 @@
         <p:spPr>
           <a:xfrm>
             <a:off x="628560" y="365040"/>
-            <a:ext cx="7886520" cy="1325160"/>
-          </a:xfrm>
-          <a:prstGeom prst="rect">
-            <a:avLst/>
-          </a:prstGeom>
-          <a:noFill/>
-          <a:ln w="0">
-            <a:noFill/>
-          </a:ln>
-        </p:spPr>
-        <p:txBody>
-          <a:bodyPr anchor="ctr">
+            <a:ext cx="7886160" cy="1324800"/>
+          </a:xfrm>
+          <a:prstGeom prst="rect">
+            <a:avLst/>
+          </a:prstGeom>
+          <a:noFill/>
+          <a:ln w="0">
+            <a:noFill/>
+          </a:ln>
+        </p:spPr>
+        <p:txBody>
+          <a:bodyPr lIns="90000" rIns="90000" tIns="45000" bIns="45000" anchor="ctr">
             <a:normAutofit/>
           </a:bodyPr>
           <a:p>
@@ -9605,6 +9500,9 @@
                 <a:spcPct val="90000"/>
               </a:lnSpc>
               <a:buNone/>
+              <a:tabLst>
+                <a:tab algn="l" pos="0"/>
+              </a:tabLst>
             </a:pPr>
             <a:r>
               <a:rPr b="0" lang="bg-BG" sz="2100" spc="-1" strike="noStrike">
@@ -9637,14 +9535,14 @@
               <a:solidFill>
                 <a:srgbClr val="000000"/>
               </a:solidFill>
-              <a:latin typeface="Calibri"/>
+              <a:latin typeface="Arial"/>
             </a:endParaRPr>
           </a:p>
         </p:txBody>
       </p:sp>
       <p:pic>
         <p:nvPicPr>
-          <p:cNvPr id="143" name="Picture 8" descr=""/>
+          <p:cNvPr id="146" name="Picture 8" descr=""/>
           <p:cNvPicPr/>
           <p:nvPr/>
         </p:nvPicPr>
@@ -9655,7 +9553,7 @@
         <p:spPr>
           <a:xfrm>
             <a:off x="348840" y="4545360"/>
-            <a:ext cx="8445600" cy="1703520"/>
+            <a:ext cx="8445240" cy="1703160"/>
           </a:xfrm>
           <a:prstGeom prst="rect">
             <a:avLst/>
@@ -9667,7 +9565,7 @@
       </p:pic>
       <p:pic>
         <p:nvPicPr>
-          <p:cNvPr id="144" name="Picture 14" descr=""/>
+          <p:cNvPr id="147" name="Picture 14" descr=""/>
           <p:cNvPicPr/>
           <p:nvPr/>
         </p:nvPicPr>
@@ -9678,7 +9576,7 @@
         <p:spPr>
           <a:xfrm>
             <a:off x="0" y="2127240"/>
-            <a:ext cx="6789960" cy="1852200"/>
+            <a:ext cx="6789600" cy="1851840"/>
           </a:xfrm>
           <a:prstGeom prst="rect">
             <a:avLst/>
@@ -9720,7 +9618,7 @@
       </p:grpSpPr>
       <p:sp>
         <p:nvSpPr>
-          <p:cNvPr id="145" name="PlaceHolder 1"/>
+          <p:cNvPr id="148" name="PlaceHolder 1"/>
           <p:cNvSpPr>
             <a:spLocks noGrp="1"/>
           </p:cNvSpPr>
@@ -9731,18 +9629,18 @@
         <p:spPr>
           <a:xfrm>
             <a:off x="359640" y="140040"/>
-            <a:ext cx="7819920" cy="776880"/>
-          </a:xfrm>
-          <a:prstGeom prst="rect">
-            <a:avLst/>
-          </a:prstGeom>
-          <a:noFill/>
-          <a:ln w="0">
-            <a:noFill/>
-          </a:ln>
-        </p:spPr>
-        <p:txBody>
-          <a:bodyPr anchor="ctr">
+            <a:ext cx="7819560" cy="776520"/>
+          </a:xfrm>
+          <a:prstGeom prst="rect">
+            <a:avLst/>
+          </a:prstGeom>
+          <a:noFill/>
+          <a:ln w="0">
+            <a:noFill/>
+          </a:ln>
+        </p:spPr>
+        <p:txBody>
+          <a:bodyPr lIns="90000" rIns="90000" tIns="45000" bIns="45000" anchor="ctr">
             <a:noAutofit/>
           </a:bodyPr>
           <a:p>
@@ -9751,6 +9649,9 @@
                 <a:spcPct val="90000"/>
               </a:lnSpc>
               <a:buNone/>
+              <a:tabLst>
+                <a:tab algn="l" pos="0"/>
+              </a:tabLst>
             </a:pPr>
             <a:r>
               <a:rPr b="0" lang="bg-BG" sz="4400" spc="-1" strike="noStrike">
@@ -9774,14 +9675,14 @@
               <a:solidFill>
                 <a:srgbClr val="000000"/>
               </a:solidFill>
-              <a:latin typeface="Calibri"/>
+              <a:latin typeface="Arial"/>
             </a:endParaRPr>
           </a:p>
         </p:txBody>
       </p:sp>
       <p:pic>
         <p:nvPicPr>
-          <p:cNvPr id="146" name="Picture 14" descr=""/>
+          <p:cNvPr id="149" name="Picture 14" descr=""/>
           <p:cNvPicPr/>
           <p:nvPr/>
         </p:nvPicPr>
@@ -9792,7 +9693,7 @@
         <p:spPr>
           <a:xfrm>
             <a:off x="108720" y="2148120"/>
-            <a:ext cx="3859200" cy="2010240"/>
+            <a:ext cx="3858840" cy="2009880"/>
           </a:xfrm>
           <a:prstGeom prst="rect">
             <a:avLst/>
@@ -9804,7 +9705,7 @@
       </p:pic>
       <p:pic>
         <p:nvPicPr>
-          <p:cNvPr id="147" name="Picture 20" descr=""/>
+          <p:cNvPr id="150" name="Picture 20" descr=""/>
           <p:cNvPicPr/>
           <p:nvPr/>
         </p:nvPicPr>
@@ -9815,7 +9716,7 @@
         <p:spPr>
           <a:xfrm>
             <a:off x="404640" y="1340640"/>
-            <a:ext cx="2743200" cy="333000"/>
+            <a:ext cx="2742840" cy="332640"/>
           </a:xfrm>
           <a:prstGeom prst="rect">
             <a:avLst/>
@@ -9827,7 +9728,7 @@
       </p:pic>
       <p:pic>
         <p:nvPicPr>
-          <p:cNvPr id="148" name="Picture 22" descr=""/>
+          <p:cNvPr id="151" name="Picture 22" descr=""/>
           <p:cNvPicPr/>
           <p:nvPr/>
         </p:nvPicPr>
@@ -9838,7 +9739,7 @@
         <p:spPr>
           <a:xfrm>
             <a:off x="252000" y="1618560"/>
-            <a:ext cx="2895480" cy="409320"/>
+            <a:ext cx="2895120" cy="408960"/>
           </a:xfrm>
           <a:prstGeom prst="rect">
             <a:avLst/>
@@ -9850,7 +9751,7 @@
       </p:pic>
       <p:pic>
         <p:nvPicPr>
-          <p:cNvPr id="149" name="Picture 26" descr=""/>
+          <p:cNvPr id="152" name="Picture 26" descr=""/>
           <p:cNvPicPr/>
           <p:nvPr/>
         </p:nvPicPr>
@@ -9861,7 +9762,7 @@
         <p:spPr>
           <a:xfrm>
             <a:off x="5391720" y="1369800"/>
-            <a:ext cx="2333520" cy="237960"/>
+            <a:ext cx="2333160" cy="237600"/>
           </a:xfrm>
           <a:prstGeom prst="rect">
             <a:avLst/>
@@ -9873,7 +9774,7 @@
       </p:pic>
       <p:pic>
         <p:nvPicPr>
-          <p:cNvPr id="150" name="Picture 28" descr=""/>
+          <p:cNvPr id="153" name="Picture 28" descr=""/>
           <p:cNvPicPr/>
           <p:nvPr/>
         </p:nvPicPr>
@@ -9884,7 +9785,7 @@
         <p:spPr>
           <a:xfrm>
             <a:off x="5132160" y="1610640"/>
-            <a:ext cx="2942640" cy="409320"/>
+            <a:ext cx="2942280" cy="408960"/>
           </a:xfrm>
           <a:prstGeom prst="rect">
             <a:avLst/>
@@ -9896,7 +9797,7 @@
       </p:pic>
       <p:pic>
         <p:nvPicPr>
-          <p:cNvPr id="151" name="Picture 30" descr=""/>
+          <p:cNvPr id="154" name="Picture 30" descr=""/>
           <p:cNvPicPr/>
           <p:nvPr/>
         </p:nvPicPr>
@@ -9907,7 +9808,7 @@
         <p:spPr>
           <a:xfrm>
             <a:off x="4987440" y="2200680"/>
-            <a:ext cx="3476880" cy="1857240"/>
+            <a:ext cx="3476520" cy="1856880"/>
           </a:xfrm>
           <a:prstGeom prst="rect">
             <a:avLst/>
@@ -9919,7 +9820,7 @@
       </p:pic>
       <p:pic>
         <p:nvPicPr>
-          <p:cNvPr id="152" name="Picture 34" descr=""/>
+          <p:cNvPr id="155" name="Picture 34" descr=""/>
           <p:cNvPicPr/>
           <p:nvPr/>
         </p:nvPicPr>
@@ -9930,7 +9831,7 @@
         <p:spPr>
           <a:xfrm>
             <a:off x="3102840" y="4276800"/>
-            <a:ext cx="2333520" cy="180720"/>
+            <a:ext cx="2333160" cy="180360"/>
           </a:xfrm>
           <a:prstGeom prst="rect">
             <a:avLst/>
@@ -9942,7 +9843,7 @@
       </p:pic>
       <p:pic>
         <p:nvPicPr>
-          <p:cNvPr id="153" name="Picture 36" descr=""/>
+          <p:cNvPr id="156" name="Picture 36" descr=""/>
           <p:cNvPicPr/>
           <p:nvPr/>
         </p:nvPicPr>
@@ -9953,7 +9854,7 @@
         <p:spPr>
           <a:xfrm>
             <a:off x="3148200" y="4460760"/>
-            <a:ext cx="2533680" cy="342720"/>
+            <a:ext cx="2533320" cy="342360"/>
           </a:xfrm>
           <a:prstGeom prst="rect">
             <a:avLst/>
@@ -9965,7 +9866,7 @@
       </p:pic>
       <p:pic>
         <p:nvPicPr>
-          <p:cNvPr id="154" name="Picture 38" descr=""/>
+          <p:cNvPr id="157" name="Picture 38" descr=""/>
           <p:cNvPicPr/>
           <p:nvPr/>
         </p:nvPicPr>
@@ -9976,7 +9877,7 @@
         <p:spPr>
           <a:xfrm>
             <a:off x="2683800" y="4770000"/>
-            <a:ext cx="3429000" cy="1857240"/>
+            <a:ext cx="3428640" cy="1856880"/>
           </a:xfrm>
           <a:prstGeom prst="rect">
             <a:avLst/>
@@ -10018,7 +9919,7 @@
       </p:grpSpPr>
       <p:pic>
         <p:nvPicPr>
-          <p:cNvPr id="155" name="Picture 11" descr=""/>
+          <p:cNvPr id="158" name="Picture 11" descr=""/>
           <p:cNvPicPr/>
           <p:nvPr/>
         </p:nvPicPr>
@@ -10029,7 +9930,7 @@
         <p:spPr>
           <a:xfrm>
             <a:off x="146880" y="3387600"/>
-            <a:ext cx="4331520" cy="2586600"/>
+            <a:ext cx="4331160" cy="2586240"/>
           </a:xfrm>
           <a:prstGeom prst="rect">
             <a:avLst/>
@@ -10041,7 +9942,7 @@
       </p:pic>
       <p:pic>
         <p:nvPicPr>
-          <p:cNvPr id="156" name="Picture 13" descr=""/>
+          <p:cNvPr id="159" name="Picture 13" descr=""/>
           <p:cNvPicPr/>
           <p:nvPr/>
         </p:nvPicPr>
@@ -10052,7 +9953,7 @@
         <p:spPr>
           <a:xfrm>
             <a:off x="124920" y="871200"/>
-            <a:ext cx="4353480" cy="2516040"/>
+            <a:ext cx="4353120" cy="2515680"/>
           </a:xfrm>
           <a:prstGeom prst="rect">
             <a:avLst/>
@@ -10064,7 +9965,7 @@
       </p:pic>
       <p:sp>
         <p:nvSpPr>
-          <p:cNvPr id="157" name="PlaceHolder 1"/>
+          <p:cNvPr id="160" name="PlaceHolder 1"/>
           <p:cNvSpPr>
             <a:spLocks noGrp="1"/>
           </p:cNvSpPr>
@@ -10075,19 +9976,19 @@
         <p:spPr>
           <a:xfrm>
             <a:off x="146880" y="248760"/>
-            <a:ext cx="3065760" cy="609840"/>
-          </a:xfrm>
-          <a:prstGeom prst="rect">
-            <a:avLst/>
-          </a:prstGeom>
-          <a:noFill/>
-          <a:ln w="0">
-            <a:noFill/>
-          </a:ln>
-        </p:spPr>
-        <p:txBody>
-          <a:bodyPr anchor="ctr">
-            <a:normAutofit fontScale="82000"/>
+            <a:ext cx="3065400" cy="609480"/>
+          </a:xfrm>
+          <a:prstGeom prst="rect">
+            <a:avLst/>
+          </a:prstGeom>
+          <a:noFill/>
+          <a:ln w="0">
+            <a:noFill/>
+          </a:ln>
+        </p:spPr>
+        <p:txBody>
+          <a:bodyPr lIns="0" rIns="0" tIns="0" bIns="0" anchor="ctr">
+            <a:normAutofit fontScale="80000"/>
           </a:bodyPr>
           <a:p>
             <a:pPr indent="0">
@@ -10095,6 +9996,9 @@
                 <a:spcPct val="90000"/>
               </a:lnSpc>
               <a:buNone/>
+              <a:tabLst>
+                <a:tab algn="l" pos="0"/>
+              </a:tabLst>
             </a:pPr>
             <a:r>
               <a:rPr b="0" lang="en-GB" sz="4400" spc="-1" strike="noStrike">
@@ -10103,20 +10007,20 @@
                 </a:solidFill>
                 <a:latin typeface="Calibri Light"/>
               </a:rPr>
-              <a:t>Periodograms</a:t>
+              <a:t>Периодограми</a:t>
             </a:r>
             <a:endParaRPr b="0" lang="en-US" sz="4400" spc="-1" strike="noStrike">
               <a:solidFill>
                 <a:srgbClr val="000000"/>
               </a:solidFill>
-              <a:latin typeface="Calibri"/>
+              <a:latin typeface="Arial"/>
             </a:endParaRPr>
           </a:p>
         </p:txBody>
       </p:sp>
       <p:pic>
         <p:nvPicPr>
-          <p:cNvPr id="158" name="Picture 15" descr=""/>
+          <p:cNvPr id="161" name="Picture 15" descr=""/>
           <p:cNvPicPr/>
           <p:nvPr/>
         </p:nvPicPr>
@@ -10127,7 +10031,7 @@
         <p:spPr>
           <a:xfrm>
             <a:off x="4478760" y="1959480"/>
-            <a:ext cx="4571640" cy="2721240"/>
+            <a:ext cx="4571280" cy="2720880"/>
           </a:xfrm>
           <a:prstGeom prst="rect">
             <a:avLst/>
@@ -10167,9 +10071,59 @@
           <a:chExt cx="0" cy="0"/>
         </a:xfrm>
       </p:grpSpPr>
+      <p:sp>
+        <p:nvSpPr>
+          <p:cNvPr id="162" name="PlaceHolder 4"/>
+          <p:cNvSpPr txBox="1"/>
+          <p:nvPr/>
+        </p:nvSpPr>
+        <p:spPr>
+          <a:xfrm>
+            <a:off x="147240" y="249120"/>
+            <a:ext cx="3589560" cy="609480"/>
+          </a:xfrm>
+          <a:prstGeom prst="rect">
+            <a:avLst/>
+          </a:prstGeom>
+          <a:noFill/>
+          <a:ln w="0">
+            <a:noFill/>
+          </a:ln>
+        </p:spPr>
+        <p:txBody>
+          <a:bodyPr lIns="0" rIns="0" tIns="0" bIns="0" anchor="ctr">
+            <a:normAutofit fontScale="71000"/>
+          </a:bodyPr>
+          <a:p>
+            <a:pPr>
+              <a:lnSpc>
+                <a:spcPct val="90000"/>
+              </a:lnSpc>
+              <a:tabLst>
+                <a:tab algn="l" pos="0"/>
+              </a:tabLst>
+            </a:pPr>
+            <a:r>
+              <a:rPr b="0" lang="en-GB" sz="4400" spc="-1" strike="noStrike">
+                <a:solidFill>
+                  <a:srgbClr val="000000"/>
+                </a:solidFill>
+                <a:latin typeface="Calibri Light"/>
+              </a:rPr>
+              <a:t>SARIMAX модели</a:t>
+            </a:r>
+            <a:endParaRPr b="0" lang="en-US" sz="4400" spc="-1" strike="noStrike">
+              <a:solidFill>
+                <a:srgbClr val="000000"/>
+              </a:solidFill>
+              <a:latin typeface="Arial"/>
+            </a:endParaRPr>
+          </a:p>
+        </p:txBody>
+      </p:sp>
       <p:pic>
         <p:nvPicPr>
-          <p:cNvPr id="159" name="Picture 6" descr=""/>
+          <p:cNvPr id="163" name="" descr=""/>
           <p:cNvPicPr/>
           <p:nvPr/>
         </p:nvPicPr>
@@ -10179,106 +10133,8 @@
         </p:blipFill>
         <p:spPr>
           <a:xfrm>
-            <a:off x="91080" y="842400"/>
-            <a:ext cx="5457960" cy="2725920"/>
-          </a:xfrm>
-          <a:prstGeom prst="rect">
-            <a:avLst/>
-          </a:prstGeom>
-          <a:ln w="0">
-            <a:noFill/>
-          </a:ln>
-        </p:spPr>
-      </p:pic>
-      <p:sp>
-        <p:nvSpPr>
-          <p:cNvPr id="160" name="PlaceHolder 1"/>
-          <p:cNvSpPr>
-            <a:spLocks noGrp="1"/>
-          </p:cNvSpPr>
-          <p:nvPr>
-            <p:ph type="title"/>
-          </p:nvPr>
-        </p:nvSpPr>
-        <p:spPr>
-          <a:xfrm>
-            <a:off x="0" y="114840"/>
-            <a:ext cx="3997800" cy="528840"/>
-          </a:xfrm>
-          <a:prstGeom prst="rect">
-            <a:avLst/>
-          </a:prstGeom>
-          <a:noFill/>
-          <a:ln w="0">
-            <a:noFill/>
-          </a:ln>
-        </p:spPr>
-        <p:txBody>
-          <a:bodyPr anchor="ctr">
-            <a:normAutofit fontScale="76000"/>
-          </a:bodyPr>
-          <a:p>
-            <a:pPr indent="0">
-              <a:lnSpc>
-                <a:spcPct val="90000"/>
-              </a:lnSpc>
-              <a:buNone/>
-            </a:pPr>
-            <a:r>
-              <a:rPr b="0" lang="en-GB" sz="2700" spc="-1" strike="noStrike">
-                <a:solidFill>
-                  <a:srgbClr val="000000"/>
-                </a:solidFill>
-                <a:latin typeface="Calibri Light"/>
-              </a:rPr>
-              <a:t>Forecast SARIMAX(stop1_2)</a:t>
-            </a:r>
-            <a:endParaRPr b="0" lang="en-US" sz="2700" spc="-1" strike="noStrike">
-              <a:solidFill>
-                <a:srgbClr val="000000"/>
-              </a:solidFill>
-              <a:latin typeface="Calibri"/>
-            </a:endParaRPr>
-          </a:p>
-        </p:txBody>
-      </p:sp>
-      <p:pic>
-        <p:nvPicPr>
-          <p:cNvPr id="161" name="Picture 4" descr=""/>
-          <p:cNvPicPr/>
-          <p:nvPr/>
-        </p:nvPicPr>
-        <p:blipFill>
-          <a:blip r:embed="rId2"/>
-          <a:stretch/>
-        </p:blipFill>
-        <p:spPr>
-          <a:xfrm>
-            <a:off x="0" y="3429000"/>
-            <a:ext cx="5442480" cy="2718360"/>
-          </a:xfrm>
-          <a:prstGeom prst="rect">
-            <a:avLst/>
-          </a:prstGeom>
-          <a:ln w="0">
-            <a:noFill/>
-          </a:ln>
-        </p:spPr>
-      </p:pic>
-      <p:pic>
-        <p:nvPicPr>
-          <p:cNvPr id="162" name="Picture 8" descr=""/>
-          <p:cNvPicPr/>
-          <p:nvPr/>
-        </p:nvPicPr>
-        <p:blipFill>
-          <a:blip r:embed="rId3"/>
-          <a:stretch/>
-        </p:blipFill>
-        <p:spPr>
-          <a:xfrm>
-            <a:off x="5442840" y="2205720"/>
-            <a:ext cx="3778920" cy="2523240"/>
+            <a:off x="1242000" y="989280"/>
+            <a:ext cx="6660000" cy="5223960"/>
           </a:xfrm>
           <a:prstGeom prst="rect">
             <a:avLst/>
@@ -10320,7 +10176,7 @@
       </p:grpSpPr>
       <p:pic>
         <p:nvPicPr>
-          <p:cNvPr id="163" name="Picture 10" descr=""/>
+          <p:cNvPr id="164" name="Picture 10" descr=""/>
           <p:cNvPicPr/>
           <p:nvPr/>
         </p:nvPicPr>
@@ -10331,7 +10187,7 @@
         <p:spPr>
           <a:xfrm>
             <a:off x="12600" y="916560"/>
-            <a:ext cx="5313960" cy="2653920"/>
+            <a:ext cx="5313600" cy="2653560"/>
           </a:xfrm>
           <a:prstGeom prst="rect">
             <a:avLst/>
@@ -10343,7 +10199,7 @@
       </p:pic>
       <p:sp>
         <p:nvSpPr>
-          <p:cNvPr id="164" name="PlaceHolder 1"/>
+          <p:cNvPr id="165" name="PlaceHolder 1"/>
           <p:cNvSpPr>
             <a:spLocks noGrp="1"/>
           </p:cNvSpPr>
@@ -10354,18 +10210,18 @@
         <p:spPr>
           <a:xfrm>
             <a:off x="12600" y="147960"/>
-            <a:ext cx="3365640" cy="657360"/>
-          </a:xfrm>
-          <a:prstGeom prst="rect">
-            <a:avLst/>
-          </a:prstGeom>
-          <a:noFill/>
-          <a:ln w="0">
-            <a:noFill/>
-          </a:ln>
-        </p:spPr>
-        <p:txBody>
-          <a:bodyPr anchor="ctr">
+            <a:ext cx="3936600" cy="657000"/>
+          </a:xfrm>
+          <a:prstGeom prst="rect">
+            <a:avLst/>
+          </a:prstGeom>
+          <a:noFill/>
+          <a:ln w="0">
+            <a:noFill/>
+          </a:ln>
+        </p:spPr>
+        <p:txBody>
+          <a:bodyPr lIns="90000" rIns="90000" tIns="45000" bIns="45000" anchor="ctr">
             <a:noAutofit/>
           </a:bodyPr>
           <a:p>
@@ -10374,6 +10230,9 @@
                 <a:spcPct val="90000"/>
               </a:lnSpc>
               <a:buNone/>
+              <a:tabLst>
+                <a:tab algn="l" pos="0"/>
+              </a:tabLst>
             </a:pPr>
             <a:r>
               <a:rPr b="0" lang="en-GB" sz="2100" spc="-1" strike="noStrike">
@@ -10382,20 +10241,20 @@
                 </a:solidFill>
                 <a:latin typeface="Calibri Light"/>
               </a:rPr>
-              <a:t>Forecast SARIMAX(stop2_3)</a:t>
+              <a:t>Forecast SARIMAX(stop1_2)</a:t>
             </a:r>
             <a:endParaRPr b="0" lang="en-US" sz="2100" spc="-1" strike="noStrike">
               <a:solidFill>
                 <a:srgbClr val="000000"/>
               </a:solidFill>
-              <a:latin typeface="Calibri"/>
+              <a:latin typeface="Arial"/>
             </a:endParaRPr>
           </a:p>
         </p:txBody>
       </p:sp>
       <p:pic>
         <p:nvPicPr>
-          <p:cNvPr id="165" name="Picture 12" descr=""/>
+          <p:cNvPr id="166" name="Picture 12" descr=""/>
           <p:cNvPicPr/>
           <p:nvPr/>
         </p:nvPicPr>
@@ -10406,7 +10265,7 @@
         <p:spPr>
           <a:xfrm>
             <a:off x="5326920" y="2375640"/>
-            <a:ext cx="3740760" cy="2497320"/>
+            <a:ext cx="3740400" cy="2496960"/>
           </a:xfrm>
           <a:prstGeom prst="rect">
             <a:avLst/>
@@ -10418,7 +10277,7 @@
       </p:pic>
       <p:pic>
         <p:nvPicPr>
-          <p:cNvPr id="166" name="Picture 14" descr=""/>
+          <p:cNvPr id="167" name="Picture 14" descr=""/>
           <p:cNvPicPr/>
           <p:nvPr/>
         </p:nvPicPr>
@@ -10429,7 +10288,7 @@
         <p:spPr>
           <a:xfrm>
             <a:off x="203400" y="3493440"/>
-            <a:ext cx="5123160" cy="2558520"/>
+            <a:ext cx="5122800" cy="2558160"/>
           </a:xfrm>
           <a:prstGeom prst="rect">
             <a:avLst/>
@@ -10471,7 +10330,7 @@
       </p:grpSpPr>
       <p:pic>
         <p:nvPicPr>
-          <p:cNvPr id="167" name="Picture 4" descr=""/>
+          <p:cNvPr id="168" name="Picture 6" descr=""/>
           <p:cNvPicPr/>
           <p:nvPr/>
         </p:nvPicPr>
@@ -10481,8 +10340,8 @@
         </p:blipFill>
         <p:spPr>
           <a:xfrm>
-            <a:off x="77040" y="857160"/>
-            <a:ext cx="5164200" cy="2579040"/>
+            <a:off x="135360" y="835200"/>
+            <a:ext cx="5184000" cy="2592000"/>
           </a:xfrm>
           <a:prstGeom prst="rect">
             <a:avLst/>
@@ -10492,9 +10351,64 @@
           </a:ln>
         </p:spPr>
       </p:pic>
+      <p:sp>
+        <p:nvSpPr>
+          <p:cNvPr id="169" name="PlaceHolder 1"/>
+          <p:cNvSpPr>
+            <a:spLocks noGrp="1"/>
+          </p:cNvSpPr>
+          <p:nvPr>
+            <p:ph type="title"/>
+          </p:nvPr>
+        </p:nvSpPr>
+        <p:spPr>
+          <a:xfrm>
+            <a:off x="0" y="114840"/>
+            <a:ext cx="5319360" cy="528480"/>
+          </a:xfrm>
+          <a:prstGeom prst="rect">
+            <a:avLst/>
+          </a:prstGeom>
+          <a:noFill/>
+          <a:ln w="0">
+            <a:noFill/>
+          </a:ln>
+        </p:spPr>
+        <p:txBody>
+          <a:bodyPr lIns="90000" rIns="90000" tIns="45000" bIns="45000" anchor="ctr">
+            <a:normAutofit fontScale="77000"/>
+          </a:bodyPr>
+          <a:p>
+            <a:pPr indent="0">
+              <a:lnSpc>
+                <a:spcPct val="90000"/>
+              </a:lnSpc>
+              <a:buNone/>
+              <a:tabLst>
+                <a:tab algn="l" pos="0"/>
+              </a:tabLst>
+            </a:pPr>
+            <a:r>
+              <a:rPr b="0" lang="en-GB" sz="2700" spc="-1" strike="noStrike">
+                <a:solidFill>
+                  <a:srgbClr val="000000"/>
+                </a:solidFill>
+                <a:latin typeface="Calibri Light"/>
+              </a:rPr>
+              <a:t>Forecast SARIMAX(stop1_2) ремонтирани</a:t>
+            </a:r>
+            <a:endParaRPr b="0" lang="en-US" sz="2700" spc="-1" strike="noStrike">
+              <a:solidFill>
+                <a:srgbClr val="000000"/>
+              </a:solidFill>
+              <a:latin typeface="Arial"/>
+            </a:endParaRPr>
+          </a:p>
+        </p:txBody>
+      </p:sp>
       <p:pic>
         <p:nvPicPr>
-          <p:cNvPr id="168" name="Picture 8" descr=""/>
+          <p:cNvPr id="170" name="Picture 4" descr=""/>
           <p:cNvPicPr/>
           <p:nvPr/>
         </p:nvPicPr>
@@ -10504,8 +10418,8 @@
         </p:blipFill>
         <p:spPr>
           <a:xfrm>
-            <a:off x="282600" y="3424680"/>
-            <a:ext cx="4958280" cy="2476440"/>
+            <a:off x="65880" y="3707640"/>
+            <a:ext cx="5184000" cy="2592000"/>
           </a:xfrm>
           <a:prstGeom prst="rect">
             <a:avLst/>
@@ -10517,7 +10431,7 @@
       </p:pic>
       <p:pic>
         <p:nvPicPr>
-          <p:cNvPr id="169" name="Picture 10" descr=""/>
+          <p:cNvPr id="171" name="" descr=""/>
           <p:cNvPicPr/>
           <p:nvPr/>
         </p:nvPicPr>
@@ -10527,8 +10441,8 @@
         </p:blipFill>
         <p:spPr>
           <a:xfrm>
-            <a:off x="5241600" y="1886040"/>
-            <a:ext cx="3804120" cy="2858760"/>
+            <a:off x="5287320" y="2228400"/>
+            <a:ext cx="3816000" cy="2880000"/>
           </a:xfrm>
           <a:prstGeom prst="rect">
             <a:avLst/>
@@ -10538,58 +10452,6 @@
           </a:ln>
         </p:spPr>
       </p:pic>
-      <p:sp>
-        <p:nvSpPr>
-          <p:cNvPr id="170" name="PlaceHolder 1"/>
-          <p:cNvSpPr>
-            <a:spLocks noGrp="1"/>
-          </p:cNvSpPr>
-          <p:nvPr>
-            <p:ph type="title"/>
-          </p:nvPr>
-        </p:nvSpPr>
-        <p:spPr>
-          <a:xfrm>
-            <a:off x="151560" y="177120"/>
-            <a:ext cx="3039120" cy="679680"/>
-          </a:xfrm>
-          <a:prstGeom prst="rect">
-            <a:avLst/>
-          </a:prstGeom>
-          <a:noFill/>
-          <a:ln w="0">
-            <a:noFill/>
-          </a:ln>
-        </p:spPr>
-        <p:txBody>
-          <a:bodyPr anchor="ctr">
-            <a:normAutofit/>
-          </a:bodyPr>
-          <a:p>
-            <a:pPr indent="0">
-              <a:lnSpc>
-                <a:spcPct val="90000"/>
-              </a:lnSpc>
-              <a:buNone/>
-            </a:pPr>
-            <a:r>
-              <a:rPr b="0" lang="en-GB" sz="1800" spc="-1" strike="noStrike">
-                <a:solidFill>
-                  <a:srgbClr val="000000"/>
-                </a:solidFill>
-                <a:latin typeface="Calibri Light"/>
-              </a:rPr>
-              <a:t>Forecast SARIMAX(stop3_4)</a:t>
-            </a:r>
-            <a:endParaRPr b="0" lang="en-US" sz="1800" spc="-1" strike="noStrike">
-              <a:solidFill>
-                <a:srgbClr val="000000"/>
-              </a:solidFill>
-              <a:latin typeface="Calibri"/>
-            </a:endParaRPr>
-          </a:p>
-        </p:txBody>
-      </p:sp>
     </p:spTree>
   </p:cSld>
   <mc:AlternateContent>
@@ -10622,59 +10484,57 @@
       </p:grpSpPr>
       <p:sp>
         <p:nvSpPr>
-          <p:cNvPr id="171" name="PlaceHolder 1"/>
-          <p:cNvSpPr>
-            <a:spLocks noGrp="1"/>
-          </p:cNvSpPr>
-          <p:nvPr>
-            <p:ph type="title"/>
-          </p:nvPr>
-        </p:nvSpPr>
-        <p:spPr>
-          <a:xfrm>
-            <a:off x="628560" y="365040"/>
-            <a:ext cx="7886520" cy="1325160"/>
-          </a:xfrm>
-          <a:prstGeom prst="rect">
-            <a:avLst/>
-          </a:prstGeom>
-          <a:noFill/>
-          <a:ln w="0">
-            <a:noFill/>
-          </a:ln>
-        </p:spPr>
-        <p:txBody>
-          <a:bodyPr anchor="ctr">
+          <p:cNvPr id="172" name="PlaceHolder 3"/>
+          <p:cNvSpPr txBox="1"/>
+          <p:nvPr/>
+        </p:nvSpPr>
+        <p:spPr>
+          <a:xfrm>
+            <a:off x="12960" y="148320"/>
+            <a:ext cx="3936600" cy="657000"/>
+          </a:xfrm>
+          <a:prstGeom prst="rect">
+            <a:avLst/>
+          </a:prstGeom>
+          <a:noFill/>
+          <a:ln w="0">
+            <a:noFill/>
+          </a:ln>
+        </p:spPr>
+        <p:txBody>
+          <a:bodyPr lIns="90000" rIns="90000" tIns="45000" bIns="45000" anchor="ctr">
             <a:noAutofit/>
           </a:bodyPr>
           <a:p>
-            <a:pPr indent="0">
+            <a:pPr>
               <a:lnSpc>
                 <a:spcPct val="90000"/>
               </a:lnSpc>
-              <a:buNone/>
+              <a:tabLst>
+                <a:tab algn="l" pos="0"/>
+              </a:tabLst>
             </a:pPr>
             <a:r>
-              <a:rPr b="0" lang="en-GB" sz="4400" spc="-1" strike="noStrike">
+              <a:rPr b="0" lang="en-GB" sz="2100" spc="-1" strike="noStrike">
                 <a:solidFill>
                   <a:srgbClr val="000000"/>
                 </a:solidFill>
                 <a:latin typeface="Calibri Light"/>
               </a:rPr>
-              <a:t>VAR models</a:t>
+              <a:t>Forecast SARIMAX(stop2_3)</a:t>
             </a:r>
-            <a:endParaRPr b="0" lang="en-US" sz="4400" spc="-1" strike="noStrike">
-              <a:solidFill>
-                <a:srgbClr val="000000"/>
-              </a:solidFill>
-              <a:latin typeface="Calibri"/>
+            <a:endParaRPr b="0" lang="en-US" sz="2100" spc="-1" strike="noStrike">
+              <a:solidFill>
+                <a:srgbClr val="000000"/>
+              </a:solidFill>
+              <a:latin typeface="Arial"/>
             </a:endParaRPr>
           </a:p>
         </p:txBody>
       </p:sp>
       <p:pic>
         <p:nvPicPr>
-          <p:cNvPr id="172" name="Picture 9" descr=""/>
+          <p:cNvPr id="173" name="" descr=""/>
           <p:cNvPicPr/>
           <p:nvPr/>
         </p:nvPicPr>
@@ -10684,8 +10544,54 @@
         </p:blipFill>
         <p:spPr>
           <a:xfrm>
-            <a:off x="79200" y="1438560"/>
-            <a:ext cx="8985600" cy="4916520"/>
+            <a:off x="117360" y="801000"/>
+            <a:ext cx="5184000" cy="2592000"/>
+          </a:xfrm>
+          <a:prstGeom prst="rect">
+            <a:avLst/>
+          </a:prstGeom>
+          <a:ln w="0">
+            <a:noFill/>
+          </a:ln>
+        </p:spPr>
+      </p:pic>
+      <p:pic>
+        <p:nvPicPr>
+          <p:cNvPr id="174" name="" descr=""/>
+          <p:cNvPicPr/>
+          <p:nvPr/>
+        </p:nvPicPr>
+        <p:blipFill>
+          <a:blip r:embed="rId2"/>
+          <a:stretch/>
+        </p:blipFill>
+        <p:spPr>
+          <a:xfrm>
+            <a:off x="132120" y="3600000"/>
+            <a:ext cx="5184000" cy="2592000"/>
+          </a:xfrm>
+          <a:prstGeom prst="rect">
+            <a:avLst/>
+          </a:prstGeom>
+          <a:ln w="0">
+            <a:noFill/>
+          </a:ln>
+        </p:spPr>
+      </p:pic>
+      <p:pic>
+        <p:nvPicPr>
+          <p:cNvPr id="175" name="" descr=""/>
+          <p:cNvPicPr/>
+          <p:nvPr/>
+        </p:nvPicPr>
+        <p:blipFill>
+          <a:blip r:embed="rId3"/>
+          <a:stretch/>
+        </p:blipFill>
+        <p:spPr>
+          <a:xfrm>
+            <a:off x="5228640" y="2058480"/>
+            <a:ext cx="3816000" cy="2880000"/>
           </a:xfrm>
           <a:prstGeom prst="rect">
             <a:avLst/>
@@ -10727,7 +10633,7 @@
       </p:grpSpPr>
       <p:pic>
         <p:nvPicPr>
-          <p:cNvPr id="173" name="Picture 6" descr=""/>
+          <p:cNvPr id="176" name="Picture 4" descr=""/>
           <p:cNvPicPr/>
           <p:nvPr/>
         </p:nvPicPr>
@@ -10737,8 +10643,8 @@
         </p:blipFill>
         <p:spPr>
           <a:xfrm>
-            <a:off x="50760" y="1133640"/>
-            <a:ext cx="9042120" cy="4590360"/>
+            <a:off x="62640" y="1077120"/>
+            <a:ext cx="5184000" cy="2592000"/>
           </a:xfrm>
           <a:prstGeom prst="rect">
             <a:avLst/>
@@ -10748,6 +10654,107 @@
           </a:ln>
         </p:spPr>
       </p:pic>
+      <p:pic>
+        <p:nvPicPr>
+          <p:cNvPr id="177" name="Picture 8" descr=""/>
+          <p:cNvPicPr/>
+          <p:nvPr/>
+        </p:nvPicPr>
+        <p:blipFill>
+          <a:blip r:embed="rId2"/>
+          <a:stretch/>
+        </p:blipFill>
+        <p:spPr>
+          <a:xfrm>
+            <a:off x="84960" y="3952440"/>
+            <a:ext cx="5184000" cy="2592000"/>
+          </a:xfrm>
+          <a:prstGeom prst="rect">
+            <a:avLst/>
+          </a:prstGeom>
+          <a:ln w="0">
+            <a:noFill/>
+          </a:ln>
+        </p:spPr>
+      </p:pic>
+      <p:pic>
+        <p:nvPicPr>
+          <p:cNvPr id="178" name="Picture 10" descr=""/>
+          <p:cNvPicPr/>
+          <p:nvPr/>
+        </p:nvPicPr>
+        <p:blipFill>
+          <a:blip r:embed="rId3"/>
+          <a:stretch/>
+        </p:blipFill>
+        <p:spPr>
+          <a:xfrm>
+            <a:off x="5293080" y="1893600"/>
+            <a:ext cx="3803760" cy="2858400"/>
+          </a:xfrm>
+          <a:prstGeom prst="rect">
+            <a:avLst/>
+          </a:prstGeom>
+          <a:ln w="0">
+            <a:noFill/>
+          </a:ln>
+        </p:spPr>
+      </p:pic>
+      <p:sp>
+        <p:nvSpPr>
+          <p:cNvPr id="179" name="PlaceHolder 1"/>
+          <p:cNvSpPr>
+            <a:spLocks noGrp="1"/>
+          </p:cNvSpPr>
+          <p:nvPr>
+            <p:ph type="title"/>
+          </p:nvPr>
+        </p:nvSpPr>
+        <p:spPr>
+          <a:xfrm>
+            <a:off x="151560" y="177120"/>
+            <a:ext cx="3328920" cy="679320"/>
+          </a:xfrm>
+          <a:prstGeom prst="rect">
+            <a:avLst/>
+          </a:prstGeom>
+          <a:noFill/>
+          <a:ln w="0">
+            <a:noFill/>
+          </a:ln>
+        </p:spPr>
+        <p:txBody>
+          <a:bodyPr lIns="0" rIns="0" tIns="0" bIns="0" anchor="ctr">
+            <a:normAutofit/>
+          </a:bodyPr>
+          <a:p>
+            <a:pPr indent="0">
+              <a:lnSpc>
+                <a:spcPct val="90000"/>
+              </a:lnSpc>
+              <a:buNone/>
+              <a:tabLst>
+                <a:tab algn="l" pos="0"/>
+              </a:tabLst>
+            </a:pPr>
+            <a:r>
+              <a:rPr b="0" lang="en-GB" sz="1800" spc="-1" strike="noStrike">
+                <a:solidFill>
+                  <a:srgbClr val="000000"/>
+                </a:solidFill>
+                <a:latin typeface="Calibri Light"/>
+              </a:rPr>
+              <a:t>Forecast SARIMAX(stop3_4)</a:t>
+            </a:r>
+            <a:endParaRPr b="0" lang="en-US" sz="1800" spc="-1" strike="noStrike">
+              <a:solidFill>
+                <a:srgbClr val="000000"/>
+              </a:solidFill>
+              <a:latin typeface="Arial"/>
+            </a:endParaRPr>
+          </a:p>
+        </p:txBody>
+      </p:sp>
     </p:spTree>
   </p:cSld>
   <mc:AlternateContent>
@@ -10778,9 +10785,64 @@
           <a:chExt cx="0" cy="0"/>
         </a:xfrm>
       </p:grpSpPr>
+      <p:sp>
+        <p:nvSpPr>
+          <p:cNvPr id="180" name="PlaceHolder 1"/>
+          <p:cNvSpPr>
+            <a:spLocks noGrp="1"/>
+          </p:cNvSpPr>
+          <p:nvPr>
+            <p:ph type="title"/>
+          </p:nvPr>
+        </p:nvSpPr>
+        <p:spPr>
+          <a:xfrm>
+            <a:off x="628560" y="365040"/>
+            <a:ext cx="7886160" cy="1324800"/>
+          </a:xfrm>
+          <a:prstGeom prst="rect">
+            <a:avLst/>
+          </a:prstGeom>
+          <a:noFill/>
+          <a:ln w="0">
+            <a:noFill/>
+          </a:ln>
+        </p:spPr>
+        <p:txBody>
+          <a:bodyPr lIns="90000" rIns="90000" tIns="45000" bIns="45000" anchor="ctr">
+            <a:noAutofit/>
+          </a:bodyPr>
+          <a:p>
+            <a:pPr indent="0">
+              <a:lnSpc>
+                <a:spcPct val="90000"/>
+              </a:lnSpc>
+              <a:buNone/>
+              <a:tabLst>
+                <a:tab algn="l" pos="0"/>
+              </a:tabLst>
+            </a:pPr>
+            <a:r>
+              <a:rPr b="0" lang="en-GB" sz="4400" spc="-1" strike="noStrike">
+                <a:solidFill>
+                  <a:srgbClr val="000000"/>
+                </a:solidFill>
+                <a:latin typeface="Calibri Light"/>
+              </a:rPr>
+              <a:t>VAR модели</a:t>
+            </a:r>
+            <a:endParaRPr b="0" lang="en-US" sz="4400" spc="-1" strike="noStrike">
+              <a:solidFill>
+                <a:srgbClr val="000000"/>
+              </a:solidFill>
+              <a:latin typeface="Arial"/>
+            </a:endParaRPr>
+          </a:p>
+        </p:txBody>
+      </p:sp>
       <p:pic>
         <p:nvPicPr>
-          <p:cNvPr id="174" name="Picture 5" descr=""/>
+          <p:cNvPr id="181" name="Picture 9" descr=""/>
           <p:cNvPicPr/>
           <p:nvPr/>
         </p:nvPicPr>
@@ -10790,8 +10852,8 @@
         </p:blipFill>
         <p:spPr>
           <a:xfrm>
-            <a:off x="65160" y="1318680"/>
-            <a:ext cx="9078480" cy="4388760"/>
+            <a:off x="79200" y="1438560"/>
+            <a:ext cx="8985240" cy="4916160"/>
           </a:xfrm>
           <a:prstGeom prst="rect">
             <a:avLst/>
@@ -10843,19 +10905,19 @@
         </p:nvSpPr>
         <p:spPr>
           <a:xfrm>
-            <a:off x="3160440" y="264600"/>
-            <a:ext cx="2011680" cy="1071720"/>
-          </a:xfrm>
-          <a:prstGeom prst="rect">
-            <a:avLst/>
-          </a:prstGeom>
-          <a:noFill/>
-          <a:ln w="0">
-            <a:noFill/>
-          </a:ln>
-        </p:spPr>
-        <p:txBody>
-          <a:bodyPr anchor="ctr">
+            <a:off x="302760" y="168480"/>
+            <a:ext cx="2011320" cy="1071360"/>
+          </a:xfrm>
+          <a:prstGeom prst="rect">
+            <a:avLst/>
+          </a:prstGeom>
+          <a:noFill/>
+          <a:ln w="0">
+            <a:noFill/>
+          </a:ln>
+        </p:spPr>
+        <p:txBody>
+          <a:bodyPr lIns="90000" rIns="90000" tIns="45000" bIns="45000" anchor="ctr">
             <a:noAutofit/>
           </a:bodyPr>
           <a:p>
@@ -10864,6 +10926,9 @@
                 <a:spcPct val="90000"/>
               </a:lnSpc>
               <a:buNone/>
+              <a:tabLst>
+                <a:tab algn="l" pos="0"/>
+              </a:tabLst>
             </a:pPr>
             <a:r>
               <a:rPr b="0" lang="en-GB" sz="4400" spc="-1" strike="noStrike">
@@ -10878,67 +10943,82 @@
               <a:solidFill>
                 <a:srgbClr val="000000"/>
               </a:solidFill>
-              <a:latin typeface="Calibri"/>
-            </a:endParaRPr>
-          </a:p>
-        </p:txBody>
-      </p:sp>
-      <p:pic>
-        <p:nvPicPr>
-          <p:cNvPr id="126" name="Picture 5" descr=""/>
-          <p:cNvPicPr/>
+              <a:latin typeface="Arial"/>
+            </a:endParaRPr>
+          </a:p>
+        </p:txBody>
+      </p:sp>
+      <p:grpSp>
+        <p:nvGrpSpPr>
+          <p:cNvPr id="126" name=""/>
+          <p:cNvGrpSpPr/>
           <p:nvPr/>
-        </p:nvPicPr>
-        <p:blipFill>
-          <a:blip r:embed="rId1"/>
-          <a:stretch/>
-        </p:blipFill>
-        <p:spPr>
-          <a:xfrm>
-            <a:off x="1830960" y="1618560"/>
-            <a:ext cx="2383920" cy="4750920"/>
-          </a:xfrm>
-          <a:prstGeom prst="rect">
-            <a:avLst/>
-          </a:prstGeom>
-          <a:ln w="0">
-            <a:noFill/>
-          </a:ln>
-        </p:spPr>
-      </p:pic>
-      <p:pic>
-        <p:nvPicPr>
-          <p:cNvPr id="127" name="Picture 7" descr=""/>
-          <p:cNvPicPr/>
-          <p:nvPr/>
-        </p:nvPicPr>
-        <p:blipFill>
-          <a:blip r:embed="rId2"/>
-          <a:stretch/>
-        </p:blipFill>
-        <p:spPr>
-          <a:xfrm>
-            <a:off x="4317840" y="2229480"/>
-            <a:ext cx="1552680" cy="2398680"/>
-          </a:xfrm>
-          <a:prstGeom prst="rect">
-            <a:avLst/>
-          </a:prstGeom>
-          <a:ln w="0">
-            <a:noFill/>
-          </a:ln>
-        </p:spPr>
-      </p:pic>
-      <p:sp>
-        <p:nvSpPr>
-          <p:cNvPr id="128" name=""/>
+        </p:nvGrpSpPr>
+        <p:grpSpPr>
+          <a:xfrm>
+            <a:off x="2552400" y="1618560"/>
+            <a:ext cx="4039200" cy="4750560"/>
+            <a:chOff x="2552400" y="1618560"/>
+            <a:chExt cx="4039200" cy="4750560"/>
+          </a:xfrm>
+        </p:grpSpPr>
+        <p:pic>
+          <p:nvPicPr>
+            <p:cNvPr id="127" name="Picture 5" descr=""/>
+            <p:cNvPicPr/>
+            <p:nvPr/>
+          </p:nvPicPr>
+          <p:blipFill>
+            <a:blip r:embed="rId1"/>
+            <a:stretch/>
+          </p:blipFill>
+          <p:spPr>
+            <a:xfrm>
+              <a:off x="2552400" y="1618560"/>
+              <a:ext cx="2383560" cy="4750560"/>
+            </a:xfrm>
+            <a:prstGeom prst="rect">
+              <a:avLst/>
+            </a:prstGeom>
+            <a:ln w="0">
+              <a:noFill/>
+            </a:ln>
+          </p:spPr>
+        </p:pic>
+        <p:pic>
+          <p:nvPicPr>
+            <p:cNvPr id="128" name="Picture 7" descr=""/>
+            <p:cNvPicPr/>
+            <p:nvPr/>
+          </p:nvPicPr>
+          <p:blipFill>
+            <a:blip r:embed="rId2"/>
+            <a:stretch/>
+          </p:blipFill>
+          <p:spPr>
+            <a:xfrm>
+              <a:off x="5039280" y="2229480"/>
+              <a:ext cx="1552320" cy="2398320"/>
+            </a:xfrm>
+            <a:prstGeom prst="rect">
+              <a:avLst/>
+            </a:prstGeom>
+            <a:ln w="0">
+              <a:noFill/>
+            </a:ln>
+          </p:spPr>
+        </p:pic>
+      </p:grpSp>
+      <p:sp>
+        <p:nvSpPr>
+          <p:cNvPr id="129" name=""/>
           <p:cNvSpPr/>
           <p:nvPr/>
         </p:nvSpPr>
         <p:spPr>
           <a:xfrm>
-            <a:off x="1771200" y="4110480"/>
-            <a:ext cx="2422800" cy="442800"/>
+            <a:off x="2447280" y="4110480"/>
+            <a:ext cx="1443600" cy="442440"/>
           </a:xfrm>
           <a:prstGeom prst="rect">
             <a:avLst/>
@@ -10962,11 +11042,17 @@
             <a:noAutofit/>
           </a:bodyPr>
           <a:p>
+            <a:pPr>
+              <a:lnSpc>
+                <a:spcPct val="100000"/>
+              </a:lnSpc>
+            </a:pPr>
             <a:endParaRPr b="0" lang="en-US" sz="1800" spc="-1" strike="noStrike">
               <a:solidFill>
                 <a:srgbClr val="000000"/>
               </a:solidFill>
               <a:latin typeface="Arial"/>
+              <a:ea typeface="DejaVu Sans"/>
             </a:endParaRPr>
           </a:p>
         </p:txBody>
@@ -11003,7 +11089,7 @@
       </p:grpSpPr>
       <p:pic>
         <p:nvPicPr>
-          <p:cNvPr id="175" name="Picture 3" descr=""/>
+          <p:cNvPr id="182" name="Picture 6" descr=""/>
           <p:cNvPicPr/>
           <p:nvPr/>
         </p:nvPicPr>
@@ -11013,8 +11099,8 @@
         </p:blipFill>
         <p:spPr>
           <a:xfrm>
-            <a:off x="74520" y="932400"/>
-            <a:ext cx="8994600" cy="4692600"/>
+            <a:off x="50760" y="1133640"/>
+            <a:ext cx="9041760" cy="4590000"/>
           </a:xfrm>
           <a:prstGeom prst="rect">
             <a:avLst/>
@@ -11056,7 +11142,7 @@
       </p:grpSpPr>
       <p:pic>
         <p:nvPicPr>
-          <p:cNvPr id="176" name="Picture 3" descr=""/>
+          <p:cNvPr id="183" name="Picture 5" descr=""/>
           <p:cNvPicPr/>
           <p:nvPr/>
         </p:nvPicPr>
@@ -11066,8 +11152,8 @@
         </p:blipFill>
         <p:spPr>
           <a:xfrm>
-            <a:off x="2171160" y="1015200"/>
-            <a:ext cx="4800960" cy="5007240"/>
+            <a:off x="65160" y="1318680"/>
+            <a:ext cx="9078120" cy="4388400"/>
           </a:xfrm>
           <a:prstGeom prst="rect">
             <a:avLst/>
@@ -11107,16 +11193,122 @@
           <a:chExt cx="0" cy="0"/>
         </a:xfrm>
       </p:grpSpPr>
-      <p:sp>
-        <p:nvSpPr>
-          <p:cNvPr id="177" name="Content Placeholder 2"/>
+      <p:pic>
+        <p:nvPicPr>
+          <p:cNvPr id="184" name="Picture 3" descr=""/>
+          <p:cNvPicPr/>
+          <p:nvPr/>
+        </p:nvPicPr>
+        <p:blipFill>
+          <a:blip r:embed="rId1"/>
+          <a:stretch/>
+        </p:blipFill>
+        <p:spPr>
+          <a:xfrm>
+            <a:off x="74520" y="932400"/>
+            <a:ext cx="8994240" cy="4692240"/>
+          </a:xfrm>
+          <a:prstGeom prst="rect">
+            <a:avLst/>
+          </a:prstGeom>
+          <a:ln w="0">
+            <a:noFill/>
+          </a:ln>
+        </p:spPr>
+      </p:pic>
+    </p:spTree>
+  </p:cSld>
+  <mc:AlternateContent>
+    <mc:Choice Requires="p14">
+      <p:transition spd="slow" p14:dur="2000"/>
+    </mc:Choice>
+    <mc:Fallback>
+      <p:transition spd="slow"/>
+    </mc:Fallback>
+  </mc:AlternateContent>
+</p:sld>
+</file>
+
+<file path=ppt/slides/slide23.xml><?xml version="1.0" encoding="utf-8"?>
+<p:sld xmlns:a="http://schemas.openxmlformats.org/drawingml/2006/main" xmlns:p="http://schemas.openxmlformats.org/presentationml/2006/main" xmlns:r="http://schemas.openxmlformats.org/officeDocument/2006/relationships" xmlns:p14="http://schemas.microsoft.com/office/powerpoint/2010/main" xmlns:p15="http://schemas.microsoft.com/office/powerpoint/2012/main" xmlns:mc="http://schemas.openxmlformats.org/markup-compatibility/2006">
+  <p:cSld>
+    <p:spTree>
+      <p:nvGrpSpPr>
+        <p:cNvPr id="1" name=""/>
+        <p:cNvGrpSpPr/>
+        <p:nvPr/>
+      </p:nvGrpSpPr>
+      <p:grpSpPr>
+        <a:xfrm>
+          <a:off x="0" y="0"/>
+          <a:ext cx="0" cy="0"/>
+          <a:chOff x="0" y="0"/>
+          <a:chExt cx="0" cy="0"/>
+        </a:xfrm>
+      </p:grpSpPr>
+      <p:pic>
+        <p:nvPicPr>
+          <p:cNvPr id="185" name="Picture 3" descr=""/>
+          <p:cNvPicPr/>
+          <p:nvPr/>
+        </p:nvPicPr>
+        <p:blipFill>
+          <a:blip r:embed="rId1"/>
+          <a:stretch/>
+        </p:blipFill>
+        <p:spPr>
+          <a:xfrm>
+            <a:off x="2171160" y="1015200"/>
+            <a:ext cx="4800600" cy="5006880"/>
+          </a:xfrm>
+          <a:prstGeom prst="rect">
+            <a:avLst/>
+          </a:prstGeom>
+          <a:ln w="0">
+            <a:noFill/>
+          </a:ln>
+        </p:spPr>
+      </p:pic>
+    </p:spTree>
+  </p:cSld>
+  <mc:AlternateContent>
+    <mc:Choice Requires="p14">
+      <p:transition spd="slow" p14:dur="2000"/>
+    </mc:Choice>
+    <mc:Fallback>
+      <p:transition spd="slow"/>
+    </mc:Fallback>
+  </mc:AlternateContent>
+</p:sld>
+</file>
+
+<file path=ppt/slides/slide24.xml><?xml version="1.0" encoding="utf-8"?>
+<p:sld xmlns:a="http://schemas.openxmlformats.org/drawingml/2006/main" xmlns:p="http://schemas.openxmlformats.org/presentationml/2006/main" xmlns:r="http://schemas.openxmlformats.org/officeDocument/2006/relationships" xmlns:p14="http://schemas.microsoft.com/office/powerpoint/2010/main" xmlns:p15="http://schemas.microsoft.com/office/powerpoint/2012/main" xmlns:mc="http://schemas.openxmlformats.org/markup-compatibility/2006">
+  <p:cSld>
+    <p:spTree>
+      <p:nvGrpSpPr>
+        <p:cNvPr id="1" name=""/>
+        <p:cNvGrpSpPr/>
+        <p:nvPr/>
+      </p:nvGrpSpPr>
+      <p:grpSpPr>
+        <a:xfrm>
+          <a:off x="0" y="0"/>
+          <a:ext cx="0" cy="0"/>
+          <a:chOff x="0" y="0"/>
+          <a:chExt cx="0" cy="0"/>
+        </a:xfrm>
+      </p:grpSpPr>
+      <p:sp>
+        <p:nvSpPr>
+          <p:cNvPr id="186" name="Content Placeholder 2"/>
           <p:cNvSpPr/>
           <p:nvPr/>
         </p:nvSpPr>
         <p:spPr>
           <a:xfrm>
-            <a:off x="1671120" y="3147120"/>
-            <a:ext cx="5802120" cy="564120"/>
+            <a:off x="1671120" y="1894320"/>
+            <a:ext cx="5801760" cy="1432080"/>
           </a:xfrm>
           <a:prstGeom prst="rect">
             <a:avLst/>
@@ -11133,11 +11325,11 @@
           <a:fontRef idx="minor"/>
         </p:style>
         <p:txBody>
-          <a:bodyPr anchor="t">
-            <a:normAutofit fontScale="97000"/>
-          </a:bodyPr>
-          <a:p>
-            <a:pPr>
+          <a:bodyPr lIns="90000" rIns="90000" tIns="45000" bIns="45000" anchor="t">
+            <a:normAutofit fontScale="77000"/>
+          </a:bodyPr>
+          <a:p>
+            <a:pPr algn="ctr">
               <a:lnSpc>
                 <a:spcPct val="90000"/>
               </a:lnSpc>
@@ -11154,8 +11346,57 @@
                   <a:srgbClr val="000000"/>
                 </a:solidFill>
                 <a:latin typeface="Calibri"/>
+                <a:ea typeface="DejaVu Sans"/>
               </a:rPr>
-              <a:t>Благодаря за вниманието!</a:t>
+              <a:t>Благодарим Ви за вниманието!</a:t>
+            </a:r>
+            <a:endParaRPr b="0" lang="en-US" sz="3600" spc="-1" strike="noStrike">
+              <a:solidFill>
+                <a:srgbClr val="000000"/>
+              </a:solidFill>
+              <a:latin typeface="Arial"/>
+            </a:endParaRPr>
+          </a:p>
+          <a:p>
+            <a:pPr algn="ctr">
+              <a:lnSpc>
+                <a:spcPct val="90000"/>
+              </a:lnSpc>
+              <a:spcBef>
+                <a:spcPts val="1001"/>
+              </a:spcBef>
+              <a:tabLst>
+                <a:tab algn="l" pos="0"/>
+              </a:tabLst>
+            </a:pPr>
+            <a:endParaRPr b="0" lang="en-US" sz="3600" spc="-1" strike="noStrike">
+              <a:solidFill>
+                <a:srgbClr val="000000"/>
+              </a:solidFill>
+              <a:latin typeface="Arial"/>
+            </a:endParaRPr>
+          </a:p>
+          <a:p>
+            <a:pPr algn="ctr">
+              <a:lnSpc>
+                <a:spcPct val="90000"/>
+              </a:lnSpc>
+              <a:spcBef>
+                <a:spcPts val="1001"/>
+              </a:spcBef>
+              <a:tabLst>
+                <a:tab algn="l" pos="0"/>
+              </a:tabLst>
+            </a:pPr>
+            <a:r>
+              <a:rPr b="0" lang="bg-BG" sz="3600" spc="-1" strike="noStrike">
+                <a:solidFill>
+                  <a:srgbClr val="000000"/>
+                </a:solidFill>
+                <a:latin typeface="Calibri"/>
+                <a:ea typeface="DejaVu Sans"/>
+              </a:rPr>
+              <a:t>Весело лято 2023!</a:t>
             </a:r>
             <a:endParaRPr b="0" lang="en-US" sz="3600" spc="-1" strike="noStrike">
               <a:solidFill>
@@ -11198,7 +11439,7 @@
       </p:grpSpPr>
       <p:pic>
         <p:nvPicPr>
-          <p:cNvPr id="129" name="Content Placeholder 4" descr=""/>
+          <p:cNvPr id="130" name="Content Placeholder 4" descr=""/>
           <p:cNvPicPr/>
           <p:nvPr/>
         </p:nvPicPr>
@@ -11209,7 +11450,7 @@
         <p:spPr>
           <a:xfrm>
             <a:off x="46800" y="1269000"/>
-            <a:ext cx="9000000" cy="4320000"/>
+            <a:ext cx="8999640" cy="4319640"/>
           </a:xfrm>
           <a:prstGeom prst="rect">
             <a:avLst/>
@@ -11251,7 +11492,7 @@
       </p:grpSpPr>
       <p:pic>
         <p:nvPicPr>
-          <p:cNvPr id="130" name="Content Placeholder 4" descr=""/>
+          <p:cNvPr id="131" name="Content Placeholder 4" descr=""/>
           <p:cNvPicPr/>
           <p:nvPr/>
         </p:nvPicPr>
@@ -11262,7 +11503,7 @@
         <p:spPr>
           <a:xfrm>
             <a:off x="5400" y="1269000"/>
-            <a:ext cx="9000000" cy="4320000"/>
+            <a:ext cx="8999640" cy="4319640"/>
           </a:xfrm>
           <a:prstGeom prst="rect">
             <a:avLst/>
@@ -11304,7 +11545,7 @@
       </p:grpSpPr>
       <p:pic>
         <p:nvPicPr>
-          <p:cNvPr id="131" name="Content Placeholder 3" descr=""/>
+          <p:cNvPr id="132" name="Content Placeholder 3" descr=""/>
           <p:cNvPicPr/>
           <p:nvPr/>
         </p:nvPicPr>
@@ -11315,7 +11556,7 @@
         <p:spPr>
           <a:xfrm>
             <a:off x="72000" y="1179000"/>
-            <a:ext cx="9000000" cy="4500000"/>
+            <a:ext cx="8999640" cy="4499640"/>
           </a:xfrm>
           <a:prstGeom prst="rect">
             <a:avLst/>
@@ -11357,7 +11598,7 @@
       </p:grpSpPr>
       <p:pic>
         <p:nvPicPr>
-          <p:cNvPr id="132" name="Content Placeholder 3" descr=""/>
+          <p:cNvPr id="133" name="Content Placeholder 3" descr=""/>
           <p:cNvPicPr/>
           <p:nvPr/>
         </p:nvPicPr>
@@ -11368,7 +11609,7 @@
         <p:spPr>
           <a:xfrm>
             <a:off x="65520" y="1179000"/>
-            <a:ext cx="9000000" cy="4500000"/>
+            <a:ext cx="8999640" cy="4499640"/>
           </a:xfrm>
           <a:prstGeom prst="rect">
             <a:avLst/>
@@ -11410,7 +11651,7 @@
       </p:grpSpPr>
       <p:pic>
         <p:nvPicPr>
-          <p:cNvPr id="133" name="Picture 4" descr=""/>
+          <p:cNvPr id="134" name="Picture 4" descr=""/>
           <p:cNvPicPr/>
           <p:nvPr/>
         </p:nvPicPr>
@@ -11421,7 +11662,7 @@
         <p:spPr>
           <a:xfrm>
             <a:off x="1421640" y="278640"/>
-            <a:ext cx="6300720" cy="6300720"/>
+            <a:ext cx="6300360" cy="6300360"/>
           </a:xfrm>
           <a:prstGeom prst="rect">
             <a:avLst/>
@@ -11463,7 +11704,7 @@
       </p:grpSpPr>
       <p:sp>
         <p:nvSpPr>
-          <p:cNvPr id="134" name="PlaceHolder 1"/>
+          <p:cNvPr id="135" name="PlaceHolder 1"/>
           <p:cNvSpPr>
             <a:spLocks noGrp="1"/>
           </p:cNvSpPr>
@@ -11474,18 +11715,18 @@
         <p:spPr>
           <a:xfrm>
             <a:off x="180000" y="379800"/>
-            <a:ext cx="5442480" cy="378360"/>
-          </a:xfrm>
-          <a:prstGeom prst="rect">
-            <a:avLst/>
-          </a:prstGeom>
-          <a:noFill/>
-          <a:ln w="0">
-            <a:noFill/>
-          </a:ln>
-        </p:spPr>
-        <p:txBody>
-          <a:bodyPr anchor="ctr">
+            <a:ext cx="5442120" cy="378000"/>
+          </a:xfrm>
+          <a:prstGeom prst="rect">
+            <a:avLst/>
+          </a:prstGeom>
+          <a:noFill/>
+          <a:ln w="0">
+            <a:noFill/>
+          </a:ln>
+        </p:spPr>
+        <p:txBody>
+          <a:bodyPr lIns="90000" rIns="90000" tIns="45000" bIns="45000" anchor="ctr">
             <a:noAutofit/>
           </a:bodyPr>
           <a:p>
@@ -11494,6 +11735,9 @@
                 <a:spcPct val="90000"/>
               </a:lnSpc>
               <a:buNone/>
+              <a:tabLst>
+                <a:tab algn="l" pos="0"/>
+              </a:tabLst>
             </a:pPr>
             <a:r>
               <a:rPr b="0" lang="en-GB" sz="1800" spc="-1" strike="noStrike">
@@ -11517,57 +11761,72 @@
               <a:solidFill>
                 <a:srgbClr val="000000"/>
               </a:solidFill>
-              <a:latin typeface="Calibri"/>
-            </a:endParaRPr>
-          </a:p>
-        </p:txBody>
-      </p:sp>
-      <p:pic>
-        <p:nvPicPr>
-          <p:cNvPr id="135" name="Content Placeholder 18" descr=""/>
-          <p:cNvPicPr/>
+              <a:latin typeface="Arial"/>
+            </a:endParaRPr>
+          </a:p>
+        </p:txBody>
+      </p:sp>
+      <p:grpSp>
+        <p:nvGrpSpPr>
+          <p:cNvPr id="136" name=""/>
+          <p:cNvGrpSpPr/>
           <p:nvPr/>
-        </p:nvPicPr>
-        <p:blipFill>
-          <a:blip r:embed="rId1"/>
-          <a:stretch/>
-        </p:blipFill>
-        <p:spPr>
-          <a:xfrm>
-            <a:off x="866520" y="758520"/>
-            <a:ext cx="6355080" cy="3388680"/>
-          </a:xfrm>
-          <a:prstGeom prst="rect">
-            <a:avLst/>
-          </a:prstGeom>
-          <a:ln w="0">
-            <a:noFill/>
-          </a:ln>
-        </p:spPr>
-      </p:pic>
-      <p:pic>
-        <p:nvPicPr>
-          <p:cNvPr id="136" name="Picture 20" descr=""/>
-          <p:cNvPicPr/>
-          <p:nvPr/>
-        </p:nvPicPr>
-        <p:blipFill>
-          <a:blip r:embed="rId2"/>
-          <a:stretch/>
-        </p:blipFill>
-        <p:spPr>
-          <a:xfrm>
-            <a:off x="866520" y="3468960"/>
-            <a:ext cx="6355080" cy="3388680"/>
-          </a:xfrm>
-          <a:prstGeom prst="rect">
-            <a:avLst/>
-          </a:prstGeom>
-          <a:ln w="0">
-            <a:noFill/>
-          </a:ln>
-        </p:spPr>
-      </p:pic>
+        </p:nvGrpSpPr>
+        <p:grpSpPr>
+          <a:xfrm>
+            <a:off x="1394640" y="758520"/>
+            <a:ext cx="6354720" cy="6098760"/>
+            <a:chOff x="1394640" y="758520"/>
+            <a:chExt cx="6354720" cy="6098760"/>
+          </a:xfrm>
+        </p:grpSpPr>
+        <p:pic>
+          <p:nvPicPr>
+            <p:cNvPr id="137" name="Content Placeholder 18" descr=""/>
+            <p:cNvPicPr/>
+            <p:nvPr/>
+          </p:nvPicPr>
+          <p:blipFill>
+            <a:blip r:embed="rId1"/>
+            <a:stretch/>
+          </p:blipFill>
+          <p:spPr>
+            <a:xfrm>
+              <a:off x="1394640" y="758520"/>
+              <a:ext cx="6354720" cy="3388320"/>
+            </a:xfrm>
+            <a:prstGeom prst="rect">
+              <a:avLst/>
+            </a:prstGeom>
+            <a:ln w="0">
+              <a:noFill/>
+            </a:ln>
+          </p:spPr>
+        </p:pic>
+        <p:pic>
+          <p:nvPicPr>
+            <p:cNvPr id="138" name="Picture 20" descr=""/>
+            <p:cNvPicPr/>
+            <p:nvPr/>
+          </p:nvPicPr>
+          <p:blipFill>
+            <a:blip r:embed="rId2"/>
+            <a:stretch/>
+          </p:blipFill>
+          <p:spPr>
+            <a:xfrm>
+              <a:off x="1394640" y="3468960"/>
+              <a:ext cx="6354720" cy="3388320"/>
+            </a:xfrm>
+            <a:prstGeom prst="rect">
+              <a:avLst/>
+            </a:prstGeom>
+            <a:ln w="0">
+              <a:noFill/>
+            </a:ln>
+          </p:spPr>
+        </p:pic>
+      </p:grpSp>
     </p:spTree>
   </p:cSld>
   <mc:AlternateContent>
@@ -11598,52 +11857,67 @@
           <a:chExt cx="0" cy="0"/>
         </a:xfrm>
       </p:grpSpPr>
-      <p:pic>
-        <p:nvPicPr>
-          <p:cNvPr id="137" name="Content Placeholder 3" descr=""/>
-          <p:cNvPicPr/>
+      <p:grpSp>
+        <p:nvGrpSpPr>
+          <p:cNvPr id="139" name=""/>
+          <p:cNvGrpSpPr/>
           <p:nvPr/>
-        </p:nvPicPr>
-        <p:blipFill>
-          <a:blip r:embed="rId1"/>
-          <a:stretch/>
-        </p:blipFill>
-        <p:spPr>
-          <a:xfrm>
-            <a:off x="1122120" y="2880"/>
-            <a:ext cx="6612840" cy="3526200"/>
-          </a:xfrm>
-          <a:prstGeom prst="rect">
-            <a:avLst/>
-          </a:prstGeom>
-          <a:ln w="0">
-            <a:noFill/>
-          </a:ln>
-        </p:spPr>
-      </p:pic>
-      <p:pic>
-        <p:nvPicPr>
-          <p:cNvPr id="138" name="Picture 4" descr=""/>
-          <p:cNvPicPr/>
-          <p:nvPr/>
-        </p:nvPicPr>
-        <p:blipFill>
-          <a:blip r:embed="rId2"/>
-          <a:stretch/>
-        </p:blipFill>
-        <p:spPr>
-          <a:xfrm>
-            <a:off x="1122120" y="3180240"/>
-            <a:ext cx="6612840" cy="3526200"/>
-          </a:xfrm>
-          <a:prstGeom prst="rect">
-            <a:avLst/>
-          </a:prstGeom>
-          <a:ln w="0">
-            <a:noFill/>
-          </a:ln>
-        </p:spPr>
-      </p:pic>
+        </p:nvGrpSpPr>
+        <p:grpSpPr>
+          <a:xfrm>
+            <a:off x="1260000" y="18000"/>
+            <a:ext cx="6624000" cy="6886080"/>
+            <a:chOff x="1260000" y="18000"/>
+            <a:chExt cx="6624000" cy="6886080"/>
+          </a:xfrm>
+        </p:grpSpPr>
+        <p:pic>
+          <p:nvPicPr>
+            <p:cNvPr id="140" name="Content Placeholder 3" descr=""/>
+            <p:cNvPicPr/>
+            <p:nvPr/>
+          </p:nvPicPr>
+          <p:blipFill>
+            <a:blip r:embed="rId1"/>
+            <a:stretch/>
+          </p:blipFill>
+          <p:spPr>
+            <a:xfrm>
+              <a:off x="1260000" y="18000"/>
+              <a:ext cx="6612480" cy="3525840"/>
+            </a:xfrm>
+            <a:prstGeom prst="rect">
+              <a:avLst/>
+            </a:prstGeom>
+            <a:ln w="0">
+              <a:noFill/>
+            </a:ln>
+          </p:spPr>
+        </p:pic>
+        <p:pic>
+          <p:nvPicPr>
+            <p:cNvPr id="141" name="Picture 4" descr=""/>
+            <p:cNvPicPr/>
+            <p:nvPr/>
+          </p:nvPicPr>
+          <p:blipFill>
+            <a:blip r:embed="rId2"/>
+            <a:stretch/>
+          </p:blipFill>
+          <p:spPr>
+            <a:xfrm>
+              <a:off x="1271520" y="3378240"/>
+              <a:ext cx="6612480" cy="3525840"/>
+            </a:xfrm>
+            <a:prstGeom prst="rect">
+              <a:avLst/>
+            </a:prstGeom>
+            <a:ln w="0">
+              <a:noFill/>
+            </a:ln>
+          </p:spPr>
+        </p:pic>
+      </p:grpSp>
     </p:spTree>
   </p:cSld>
   <mc:AlternateContent>

--- a/case.solution_2.pptx
+++ b/case.solution_2.pptx
@@ -88,7 +88,7 @@
         <p:txBody>
           <a:bodyPr/>
           <a:p>
-            <a:fld id="{50329F3D-6C0C-4213-A137-27D9F97F2539}" type="slidenum">
+            <a:fld id="{15545C32-0922-4ACC-ABB5-2C94810D01E9}" type="slidenum">
               <a:t>&lt;#&gt;</a:t>
             </a:fld>
           </a:p>
@@ -297,7 +297,7 @@
         <p:txBody>
           <a:bodyPr/>
           <a:p>
-            <a:fld id="{C2C5100E-C820-4B46-8448-22B899F0E477}" type="slidenum">
+            <a:fld id="{3012AE08-DC43-4DF3-A160-C9AF41971D19}" type="slidenum">
               <a:t>&lt;#&gt;</a:t>
             </a:fld>
           </a:p>
@@ -592,7 +592,7 @@
         <p:txBody>
           <a:bodyPr/>
           <a:p>
-            <a:fld id="{20F1EC61-5A28-416D-9B30-B89B01830066}" type="slidenum">
+            <a:fld id="{A22E9377-211D-4BC9-B3D3-69B408AC9729}" type="slidenum">
               <a:t>&lt;#&gt;</a:t>
             </a:fld>
           </a:p>
@@ -973,7 +973,7 @@
         <p:txBody>
           <a:bodyPr/>
           <a:p>
-            <a:fld id="{35CF9D33-5118-4A1D-BD55-EB455E413E51}" type="slidenum">
+            <a:fld id="{D1072118-D192-4F71-8E0C-299C6F523BCA}" type="slidenum">
               <a:t>&lt;#&gt;</a:t>
             </a:fld>
           </a:p>
@@ -1056,7 +1056,7 @@
         <p:txBody>
           <a:bodyPr/>
           <a:p>
-            <a:fld id="{00D76360-D6B4-4773-AD20-D2782917F68C}" type="slidenum">
+            <a:fld id="{238E0E4E-7C83-44FC-8DC5-3C205BEC308F}" type="slidenum">
               <a:t>&lt;#&gt;</a:t>
             </a:fld>
           </a:p>
@@ -1219,7 +1219,7 @@
         <p:txBody>
           <a:bodyPr/>
           <a:p>
-            <a:fld id="{78226E59-B1CD-4747-9B10-FC396FAAA71E}" type="slidenum">
+            <a:fld id="{767A1B4A-F59E-4982-BB3D-EB8FB5234C6B}" type="slidenum">
               <a:t>&lt;#&gt;</a:t>
             </a:fld>
           </a:p>
@@ -1385,7 +1385,7 @@
         <p:txBody>
           <a:bodyPr/>
           <a:p>
-            <a:fld id="{AB668D21-EE9B-491C-9031-401826FF7C58}" type="slidenum">
+            <a:fld id="{6116360C-91D1-4404-BE10-A3AE3BA57A3B}" type="slidenum">
               <a:t>&lt;#&gt;</a:t>
             </a:fld>
           </a:p>
@@ -1594,7 +1594,7 @@
         <p:txBody>
           <a:bodyPr/>
           <a:p>
-            <a:fld id="{925BAD76-7D25-4B90-AC04-57E7E2BF00AD}" type="slidenum">
+            <a:fld id="{2FB1671D-717E-42D6-8B42-9253CB0574D4}" type="slidenum">
               <a:t>&lt;#&gt;</a:t>
             </a:fld>
           </a:p>
@@ -1717,7 +1717,7 @@
         <p:txBody>
           <a:bodyPr/>
           <a:p>
-            <a:fld id="{2A9C903E-003B-4FE3-9DE0-F47840C861C0}" type="slidenum">
+            <a:fld id="{6F4E30A3-01E6-4FC7-8246-705718D0DA56}" type="slidenum">
               <a:t>&lt;#&gt;</a:t>
             </a:fld>
           </a:p>
@@ -1838,7 +1838,7 @@
         <p:txBody>
           <a:bodyPr/>
           <a:p>
-            <a:fld id="{2D2CCD7B-E0AD-4478-A634-0B6ED6CD4086}" type="slidenum">
+            <a:fld id="{5DE6EE48-6974-426F-8796-7C3EAD73D1CF}" type="slidenum">
               <a:t>&lt;#&gt;</a:t>
             </a:fld>
           </a:p>
@@ -2090,7 +2090,7 @@
         <p:txBody>
           <a:bodyPr/>
           <a:p>
-            <a:fld id="{2889CC86-5EBB-426B-9A11-8F6CF6BF350C}" type="slidenum">
+            <a:fld id="{F4288842-9D92-4DCE-81A1-2AA3E749B92E}" type="slidenum">
               <a:t>&lt;#&gt;</a:t>
             </a:fld>
           </a:p>
@@ -2253,7 +2253,7 @@
         <p:txBody>
           <a:bodyPr/>
           <a:p>
-            <a:fld id="{FDFA3FCC-158C-44FD-9A72-A3F0C8931D28}" type="slidenum">
+            <a:fld id="{CD9969B7-04F6-4241-8EE0-D9634CA04EAF}" type="slidenum">
               <a:t>&lt;#&gt;</a:t>
             </a:fld>
           </a:p>
@@ -2505,7 +2505,7 @@
         <p:txBody>
           <a:bodyPr/>
           <a:p>
-            <a:fld id="{26FCC5F9-6669-4785-8E17-777006B25271}" type="slidenum">
+            <a:fld id="{2949C46C-594F-4586-8957-504920523D0A}" type="slidenum">
               <a:t>&lt;#&gt;</a:t>
             </a:fld>
           </a:p>
@@ -2757,7 +2757,7 @@
         <p:txBody>
           <a:bodyPr/>
           <a:p>
-            <a:fld id="{0CE19811-66D2-43C9-B659-1DFA225AB621}" type="slidenum">
+            <a:fld id="{D396DC58-0023-4998-BAD2-3B474B535D6B}" type="slidenum">
               <a:t>&lt;#&gt;</a:t>
             </a:fld>
           </a:p>
@@ -2966,7 +2966,7 @@
         <p:txBody>
           <a:bodyPr/>
           <a:p>
-            <a:fld id="{5406EA20-27F8-4EB8-91A3-ABD6A5446438}" type="slidenum">
+            <a:fld id="{2FF390FD-764C-41DE-94B0-D2D8317C8705}" type="slidenum">
               <a:t>&lt;#&gt;</a:t>
             </a:fld>
           </a:p>
@@ -3261,7 +3261,7 @@
         <p:txBody>
           <a:bodyPr/>
           <a:p>
-            <a:fld id="{4C8B3D44-4B76-4F3E-AE3D-3F8BADAFA9BD}" type="slidenum">
+            <a:fld id="{019A1683-9418-4C25-A11D-964733D098B9}" type="slidenum">
               <a:t>&lt;#&gt;</a:t>
             </a:fld>
           </a:p>
@@ -3642,7 +3642,7 @@
         <p:txBody>
           <a:bodyPr/>
           <a:p>
-            <a:fld id="{4FECB0FB-8BF3-480F-9154-560A2BF6D454}" type="slidenum">
+            <a:fld id="{C9F46E2E-FBDD-42CE-8349-7FF8E8564DA6}" type="slidenum">
               <a:t>&lt;#&gt;</a:t>
             </a:fld>
           </a:p>
@@ -3725,7 +3725,7 @@
         <p:txBody>
           <a:bodyPr/>
           <a:p>
-            <a:fld id="{8BB43545-426D-4332-80A3-7116B41F8DDF}" type="slidenum">
+            <a:fld id="{A5D7E4C3-9C97-473B-9E93-A2C15566F206}" type="slidenum">
               <a:t>&lt;#&gt;</a:t>
             </a:fld>
           </a:p>
@@ -3888,7 +3888,7 @@
         <p:txBody>
           <a:bodyPr/>
           <a:p>
-            <a:fld id="{3194C8F5-E719-45F8-8A6D-BDFEEC28E47A}" type="slidenum">
+            <a:fld id="{146AA38C-8047-4400-8384-0FCF98344A32}" type="slidenum">
               <a:t>&lt;#&gt;</a:t>
             </a:fld>
           </a:p>
@@ -4054,7 +4054,7 @@
         <p:txBody>
           <a:bodyPr/>
           <a:p>
-            <a:fld id="{CC3CA75F-8DCA-4818-A22C-255BDA5C3182}" type="slidenum">
+            <a:fld id="{64EF80BF-47D1-4BDA-9849-DC8C31411843}" type="slidenum">
               <a:t>&lt;#&gt;</a:t>
             </a:fld>
           </a:p>
@@ -4263,7 +4263,7 @@
         <p:txBody>
           <a:bodyPr/>
           <a:p>
-            <a:fld id="{27121B05-557B-4761-B441-3B57FDC1CD13}" type="slidenum">
+            <a:fld id="{6E1BC807-96AE-40EB-B481-59B491A893C7}" type="slidenum">
               <a:t>&lt;#&gt;</a:t>
             </a:fld>
           </a:p>
@@ -4386,7 +4386,7 @@
         <p:txBody>
           <a:bodyPr/>
           <a:p>
-            <a:fld id="{82C1DFB0-6F51-4190-B748-7243AFFE4F43}" type="slidenum">
+            <a:fld id="{6F088A21-8DA2-4CF1-8223-EB5DB57C780D}" type="slidenum">
               <a:t>&lt;#&gt;</a:t>
             </a:fld>
           </a:p>
@@ -4552,7 +4552,7 @@
         <p:txBody>
           <a:bodyPr/>
           <a:p>
-            <a:fld id="{4888B927-D0E5-498C-A050-84DFF74A7BC5}" type="slidenum">
+            <a:fld id="{F2370128-B96C-428F-A4FA-F6841420D20B}" type="slidenum">
               <a:t>&lt;#&gt;</a:t>
             </a:fld>
           </a:p>
@@ -4673,7 +4673,7 @@
         <p:txBody>
           <a:bodyPr/>
           <a:p>
-            <a:fld id="{8DCC2766-5EF4-4151-967D-C3FB7045DBD7}" type="slidenum">
+            <a:fld id="{573E28CC-145F-4419-9A29-E99445F77872}" type="slidenum">
               <a:t>&lt;#&gt;</a:t>
             </a:fld>
           </a:p>
@@ -4925,7 +4925,7 @@
         <p:txBody>
           <a:bodyPr/>
           <a:p>
-            <a:fld id="{A87E719E-DEFD-4EFC-8F86-EC4277E7C53E}" type="slidenum">
+            <a:fld id="{C855433A-32E5-4FBD-B14F-9B9DE8028218}" type="slidenum">
               <a:t>&lt;#&gt;</a:t>
             </a:fld>
           </a:p>
@@ -5177,7 +5177,7 @@
         <p:txBody>
           <a:bodyPr/>
           <a:p>
-            <a:fld id="{B33F90F6-D738-4E8D-AAC9-BF4B61E12F05}" type="slidenum">
+            <a:fld id="{FBC7C957-99A0-4F2D-9894-DEB29D5CCB9F}" type="slidenum">
               <a:t>&lt;#&gt;</a:t>
             </a:fld>
           </a:p>
@@ -5429,7 +5429,7 @@
         <p:txBody>
           <a:bodyPr/>
           <a:p>
-            <a:fld id="{8865BE4F-20ED-4BB9-8395-068F31E7178D}" type="slidenum">
+            <a:fld id="{29DDBAF5-ACD5-4865-B421-D1FF6F9A4DDB}" type="slidenum">
               <a:t>&lt;#&gt;</a:t>
             </a:fld>
           </a:p>
@@ -5638,7 +5638,7 @@
         <p:txBody>
           <a:bodyPr/>
           <a:p>
-            <a:fld id="{111FFC35-1CE2-4941-B6C6-EF5900BF6859}" type="slidenum">
+            <a:fld id="{19182A36-1766-4CD2-8154-5C6577FD8860}" type="slidenum">
               <a:t>&lt;#&gt;</a:t>
             </a:fld>
           </a:p>
@@ -5933,7 +5933,7 @@
         <p:txBody>
           <a:bodyPr/>
           <a:p>
-            <a:fld id="{2E4140E2-FB2F-49E2-B2D0-0E5660F673FD}" type="slidenum">
+            <a:fld id="{44F9A8B9-4F68-4C82-BE3C-187648022D82}" type="slidenum">
               <a:t>&lt;#&gt;</a:t>
             </a:fld>
           </a:p>
@@ -6314,7 +6314,7 @@
         <p:txBody>
           <a:bodyPr/>
           <a:p>
-            <a:fld id="{C41F892C-1570-40CC-BA24-6E134BB3D9D4}" type="slidenum">
+            <a:fld id="{243EB792-818C-4B44-AFCA-8AA221B14DE1}" type="slidenum">
               <a:t>&lt;#&gt;</a:t>
             </a:fld>
           </a:p>
@@ -6523,7 +6523,7 @@
         <p:txBody>
           <a:bodyPr/>
           <a:p>
-            <a:fld id="{21E57564-3BA9-43F5-96B8-8FB5A7F47381}" type="slidenum">
+            <a:fld id="{1E3773E5-87A5-40A7-8F23-E0DA42F3083C}" type="slidenum">
               <a:t>&lt;#&gt;</a:t>
             </a:fld>
           </a:p>
@@ -6646,7 +6646,7 @@
         <p:txBody>
           <a:bodyPr/>
           <a:p>
-            <a:fld id="{B36319B0-95E1-4F94-847F-E0B5762CD4C5}" type="slidenum">
+            <a:fld id="{43042BAA-0E7B-4DCB-A57F-51A912EA6FFF}" type="slidenum">
               <a:t>&lt;#&gt;</a:t>
             </a:fld>
           </a:p>
@@ -6767,7 +6767,7 @@
         <p:txBody>
           <a:bodyPr/>
           <a:p>
-            <a:fld id="{F32FAADE-33FA-4445-93C4-D47F81F7ABD7}" type="slidenum">
+            <a:fld id="{A1236FBE-EFBC-4189-8CEB-E23B5AD41270}" type="slidenum">
               <a:t>&lt;#&gt;</a:t>
             </a:fld>
           </a:p>
@@ -7019,7 +7019,7 @@
         <p:txBody>
           <a:bodyPr/>
           <a:p>
-            <a:fld id="{595DBB3D-3695-4C72-A037-4377F62D6890}" type="slidenum">
+            <a:fld id="{2C2E32C6-B781-4FC9-8758-D04CB910261C}" type="slidenum">
               <a:t>&lt;#&gt;</a:t>
             </a:fld>
           </a:p>
@@ -7271,7 +7271,7 @@
         <p:txBody>
           <a:bodyPr/>
           <a:p>
-            <a:fld id="{AD1EF56B-5B30-41E7-ABDB-A628F48A3F84}" type="slidenum">
+            <a:fld id="{FFE3864F-E8FA-452C-A064-4190E35C40FB}" type="slidenum">
               <a:t>&lt;#&gt;</a:t>
             </a:fld>
           </a:p>
@@ -7523,7 +7523,7 @@
         <p:txBody>
           <a:bodyPr/>
           <a:p>
-            <a:fld id="{163AB4F7-DF5C-4558-8D66-CBCAC44D5D80}" type="slidenum">
+            <a:fld id="{09DA051B-6EC0-47C1-95DA-E0B92D52591C}" type="slidenum">
               <a:t>&lt;#&gt;</a:t>
             </a:fld>
           </a:p>
@@ -7591,8 +7591,8 @@
         </p:nvSpPr>
         <p:spPr>
           <a:xfrm>
-            <a:off x="628560" y="365040"/>
-            <a:ext cx="7886160" cy="1324800"/>
+            <a:off x="457200" y="273600"/>
+            <a:ext cx="8228880" cy="1144440"/>
           </a:xfrm>
           <a:prstGeom prst="rect">
             <a:avLst/>
@@ -7635,13 +7635,238 @@
             <a:spLocks noGrp="1"/>
           </p:cNvSpPr>
           <p:nvPr>
+            <p:ph type="body"/>
+          </p:nvPr>
+        </p:nvSpPr>
+        <p:spPr>
+          <a:xfrm>
+            <a:off x="457200" y="1604520"/>
+            <a:ext cx="8228880" cy="3976920"/>
+          </a:xfrm>
+          <a:prstGeom prst="rect">
+            <a:avLst/>
+          </a:prstGeom>
+          <a:noFill/>
+          <a:ln w="0">
+            <a:noFill/>
+          </a:ln>
+        </p:spPr>
+        <p:txBody>
+          <a:bodyPr lIns="0" rIns="0" tIns="0" bIns="0" anchor="t">
+            <a:normAutofit/>
+          </a:bodyPr>
+          <a:p>
+            <a:pPr marL="432000" indent="-324000">
+              <a:spcBef>
+                <a:spcPts val="1417"/>
+              </a:spcBef>
+              <a:buClr>
+                <a:srgbClr val="000000"/>
+              </a:buClr>
+              <a:buSzPct val="45000"/>
+              <a:buFont typeface="Wingdings" charset="2"/>
+              <a:buChar char=""/>
+            </a:pPr>
+            <a:r>
+              <a:rPr b="0" lang="en-US" sz="1800" spc="-1" strike="noStrike">
+                <a:solidFill>
+                  <a:srgbClr val="000000"/>
+                </a:solidFill>
+                <a:latin typeface="Arial"/>
+              </a:rPr>
+              <a:t>Format des Gliederungstextes durch Klicken bearbeiten</a:t>
+            </a:r>
+            <a:endParaRPr b="0" lang="en-US" sz="1800" spc="-1" strike="noStrike">
+              <a:solidFill>
+                <a:srgbClr val="000000"/>
+              </a:solidFill>
+              <a:latin typeface="Arial"/>
+            </a:endParaRPr>
+          </a:p>
+          <a:p>
+            <a:pPr lvl="1" marL="864000" indent="-324000">
+              <a:spcBef>
+                <a:spcPts val="1134"/>
+              </a:spcBef>
+              <a:buClr>
+                <a:srgbClr val="000000"/>
+              </a:buClr>
+              <a:buSzPct val="75000"/>
+              <a:buFont typeface="Symbol" charset="2"/>
+              <a:buChar char=""/>
+            </a:pPr>
+            <a:r>
+              <a:rPr b="0" lang="en-US" sz="1800" spc="-1" strike="noStrike">
+                <a:solidFill>
+                  <a:srgbClr val="000000"/>
+                </a:solidFill>
+                <a:latin typeface="Arial"/>
+              </a:rPr>
+              <a:t>Zweite Gliederungsebene</a:t>
+            </a:r>
+            <a:endParaRPr b="0" lang="en-US" sz="1800" spc="-1" strike="noStrike">
+              <a:solidFill>
+                <a:srgbClr val="000000"/>
+              </a:solidFill>
+              <a:latin typeface="Arial"/>
+            </a:endParaRPr>
+          </a:p>
+          <a:p>
+            <a:pPr lvl="2" marL="1296000" indent="-288000">
+              <a:spcBef>
+                <a:spcPts val="850"/>
+              </a:spcBef>
+              <a:buClr>
+                <a:srgbClr val="000000"/>
+              </a:buClr>
+              <a:buSzPct val="45000"/>
+              <a:buFont typeface="Wingdings" charset="2"/>
+              <a:buChar char=""/>
+            </a:pPr>
+            <a:r>
+              <a:rPr b="0" lang="en-US" sz="1800" spc="-1" strike="noStrike">
+                <a:solidFill>
+                  <a:srgbClr val="000000"/>
+                </a:solidFill>
+                <a:latin typeface="Arial"/>
+              </a:rPr>
+              <a:t>Dritte Gliederungsebene</a:t>
+            </a:r>
+            <a:endParaRPr b="0" lang="en-US" sz="1800" spc="-1" strike="noStrike">
+              <a:solidFill>
+                <a:srgbClr val="000000"/>
+              </a:solidFill>
+              <a:latin typeface="Arial"/>
+            </a:endParaRPr>
+          </a:p>
+          <a:p>
+            <a:pPr lvl="3" marL="1728000" indent="-216000">
+              <a:spcBef>
+                <a:spcPts val="567"/>
+              </a:spcBef>
+              <a:buClr>
+                <a:srgbClr val="000000"/>
+              </a:buClr>
+              <a:buSzPct val="75000"/>
+              <a:buFont typeface="Symbol" charset="2"/>
+              <a:buChar char=""/>
+            </a:pPr>
+            <a:r>
+              <a:rPr b="0" lang="en-US" sz="1800" spc="-1" strike="noStrike">
+                <a:solidFill>
+                  <a:srgbClr val="000000"/>
+                </a:solidFill>
+                <a:latin typeface="Arial"/>
+              </a:rPr>
+              <a:t>Vierte Gliederungsebene</a:t>
+            </a:r>
+            <a:endParaRPr b="0" lang="en-US" sz="1800" spc="-1" strike="noStrike">
+              <a:solidFill>
+                <a:srgbClr val="000000"/>
+              </a:solidFill>
+              <a:latin typeface="Arial"/>
+            </a:endParaRPr>
+          </a:p>
+          <a:p>
+            <a:pPr lvl="4" marL="2160000" indent="-216000">
+              <a:spcBef>
+                <a:spcPts val="283"/>
+              </a:spcBef>
+              <a:buClr>
+                <a:srgbClr val="000000"/>
+              </a:buClr>
+              <a:buSzPct val="45000"/>
+              <a:buFont typeface="Wingdings" charset="2"/>
+              <a:buChar char=""/>
+            </a:pPr>
+            <a:r>
+              <a:rPr b="0" lang="en-US" sz="1800" spc="-1" strike="noStrike">
+                <a:solidFill>
+                  <a:srgbClr val="000000"/>
+                </a:solidFill>
+                <a:latin typeface="Arial"/>
+              </a:rPr>
+              <a:t>Fünfte Gliederungsebene</a:t>
+            </a:r>
+            <a:endParaRPr b="0" lang="en-US" sz="1800" spc="-1" strike="noStrike">
+              <a:solidFill>
+                <a:srgbClr val="000000"/>
+              </a:solidFill>
+              <a:latin typeface="Arial"/>
+            </a:endParaRPr>
+          </a:p>
+          <a:p>
+            <a:pPr lvl="5" marL="2592000" indent="-216000">
+              <a:spcBef>
+                <a:spcPts val="283"/>
+              </a:spcBef>
+              <a:buClr>
+                <a:srgbClr val="000000"/>
+              </a:buClr>
+              <a:buSzPct val="45000"/>
+              <a:buFont typeface="Wingdings" charset="2"/>
+              <a:buChar char=""/>
+            </a:pPr>
+            <a:r>
+              <a:rPr b="0" lang="en-US" sz="1800" spc="-1" strike="noStrike">
+                <a:solidFill>
+                  <a:srgbClr val="000000"/>
+                </a:solidFill>
+                <a:latin typeface="Arial"/>
+              </a:rPr>
+              <a:t>Sechste Gliederungsebene</a:t>
+            </a:r>
+            <a:endParaRPr b="0" lang="en-US" sz="1800" spc="-1" strike="noStrike">
+              <a:solidFill>
+                <a:srgbClr val="000000"/>
+              </a:solidFill>
+              <a:latin typeface="Arial"/>
+            </a:endParaRPr>
+          </a:p>
+          <a:p>
+            <a:pPr lvl="6" marL="3024000" indent="-216000">
+              <a:spcBef>
+                <a:spcPts val="283"/>
+              </a:spcBef>
+              <a:buClr>
+                <a:srgbClr val="000000"/>
+              </a:buClr>
+              <a:buSzPct val="45000"/>
+              <a:buFont typeface="Wingdings" charset="2"/>
+              <a:buChar char=""/>
+            </a:pPr>
+            <a:r>
+              <a:rPr b="0" lang="en-US" sz="1800" spc="-1" strike="noStrike">
+                <a:solidFill>
+                  <a:srgbClr val="000000"/>
+                </a:solidFill>
+                <a:latin typeface="Arial"/>
+              </a:rPr>
+              <a:t>Siebte Gliederungsebene</a:t>
+            </a:r>
+            <a:endParaRPr b="0" lang="en-US" sz="1800" spc="-1" strike="noStrike">
+              <a:solidFill>
+                <a:srgbClr val="000000"/>
+              </a:solidFill>
+              <a:latin typeface="Arial"/>
+            </a:endParaRPr>
+          </a:p>
+        </p:txBody>
+      </p:sp>
+      <p:sp>
+        <p:nvSpPr>
+          <p:cNvPr id="2" name="PlaceHolder 3"/>
+          <p:cNvSpPr>
+            <a:spLocks noGrp="1"/>
+          </p:cNvSpPr>
+          <p:nvPr>
             <p:ph type="ftr" idx="1"/>
           </p:nvPr>
         </p:nvSpPr>
         <p:spPr>
           <a:xfrm>
             <a:off x="3029040" y="6356520"/>
-            <a:ext cx="3085560" cy="364320"/>
+            <a:ext cx="3085200" cy="363960"/>
           </a:xfrm>
           <a:prstGeom prst="rect">
             <a:avLst/>
@@ -7702,7 +7927,7 @@
       </p:sp>
       <p:sp>
         <p:nvSpPr>
-          <p:cNvPr id="2" name="PlaceHolder 3"/>
+          <p:cNvPr id="3" name="PlaceHolder 4"/>
           <p:cNvSpPr>
             <a:spLocks noGrp="1"/>
           </p:cNvSpPr>
@@ -7713,7 +7938,7 @@
         <p:spPr>
           <a:xfrm>
             <a:off x="6458040" y="6356520"/>
-            <a:ext cx="2056680" cy="364320"/>
+            <a:ext cx="2056320" cy="363960"/>
           </a:xfrm>
           <a:prstGeom prst="rect">
             <a:avLst/>
@@ -7754,7 +7979,7 @@
                 <a:tab algn="l" pos="0"/>
               </a:tabLst>
             </a:pPr>
-            <a:fld id="{F45C6296-7FB3-4D5C-9A67-C4BA2112A0EA}" type="slidenum">
+            <a:fld id="{2162771E-AEBF-445C-9BE3-C00AD26B34AE}" type="slidenum">
               <a:rPr b="0" lang="en-GB" sz="1200" spc="-1" strike="noStrike">
                 <a:solidFill>
                   <a:srgbClr val="8b8b8b"/>
@@ -7774,7 +7999,7 @@
       </p:sp>
       <p:sp>
         <p:nvSpPr>
-          <p:cNvPr id="3" name="PlaceHolder 4"/>
+          <p:cNvPr id="4" name="PlaceHolder 5"/>
           <p:cNvSpPr>
             <a:spLocks noGrp="1"/>
           </p:cNvSpPr>
@@ -7785,7 +8010,7 @@
         <p:spPr>
           <a:xfrm>
             <a:off x="628560" y="6356520"/>
-            <a:ext cx="2056680" cy="364320"/>
+            <a:ext cx="2056320" cy="363960"/>
           </a:xfrm>
           <a:prstGeom prst="rect">
             <a:avLst/>
@@ -7828,231 +8053,6 @@
                 <a:srgbClr val="000000"/>
               </a:solidFill>
               <a:latin typeface="Times New Roman"/>
-            </a:endParaRPr>
-          </a:p>
-        </p:txBody>
-      </p:sp>
-      <p:sp>
-        <p:nvSpPr>
-          <p:cNvPr id="4" name="PlaceHolder 5"/>
-          <p:cNvSpPr>
-            <a:spLocks noGrp="1"/>
-          </p:cNvSpPr>
-          <p:nvPr>
-            <p:ph type="body"/>
-          </p:nvPr>
-        </p:nvSpPr>
-        <p:spPr>
-          <a:xfrm>
-            <a:off x="457200" y="1604520"/>
-            <a:ext cx="8229240" cy="3977280"/>
-          </a:xfrm>
-          <a:prstGeom prst="rect">
-            <a:avLst/>
-          </a:prstGeom>
-          <a:noFill/>
-          <a:ln w="0">
-            <a:noFill/>
-          </a:ln>
-        </p:spPr>
-        <p:txBody>
-          <a:bodyPr lIns="0" rIns="0" tIns="0" bIns="0" anchor="t">
-            <a:normAutofit/>
-          </a:bodyPr>
-          <a:p>
-            <a:pPr marL="432000" indent="-324000">
-              <a:spcBef>
-                <a:spcPts val="1417"/>
-              </a:spcBef>
-              <a:buClr>
-                <a:srgbClr val="000000"/>
-              </a:buClr>
-              <a:buSzPct val="45000"/>
-              <a:buFont typeface="Wingdings" charset="2"/>
-              <a:buChar char=""/>
-            </a:pPr>
-            <a:r>
-              <a:rPr b="0" lang="en-US" sz="3200" spc="-1" strike="noStrike">
-                <a:solidFill>
-                  <a:srgbClr val="000000"/>
-                </a:solidFill>
-                <a:latin typeface="Arial"/>
-              </a:rPr>
-              <a:t>Format des Gliederungstextes durch Klicken bearbeiten</a:t>
-            </a:r>
-            <a:endParaRPr b="0" lang="en-US" sz="3200" spc="-1" strike="noStrike">
-              <a:solidFill>
-                <a:srgbClr val="000000"/>
-              </a:solidFill>
-              <a:latin typeface="Arial"/>
-            </a:endParaRPr>
-          </a:p>
-          <a:p>
-            <a:pPr lvl="1" marL="864000" indent="-324000">
-              <a:spcBef>
-                <a:spcPts val="1134"/>
-              </a:spcBef>
-              <a:buClr>
-                <a:srgbClr val="000000"/>
-              </a:buClr>
-              <a:buSzPct val="75000"/>
-              <a:buFont typeface="Symbol" charset="2"/>
-              <a:buChar char=""/>
-            </a:pPr>
-            <a:r>
-              <a:rPr b="0" lang="en-US" sz="2800" spc="-1" strike="noStrike">
-                <a:solidFill>
-                  <a:srgbClr val="000000"/>
-                </a:solidFill>
-                <a:latin typeface="Arial"/>
-              </a:rPr>
-              <a:t>Zweite Gliederungsebene</a:t>
-            </a:r>
-            <a:endParaRPr b="0" lang="en-US" sz="2800" spc="-1" strike="noStrike">
-              <a:solidFill>
-                <a:srgbClr val="000000"/>
-              </a:solidFill>
-              <a:latin typeface="Arial"/>
-            </a:endParaRPr>
-          </a:p>
-          <a:p>
-            <a:pPr lvl="2" marL="1296000" indent="-288000">
-              <a:spcBef>
-                <a:spcPts val="850"/>
-              </a:spcBef>
-              <a:buClr>
-                <a:srgbClr val="000000"/>
-              </a:buClr>
-              <a:buSzPct val="45000"/>
-              <a:buFont typeface="Wingdings" charset="2"/>
-              <a:buChar char=""/>
-            </a:pPr>
-            <a:r>
-              <a:rPr b="0" lang="en-US" sz="2400" spc="-1" strike="noStrike">
-                <a:solidFill>
-                  <a:srgbClr val="000000"/>
-                </a:solidFill>
-                <a:latin typeface="Arial"/>
-              </a:rPr>
-              <a:t>Dritte Gliederungsebene</a:t>
-            </a:r>
-            <a:endParaRPr b="0" lang="en-US" sz="2400" spc="-1" strike="noStrike">
-              <a:solidFill>
-                <a:srgbClr val="000000"/>
-              </a:solidFill>
-              <a:latin typeface="Arial"/>
-            </a:endParaRPr>
-          </a:p>
-          <a:p>
-            <a:pPr lvl="3" marL="1728000" indent="-216000">
-              <a:spcBef>
-                <a:spcPts val="567"/>
-              </a:spcBef>
-              <a:buClr>
-                <a:srgbClr val="000000"/>
-              </a:buClr>
-              <a:buSzPct val="75000"/>
-              <a:buFont typeface="Symbol" charset="2"/>
-              <a:buChar char=""/>
-            </a:pPr>
-            <a:r>
-              <a:rPr b="0" lang="en-US" sz="2000" spc="-1" strike="noStrike">
-                <a:solidFill>
-                  <a:srgbClr val="000000"/>
-                </a:solidFill>
-                <a:latin typeface="Arial"/>
-              </a:rPr>
-              <a:t>Vierte Gliederungsebene</a:t>
-            </a:r>
-            <a:endParaRPr b="0" lang="en-US" sz="2000" spc="-1" strike="noStrike">
-              <a:solidFill>
-                <a:srgbClr val="000000"/>
-              </a:solidFill>
-              <a:latin typeface="Arial"/>
-            </a:endParaRPr>
-          </a:p>
-          <a:p>
-            <a:pPr lvl="4" marL="2160000" indent="-216000">
-              <a:spcBef>
-                <a:spcPts val="283"/>
-              </a:spcBef>
-              <a:buClr>
-                <a:srgbClr val="000000"/>
-              </a:buClr>
-              <a:buSzPct val="45000"/>
-              <a:buFont typeface="Wingdings" charset="2"/>
-              <a:buChar char=""/>
-            </a:pPr>
-            <a:r>
-              <a:rPr b="0" lang="en-US" sz="2000" spc="-1" strike="noStrike">
-                <a:solidFill>
-                  <a:srgbClr val="000000"/>
-                </a:solidFill>
-                <a:latin typeface="Arial"/>
-              </a:rPr>
-              <a:t>Fünfte Gliederungsebene</a:t>
-            </a:r>
-            <a:endParaRPr b="0" lang="en-US" sz="2000" spc="-1" strike="noStrike">
-              <a:solidFill>
-                <a:srgbClr val="000000"/>
-              </a:solidFill>
-              <a:latin typeface="Arial"/>
-            </a:endParaRPr>
-          </a:p>
-          <a:p>
-            <a:pPr lvl="5" marL="2592000" indent="-216000">
-              <a:spcBef>
-                <a:spcPts val="283"/>
-              </a:spcBef>
-              <a:buClr>
-                <a:srgbClr val="000000"/>
-              </a:buClr>
-              <a:buSzPct val="45000"/>
-              <a:buFont typeface="Wingdings" charset="2"/>
-              <a:buChar char=""/>
-            </a:pPr>
-            <a:r>
-              <a:rPr b="0" lang="en-US" sz="2000" spc="-1" strike="noStrike">
-                <a:solidFill>
-                  <a:srgbClr val="000000"/>
-                </a:solidFill>
-                <a:latin typeface="Arial"/>
-              </a:rPr>
-              <a:t>Sechste Gliederungsebene</a:t>
-            </a:r>
-            <a:endParaRPr b="0" lang="en-US" sz="2000" spc="-1" strike="noStrike">
-              <a:solidFill>
-                <a:srgbClr val="000000"/>
-              </a:solidFill>
-              <a:latin typeface="Arial"/>
-            </a:endParaRPr>
-          </a:p>
-          <a:p>
-            <a:pPr lvl="6" marL="3024000" indent="-216000">
-              <a:spcBef>
-                <a:spcPts val="283"/>
-              </a:spcBef>
-              <a:buClr>
-                <a:srgbClr val="000000"/>
-              </a:buClr>
-              <a:buSzPct val="45000"/>
-              <a:buFont typeface="Wingdings" charset="2"/>
-              <a:buChar char=""/>
-            </a:pPr>
-            <a:r>
-              <a:rPr b="0" lang="en-US" sz="2000" spc="-1" strike="noStrike">
-                <a:solidFill>
-                  <a:srgbClr val="000000"/>
-                </a:solidFill>
-                <a:latin typeface="Arial"/>
-              </a:rPr>
-              <a:t>Siebte Gliederungsebene</a:t>
-            </a:r>
-            <a:endParaRPr b="0" lang="en-US" sz="2000" spc="-1" strike="noStrike">
-              <a:solidFill>
-                <a:srgbClr val="000000"/>
-              </a:solidFill>
-              <a:latin typeface="Arial"/>
             </a:endParaRPr>
           </a:p>
         </p:txBody>
@@ -8114,7 +8114,7 @@
         <p:spPr>
           <a:xfrm>
             <a:off x="3029040" y="6356520"/>
-            <a:ext cx="3085560" cy="364320"/>
+            <a:ext cx="3085200" cy="363960"/>
           </a:xfrm>
           <a:prstGeom prst="rect">
             <a:avLst/>
@@ -8186,7 +8186,7 @@
         <p:spPr>
           <a:xfrm>
             <a:off x="6458040" y="6356520"/>
-            <a:ext cx="2056680" cy="364320"/>
+            <a:ext cx="2056320" cy="363960"/>
           </a:xfrm>
           <a:prstGeom prst="rect">
             <a:avLst/>
@@ -8227,7 +8227,7 @@
                 <a:tab algn="l" pos="0"/>
               </a:tabLst>
             </a:pPr>
-            <a:fld id="{86CFC890-BEEC-4541-AEA6-3A5B874E8826}" type="slidenum">
+            <a:fld id="{96F3C0A0-21A2-4B00-9F84-9B2E089BD8B9}" type="slidenum">
               <a:rPr b="0" lang="en-GB" sz="1200" spc="-1" strike="noStrike">
                 <a:solidFill>
                   <a:srgbClr val="8b8b8b"/>
@@ -8258,7 +8258,7 @@
         <p:spPr>
           <a:xfrm>
             <a:off x="628560" y="6356520"/>
-            <a:ext cx="2056680" cy="364320"/>
+            <a:ext cx="2056320" cy="363960"/>
           </a:xfrm>
           <a:prstGeom prst="rect">
             <a:avLst/>
@@ -8635,8 +8635,8 @@
         </p:nvSpPr>
         <p:spPr>
           <a:xfrm>
-            <a:off x="628560" y="365040"/>
-            <a:ext cx="7886160" cy="1324800"/>
+            <a:off x="457200" y="273600"/>
+            <a:ext cx="8228880" cy="1144440"/>
           </a:xfrm>
           <a:prstGeom prst="rect">
             <a:avLst/>
@@ -8685,7 +8685,7 @@
         <p:spPr>
           <a:xfrm>
             <a:off x="3029040" y="6356520"/>
-            <a:ext cx="3085560" cy="364320"/>
+            <a:ext cx="3085200" cy="363960"/>
           </a:xfrm>
           <a:prstGeom prst="rect">
             <a:avLst/>
@@ -8757,7 +8757,7 @@
         <p:spPr>
           <a:xfrm>
             <a:off x="6458040" y="6356520"/>
-            <a:ext cx="2056680" cy="364320"/>
+            <a:ext cx="2056320" cy="363960"/>
           </a:xfrm>
           <a:prstGeom prst="rect">
             <a:avLst/>
@@ -8798,7 +8798,7 @@
                 <a:tab algn="l" pos="0"/>
               </a:tabLst>
             </a:pPr>
-            <a:fld id="{E898D9FB-A8FC-4A2D-BA84-74ACFD20FEEB}" type="slidenum">
+            <a:fld id="{05E9812B-196B-458B-99BD-4CC4C4D54915}" type="slidenum">
               <a:rPr b="0" lang="en-GB" sz="1200" spc="-1" strike="noStrike">
                 <a:solidFill>
                   <a:srgbClr val="8b8b8b"/>
@@ -8829,7 +8829,7 @@
         <p:spPr>
           <a:xfrm>
             <a:off x="628560" y="6356520"/>
-            <a:ext cx="2056680" cy="364320"/>
+            <a:ext cx="2056320" cy="363960"/>
           </a:xfrm>
           <a:prstGeom prst="rect">
             <a:avLst/>
@@ -9150,8 +9150,8 @@
         </p:nvSpPr>
         <p:spPr>
           <a:xfrm>
-            <a:off x="646920" y="695160"/>
-            <a:ext cx="7771680" cy="2423880"/>
+            <a:off x="297000" y="2415600"/>
+            <a:ext cx="8467920" cy="1293480"/>
           </a:xfrm>
           <a:prstGeom prst="rect">
             <a:avLst/>
@@ -9163,7 +9163,7 @@
         </p:spPr>
         <p:txBody>
           <a:bodyPr lIns="0" rIns="0" tIns="0" bIns="0" anchor="b">
-            <a:normAutofit fontScale="85000"/>
+            <a:normAutofit fontScale="78000"/>
           </a:bodyPr>
           <a:p>
             <a:pPr indent="0" algn="ctr">
@@ -9196,17 +9196,13 @@
       <p:sp>
         <p:nvSpPr>
           <p:cNvPr id="124" name="PlaceHolder 2"/>
-          <p:cNvSpPr>
-            <a:spLocks noGrp="1"/>
-          </p:cNvSpPr>
-          <p:nvPr>
-            <p:ph type="subTitle"/>
-          </p:nvPr>
-        </p:nvSpPr>
-        <p:spPr>
-          <a:xfrm>
-            <a:off x="1113840" y="3742200"/>
-            <a:ext cx="6857280" cy="535320"/>
+          <p:cNvSpPr txBox="1"/>
+          <p:nvPr/>
+        </p:nvSpPr>
+        <p:spPr>
+          <a:xfrm>
+            <a:off x="1140120" y="4156920"/>
+            <a:ext cx="6856920" cy="1572120"/>
           </a:xfrm>
           <a:prstGeom prst="rect">
             <a:avLst/>
@@ -9338,6 +9334,29 @@
           </a:p>
         </p:txBody>
       </p:sp>
+      <p:pic>
+        <p:nvPicPr>
+          <p:cNvPr id="125" name="" descr=""/>
+          <p:cNvPicPr/>
+          <p:nvPr/>
+        </p:nvPicPr>
+        <p:blipFill>
+          <a:blip r:embed="rId1"/>
+          <a:stretch/>
+        </p:blipFill>
+        <p:spPr>
+          <a:xfrm>
+            <a:off x="158400" y="219600"/>
+            <a:ext cx="6166800" cy="1309320"/>
+          </a:xfrm>
+          <a:prstGeom prst="rect">
+            <a:avLst/>
+          </a:prstGeom>
+          <a:ln w="0">
+            <a:noFill/>
+          </a:ln>
+        </p:spPr>
+      </p:pic>
     </p:spTree>
   </p:cSld>
   <mc:AlternateContent>
@@ -9370,7 +9389,7 @@
       </p:grpSpPr>
       <p:pic>
         <p:nvPicPr>
-          <p:cNvPr id="142" name="Content Placeholder 3" descr=""/>
+          <p:cNvPr id="143" name="Content Placeholder 3" descr=""/>
           <p:cNvPicPr/>
           <p:nvPr/>
         </p:nvPicPr>
@@ -9381,7 +9400,7 @@
         <p:spPr>
           <a:xfrm>
             <a:off x="1282320" y="72000"/>
-            <a:ext cx="6578640" cy="3507840"/>
+            <a:ext cx="6578280" cy="3507480"/>
           </a:xfrm>
           <a:prstGeom prst="rect">
             <a:avLst/>
@@ -9393,7 +9412,7 @@
       </p:pic>
       <p:pic>
         <p:nvPicPr>
-          <p:cNvPr id="143" name="Picture 4" descr=""/>
+          <p:cNvPr id="144" name="Picture 4" descr=""/>
           <p:cNvPicPr/>
           <p:nvPr/>
         </p:nvPicPr>
@@ -9404,7 +9423,7 @@
         <p:spPr>
           <a:xfrm>
             <a:off x="1282320" y="3277440"/>
-            <a:ext cx="6578640" cy="3507840"/>
+            <a:ext cx="6578280" cy="3507480"/>
           </a:xfrm>
           <a:prstGeom prst="rect">
             <a:avLst/>
@@ -9446,7 +9465,7 @@
       </p:grpSpPr>
       <p:pic>
         <p:nvPicPr>
-          <p:cNvPr id="144" name="Picture 12" descr=""/>
+          <p:cNvPr id="145" name="Picture 12" descr=""/>
           <p:cNvPicPr/>
           <p:nvPr/>
         </p:nvPicPr>
@@ -9457,7 +9476,7 @@
         <p:spPr>
           <a:xfrm>
             <a:off x="2668680" y="2127240"/>
-            <a:ext cx="6474600" cy="1899000"/>
+            <a:ext cx="6474240" cy="1898640"/>
           </a:xfrm>
           <a:prstGeom prst="rect">
             <a:avLst/>
@@ -9469,7 +9488,7 @@
       </p:pic>
       <p:sp>
         <p:nvSpPr>
-          <p:cNvPr id="145" name="PlaceHolder 1"/>
+          <p:cNvPr id="146" name="PlaceHolder 1"/>
           <p:cNvSpPr>
             <a:spLocks noGrp="1"/>
           </p:cNvSpPr>
@@ -9480,7 +9499,7 @@
         <p:spPr>
           <a:xfrm>
             <a:off x="628560" y="365040"/>
-            <a:ext cx="7886160" cy="1324800"/>
+            <a:ext cx="7885800" cy="1324440"/>
           </a:xfrm>
           <a:prstGeom prst="rect">
             <a:avLst/>
@@ -9542,7 +9561,7 @@
       </p:sp>
       <p:pic>
         <p:nvPicPr>
-          <p:cNvPr id="146" name="Picture 8" descr=""/>
+          <p:cNvPr id="147" name="Picture 8" descr=""/>
           <p:cNvPicPr/>
           <p:nvPr/>
         </p:nvPicPr>
@@ -9553,7 +9572,7 @@
         <p:spPr>
           <a:xfrm>
             <a:off x="348840" y="4545360"/>
-            <a:ext cx="8445240" cy="1703160"/>
+            <a:ext cx="8444880" cy="1702800"/>
           </a:xfrm>
           <a:prstGeom prst="rect">
             <a:avLst/>
@@ -9565,7 +9584,7 @@
       </p:pic>
       <p:pic>
         <p:nvPicPr>
-          <p:cNvPr id="147" name="Picture 14" descr=""/>
+          <p:cNvPr id="148" name="Picture 14" descr=""/>
           <p:cNvPicPr/>
           <p:nvPr/>
         </p:nvPicPr>
@@ -9576,7 +9595,7 @@
         <p:spPr>
           <a:xfrm>
             <a:off x="0" y="2127240"/>
-            <a:ext cx="6789600" cy="1851840"/>
+            <a:ext cx="6789240" cy="1851480"/>
           </a:xfrm>
           <a:prstGeom prst="rect">
             <a:avLst/>
@@ -9618,7 +9637,7 @@
       </p:grpSpPr>
       <p:sp>
         <p:nvSpPr>
-          <p:cNvPr id="148" name="PlaceHolder 1"/>
+          <p:cNvPr id="149" name="PlaceHolder 1"/>
           <p:cNvSpPr>
             <a:spLocks noGrp="1"/>
           </p:cNvSpPr>
@@ -9629,7 +9648,7 @@
         <p:spPr>
           <a:xfrm>
             <a:off x="359640" y="140040"/>
-            <a:ext cx="7819560" cy="776520"/>
+            <a:ext cx="7819200" cy="776160"/>
           </a:xfrm>
           <a:prstGeom prst="rect">
             <a:avLst/>
@@ -9682,7 +9701,7 @@
       </p:sp>
       <p:pic>
         <p:nvPicPr>
-          <p:cNvPr id="149" name="Picture 14" descr=""/>
+          <p:cNvPr id="150" name="Picture 14" descr=""/>
           <p:cNvPicPr/>
           <p:nvPr/>
         </p:nvPicPr>
@@ -9693,7 +9712,7 @@
         <p:spPr>
           <a:xfrm>
             <a:off x="108720" y="2148120"/>
-            <a:ext cx="3858840" cy="2009880"/>
+            <a:ext cx="3858480" cy="2009520"/>
           </a:xfrm>
           <a:prstGeom prst="rect">
             <a:avLst/>
@@ -9705,7 +9724,7 @@
       </p:pic>
       <p:pic>
         <p:nvPicPr>
-          <p:cNvPr id="150" name="Picture 20" descr=""/>
+          <p:cNvPr id="151" name="Picture 20" descr=""/>
           <p:cNvPicPr/>
           <p:nvPr/>
         </p:nvPicPr>
@@ -9716,7 +9735,7 @@
         <p:spPr>
           <a:xfrm>
             <a:off x="404640" y="1340640"/>
-            <a:ext cx="2742840" cy="332640"/>
+            <a:ext cx="2742480" cy="332280"/>
           </a:xfrm>
           <a:prstGeom prst="rect">
             <a:avLst/>
@@ -9728,7 +9747,7 @@
       </p:pic>
       <p:pic>
         <p:nvPicPr>
-          <p:cNvPr id="151" name="Picture 22" descr=""/>
+          <p:cNvPr id="152" name="Picture 22" descr=""/>
           <p:cNvPicPr/>
           <p:nvPr/>
         </p:nvPicPr>
@@ -9739,7 +9758,7 @@
         <p:spPr>
           <a:xfrm>
             <a:off x="252000" y="1618560"/>
-            <a:ext cx="2895120" cy="408960"/>
+            <a:ext cx="2894760" cy="408600"/>
           </a:xfrm>
           <a:prstGeom prst="rect">
             <a:avLst/>
@@ -9751,7 +9770,7 @@
       </p:pic>
       <p:pic>
         <p:nvPicPr>
-          <p:cNvPr id="152" name="Picture 26" descr=""/>
+          <p:cNvPr id="153" name="Picture 26" descr=""/>
           <p:cNvPicPr/>
           <p:nvPr/>
         </p:nvPicPr>
@@ -9762,7 +9781,7 @@
         <p:spPr>
           <a:xfrm>
             <a:off x="5391720" y="1369800"/>
-            <a:ext cx="2333160" cy="237600"/>
+            <a:ext cx="2332800" cy="237240"/>
           </a:xfrm>
           <a:prstGeom prst="rect">
             <a:avLst/>
@@ -9774,7 +9793,7 @@
       </p:pic>
       <p:pic>
         <p:nvPicPr>
-          <p:cNvPr id="153" name="Picture 28" descr=""/>
+          <p:cNvPr id="154" name="Picture 28" descr=""/>
           <p:cNvPicPr/>
           <p:nvPr/>
         </p:nvPicPr>
@@ -9785,7 +9804,7 @@
         <p:spPr>
           <a:xfrm>
             <a:off x="5132160" y="1610640"/>
-            <a:ext cx="2942280" cy="408960"/>
+            <a:ext cx="2941920" cy="408600"/>
           </a:xfrm>
           <a:prstGeom prst="rect">
             <a:avLst/>
@@ -9797,7 +9816,7 @@
       </p:pic>
       <p:pic>
         <p:nvPicPr>
-          <p:cNvPr id="154" name="Picture 30" descr=""/>
+          <p:cNvPr id="155" name="Picture 30" descr=""/>
           <p:cNvPicPr/>
           <p:nvPr/>
         </p:nvPicPr>
@@ -9808,7 +9827,7 @@
         <p:spPr>
           <a:xfrm>
             <a:off x="4987440" y="2200680"/>
-            <a:ext cx="3476520" cy="1856880"/>
+            <a:ext cx="3476160" cy="1856520"/>
           </a:xfrm>
           <a:prstGeom prst="rect">
             <a:avLst/>
@@ -9820,7 +9839,7 @@
       </p:pic>
       <p:pic>
         <p:nvPicPr>
-          <p:cNvPr id="155" name="Picture 34" descr=""/>
+          <p:cNvPr id="156" name="Picture 34" descr=""/>
           <p:cNvPicPr/>
           <p:nvPr/>
         </p:nvPicPr>
@@ -9831,7 +9850,7 @@
         <p:spPr>
           <a:xfrm>
             <a:off x="3102840" y="4276800"/>
-            <a:ext cx="2333160" cy="180360"/>
+            <a:ext cx="2332800" cy="180000"/>
           </a:xfrm>
           <a:prstGeom prst="rect">
             <a:avLst/>
@@ -9843,7 +9862,7 @@
       </p:pic>
       <p:pic>
         <p:nvPicPr>
-          <p:cNvPr id="156" name="Picture 36" descr=""/>
+          <p:cNvPr id="157" name="Picture 36" descr=""/>
           <p:cNvPicPr/>
           <p:nvPr/>
         </p:nvPicPr>
@@ -9854,7 +9873,7 @@
         <p:spPr>
           <a:xfrm>
             <a:off x="3148200" y="4460760"/>
-            <a:ext cx="2533320" cy="342360"/>
+            <a:ext cx="2532960" cy="342000"/>
           </a:xfrm>
           <a:prstGeom prst="rect">
             <a:avLst/>
@@ -9866,7 +9885,7 @@
       </p:pic>
       <p:pic>
         <p:nvPicPr>
-          <p:cNvPr id="157" name="Picture 38" descr=""/>
+          <p:cNvPr id="158" name="Picture 38" descr=""/>
           <p:cNvPicPr/>
           <p:nvPr/>
         </p:nvPicPr>
@@ -9877,7 +9896,7 @@
         <p:spPr>
           <a:xfrm>
             <a:off x="2683800" y="4770000"/>
-            <a:ext cx="3428640" cy="1856880"/>
+            <a:ext cx="3428280" cy="1856520"/>
           </a:xfrm>
           <a:prstGeom prst="rect">
             <a:avLst/>
@@ -9919,7 +9938,7 @@
       </p:grpSpPr>
       <p:pic>
         <p:nvPicPr>
-          <p:cNvPr id="158" name="Picture 11" descr=""/>
+          <p:cNvPr id="159" name="Picture 11" descr=""/>
           <p:cNvPicPr/>
           <p:nvPr/>
         </p:nvPicPr>
@@ -9930,7 +9949,7 @@
         <p:spPr>
           <a:xfrm>
             <a:off x="146880" y="3387600"/>
-            <a:ext cx="4331160" cy="2586240"/>
+            <a:ext cx="4330800" cy="2585880"/>
           </a:xfrm>
           <a:prstGeom prst="rect">
             <a:avLst/>
@@ -9942,7 +9961,7 @@
       </p:pic>
       <p:pic>
         <p:nvPicPr>
-          <p:cNvPr id="159" name="Picture 13" descr=""/>
+          <p:cNvPr id="160" name="Picture 13" descr=""/>
           <p:cNvPicPr/>
           <p:nvPr/>
         </p:nvPicPr>
@@ -9953,7 +9972,7 @@
         <p:spPr>
           <a:xfrm>
             <a:off x="124920" y="871200"/>
-            <a:ext cx="4353120" cy="2515680"/>
+            <a:ext cx="4352760" cy="2515320"/>
           </a:xfrm>
           <a:prstGeom prst="rect">
             <a:avLst/>
@@ -9965,7 +9984,7 @@
       </p:pic>
       <p:sp>
         <p:nvSpPr>
-          <p:cNvPr id="160" name="PlaceHolder 1"/>
+          <p:cNvPr id="161" name="PlaceHolder 1"/>
           <p:cNvSpPr>
             <a:spLocks noGrp="1"/>
           </p:cNvSpPr>
@@ -9976,7 +9995,7 @@
         <p:spPr>
           <a:xfrm>
             <a:off x="146880" y="248760"/>
-            <a:ext cx="3065400" cy="609480"/>
+            <a:ext cx="3065040" cy="609120"/>
           </a:xfrm>
           <a:prstGeom prst="rect">
             <a:avLst/>
@@ -10020,7 +10039,7 @@
       </p:sp>
       <p:pic>
         <p:nvPicPr>
-          <p:cNvPr id="161" name="Picture 15" descr=""/>
+          <p:cNvPr id="162" name="Picture 15" descr=""/>
           <p:cNvPicPr/>
           <p:nvPr/>
         </p:nvPicPr>
@@ -10031,7 +10050,7 @@
         <p:spPr>
           <a:xfrm>
             <a:off x="4478760" y="1959480"/>
-            <a:ext cx="4571280" cy="2720880"/>
+            <a:ext cx="4570920" cy="2720520"/>
           </a:xfrm>
           <a:prstGeom prst="rect">
             <a:avLst/>
@@ -10073,23 +10092,29 @@
       </p:grpSpPr>
       <p:sp>
         <p:nvSpPr>
-          <p:cNvPr id="162" name="PlaceHolder 4"/>
-          <p:cNvSpPr txBox="1"/>
+          <p:cNvPr id="163" name="PlaceHolder 4"/>
+          <p:cNvSpPr/>
           <p:nvPr/>
         </p:nvSpPr>
         <p:spPr>
           <a:xfrm>
             <a:off x="147240" y="249120"/>
-            <a:ext cx="3589560" cy="609480"/>
-          </a:xfrm>
-          <a:prstGeom prst="rect">
-            <a:avLst/>
-          </a:prstGeom>
-          <a:noFill/>
-          <a:ln w="0">
-            <a:noFill/>
-          </a:ln>
-        </p:spPr>
+            <a:ext cx="3589200" cy="609120"/>
+          </a:xfrm>
+          <a:prstGeom prst="rect">
+            <a:avLst/>
+          </a:prstGeom>
+          <a:noFill/>
+          <a:ln w="0">
+            <a:noFill/>
+          </a:ln>
+        </p:spPr>
+        <p:style>
+          <a:lnRef idx="0"/>
+          <a:fillRef idx="0"/>
+          <a:effectRef idx="0"/>
+          <a:fontRef idx="minor"/>
+        </p:style>
         <p:txBody>
           <a:bodyPr lIns="0" rIns="0" tIns="0" bIns="0" anchor="ctr">
             <a:normAutofit fontScale="71000"/>
@@ -10123,7 +10148,7 @@
       </p:sp>
       <p:pic>
         <p:nvPicPr>
-          <p:cNvPr id="163" name="" descr=""/>
+          <p:cNvPr id="164" name="" descr=""/>
           <p:cNvPicPr/>
           <p:nvPr/>
         </p:nvPicPr>
@@ -10134,7 +10159,7 @@
         <p:spPr>
           <a:xfrm>
             <a:off x="1242000" y="989280"/>
-            <a:ext cx="6660000" cy="5223960"/>
+            <a:ext cx="6659640" cy="5223600"/>
           </a:xfrm>
           <a:prstGeom prst="rect">
             <a:avLst/>
@@ -10176,7 +10201,7 @@
       </p:grpSpPr>
       <p:pic>
         <p:nvPicPr>
-          <p:cNvPr id="164" name="Picture 10" descr=""/>
+          <p:cNvPr id="165" name="Picture 10" descr=""/>
           <p:cNvPicPr/>
           <p:nvPr/>
         </p:nvPicPr>
@@ -10187,7 +10212,7 @@
         <p:spPr>
           <a:xfrm>
             <a:off x="12600" y="916560"/>
-            <a:ext cx="5313600" cy="2653560"/>
+            <a:ext cx="5313240" cy="2653200"/>
           </a:xfrm>
           <a:prstGeom prst="rect">
             <a:avLst/>
@@ -10199,7 +10224,7 @@
       </p:pic>
       <p:sp>
         <p:nvSpPr>
-          <p:cNvPr id="165" name="PlaceHolder 1"/>
+          <p:cNvPr id="166" name="PlaceHolder 1"/>
           <p:cNvSpPr>
             <a:spLocks noGrp="1"/>
           </p:cNvSpPr>
@@ -10210,7 +10235,7 @@
         <p:spPr>
           <a:xfrm>
             <a:off x="12600" y="147960"/>
-            <a:ext cx="3936600" cy="657000"/>
+            <a:ext cx="3936240" cy="656640"/>
           </a:xfrm>
           <a:prstGeom prst="rect">
             <a:avLst/>
@@ -10254,7 +10279,7 @@
       </p:sp>
       <p:pic>
         <p:nvPicPr>
-          <p:cNvPr id="166" name="Picture 12" descr=""/>
+          <p:cNvPr id="167" name="Picture 12" descr=""/>
           <p:cNvPicPr/>
           <p:nvPr/>
         </p:nvPicPr>
@@ -10265,7 +10290,7 @@
         <p:spPr>
           <a:xfrm>
             <a:off x="5326920" y="2375640"/>
-            <a:ext cx="3740400" cy="2496960"/>
+            <a:ext cx="3740040" cy="2496600"/>
           </a:xfrm>
           <a:prstGeom prst="rect">
             <a:avLst/>
@@ -10277,7 +10302,7 @@
       </p:pic>
       <p:pic>
         <p:nvPicPr>
-          <p:cNvPr id="167" name="Picture 14" descr=""/>
+          <p:cNvPr id="168" name="Picture 14" descr=""/>
           <p:cNvPicPr/>
           <p:nvPr/>
         </p:nvPicPr>
@@ -10288,7 +10313,7 @@
         <p:spPr>
           <a:xfrm>
             <a:off x="203400" y="3493440"/>
-            <a:ext cx="5122800" cy="2558160"/>
+            <a:ext cx="5122440" cy="2557800"/>
           </a:xfrm>
           <a:prstGeom prst="rect">
             <a:avLst/>
@@ -10330,7 +10355,7 @@
       </p:grpSpPr>
       <p:pic>
         <p:nvPicPr>
-          <p:cNvPr id="168" name="Picture 6" descr=""/>
+          <p:cNvPr id="169" name="Picture 6" descr=""/>
           <p:cNvPicPr/>
           <p:nvPr/>
         </p:nvPicPr>
@@ -10341,7 +10366,7 @@
         <p:spPr>
           <a:xfrm>
             <a:off x="135360" y="835200"/>
-            <a:ext cx="5184000" cy="2592000"/>
+            <a:ext cx="5183640" cy="2591640"/>
           </a:xfrm>
           <a:prstGeom prst="rect">
             <a:avLst/>
@@ -10353,7 +10378,7 @@
       </p:pic>
       <p:sp>
         <p:nvSpPr>
-          <p:cNvPr id="169" name="PlaceHolder 1"/>
+          <p:cNvPr id="170" name="PlaceHolder 1"/>
           <p:cNvSpPr>
             <a:spLocks noGrp="1"/>
           </p:cNvSpPr>
@@ -10364,7 +10389,7 @@
         <p:spPr>
           <a:xfrm>
             <a:off x="0" y="114840"/>
-            <a:ext cx="5319360" cy="528480"/>
+            <a:ext cx="5319000" cy="528120"/>
           </a:xfrm>
           <a:prstGeom prst="rect">
             <a:avLst/>
@@ -10376,7 +10401,7 @@
         </p:spPr>
         <p:txBody>
           <a:bodyPr lIns="90000" rIns="90000" tIns="45000" bIns="45000" anchor="ctr">
-            <a:normAutofit fontScale="77000"/>
+            <a:normAutofit fontScale="76000"/>
           </a:bodyPr>
           <a:p>
             <a:pPr indent="0">
@@ -10408,7 +10433,7 @@
       </p:sp>
       <p:pic>
         <p:nvPicPr>
-          <p:cNvPr id="170" name="Picture 4" descr=""/>
+          <p:cNvPr id="171" name="Picture 4" descr=""/>
           <p:cNvPicPr/>
           <p:nvPr/>
         </p:nvPicPr>
@@ -10419,7 +10444,7 @@
         <p:spPr>
           <a:xfrm>
             <a:off x="65880" y="3707640"/>
-            <a:ext cx="5184000" cy="2592000"/>
+            <a:ext cx="5183640" cy="2591640"/>
           </a:xfrm>
           <a:prstGeom prst="rect">
             <a:avLst/>
@@ -10431,7 +10456,7 @@
       </p:pic>
       <p:pic>
         <p:nvPicPr>
-          <p:cNvPr id="171" name="" descr=""/>
+          <p:cNvPr id="172" name="" descr=""/>
           <p:cNvPicPr/>
           <p:nvPr/>
         </p:nvPicPr>
@@ -10442,7 +10467,7 @@
         <p:spPr>
           <a:xfrm>
             <a:off x="5287320" y="2228400"/>
-            <a:ext cx="3816000" cy="2880000"/>
+            <a:ext cx="3815640" cy="2879640"/>
           </a:xfrm>
           <a:prstGeom prst="rect">
             <a:avLst/>
@@ -10484,23 +10509,29 @@
       </p:grpSpPr>
       <p:sp>
         <p:nvSpPr>
-          <p:cNvPr id="172" name="PlaceHolder 3"/>
-          <p:cNvSpPr txBox="1"/>
+          <p:cNvPr id="173" name="PlaceHolder 3"/>
+          <p:cNvSpPr/>
           <p:nvPr/>
         </p:nvSpPr>
         <p:spPr>
           <a:xfrm>
             <a:off x="12960" y="148320"/>
-            <a:ext cx="3936600" cy="657000"/>
-          </a:xfrm>
-          <a:prstGeom prst="rect">
-            <a:avLst/>
-          </a:prstGeom>
-          <a:noFill/>
-          <a:ln w="0">
-            <a:noFill/>
-          </a:ln>
-        </p:spPr>
+            <a:ext cx="3936240" cy="656640"/>
+          </a:xfrm>
+          <a:prstGeom prst="rect">
+            <a:avLst/>
+          </a:prstGeom>
+          <a:noFill/>
+          <a:ln w="0">
+            <a:noFill/>
+          </a:ln>
+        </p:spPr>
+        <p:style>
+          <a:lnRef idx="0"/>
+          <a:fillRef idx="0"/>
+          <a:effectRef idx="0"/>
+          <a:fontRef idx="minor"/>
+        </p:style>
         <p:txBody>
           <a:bodyPr lIns="90000" rIns="90000" tIns="45000" bIns="45000" anchor="ctr">
             <a:noAutofit/>
@@ -10534,7 +10565,7 @@
       </p:sp>
       <p:pic>
         <p:nvPicPr>
-          <p:cNvPr id="173" name="" descr=""/>
+          <p:cNvPr id="174" name="" descr=""/>
           <p:cNvPicPr/>
           <p:nvPr/>
         </p:nvPicPr>
@@ -10545,30 +10576,7 @@
         <p:spPr>
           <a:xfrm>
             <a:off x="117360" y="801000"/>
-            <a:ext cx="5184000" cy="2592000"/>
-          </a:xfrm>
-          <a:prstGeom prst="rect">
-            <a:avLst/>
-          </a:prstGeom>
-          <a:ln w="0">
-            <a:noFill/>
-          </a:ln>
-        </p:spPr>
-      </p:pic>
-      <p:pic>
-        <p:nvPicPr>
-          <p:cNvPr id="174" name="" descr=""/>
-          <p:cNvPicPr/>
-          <p:nvPr/>
-        </p:nvPicPr>
-        <p:blipFill>
-          <a:blip r:embed="rId2"/>
-          <a:stretch/>
-        </p:blipFill>
-        <p:spPr>
-          <a:xfrm>
-            <a:off x="132120" y="3600000"/>
-            <a:ext cx="5184000" cy="2592000"/>
+            <a:ext cx="5183640" cy="2591640"/>
           </a:xfrm>
           <a:prstGeom prst="rect">
             <a:avLst/>
@@ -10585,13 +10593,36 @@
           <p:nvPr/>
         </p:nvPicPr>
         <p:blipFill>
+          <a:blip r:embed="rId2"/>
+          <a:stretch/>
+        </p:blipFill>
+        <p:spPr>
+          <a:xfrm>
+            <a:off x="132120" y="3600000"/>
+            <a:ext cx="5183640" cy="2591640"/>
+          </a:xfrm>
+          <a:prstGeom prst="rect">
+            <a:avLst/>
+          </a:prstGeom>
+          <a:ln w="0">
+            <a:noFill/>
+          </a:ln>
+        </p:spPr>
+      </p:pic>
+      <p:pic>
+        <p:nvPicPr>
+          <p:cNvPr id="176" name="" descr=""/>
+          <p:cNvPicPr/>
+          <p:nvPr/>
+        </p:nvPicPr>
+        <p:blipFill>
           <a:blip r:embed="rId3"/>
           <a:stretch/>
         </p:blipFill>
         <p:spPr>
           <a:xfrm>
             <a:off x="5228640" y="2058480"/>
-            <a:ext cx="3816000" cy="2880000"/>
+            <a:ext cx="3815640" cy="2879640"/>
           </a:xfrm>
           <a:prstGeom prst="rect">
             <a:avLst/>
@@ -10633,7 +10664,7 @@
       </p:grpSpPr>
       <p:pic>
         <p:nvPicPr>
-          <p:cNvPr id="176" name="Picture 4" descr=""/>
+          <p:cNvPr id="177" name="Picture 4" descr=""/>
           <p:cNvPicPr/>
           <p:nvPr/>
         </p:nvPicPr>
@@ -10644,7 +10675,7 @@
         <p:spPr>
           <a:xfrm>
             <a:off x="62640" y="1077120"/>
-            <a:ext cx="5184000" cy="2592000"/>
+            <a:ext cx="5183640" cy="2591640"/>
           </a:xfrm>
           <a:prstGeom prst="rect">
             <a:avLst/>
@@ -10656,7 +10687,7 @@
       </p:pic>
       <p:pic>
         <p:nvPicPr>
-          <p:cNvPr id="177" name="Picture 8" descr=""/>
+          <p:cNvPr id="178" name="Picture 8" descr=""/>
           <p:cNvPicPr/>
           <p:nvPr/>
         </p:nvPicPr>
@@ -10667,7 +10698,7 @@
         <p:spPr>
           <a:xfrm>
             <a:off x="84960" y="3952440"/>
-            <a:ext cx="5184000" cy="2592000"/>
+            <a:ext cx="5183640" cy="2591640"/>
           </a:xfrm>
           <a:prstGeom prst="rect">
             <a:avLst/>
@@ -10679,7 +10710,7 @@
       </p:pic>
       <p:pic>
         <p:nvPicPr>
-          <p:cNvPr id="178" name="Picture 10" descr=""/>
+          <p:cNvPr id="179" name="Picture 10" descr=""/>
           <p:cNvPicPr/>
           <p:nvPr/>
         </p:nvPicPr>
@@ -10690,7 +10721,7 @@
         <p:spPr>
           <a:xfrm>
             <a:off x="5293080" y="1893600"/>
-            <a:ext cx="3803760" cy="2858400"/>
+            <a:ext cx="3803400" cy="2858040"/>
           </a:xfrm>
           <a:prstGeom prst="rect">
             <a:avLst/>
@@ -10702,7 +10733,7 @@
       </p:pic>
       <p:sp>
         <p:nvSpPr>
-          <p:cNvPr id="179" name="PlaceHolder 1"/>
+          <p:cNvPr id="180" name="PlaceHolder 1"/>
           <p:cNvSpPr>
             <a:spLocks noGrp="1"/>
           </p:cNvSpPr>
@@ -10713,7 +10744,7 @@
         <p:spPr>
           <a:xfrm>
             <a:off x="151560" y="177120"/>
-            <a:ext cx="3328920" cy="679320"/>
+            <a:ext cx="3328560" cy="678960"/>
           </a:xfrm>
           <a:prstGeom prst="rect">
             <a:avLst/>
@@ -10787,7 +10818,7 @@
       </p:grpSpPr>
       <p:sp>
         <p:nvSpPr>
-          <p:cNvPr id="180" name="PlaceHolder 1"/>
+          <p:cNvPr id="181" name="PlaceHolder 1"/>
           <p:cNvSpPr>
             <a:spLocks noGrp="1"/>
           </p:cNvSpPr>
@@ -10798,7 +10829,7 @@
         <p:spPr>
           <a:xfrm>
             <a:off x="628560" y="365040"/>
-            <a:ext cx="7886160" cy="1324800"/>
+            <a:ext cx="7885800" cy="1324440"/>
           </a:xfrm>
           <a:prstGeom prst="rect">
             <a:avLst/>
@@ -10842,7 +10873,7 @@
       </p:sp>
       <p:pic>
         <p:nvPicPr>
-          <p:cNvPr id="181" name="Picture 9" descr=""/>
+          <p:cNvPr id="182" name="Picture 9" descr=""/>
           <p:cNvPicPr/>
           <p:nvPr/>
         </p:nvPicPr>
@@ -10853,7 +10884,7 @@
         <p:spPr>
           <a:xfrm>
             <a:off x="79200" y="1438560"/>
-            <a:ext cx="8985240" cy="4916160"/>
+            <a:ext cx="8984880" cy="4915800"/>
           </a:xfrm>
           <a:prstGeom prst="rect">
             <a:avLst/>
@@ -10895,7 +10926,7 @@
       </p:grpSpPr>
       <p:sp>
         <p:nvSpPr>
-          <p:cNvPr id="125" name="PlaceHolder 1"/>
+          <p:cNvPr id="126" name="PlaceHolder 1"/>
           <p:cNvSpPr>
             <a:spLocks noGrp="1"/>
           </p:cNvSpPr>
@@ -10906,7 +10937,7 @@
         <p:spPr>
           <a:xfrm>
             <a:off x="302760" y="168480"/>
-            <a:ext cx="2011320" cy="1071360"/>
+            <a:ext cx="2010960" cy="1071000"/>
           </a:xfrm>
           <a:prstGeom prst="rect">
             <a:avLst/>
@@ -10950,21 +10981,21 @@
       </p:sp>
       <p:grpSp>
         <p:nvGrpSpPr>
-          <p:cNvPr id="126" name=""/>
+          <p:cNvPr id="127" name=""/>
           <p:cNvGrpSpPr/>
           <p:nvPr/>
         </p:nvGrpSpPr>
         <p:grpSpPr>
           <a:xfrm>
             <a:off x="2552400" y="1618560"/>
-            <a:ext cx="4039200" cy="4750560"/>
+            <a:ext cx="4038840" cy="4750200"/>
             <a:chOff x="2552400" y="1618560"/>
-            <a:chExt cx="4039200" cy="4750560"/>
+            <a:chExt cx="4038840" cy="4750200"/>
           </a:xfrm>
         </p:grpSpPr>
         <p:pic>
           <p:nvPicPr>
-            <p:cNvPr id="127" name="Picture 5" descr=""/>
+            <p:cNvPr id="128" name="Picture 5" descr=""/>
             <p:cNvPicPr/>
             <p:nvPr/>
           </p:nvPicPr>
@@ -10975,7 +11006,7 @@
           <p:spPr>
             <a:xfrm>
               <a:off x="2552400" y="1618560"/>
-              <a:ext cx="2383560" cy="4750560"/>
+              <a:ext cx="2383200" cy="4750200"/>
             </a:xfrm>
             <a:prstGeom prst="rect">
               <a:avLst/>
@@ -10987,7 +11018,7 @@
         </p:pic>
         <p:pic>
           <p:nvPicPr>
-            <p:cNvPr id="128" name="Picture 7" descr=""/>
+            <p:cNvPr id="129" name="Picture 7" descr=""/>
             <p:cNvPicPr/>
             <p:nvPr/>
           </p:nvPicPr>
@@ -10998,7 +11029,7 @@
           <p:spPr>
             <a:xfrm>
               <a:off x="5039280" y="2229480"/>
-              <a:ext cx="1552320" cy="2398320"/>
+              <a:ext cx="1551960" cy="2397960"/>
             </a:xfrm>
             <a:prstGeom prst="rect">
               <a:avLst/>
@@ -11011,14 +11042,14 @@
       </p:grpSp>
       <p:sp>
         <p:nvSpPr>
-          <p:cNvPr id="129" name=""/>
+          <p:cNvPr id="130" name=""/>
           <p:cNvSpPr/>
           <p:nvPr/>
         </p:nvSpPr>
         <p:spPr>
           <a:xfrm>
             <a:off x="2447280" y="4110480"/>
-            <a:ext cx="1443600" cy="442440"/>
+            <a:ext cx="1443240" cy="442080"/>
           </a:xfrm>
           <a:prstGeom prst="rect">
             <a:avLst/>
@@ -11089,7 +11120,7 @@
       </p:grpSpPr>
       <p:pic>
         <p:nvPicPr>
-          <p:cNvPr id="182" name="Picture 6" descr=""/>
+          <p:cNvPr id="183" name="Picture 6" descr=""/>
           <p:cNvPicPr/>
           <p:nvPr/>
         </p:nvPicPr>
@@ -11100,7 +11131,7 @@
         <p:spPr>
           <a:xfrm>
             <a:off x="50760" y="1133640"/>
-            <a:ext cx="9041760" cy="4590000"/>
+            <a:ext cx="9041400" cy="4589640"/>
           </a:xfrm>
           <a:prstGeom prst="rect">
             <a:avLst/>
@@ -11142,7 +11173,7 @@
       </p:grpSpPr>
       <p:pic>
         <p:nvPicPr>
-          <p:cNvPr id="183" name="Picture 5" descr=""/>
+          <p:cNvPr id="184" name="Picture 5" descr=""/>
           <p:cNvPicPr/>
           <p:nvPr/>
         </p:nvPicPr>
@@ -11153,7 +11184,7 @@
         <p:spPr>
           <a:xfrm>
             <a:off x="65160" y="1318680"/>
-            <a:ext cx="9078120" cy="4388400"/>
+            <a:ext cx="9077760" cy="4388040"/>
           </a:xfrm>
           <a:prstGeom prst="rect">
             <a:avLst/>
@@ -11195,7 +11226,7 @@
       </p:grpSpPr>
       <p:pic>
         <p:nvPicPr>
-          <p:cNvPr id="184" name="Picture 3" descr=""/>
+          <p:cNvPr id="185" name="Picture 3" descr=""/>
           <p:cNvPicPr/>
           <p:nvPr/>
         </p:nvPicPr>
@@ -11206,7 +11237,7 @@
         <p:spPr>
           <a:xfrm>
             <a:off x="74520" y="932400"/>
-            <a:ext cx="8994240" cy="4692240"/>
+            <a:ext cx="8993880" cy="4691880"/>
           </a:xfrm>
           <a:prstGeom prst="rect">
             <a:avLst/>
@@ -11248,7 +11279,7 @@
       </p:grpSpPr>
       <p:pic>
         <p:nvPicPr>
-          <p:cNvPr id="185" name="Picture 3" descr=""/>
+          <p:cNvPr id="186" name="Picture 3" descr=""/>
           <p:cNvPicPr/>
           <p:nvPr/>
         </p:nvPicPr>
@@ -11259,7 +11290,7 @@
         <p:spPr>
           <a:xfrm>
             <a:off x="2171160" y="1015200"/>
-            <a:ext cx="4800600" cy="5006880"/>
+            <a:ext cx="4800240" cy="5006520"/>
           </a:xfrm>
           <a:prstGeom prst="rect">
             <a:avLst/>
@@ -11301,14 +11332,14 @@
       </p:grpSpPr>
       <p:sp>
         <p:nvSpPr>
-          <p:cNvPr id="186" name="Content Placeholder 2"/>
+          <p:cNvPr id="187" name="Content Placeholder 2"/>
           <p:cNvSpPr/>
           <p:nvPr/>
         </p:nvSpPr>
         <p:spPr>
           <a:xfrm>
             <a:off x="1671120" y="1894320"/>
-            <a:ext cx="5801760" cy="1432080"/>
+            <a:ext cx="5801400" cy="1431720"/>
           </a:xfrm>
           <a:prstGeom prst="rect">
             <a:avLst/>
@@ -11439,7 +11470,7 @@
       </p:grpSpPr>
       <p:pic>
         <p:nvPicPr>
-          <p:cNvPr id="130" name="Content Placeholder 4" descr=""/>
+          <p:cNvPr id="131" name="Content Placeholder 4" descr=""/>
           <p:cNvPicPr/>
           <p:nvPr/>
         </p:nvPicPr>
@@ -11450,7 +11481,7 @@
         <p:spPr>
           <a:xfrm>
             <a:off x="46800" y="1269000"/>
-            <a:ext cx="8999640" cy="4319640"/>
+            <a:ext cx="8999280" cy="4319280"/>
           </a:xfrm>
           <a:prstGeom prst="rect">
             <a:avLst/>
@@ -11492,7 +11523,7 @@
       </p:grpSpPr>
       <p:pic>
         <p:nvPicPr>
-          <p:cNvPr id="131" name="Content Placeholder 4" descr=""/>
+          <p:cNvPr id="132" name="Content Placeholder 4" descr=""/>
           <p:cNvPicPr/>
           <p:nvPr/>
         </p:nvPicPr>
@@ -11503,7 +11534,7 @@
         <p:spPr>
           <a:xfrm>
             <a:off x="5400" y="1269000"/>
-            <a:ext cx="8999640" cy="4319640"/>
+            <a:ext cx="8999280" cy="4319280"/>
           </a:xfrm>
           <a:prstGeom prst="rect">
             <a:avLst/>
@@ -11545,7 +11576,7 @@
       </p:grpSpPr>
       <p:pic>
         <p:nvPicPr>
-          <p:cNvPr id="132" name="Content Placeholder 3" descr=""/>
+          <p:cNvPr id="133" name="Content Placeholder 3" descr=""/>
           <p:cNvPicPr/>
           <p:nvPr/>
         </p:nvPicPr>
@@ -11556,7 +11587,7 @@
         <p:spPr>
           <a:xfrm>
             <a:off x="72000" y="1179000"/>
-            <a:ext cx="8999640" cy="4499640"/>
+            <a:ext cx="8999280" cy="4499280"/>
           </a:xfrm>
           <a:prstGeom prst="rect">
             <a:avLst/>
@@ -11598,7 +11629,7 @@
       </p:grpSpPr>
       <p:pic>
         <p:nvPicPr>
-          <p:cNvPr id="133" name="Content Placeholder 3" descr=""/>
+          <p:cNvPr id="134" name="Content Placeholder 3" descr=""/>
           <p:cNvPicPr/>
           <p:nvPr/>
         </p:nvPicPr>
@@ -11609,7 +11640,7 @@
         <p:spPr>
           <a:xfrm>
             <a:off x="65520" y="1179000"/>
-            <a:ext cx="8999640" cy="4499640"/>
+            <a:ext cx="8999280" cy="4499280"/>
           </a:xfrm>
           <a:prstGeom prst="rect">
             <a:avLst/>
@@ -11651,7 +11682,7 @@
       </p:grpSpPr>
       <p:pic>
         <p:nvPicPr>
-          <p:cNvPr id="134" name="Picture 4" descr=""/>
+          <p:cNvPr id="135" name="Picture 4" descr=""/>
           <p:cNvPicPr/>
           <p:nvPr/>
         </p:nvPicPr>
@@ -11662,7 +11693,7 @@
         <p:spPr>
           <a:xfrm>
             <a:off x="1421640" y="278640"/>
-            <a:ext cx="6300360" cy="6300360"/>
+            <a:ext cx="6300000" cy="6300000"/>
           </a:xfrm>
           <a:prstGeom prst="rect">
             <a:avLst/>
@@ -11704,7 +11735,7 @@
       </p:grpSpPr>
       <p:sp>
         <p:nvSpPr>
-          <p:cNvPr id="135" name="PlaceHolder 1"/>
+          <p:cNvPr id="136" name="PlaceHolder 1"/>
           <p:cNvSpPr>
             <a:spLocks noGrp="1"/>
           </p:cNvSpPr>
@@ -11715,7 +11746,7 @@
         <p:spPr>
           <a:xfrm>
             <a:off x="180000" y="379800"/>
-            <a:ext cx="5442120" cy="378000"/>
+            <a:ext cx="5441760" cy="377640"/>
           </a:xfrm>
           <a:prstGeom prst="rect">
             <a:avLst/>
@@ -11768,21 +11799,21 @@
       </p:sp>
       <p:grpSp>
         <p:nvGrpSpPr>
-          <p:cNvPr id="136" name=""/>
+          <p:cNvPr id="137" name=""/>
           <p:cNvGrpSpPr/>
           <p:nvPr/>
         </p:nvGrpSpPr>
         <p:grpSpPr>
           <a:xfrm>
             <a:off x="1394640" y="758520"/>
-            <a:ext cx="6354720" cy="6098760"/>
+            <a:ext cx="6354360" cy="6098400"/>
             <a:chOff x="1394640" y="758520"/>
-            <a:chExt cx="6354720" cy="6098760"/>
+            <a:chExt cx="6354360" cy="6098400"/>
           </a:xfrm>
         </p:grpSpPr>
         <p:pic>
           <p:nvPicPr>
-            <p:cNvPr id="137" name="Content Placeholder 18" descr=""/>
+            <p:cNvPr id="138" name="Content Placeholder 18" descr=""/>
             <p:cNvPicPr/>
             <p:nvPr/>
           </p:nvPicPr>
@@ -11793,7 +11824,7 @@
           <p:spPr>
             <a:xfrm>
               <a:off x="1394640" y="758520"/>
-              <a:ext cx="6354720" cy="3388320"/>
+              <a:ext cx="6354360" cy="3387960"/>
             </a:xfrm>
             <a:prstGeom prst="rect">
               <a:avLst/>
@@ -11805,7 +11836,7 @@
         </p:pic>
         <p:pic>
           <p:nvPicPr>
-            <p:cNvPr id="138" name="Picture 20" descr=""/>
+            <p:cNvPr id="139" name="Picture 20" descr=""/>
             <p:cNvPicPr/>
             <p:nvPr/>
           </p:nvPicPr>
@@ -11816,7 +11847,7 @@
           <p:spPr>
             <a:xfrm>
               <a:off x="1394640" y="3468960"/>
-              <a:ext cx="6354720" cy="3388320"/>
+              <a:ext cx="6354360" cy="3387960"/>
             </a:xfrm>
             <a:prstGeom prst="rect">
               <a:avLst/>
@@ -11859,21 +11890,21 @@
       </p:grpSpPr>
       <p:grpSp>
         <p:nvGrpSpPr>
-          <p:cNvPr id="139" name=""/>
+          <p:cNvPr id="140" name=""/>
           <p:cNvGrpSpPr/>
           <p:nvPr/>
         </p:nvGrpSpPr>
         <p:grpSpPr>
           <a:xfrm>
             <a:off x="1260000" y="18000"/>
-            <a:ext cx="6624000" cy="6886080"/>
+            <a:ext cx="6623640" cy="6885720"/>
             <a:chOff x="1260000" y="18000"/>
-            <a:chExt cx="6624000" cy="6886080"/>
+            <a:chExt cx="6623640" cy="6885720"/>
           </a:xfrm>
         </p:grpSpPr>
         <p:pic>
           <p:nvPicPr>
-            <p:cNvPr id="140" name="Content Placeholder 3" descr=""/>
+            <p:cNvPr id="141" name="Content Placeholder 3" descr=""/>
             <p:cNvPicPr/>
             <p:nvPr/>
           </p:nvPicPr>
@@ -11884,7 +11915,7 @@
           <p:spPr>
             <a:xfrm>
               <a:off x="1260000" y="18000"/>
-              <a:ext cx="6612480" cy="3525840"/>
+              <a:ext cx="6612120" cy="3525480"/>
             </a:xfrm>
             <a:prstGeom prst="rect">
               <a:avLst/>
@@ -11896,7 +11927,7 @@
         </p:pic>
         <p:pic>
           <p:nvPicPr>
-            <p:cNvPr id="141" name="Picture 4" descr=""/>
+            <p:cNvPr id="142" name="Picture 4" descr=""/>
             <p:cNvPicPr/>
             <p:nvPr/>
           </p:nvPicPr>
@@ -11907,7 +11938,7 @@
           <p:spPr>
             <a:xfrm>
               <a:off x="1271520" y="3378240"/>
-              <a:ext cx="6612480" cy="3525840"/>
+              <a:ext cx="6612120" cy="3525480"/>
             </a:xfrm>
             <a:prstGeom prst="rect">
               <a:avLst/>
